--- a/docs/reference/slide_replacement.pptx
+++ b/docs/reference/slide_replacement.pptx
@@ -1,21 +1,21 @@
 
 <file path=ppt/presentation.xml><?xml version="1.0" encoding="utf-8"?>
-<p:presentation xmlns:a="http://schemas.openxmlformats.org/drawingml/2006/main" xmlns:r="http://schemas.openxmlformats.org/officeDocument/2006/relationships" xmlns:p="http://schemas.openxmlformats.org/presentationml/2006/main" xmlns:mc="http://schemas.openxmlformats.org/markup-compatibility/2006" xmlns:c="http://schemas.openxmlformats.org/drawingml/2006/chart" xmlns:ns6="http://schemas.openxmlformats.org/drawingml/2006/chartDrawing" xmlns:dgm="http://schemas.openxmlformats.org/drawingml/2006/diagram" xmlns:pic="http://schemas.openxmlformats.org/drawingml/2006/picture" xmlns:wp="http://schemas.openxmlformats.org/drawingml/2006/wordprocessingDrawing" xmlns:xdr="http://schemas.openxmlformats.org/drawingml/2006/spreadsheetDrawing" xmlns:ns11="http://schemas.openxmlformats.org/drawingml/2006/compatibility" xmlns:ns12="http://schemas.openxmlformats.org/drawingml/2006/lockedCanvas" saveSubsetFonts="true">
+<p:presentation xmlns:p="http://schemas.openxmlformats.org/presentationml/2006/main" xmlns:a="http://schemas.openxmlformats.org/drawingml/2006/main" xmlns:r="http://schemas.openxmlformats.org/officeDocument/2006/relationships" xmlns:mc="http://schemas.openxmlformats.org/markup-compatibility/2006" xmlns:c="http://schemas.openxmlformats.org/drawingml/2006/chart" xmlns:ns6="http://schemas.openxmlformats.org/drawingml/2006/chartDrawing" xmlns:dgm="http://schemas.openxmlformats.org/drawingml/2006/diagram" xmlns:pic="http://schemas.openxmlformats.org/drawingml/2006/picture" xmlns:wp="http://schemas.openxmlformats.org/drawingml/2006/wordprocessingDrawing" xmlns:xdr="http://schemas.openxmlformats.org/drawingml/2006/spreadsheetDrawing" xmlns:ns11="http://schemas.openxmlformats.org/drawingml/2006/compatibility" xmlns:ns12="http://schemas.openxmlformats.org/drawingml/2006/lockedCanvas" saveSubsetFonts="true">
   <p:sldMasterIdLst>
-    <p:sldMasterId r:id="rId1" id="2147483648"/>
+    <p:sldMasterId id="2147483648" r:id="rId1"/>
   </p:sldMasterIdLst>
   <p:sldIdLst>
-    <p:sldId r:id="rId8" id="1925434714"/>
-    <p:sldId r:id="rId7" id="901745246"/>
+    <p:sldId id="1023035056" r:id="rId8"/>
+    <p:sldId id="976440622" r:id="rId7"/>
   </p:sldIdLst>
-  <p:sldSz cy="6858000" cx="12192000"/>
-  <p:notesSz cy="9144000" cx="6858000"/>
+  <p:sldSz cx="12192000" cy="6858000"/>
+  <p:notesSz cx="6858000" cy="9144000"/>
   <p:defaultTextStyle>
     <a:defPPr>
       <a:defRPr lang="fr-FR"/>
     </a:defPPr>
-    <a:lvl1pPr hangingPunct="true" latinLnBrk="false" eaLnBrk="true" rtl="false" defTabSz="914400" algn="l" marL="0">
-      <a:defRPr kern="1200" sz="1800">
+    <a:lvl1pPr marL="0" algn="l" defTabSz="914400" rtl="false" eaLnBrk="true" latinLnBrk="false" hangingPunct="true">
+      <a:defRPr sz="1800" kern="1200">
         <a:solidFill>
           <a:schemeClr val="tx1"/>
         </a:solidFill>
@@ -24,8 +24,8 @@
         <a:cs typeface="+mn-cs"/>
       </a:defRPr>
     </a:lvl1pPr>
-    <a:lvl2pPr hangingPunct="true" latinLnBrk="false" eaLnBrk="true" rtl="false" defTabSz="914400" algn="l" marL="457200">
-      <a:defRPr kern="1200" sz="1800">
+    <a:lvl2pPr marL="457200" algn="l" defTabSz="914400" rtl="false" eaLnBrk="true" latinLnBrk="false" hangingPunct="true">
+      <a:defRPr sz="1800" kern="1200">
         <a:solidFill>
           <a:schemeClr val="tx1"/>
         </a:solidFill>
@@ -34,8 +34,8 @@
         <a:cs typeface="+mn-cs"/>
       </a:defRPr>
     </a:lvl2pPr>
-    <a:lvl3pPr hangingPunct="true" latinLnBrk="false" eaLnBrk="true" rtl="false" defTabSz="914400" algn="l" marL="914400">
-      <a:defRPr kern="1200" sz="1800">
+    <a:lvl3pPr marL="914400" algn="l" defTabSz="914400" rtl="false" eaLnBrk="true" latinLnBrk="false" hangingPunct="true">
+      <a:defRPr sz="1800" kern="1200">
         <a:solidFill>
           <a:schemeClr val="tx1"/>
         </a:solidFill>
@@ -44,8 +44,8 @@
         <a:cs typeface="+mn-cs"/>
       </a:defRPr>
     </a:lvl3pPr>
-    <a:lvl4pPr hangingPunct="true" latinLnBrk="false" eaLnBrk="true" rtl="false" defTabSz="914400" algn="l" marL="1371600">
-      <a:defRPr kern="1200" sz="1800">
+    <a:lvl4pPr marL="1371600" algn="l" defTabSz="914400" rtl="false" eaLnBrk="true" latinLnBrk="false" hangingPunct="true">
+      <a:defRPr sz="1800" kern="1200">
         <a:solidFill>
           <a:schemeClr val="tx1"/>
         </a:solidFill>
@@ -54,8 +54,8 @@
         <a:cs typeface="+mn-cs"/>
       </a:defRPr>
     </a:lvl4pPr>
-    <a:lvl5pPr hangingPunct="true" latinLnBrk="false" eaLnBrk="true" rtl="false" defTabSz="914400" algn="l" marL="1828800">
-      <a:defRPr kern="1200" sz="1800">
+    <a:lvl5pPr marL="1828800" algn="l" defTabSz="914400" rtl="false" eaLnBrk="true" latinLnBrk="false" hangingPunct="true">
+      <a:defRPr sz="1800" kern="1200">
         <a:solidFill>
           <a:schemeClr val="tx1"/>
         </a:solidFill>
@@ -64,8 +64,8 @@
         <a:cs typeface="+mn-cs"/>
       </a:defRPr>
     </a:lvl5pPr>
-    <a:lvl6pPr hangingPunct="true" latinLnBrk="false" eaLnBrk="true" rtl="false" defTabSz="914400" algn="l" marL="2286000">
-      <a:defRPr kern="1200" sz="1800">
+    <a:lvl6pPr marL="2286000" algn="l" defTabSz="914400" rtl="false" eaLnBrk="true" latinLnBrk="false" hangingPunct="true">
+      <a:defRPr sz="1800" kern="1200">
         <a:solidFill>
           <a:schemeClr val="tx1"/>
         </a:solidFill>
@@ -74,8 +74,8 @@
         <a:cs typeface="+mn-cs"/>
       </a:defRPr>
     </a:lvl6pPr>
-    <a:lvl7pPr hangingPunct="true" latinLnBrk="false" eaLnBrk="true" rtl="false" defTabSz="914400" algn="l" marL="2743200">
-      <a:defRPr kern="1200" sz="1800">
+    <a:lvl7pPr marL="2743200" algn="l" defTabSz="914400" rtl="false" eaLnBrk="true" latinLnBrk="false" hangingPunct="true">
+      <a:defRPr sz="1800" kern="1200">
         <a:solidFill>
           <a:schemeClr val="tx1"/>
         </a:solidFill>
@@ -84,8 +84,8 @@
         <a:cs typeface="+mn-cs"/>
       </a:defRPr>
     </a:lvl7pPr>
-    <a:lvl8pPr hangingPunct="true" latinLnBrk="false" eaLnBrk="true" rtl="false" defTabSz="914400" algn="l" marL="3200400">
-      <a:defRPr kern="1200" sz="1800">
+    <a:lvl8pPr marL="3200400" algn="l" defTabSz="914400" rtl="false" eaLnBrk="true" latinLnBrk="false" hangingPunct="true">
+      <a:defRPr sz="1800" kern="1200">
         <a:solidFill>
           <a:schemeClr val="tx1"/>
         </a:solidFill>
@@ -94,8 +94,8 @@
         <a:cs typeface="+mn-cs"/>
       </a:defRPr>
     </a:lvl8pPr>
-    <a:lvl9pPr hangingPunct="true" latinLnBrk="false" eaLnBrk="true" rtl="false" defTabSz="914400" algn="l" marL="3657600">
-      <a:defRPr kern="1200" sz="1800">
+    <a:lvl9pPr marL="3657600" algn="l" defTabSz="914400" rtl="false" eaLnBrk="true" latinLnBrk="false" hangingPunct="true">
+      <a:defRPr sz="1800" kern="1200">
         <a:solidFill>
           <a:schemeClr val="tx1"/>
         </a:solidFill>
@@ -114,25 +114,25 @@
 </file>
 
 <file path=ppt/slideLayouts/slideLayout1.xml><?xml version="1.0" encoding="utf-8"?>
-<p:sldLayout xmlns:a="http://schemas.openxmlformats.org/drawingml/2006/main" xmlns:r="http://schemas.openxmlformats.org/officeDocument/2006/relationships" xmlns:p="http://schemas.openxmlformats.org/presentationml/2006/main" xmlns:mc="http://schemas.openxmlformats.org/markup-compatibility/2006" xmlns:c="http://schemas.openxmlformats.org/drawingml/2006/chart" xmlns:ns6="http://schemas.openxmlformats.org/drawingml/2006/chartDrawing" xmlns:dgm="http://schemas.openxmlformats.org/drawingml/2006/diagram" xmlns:pic="http://schemas.openxmlformats.org/drawingml/2006/picture" xmlns:wp="http://schemas.openxmlformats.org/drawingml/2006/wordprocessingDrawing" xmlns:xdr="http://schemas.openxmlformats.org/drawingml/2006/spreadsheetDrawing" xmlns:ns11="http://schemas.openxmlformats.org/drawingml/2006/compatibility" xmlns:ns12="http://schemas.openxmlformats.org/drawingml/2006/lockedCanvas" preserve="true" type="title">
+<p:sldLayout xmlns:p="http://schemas.openxmlformats.org/presentationml/2006/main" xmlns:a="http://schemas.openxmlformats.org/drawingml/2006/main" xmlns:r="http://schemas.openxmlformats.org/officeDocument/2006/relationships" xmlns:mc="http://schemas.openxmlformats.org/markup-compatibility/2006" xmlns:c="http://schemas.openxmlformats.org/drawingml/2006/chart" xmlns:ns6="http://schemas.openxmlformats.org/drawingml/2006/chartDrawing" xmlns:dgm="http://schemas.openxmlformats.org/drawingml/2006/diagram" xmlns:pic="http://schemas.openxmlformats.org/drawingml/2006/picture" xmlns:wp="http://schemas.openxmlformats.org/drawingml/2006/wordprocessingDrawing" xmlns:xdr="http://schemas.openxmlformats.org/drawingml/2006/spreadsheetDrawing" xmlns:ns11="http://schemas.openxmlformats.org/drawingml/2006/compatibility" xmlns:ns12="http://schemas.openxmlformats.org/drawingml/2006/lockedCanvas" type="title" preserve="true">
   <p:cSld name="Title Slide">
     <p:spTree>
       <p:nvGrpSpPr>
-        <p:cNvPr name="" id="1"/>
+        <p:cNvPr id="1" name=""/>
         <p:cNvGrpSpPr/>
         <p:nvPr/>
       </p:nvGrpSpPr>
       <p:grpSpPr>
         <a:xfrm>
-          <a:off y="0" x="0"/>
-          <a:ext cy="0" cx="0"/>
-          <a:chOff y="0" x="0"/>
-          <a:chExt cy="0" cx="0"/>
+          <a:off x="0" y="0"/>
+          <a:ext cx="0" cy="0"/>
+          <a:chOff x="0" y="0"/>
+          <a:chExt cx="0" cy="0"/>
         </a:xfrm>
       </p:grpSpPr>
       <p:sp>
         <p:nvSpPr>
-          <p:cNvPr name="Titre 1" id="2"/>
+          <p:cNvPr id="2" name="Titre 1"/>
           <p:cNvSpPr>
             <a:spLocks noGrp="true"/>
           </p:cNvSpPr>
@@ -142,8 +142,8 @@
         </p:nvSpPr>
         <p:spPr>
           <a:xfrm>
-            <a:off y="1122363" x="1524000"/>
-            <a:ext cy="2387600" cx="9144000"/>
+            <a:off x="1524000" y="1122363"/>
+            <a:ext cx="9144000" cy="2387600"/>
           </a:xfrm>
         </p:spPr>
         <p:txBody>
@@ -155,7 +155,7 @@
           </a:lstStyle>
           <a:p>
             <a:r>
-              <a:rPr smtClean="false" lang="fr-FR"/>
+              <a:rPr lang="fr-FR" smtClean="false"/>
               <a:t>Modifiez le style du titre</a:t>
             </a:r>
             <a:endParaRPr lang="fr-FR"/>
@@ -164,63 +164,63 @@
       </p:sp>
       <p:sp>
         <p:nvSpPr>
-          <p:cNvPr name="Sous-titre 2" id="3"/>
+          <p:cNvPr id="3" name="Sous-titre 2"/>
           <p:cNvSpPr>
             <a:spLocks noGrp="true"/>
           </p:cNvSpPr>
           <p:nvPr>
-            <p:ph idx="1" type="subTitle"/>
+            <p:ph type="subTitle" idx="1"/>
           </p:nvPr>
         </p:nvSpPr>
         <p:spPr>
           <a:xfrm>
-            <a:off y="3602038" x="1524000"/>
-            <a:ext cy="1655762" cx="9144000"/>
+            <a:off x="1524000" y="3602038"/>
+            <a:ext cx="9144000" cy="1655762"/>
           </a:xfrm>
         </p:spPr>
         <p:txBody>
           <a:bodyPr/>
           <a:lstStyle>
-            <a:lvl1pPr algn="ctr" indent="0" marL="0">
+            <a:lvl1pPr marL="0" indent="0" algn="ctr">
               <a:buNone/>
               <a:defRPr sz="2400"/>
             </a:lvl1pPr>
-            <a:lvl2pPr algn="ctr" indent="0" marL="457200">
+            <a:lvl2pPr marL="457200" indent="0" algn="ctr">
               <a:buNone/>
               <a:defRPr sz="2000"/>
             </a:lvl2pPr>
-            <a:lvl3pPr algn="ctr" indent="0" marL="914400">
+            <a:lvl3pPr marL="914400" indent="0" algn="ctr">
               <a:buNone/>
               <a:defRPr sz="1800"/>
             </a:lvl3pPr>
-            <a:lvl4pPr algn="ctr" indent="0" marL="1371600">
+            <a:lvl4pPr marL="1371600" indent="0" algn="ctr">
               <a:buNone/>
               <a:defRPr sz="1600"/>
             </a:lvl4pPr>
-            <a:lvl5pPr algn="ctr" indent="0" marL="1828800">
+            <a:lvl5pPr marL="1828800" indent="0" algn="ctr">
               <a:buNone/>
               <a:defRPr sz="1600"/>
             </a:lvl5pPr>
-            <a:lvl6pPr algn="ctr" indent="0" marL="2286000">
+            <a:lvl6pPr marL="2286000" indent="0" algn="ctr">
               <a:buNone/>
               <a:defRPr sz="1600"/>
             </a:lvl6pPr>
-            <a:lvl7pPr algn="ctr" indent="0" marL="2743200">
+            <a:lvl7pPr marL="2743200" indent="0" algn="ctr">
               <a:buNone/>
               <a:defRPr sz="1600"/>
             </a:lvl7pPr>
-            <a:lvl8pPr algn="ctr" indent="0" marL="3200400">
+            <a:lvl8pPr marL="3200400" indent="0" algn="ctr">
               <a:buNone/>
               <a:defRPr sz="1600"/>
             </a:lvl8pPr>
-            <a:lvl9pPr algn="ctr" indent="0" marL="3657600">
+            <a:lvl9pPr marL="3657600" indent="0" algn="ctr">
               <a:buNone/>
               <a:defRPr sz="1600"/>
             </a:lvl9pPr>
           </a:lstStyle>
           <a:p>
             <a:r>
-              <a:rPr smtClean="false" lang="fr-FR"/>
+              <a:rPr lang="fr-FR" smtClean="false"/>
               <a:t>Modifiez le style des sous-titres du masque</a:t>
             </a:r>
             <a:endParaRPr lang="fr-FR"/>
@@ -229,12 +229,12 @@
       </p:sp>
       <p:sp>
         <p:nvSpPr>
-          <p:cNvPr name="Espace réservé de la date 3" id="4"/>
+          <p:cNvPr id="4" name="Espace réservé de la date 3"/>
           <p:cNvSpPr>
             <a:spLocks noGrp="true"/>
           </p:cNvSpPr>
           <p:nvPr>
-            <p:ph idx="10" sz="half" type="dt"/>
+            <p:ph type="dt" sz="half" idx="10"/>
           </p:nvPr>
         </p:nvSpPr>
         <p:spPr/>
@@ -242,8 +242,8 @@
           <a:bodyPr/>
           <a:lstStyle/>
           <a:p>
-            <a:fld type="datetimeFigureOut" id="{CE3110EA-6548-4EF6-B0A9-8F847AEECEDD}">
-              <a:rPr smtClean="false" lang="fr-FR"/>
+            <a:fld id="{CE3110EA-6548-4EF6-B0A9-8F847AEECEDD}" type="datetimeFigureOut">
+              <a:rPr lang="fr-FR" smtClean="false"/>
               <a:t>07/12/2013</a:t>
             </a:fld>
             <a:endParaRPr lang="fr-FR"/>
@@ -252,12 +252,12 @@
       </p:sp>
       <p:sp>
         <p:nvSpPr>
-          <p:cNvPr name="Espace réservé du pied de page 4" id="5"/>
+          <p:cNvPr id="5" name="Espace réservé du pied de page 4"/>
           <p:cNvSpPr>
             <a:spLocks noGrp="true"/>
           </p:cNvSpPr>
           <p:nvPr>
-            <p:ph idx="11" sz="quarter" type="ftr"/>
+            <p:ph type="ftr" sz="quarter" idx="11"/>
           </p:nvPr>
         </p:nvSpPr>
         <p:spPr/>
@@ -271,12 +271,12 @@
       </p:sp>
       <p:sp>
         <p:nvSpPr>
-          <p:cNvPr name="Espace réservé du numéro de diapositive 5" id="6"/>
+          <p:cNvPr id="6" name="Espace réservé du numéro de diapositive 5"/>
           <p:cNvSpPr>
             <a:spLocks noGrp="true"/>
           </p:cNvSpPr>
           <p:nvPr>
-            <p:ph idx="12" sz="quarter" type="sldNum"/>
+            <p:ph type="sldNum" sz="quarter" idx="12"/>
           </p:nvPr>
         </p:nvSpPr>
         <p:spPr/>
@@ -284,8 +284,8 @@
           <a:bodyPr/>
           <a:lstStyle/>
           <a:p>
-            <a:fld type="slidenum" id="{C47AABF0-D73A-43C1-84CC-8A30B6535388}">
-              <a:rPr smtClean="false" lang="fr-FR"/>
+            <a:fld id="{C47AABF0-D73A-43C1-84CC-8A30B6535388}" type="slidenum">
+              <a:rPr lang="fr-FR" smtClean="false"/>
               <a:t>‹N°›</a:t>
             </a:fld>
             <a:endParaRPr lang="fr-FR"/>
@@ -305,7 +305,7 @@
   <p:timing>
     <p:tnLst>
       <p:par>
-        <p:cTn nodeType="tmRoot" restart="never" dur="indefinite" id="1"/>
+        <p:cTn id="1" dur="indefinite" restart="never" nodeType="tmRoot"/>
       </p:par>
     </p:tnLst>
   </p:timing>
@@ -313,36 +313,36 @@
 </file>
 
 <file path=ppt/slideLayouts/slideLayout10.xml><?xml version="1.0" encoding="utf-8"?>
-<p:sldLayout xmlns:a="http://schemas.openxmlformats.org/drawingml/2006/main" xmlns:r="http://schemas.openxmlformats.org/officeDocument/2006/relationships" xmlns:p="http://schemas.openxmlformats.org/presentationml/2006/main" xmlns:mc="http://schemas.openxmlformats.org/markup-compatibility/2006" xmlns:c="http://schemas.openxmlformats.org/drawingml/2006/chart" xmlns:ns6="http://schemas.openxmlformats.org/drawingml/2006/chartDrawing" xmlns:dgm="http://schemas.openxmlformats.org/drawingml/2006/diagram" xmlns:pic="http://schemas.openxmlformats.org/drawingml/2006/picture" xmlns:wp="http://schemas.openxmlformats.org/drawingml/2006/wordprocessingDrawing" xmlns:xdr="http://schemas.openxmlformats.org/drawingml/2006/spreadsheetDrawing" xmlns:ns11="http://schemas.openxmlformats.org/drawingml/2006/compatibility" xmlns:ns12="http://schemas.openxmlformats.org/drawingml/2006/lockedCanvas" preserve="true" type="vertTitleAndTx">
+<p:sldLayout xmlns:p="http://schemas.openxmlformats.org/presentationml/2006/main" xmlns:a="http://schemas.openxmlformats.org/drawingml/2006/main" xmlns:r="http://schemas.openxmlformats.org/officeDocument/2006/relationships" xmlns:mc="http://schemas.openxmlformats.org/markup-compatibility/2006" xmlns:c="http://schemas.openxmlformats.org/drawingml/2006/chart" xmlns:ns6="http://schemas.openxmlformats.org/drawingml/2006/chartDrawing" xmlns:dgm="http://schemas.openxmlformats.org/drawingml/2006/diagram" xmlns:pic="http://schemas.openxmlformats.org/drawingml/2006/picture" xmlns:wp="http://schemas.openxmlformats.org/drawingml/2006/wordprocessingDrawing" xmlns:xdr="http://schemas.openxmlformats.org/drawingml/2006/spreadsheetDrawing" xmlns:ns11="http://schemas.openxmlformats.org/drawingml/2006/compatibility" xmlns:ns12="http://schemas.openxmlformats.org/drawingml/2006/lockedCanvas" type="vertTitleAndTx" preserve="true">
   <p:cSld name="Vertical Title and Text">
     <p:spTree>
       <p:nvGrpSpPr>
-        <p:cNvPr name="" id="1"/>
+        <p:cNvPr id="1" name=""/>
         <p:cNvGrpSpPr/>
         <p:nvPr/>
       </p:nvGrpSpPr>
       <p:grpSpPr>
         <a:xfrm>
-          <a:off y="0" x="0"/>
-          <a:ext cy="0" cx="0"/>
-          <a:chOff y="0" x="0"/>
-          <a:chExt cy="0" cx="0"/>
+          <a:off x="0" y="0"/>
+          <a:ext cx="0" cy="0"/>
+          <a:chOff x="0" y="0"/>
+          <a:chExt cx="0" cy="0"/>
         </a:xfrm>
       </p:grpSpPr>
       <p:sp>
         <p:nvSpPr>
-          <p:cNvPr name="Titre vertical 1" id="2"/>
+          <p:cNvPr id="2" name="Titre vertical 1"/>
           <p:cNvSpPr>
             <a:spLocks noGrp="true"/>
           </p:cNvSpPr>
           <p:nvPr>
-            <p:ph orient="vert" type="title"/>
+            <p:ph type="title" orient="vert"/>
           </p:nvPr>
         </p:nvSpPr>
         <p:spPr>
           <a:xfrm>
-            <a:off y="365125" x="8724900"/>
-            <a:ext cy="5811838" cx="2628900"/>
+            <a:off x="8724900" y="365125"/>
+            <a:ext cx="2628900" cy="5811838"/>
           </a:xfrm>
         </p:spPr>
         <p:txBody>
@@ -350,7 +350,7 @@
           <a:lstStyle/>
           <a:p>
             <a:r>
-              <a:rPr smtClean="false" lang="fr-FR"/>
+              <a:rPr lang="fr-FR" smtClean="false"/>
               <a:t>Modifiez le style du titre</a:t>
             </a:r>
             <a:endParaRPr lang="fr-FR"/>
@@ -359,18 +359,18 @@
       </p:sp>
       <p:sp>
         <p:nvSpPr>
-          <p:cNvPr name="Espace réservé du texte vertical 2" id="3"/>
+          <p:cNvPr id="3" name="Espace réservé du texte vertical 2"/>
           <p:cNvSpPr>
             <a:spLocks noGrp="true"/>
           </p:cNvSpPr>
           <p:nvPr>
-            <p:ph idx="1" orient="vert" type="body"/>
+            <p:ph type="body" orient="vert" idx="1"/>
           </p:nvPr>
         </p:nvSpPr>
         <p:spPr>
           <a:xfrm>
-            <a:off y="365125" x="838200"/>
-            <a:ext cy="5811838" cx="7734300"/>
+            <a:off x="838200" y="365125"/>
+            <a:ext cx="7734300" cy="5811838"/>
           </a:xfrm>
         </p:spPr>
         <p:txBody>
@@ -379,35 +379,35 @@
           <a:p>
             <a:pPr lvl="0"/>
             <a:r>
-              <a:rPr smtClean="false" lang="fr-FR"/>
+              <a:rPr lang="fr-FR" smtClean="false"/>
               <a:t>Modifiez les styles du texte du masque</a:t>
             </a:r>
           </a:p>
           <a:p>
             <a:pPr lvl="1"/>
             <a:r>
-              <a:rPr smtClean="false" lang="fr-FR"/>
+              <a:rPr lang="fr-FR" smtClean="false"/>
               <a:t>Deuxième niveau</a:t>
             </a:r>
           </a:p>
           <a:p>
             <a:pPr lvl="2"/>
             <a:r>
-              <a:rPr smtClean="false" lang="fr-FR"/>
+              <a:rPr lang="fr-FR" smtClean="false"/>
               <a:t>Troisième niveau</a:t>
             </a:r>
           </a:p>
           <a:p>
             <a:pPr lvl="3"/>
             <a:r>
-              <a:rPr smtClean="false" lang="fr-FR"/>
+              <a:rPr lang="fr-FR" smtClean="false"/>
               <a:t>Quatrième niveau</a:t>
             </a:r>
           </a:p>
           <a:p>
             <a:pPr lvl="4"/>
             <a:r>
-              <a:rPr smtClean="false" lang="fr-FR"/>
+              <a:rPr lang="fr-FR" smtClean="false"/>
               <a:t>Cinquième niveau</a:t>
             </a:r>
             <a:endParaRPr lang="fr-FR"/>
@@ -416,12 +416,12 @@
       </p:sp>
       <p:sp>
         <p:nvSpPr>
-          <p:cNvPr name="Espace réservé de la date 3" id="4"/>
+          <p:cNvPr id="4" name="Espace réservé de la date 3"/>
           <p:cNvSpPr>
             <a:spLocks noGrp="true"/>
           </p:cNvSpPr>
           <p:nvPr>
-            <p:ph idx="10" sz="half" type="dt"/>
+            <p:ph type="dt" sz="half" idx="10"/>
           </p:nvPr>
         </p:nvSpPr>
         <p:spPr/>
@@ -429,8 +429,8 @@
           <a:bodyPr/>
           <a:lstStyle/>
           <a:p>
-            <a:fld type="datetimeFigureOut" id="{CE3110EA-6548-4EF6-B0A9-8F847AEECEDD}">
-              <a:rPr smtClean="false" lang="fr-FR"/>
+            <a:fld id="{CE3110EA-6548-4EF6-B0A9-8F847AEECEDD}" type="datetimeFigureOut">
+              <a:rPr lang="fr-FR" smtClean="false"/>
               <a:t>07/12/2013</a:t>
             </a:fld>
             <a:endParaRPr lang="fr-FR"/>
@@ -439,12 +439,12 @@
       </p:sp>
       <p:sp>
         <p:nvSpPr>
-          <p:cNvPr name="Espace réservé du pied de page 4" id="5"/>
+          <p:cNvPr id="5" name="Espace réservé du pied de page 4"/>
           <p:cNvSpPr>
             <a:spLocks noGrp="true"/>
           </p:cNvSpPr>
           <p:nvPr>
-            <p:ph idx="11" sz="quarter" type="ftr"/>
+            <p:ph type="ftr" sz="quarter" idx="11"/>
           </p:nvPr>
         </p:nvSpPr>
         <p:spPr/>
@@ -458,12 +458,12 @@
       </p:sp>
       <p:sp>
         <p:nvSpPr>
-          <p:cNvPr name="Espace réservé du numéro de diapositive 5" id="6"/>
+          <p:cNvPr id="6" name="Espace réservé du numéro de diapositive 5"/>
           <p:cNvSpPr>
             <a:spLocks noGrp="true"/>
           </p:cNvSpPr>
           <p:nvPr>
-            <p:ph idx="12" sz="quarter" type="sldNum"/>
+            <p:ph type="sldNum" sz="quarter" idx="12"/>
           </p:nvPr>
         </p:nvSpPr>
         <p:spPr/>
@@ -471,8 +471,8 @@
           <a:bodyPr/>
           <a:lstStyle/>
           <a:p>
-            <a:fld type="slidenum" id="{C47AABF0-D73A-43C1-84CC-8A30B6535388}">
-              <a:rPr smtClean="false" lang="fr-FR"/>
+            <a:fld id="{C47AABF0-D73A-43C1-84CC-8A30B6535388}" type="slidenum">
+              <a:rPr lang="fr-FR" smtClean="false"/>
               <a:t>‹N°›</a:t>
             </a:fld>
             <a:endParaRPr lang="fr-FR"/>
@@ -492,7 +492,7 @@
   <p:timing>
     <p:tnLst>
       <p:par>
-        <p:cTn nodeType="tmRoot" restart="never" dur="indefinite" id="1"/>
+        <p:cTn id="1" dur="indefinite" restart="never" nodeType="tmRoot"/>
       </p:par>
     </p:tnLst>
   </p:timing>
@@ -500,25 +500,25 @@
 </file>
 
 <file path=ppt/slideLayouts/slideLayout2.xml><?xml version="1.0" encoding="utf-8"?>
-<p:sldLayout xmlns:a="http://schemas.openxmlformats.org/drawingml/2006/main" xmlns:r="http://schemas.openxmlformats.org/officeDocument/2006/relationships" xmlns:p="http://schemas.openxmlformats.org/presentationml/2006/main" xmlns:mc="http://schemas.openxmlformats.org/markup-compatibility/2006" xmlns:c="http://schemas.openxmlformats.org/drawingml/2006/chart" xmlns:ns6="http://schemas.openxmlformats.org/drawingml/2006/chartDrawing" xmlns:dgm="http://schemas.openxmlformats.org/drawingml/2006/diagram" xmlns:pic="http://schemas.openxmlformats.org/drawingml/2006/picture" xmlns:wp="http://schemas.openxmlformats.org/drawingml/2006/wordprocessingDrawing" xmlns:xdr="http://schemas.openxmlformats.org/drawingml/2006/spreadsheetDrawing" xmlns:ns11="http://schemas.openxmlformats.org/drawingml/2006/compatibility" xmlns:ns12="http://schemas.openxmlformats.org/drawingml/2006/lockedCanvas" preserve="true" type="obj">
+<p:sldLayout xmlns:p="http://schemas.openxmlformats.org/presentationml/2006/main" xmlns:a="http://schemas.openxmlformats.org/drawingml/2006/main" xmlns:r="http://schemas.openxmlformats.org/officeDocument/2006/relationships" xmlns:mc="http://schemas.openxmlformats.org/markup-compatibility/2006" xmlns:c="http://schemas.openxmlformats.org/drawingml/2006/chart" xmlns:ns6="http://schemas.openxmlformats.org/drawingml/2006/chartDrawing" xmlns:dgm="http://schemas.openxmlformats.org/drawingml/2006/diagram" xmlns:pic="http://schemas.openxmlformats.org/drawingml/2006/picture" xmlns:wp="http://schemas.openxmlformats.org/drawingml/2006/wordprocessingDrawing" xmlns:xdr="http://schemas.openxmlformats.org/drawingml/2006/spreadsheetDrawing" xmlns:ns11="http://schemas.openxmlformats.org/drawingml/2006/compatibility" xmlns:ns12="http://schemas.openxmlformats.org/drawingml/2006/lockedCanvas" type="obj" preserve="true">
   <p:cSld name="Title and Content">
     <p:spTree>
       <p:nvGrpSpPr>
-        <p:cNvPr name="" id="1"/>
+        <p:cNvPr id="1" name=""/>
         <p:cNvGrpSpPr/>
         <p:nvPr/>
       </p:nvGrpSpPr>
       <p:grpSpPr>
         <a:xfrm>
-          <a:off y="0" x="0"/>
-          <a:ext cy="0" cx="0"/>
-          <a:chOff y="0" x="0"/>
-          <a:chExt cy="0" cx="0"/>
+          <a:off x="0" y="0"/>
+          <a:ext cx="0" cy="0"/>
+          <a:chOff x="0" y="0"/>
+          <a:chExt cx="0" cy="0"/>
         </a:xfrm>
       </p:grpSpPr>
       <p:sp>
         <p:nvSpPr>
-          <p:cNvPr name="Titre 1" id="2"/>
+          <p:cNvPr id="2" name="Titre 1"/>
           <p:cNvSpPr>
             <a:spLocks noGrp="true"/>
           </p:cNvSpPr>
@@ -532,7 +532,7 @@
           <a:lstStyle/>
           <a:p>
             <a:r>
-              <a:rPr smtClean="false" lang="fr-FR"/>
+              <a:rPr lang="fr-FR" smtClean="false"/>
               <a:t>Modifiez le style du titre</a:t>
             </a:r>
             <a:endParaRPr lang="fr-FR"/>
@@ -541,7 +541,7 @@
       </p:sp>
       <p:sp>
         <p:nvSpPr>
-          <p:cNvPr name="Espace réservé du contenu 2" id="3"/>
+          <p:cNvPr id="3" name="Espace réservé du contenu 2"/>
           <p:cNvSpPr>
             <a:spLocks noGrp="true"/>
           </p:cNvSpPr>
@@ -551,8 +551,8 @@
         </p:nvSpPr>
         <p:spPr>
           <a:xfrm>
-            <a:off y="1825625" x="838200"/>
-            <a:ext cy="4351338" cx="10515600"/>
+            <a:off x="838200" y="1825625"/>
+            <a:ext cx="10515600" cy="4351338"/>
           </a:xfrm>
         </p:spPr>
         <p:txBody>
@@ -561,35 +561,35 @@
           <a:p>
             <a:pPr lvl="0"/>
             <a:r>
-              <a:rPr smtClean="false" lang="fr-FR"/>
+              <a:rPr lang="fr-FR" smtClean="false"/>
               <a:t>Modifiez les styles du texte du masque</a:t>
             </a:r>
           </a:p>
           <a:p>
             <a:pPr lvl="1"/>
             <a:r>
-              <a:rPr smtClean="false" lang="fr-FR"/>
+              <a:rPr lang="fr-FR" smtClean="false"/>
               <a:t>Deuxième niveau</a:t>
             </a:r>
           </a:p>
           <a:p>
             <a:pPr lvl="2"/>
             <a:r>
-              <a:rPr smtClean="false" lang="fr-FR"/>
+              <a:rPr lang="fr-FR" smtClean="false"/>
               <a:t>Troisième niveau</a:t>
             </a:r>
           </a:p>
           <a:p>
             <a:pPr lvl="3"/>
             <a:r>
-              <a:rPr smtClean="false" lang="fr-FR"/>
+              <a:rPr lang="fr-FR" smtClean="false"/>
               <a:t>Quatrième niveau</a:t>
             </a:r>
           </a:p>
           <a:p>
             <a:pPr lvl="4"/>
             <a:r>
-              <a:rPr smtClean="false" lang="fr-FR"/>
+              <a:rPr lang="fr-FR" smtClean="false"/>
               <a:t>Cinquième niveau</a:t>
             </a:r>
             <a:endParaRPr lang="fr-FR"/>
@@ -598,12 +598,12 @@
       </p:sp>
       <p:sp>
         <p:nvSpPr>
-          <p:cNvPr name="Espace réservé de la date 3" id="4"/>
+          <p:cNvPr id="4" name="Espace réservé de la date 3"/>
           <p:cNvSpPr>
             <a:spLocks noGrp="true"/>
           </p:cNvSpPr>
           <p:nvPr>
-            <p:ph idx="10" sz="half" type="dt"/>
+            <p:ph type="dt" sz="half" idx="10"/>
           </p:nvPr>
         </p:nvSpPr>
         <p:spPr/>
@@ -611,8 +611,8 @@
           <a:bodyPr/>
           <a:lstStyle/>
           <a:p>
-            <a:fld type="datetimeFigureOut" id="{CE3110EA-6548-4EF6-B0A9-8F847AEECEDD}">
-              <a:rPr smtClean="false" lang="fr-FR"/>
+            <a:fld id="{CE3110EA-6548-4EF6-B0A9-8F847AEECEDD}" type="datetimeFigureOut">
+              <a:rPr lang="fr-FR" smtClean="false"/>
               <a:t>07/12/2013</a:t>
             </a:fld>
             <a:endParaRPr lang="fr-FR"/>
@@ -621,12 +621,12 @@
       </p:sp>
       <p:sp>
         <p:nvSpPr>
-          <p:cNvPr name="Espace réservé du pied de page 4" id="5"/>
+          <p:cNvPr id="5" name="Espace réservé du pied de page 4"/>
           <p:cNvSpPr>
             <a:spLocks noGrp="true"/>
           </p:cNvSpPr>
           <p:nvPr>
-            <p:ph idx="11" sz="quarter" type="ftr"/>
+            <p:ph type="ftr" sz="quarter" idx="11"/>
           </p:nvPr>
         </p:nvSpPr>
         <p:spPr/>
@@ -640,12 +640,12 @@
       </p:sp>
       <p:sp>
         <p:nvSpPr>
-          <p:cNvPr name="Espace réservé du numéro de diapositive 5" id="6"/>
+          <p:cNvPr id="6" name="Espace réservé du numéro de diapositive 5"/>
           <p:cNvSpPr>
             <a:spLocks noGrp="true"/>
           </p:cNvSpPr>
           <p:nvPr>
-            <p:ph idx="12" sz="quarter" type="sldNum"/>
+            <p:ph type="sldNum" sz="quarter" idx="12"/>
           </p:nvPr>
         </p:nvSpPr>
         <p:spPr/>
@@ -653,8 +653,8 @@
           <a:bodyPr/>
           <a:lstStyle/>
           <a:p>
-            <a:fld type="slidenum" id="{C47AABF0-D73A-43C1-84CC-8A30B6535388}">
-              <a:rPr smtClean="false" lang="fr-FR"/>
+            <a:fld id="{C47AABF0-D73A-43C1-84CC-8A30B6535388}" type="slidenum">
+              <a:rPr lang="fr-FR" smtClean="false"/>
               <a:t>‹N°›</a:t>
             </a:fld>
             <a:endParaRPr lang="fr-FR"/>
@@ -674,7 +674,7 @@
   <p:timing>
     <p:tnLst>
       <p:par>
-        <p:cTn nodeType="tmRoot" restart="never" dur="indefinite" id="1"/>
+        <p:cTn id="1" dur="indefinite" restart="never" nodeType="tmRoot"/>
       </p:par>
     </p:tnLst>
   </p:timing>
@@ -682,25 +682,25 @@
 </file>
 
 <file path=ppt/slideLayouts/slideLayout3.xml><?xml version="1.0" encoding="utf-8"?>
-<p:sldLayout xmlns:a="http://schemas.openxmlformats.org/drawingml/2006/main" xmlns:r="http://schemas.openxmlformats.org/officeDocument/2006/relationships" xmlns:p="http://schemas.openxmlformats.org/presentationml/2006/main" xmlns:mc="http://schemas.openxmlformats.org/markup-compatibility/2006" xmlns:c="http://schemas.openxmlformats.org/drawingml/2006/chart" xmlns:ns6="http://schemas.openxmlformats.org/drawingml/2006/chartDrawing" xmlns:dgm="http://schemas.openxmlformats.org/drawingml/2006/diagram" xmlns:pic="http://schemas.openxmlformats.org/drawingml/2006/picture" xmlns:wp="http://schemas.openxmlformats.org/drawingml/2006/wordprocessingDrawing" xmlns:xdr="http://schemas.openxmlformats.org/drawingml/2006/spreadsheetDrawing" xmlns:ns11="http://schemas.openxmlformats.org/drawingml/2006/compatibility" xmlns:ns12="http://schemas.openxmlformats.org/drawingml/2006/lockedCanvas" preserve="true" type="secHead">
+<p:sldLayout xmlns:p="http://schemas.openxmlformats.org/presentationml/2006/main" xmlns:a="http://schemas.openxmlformats.org/drawingml/2006/main" xmlns:r="http://schemas.openxmlformats.org/officeDocument/2006/relationships" xmlns:mc="http://schemas.openxmlformats.org/markup-compatibility/2006" xmlns:c="http://schemas.openxmlformats.org/drawingml/2006/chart" xmlns:ns6="http://schemas.openxmlformats.org/drawingml/2006/chartDrawing" xmlns:dgm="http://schemas.openxmlformats.org/drawingml/2006/diagram" xmlns:pic="http://schemas.openxmlformats.org/drawingml/2006/picture" xmlns:wp="http://schemas.openxmlformats.org/drawingml/2006/wordprocessingDrawing" xmlns:xdr="http://schemas.openxmlformats.org/drawingml/2006/spreadsheetDrawing" xmlns:ns11="http://schemas.openxmlformats.org/drawingml/2006/compatibility" xmlns:ns12="http://schemas.openxmlformats.org/drawingml/2006/lockedCanvas" type="secHead" preserve="true">
   <p:cSld name="Section Header">
     <p:spTree>
       <p:nvGrpSpPr>
-        <p:cNvPr name="" id="1"/>
+        <p:cNvPr id="1" name=""/>
         <p:cNvGrpSpPr/>
         <p:nvPr/>
       </p:nvGrpSpPr>
       <p:grpSpPr>
         <a:xfrm>
-          <a:off y="0" x="0"/>
-          <a:ext cy="0" cx="0"/>
-          <a:chOff y="0" x="0"/>
-          <a:chExt cy="0" cx="0"/>
+          <a:off x="0" y="0"/>
+          <a:ext cx="0" cy="0"/>
+          <a:chOff x="0" y="0"/>
+          <a:chExt cx="0" cy="0"/>
         </a:xfrm>
       </p:grpSpPr>
       <p:sp>
         <p:nvSpPr>
-          <p:cNvPr name="Titre 1" id="2"/>
+          <p:cNvPr id="2" name="Titre 1"/>
           <p:cNvSpPr>
             <a:spLocks noGrp="true"/>
           </p:cNvSpPr>
@@ -710,8 +710,8 @@
         </p:nvSpPr>
         <p:spPr>
           <a:xfrm>
-            <a:off y="1709738" x="831850"/>
-            <a:ext cy="2852737" cx="10515600"/>
+            <a:off x="831850" y="1709738"/>
+            <a:ext cx="10515600" cy="2852737"/>
           </a:xfrm>
         </p:spPr>
         <p:txBody>
@@ -723,7 +723,7 @@
           </a:lstStyle>
           <a:p>
             <a:r>
-              <a:rPr smtClean="false" lang="fr-FR"/>
+              <a:rPr lang="fr-FR" smtClean="false"/>
               <a:t>Modifiez le style du titre</a:t>
             </a:r>
             <a:endParaRPr lang="fr-FR"/>
@@ -732,24 +732,24 @@
       </p:sp>
       <p:sp>
         <p:nvSpPr>
-          <p:cNvPr name="Espace réservé du texte 2" id="3"/>
+          <p:cNvPr id="3" name="Espace réservé du texte 2"/>
           <p:cNvSpPr>
             <a:spLocks noGrp="true"/>
           </p:cNvSpPr>
           <p:nvPr>
-            <p:ph idx="1" type="body"/>
+            <p:ph type="body" idx="1"/>
           </p:nvPr>
         </p:nvSpPr>
         <p:spPr>
           <a:xfrm>
-            <a:off y="4589463" x="831850"/>
-            <a:ext cy="1500187" cx="10515600"/>
+            <a:off x="831850" y="4589463"/>
+            <a:ext cx="10515600" cy="1500187"/>
           </a:xfrm>
         </p:spPr>
         <p:txBody>
           <a:bodyPr/>
           <a:lstStyle>
-            <a:lvl1pPr indent="0" marL="0">
+            <a:lvl1pPr marL="0" indent="0">
               <a:buNone/>
               <a:defRPr sz="2400">
                 <a:solidFill>
@@ -759,7 +759,7 @@
                 </a:solidFill>
               </a:defRPr>
             </a:lvl1pPr>
-            <a:lvl2pPr indent="0" marL="457200">
+            <a:lvl2pPr marL="457200" indent="0">
               <a:buNone/>
               <a:defRPr sz="2000">
                 <a:solidFill>
@@ -769,7 +769,7 @@
                 </a:solidFill>
               </a:defRPr>
             </a:lvl2pPr>
-            <a:lvl3pPr indent="0" marL="914400">
+            <a:lvl3pPr marL="914400" indent="0">
               <a:buNone/>
               <a:defRPr sz="1800">
                 <a:solidFill>
@@ -779,7 +779,7 @@
                 </a:solidFill>
               </a:defRPr>
             </a:lvl3pPr>
-            <a:lvl4pPr indent="0" marL="1371600">
+            <a:lvl4pPr marL="1371600" indent="0">
               <a:buNone/>
               <a:defRPr sz="1600">
                 <a:solidFill>
@@ -789,7 +789,7 @@
                 </a:solidFill>
               </a:defRPr>
             </a:lvl4pPr>
-            <a:lvl5pPr indent="0" marL="1828800">
+            <a:lvl5pPr marL="1828800" indent="0">
               <a:buNone/>
               <a:defRPr sz="1600">
                 <a:solidFill>
@@ -799,7 +799,7 @@
                 </a:solidFill>
               </a:defRPr>
             </a:lvl5pPr>
-            <a:lvl6pPr indent="0" marL="2286000">
+            <a:lvl6pPr marL="2286000" indent="0">
               <a:buNone/>
               <a:defRPr sz="1600">
                 <a:solidFill>
@@ -809,7 +809,7 @@
                 </a:solidFill>
               </a:defRPr>
             </a:lvl6pPr>
-            <a:lvl7pPr indent="0" marL="2743200">
+            <a:lvl7pPr marL="2743200" indent="0">
               <a:buNone/>
               <a:defRPr sz="1600">
                 <a:solidFill>
@@ -819,7 +819,7 @@
                 </a:solidFill>
               </a:defRPr>
             </a:lvl7pPr>
-            <a:lvl8pPr indent="0" marL="3200400">
+            <a:lvl8pPr marL="3200400" indent="0">
               <a:buNone/>
               <a:defRPr sz="1600">
                 <a:solidFill>
@@ -829,7 +829,7 @@
                 </a:solidFill>
               </a:defRPr>
             </a:lvl8pPr>
-            <a:lvl9pPr indent="0" marL="3657600">
+            <a:lvl9pPr marL="3657600" indent="0">
               <a:buNone/>
               <a:defRPr sz="1600">
                 <a:solidFill>
@@ -843,7 +843,7 @@
           <a:p>
             <a:pPr lvl="0"/>
             <a:r>
-              <a:rPr smtClean="false" lang="fr-FR"/>
+              <a:rPr lang="fr-FR" smtClean="false"/>
               <a:t>Modifiez les styles du texte du masque</a:t>
             </a:r>
           </a:p>
@@ -851,12 +851,12 @@
       </p:sp>
       <p:sp>
         <p:nvSpPr>
-          <p:cNvPr name="Espace réservé de la date 3" id="4"/>
+          <p:cNvPr id="4" name="Espace réservé de la date 3"/>
           <p:cNvSpPr>
             <a:spLocks noGrp="true"/>
           </p:cNvSpPr>
           <p:nvPr>
-            <p:ph idx="10" sz="half" type="dt"/>
+            <p:ph type="dt" sz="half" idx="10"/>
           </p:nvPr>
         </p:nvSpPr>
         <p:spPr/>
@@ -864,8 +864,8 @@
           <a:bodyPr/>
           <a:lstStyle/>
           <a:p>
-            <a:fld type="datetimeFigureOut" id="{CE3110EA-6548-4EF6-B0A9-8F847AEECEDD}">
-              <a:rPr smtClean="false" lang="fr-FR"/>
+            <a:fld id="{CE3110EA-6548-4EF6-B0A9-8F847AEECEDD}" type="datetimeFigureOut">
+              <a:rPr lang="fr-FR" smtClean="false"/>
               <a:t>07/12/2013</a:t>
             </a:fld>
             <a:endParaRPr lang="fr-FR"/>
@@ -874,12 +874,12 @@
       </p:sp>
       <p:sp>
         <p:nvSpPr>
-          <p:cNvPr name="Espace réservé du pied de page 4" id="5"/>
+          <p:cNvPr id="5" name="Espace réservé du pied de page 4"/>
           <p:cNvSpPr>
             <a:spLocks noGrp="true"/>
           </p:cNvSpPr>
           <p:nvPr>
-            <p:ph idx="11" sz="quarter" type="ftr"/>
+            <p:ph type="ftr" sz="quarter" idx="11"/>
           </p:nvPr>
         </p:nvSpPr>
         <p:spPr/>
@@ -893,12 +893,12 @@
       </p:sp>
       <p:sp>
         <p:nvSpPr>
-          <p:cNvPr name="Espace réservé du numéro de diapositive 5" id="6"/>
+          <p:cNvPr id="6" name="Espace réservé du numéro de diapositive 5"/>
           <p:cNvSpPr>
             <a:spLocks noGrp="true"/>
           </p:cNvSpPr>
           <p:nvPr>
-            <p:ph idx="12" sz="quarter" type="sldNum"/>
+            <p:ph type="sldNum" sz="quarter" idx="12"/>
           </p:nvPr>
         </p:nvSpPr>
         <p:spPr/>
@@ -906,8 +906,8 @@
           <a:bodyPr/>
           <a:lstStyle/>
           <a:p>
-            <a:fld type="slidenum" id="{C47AABF0-D73A-43C1-84CC-8A30B6535388}">
-              <a:rPr smtClean="false" lang="fr-FR"/>
+            <a:fld id="{C47AABF0-D73A-43C1-84CC-8A30B6535388}" type="slidenum">
+              <a:rPr lang="fr-FR" smtClean="false"/>
               <a:t>‹N°›</a:t>
             </a:fld>
             <a:endParaRPr lang="fr-FR"/>
@@ -927,7 +927,7 @@
   <p:timing>
     <p:tnLst>
       <p:par>
-        <p:cTn nodeType="tmRoot" restart="never" dur="indefinite" id="1"/>
+        <p:cTn id="1" dur="indefinite" restart="never" nodeType="tmRoot"/>
       </p:par>
     </p:tnLst>
   </p:timing>
@@ -935,25 +935,25 @@
 </file>
 
 <file path=ppt/slideLayouts/slideLayout4.xml><?xml version="1.0" encoding="utf-8"?>
-<p:sldLayout xmlns:a="http://schemas.openxmlformats.org/drawingml/2006/main" xmlns:r="http://schemas.openxmlformats.org/officeDocument/2006/relationships" xmlns:p="http://schemas.openxmlformats.org/presentationml/2006/main" xmlns:mc="http://schemas.openxmlformats.org/markup-compatibility/2006" xmlns:c="http://schemas.openxmlformats.org/drawingml/2006/chart" xmlns:ns6="http://schemas.openxmlformats.org/drawingml/2006/chartDrawing" xmlns:dgm="http://schemas.openxmlformats.org/drawingml/2006/diagram" xmlns:pic="http://schemas.openxmlformats.org/drawingml/2006/picture" xmlns:wp="http://schemas.openxmlformats.org/drawingml/2006/wordprocessingDrawing" xmlns:xdr="http://schemas.openxmlformats.org/drawingml/2006/spreadsheetDrawing" xmlns:ns11="http://schemas.openxmlformats.org/drawingml/2006/compatibility" xmlns:ns12="http://schemas.openxmlformats.org/drawingml/2006/lockedCanvas" preserve="true" type="twoObj">
+<p:sldLayout xmlns:p="http://schemas.openxmlformats.org/presentationml/2006/main" xmlns:a="http://schemas.openxmlformats.org/drawingml/2006/main" xmlns:r="http://schemas.openxmlformats.org/officeDocument/2006/relationships" xmlns:mc="http://schemas.openxmlformats.org/markup-compatibility/2006" xmlns:c="http://schemas.openxmlformats.org/drawingml/2006/chart" xmlns:ns6="http://schemas.openxmlformats.org/drawingml/2006/chartDrawing" xmlns:dgm="http://schemas.openxmlformats.org/drawingml/2006/diagram" xmlns:pic="http://schemas.openxmlformats.org/drawingml/2006/picture" xmlns:wp="http://schemas.openxmlformats.org/drawingml/2006/wordprocessingDrawing" xmlns:xdr="http://schemas.openxmlformats.org/drawingml/2006/spreadsheetDrawing" xmlns:ns11="http://schemas.openxmlformats.org/drawingml/2006/compatibility" xmlns:ns12="http://schemas.openxmlformats.org/drawingml/2006/lockedCanvas" type="twoObj" preserve="true">
   <p:cSld name="Two Content">
     <p:spTree>
       <p:nvGrpSpPr>
-        <p:cNvPr name="" id="1"/>
+        <p:cNvPr id="1" name=""/>
         <p:cNvGrpSpPr/>
         <p:nvPr/>
       </p:nvGrpSpPr>
       <p:grpSpPr>
         <a:xfrm>
-          <a:off y="0" x="0"/>
-          <a:ext cy="0" cx="0"/>
-          <a:chOff y="0" x="0"/>
-          <a:chExt cy="0" cx="0"/>
+          <a:off x="0" y="0"/>
+          <a:ext cx="0" cy="0"/>
+          <a:chOff x="0" y="0"/>
+          <a:chExt cx="0" cy="0"/>
         </a:xfrm>
       </p:grpSpPr>
       <p:sp>
         <p:nvSpPr>
-          <p:cNvPr name="Titre 1" id="2"/>
+          <p:cNvPr id="2" name="Titre 1"/>
           <p:cNvSpPr>
             <a:spLocks noGrp="true"/>
           </p:cNvSpPr>
@@ -967,7 +967,7 @@
           <a:lstStyle/>
           <a:p>
             <a:r>
-              <a:rPr smtClean="false" lang="fr-FR"/>
+              <a:rPr lang="fr-FR" smtClean="false"/>
               <a:t>Modifiez le style du titre</a:t>
             </a:r>
             <a:endParaRPr lang="fr-FR"/>
@@ -976,18 +976,18 @@
       </p:sp>
       <p:sp>
         <p:nvSpPr>
-          <p:cNvPr name="Espace réservé du contenu 2" id="3"/>
+          <p:cNvPr id="3" name="Espace réservé du contenu 2"/>
           <p:cNvSpPr>
             <a:spLocks noGrp="true"/>
           </p:cNvSpPr>
           <p:nvPr>
-            <p:ph idx="1" sz="half"/>
+            <p:ph sz="half" idx="1"/>
           </p:nvPr>
         </p:nvSpPr>
         <p:spPr>
           <a:xfrm>
-            <a:off y="1825625" x="838200"/>
-            <a:ext cy="4351338" cx="5181600"/>
+            <a:off x="838200" y="1825625"/>
+            <a:ext cx="5181600" cy="4351338"/>
           </a:xfrm>
         </p:spPr>
         <p:txBody>
@@ -996,35 +996,35 @@
           <a:p>
             <a:pPr lvl="0"/>
             <a:r>
-              <a:rPr smtClean="false" lang="fr-FR"/>
+              <a:rPr lang="fr-FR" smtClean="false"/>
               <a:t>Modifiez les styles du texte du masque</a:t>
             </a:r>
           </a:p>
           <a:p>
             <a:pPr lvl="1"/>
             <a:r>
-              <a:rPr smtClean="false" lang="fr-FR"/>
+              <a:rPr lang="fr-FR" smtClean="false"/>
               <a:t>Deuxième niveau</a:t>
             </a:r>
           </a:p>
           <a:p>
             <a:pPr lvl="2"/>
             <a:r>
-              <a:rPr smtClean="false" lang="fr-FR"/>
+              <a:rPr lang="fr-FR" smtClean="false"/>
               <a:t>Troisième niveau</a:t>
             </a:r>
           </a:p>
           <a:p>
             <a:pPr lvl="3"/>
             <a:r>
-              <a:rPr smtClean="false" lang="fr-FR"/>
+              <a:rPr lang="fr-FR" smtClean="false"/>
               <a:t>Quatrième niveau</a:t>
             </a:r>
           </a:p>
           <a:p>
             <a:pPr lvl="4"/>
             <a:r>
-              <a:rPr smtClean="false" lang="fr-FR"/>
+              <a:rPr lang="fr-FR" smtClean="false"/>
               <a:t>Cinquième niveau</a:t>
             </a:r>
             <a:endParaRPr lang="fr-FR"/>
@@ -1033,18 +1033,18 @@
       </p:sp>
       <p:sp>
         <p:nvSpPr>
-          <p:cNvPr name="Espace réservé du contenu 3" id="4"/>
+          <p:cNvPr id="4" name="Espace réservé du contenu 3"/>
           <p:cNvSpPr>
             <a:spLocks noGrp="true"/>
           </p:cNvSpPr>
           <p:nvPr>
-            <p:ph idx="2" sz="half"/>
+            <p:ph sz="half" idx="2"/>
           </p:nvPr>
         </p:nvSpPr>
         <p:spPr>
           <a:xfrm>
-            <a:off y="1825625" x="6172200"/>
-            <a:ext cy="4351338" cx="5181600"/>
+            <a:off x="6172200" y="1825625"/>
+            <a:ext cx="5181600" cy="4351338"/>
           </a:xfrm>
         </p:spPr>
         <p:txBody>
@@ -1053,35 +1053,35 @@
           <a:p>
             <a:pPr lvl="0"/>
             <a:r>
-              <a:rPr smtClean="false" lang="fr-FR"/>
+              <a:rPr lang="fr-FR" smtClean="false"/>
               <a:t>Modifiez les styles du texte du masque</a:t>
             </a:r>
           </a:p>
           <a:p>
             <a:pPr lvl="1"/>
             <a:r>
-              <a:rPr smtClean="false" lang="fr-FR"/>
+              <a:rPr lang="fr-FR" smtClean="false"/>
               <a:t>Deuxième niveau</a:t>
             </a:r>
           </a:p>
           <a:p>
             <a:pPr lvl="2"/>
             <a:r>
-              <a:rPr smtClean="false" lang="fr-FR"/>
+              <a:rPr lang="fr-FR" smtClean="false"/>
               <a:t>Troisième niveau</a:t>
             </a:r>
           </a:p>
           <a:p>
             <a:pPr lvl="3"/>
             <a:r>
-              <a:rPr smtClean="false" lang="fr-FR"/>
+              <a:rPr lang="fr-FR" smtClean="false"/>
               <a:t>Quatrième niveau</a:t>
             </a:r>
           </a:p>
           <a:p>
             <a:pPr lvl="4"/>
             <a:r>
-              <a:rPr smtClean="false" lang="fr-FR"/>
+              <a:rPr lang="fr-FR" smtClean="false"/>
               <a:t>Cinquième niveau</a:t>
             </a:r>
             <a:endParaRPr lang="fr-FR"/>
@@ -1090,12 +1090,12 @@
       </p:sp>
       <p:sp>
         <p:nvSpPr>
-          <p:cNvPr name="Espace réservé de la date 4" id="5"/>
+          <p:cNvPr id="5" name="Espace réservé de la date 4"/>
           <p:cNvSpPr>
             <a:spLocks noGrp="true"/>
           </p:cNvSpPr>
           <p:nvPr>
-            <p:ph idx="10" sz="half" type="dt"/>
+            <p:ph type="dt" sz="half" idx="10"/>
           </p:nvPr>
         </p:nvSpPr>
         <p:spPr/>
@@ -1103,8 +1103,8 @@
           <a:bodyPr/>
           <a:lstStyle/>
           <a:p>
-            <a:fld type="datetimeFigureOut" id="{CE3110EA-6548-4EF6-B0A9-8F847AEECEDD}">
-              <a:rPr smtClean="false" lang="fr-FR"/>
+            <a:fld id="{CE3110EA-6548-4EF6-B0A9-8F847AEECEDD}" type="datetimeFigureOut">
+              <a:rPr lang="fr-FR" smtClean="false"/>
               <a:t>07/12/2013</a:t>
             </a:fld>
             <a:endParaRPr lang="fr-FR"/>
@@ -1113,12 +1113,12 @@
       </p:sp>
       <p:sp>
         <p:nvSpPr>
-          <p:cNvPr name="Espace réservé du numéro de diapositive 6" id="7"/>
+          <p:cNvPr id="7" name="Espace réservé du numéro de diapositive 6"/>
           <p:cNvSpPr>
             <a:spLocks noGrp="true"/>
           </p:cNvSpPr>
           <p:nvPr>
-            <p:ph idx="12" sz="quarter" type="sldNum"/>
+            <p:ph type="sldNum" sz="quarter" idx="12"/>
           </p:nvPr>
         </p:nvSpPr>
         <p:spPr/>
@@ -1126,8 +1126,8 @@
           <a:bodyPr/>
           <a:lstStyle/>
           <a:p>
-            <a:fld type="slidenum" id="{C47AABF0-D73A-43C1-84CC-8A30B6535388}">
-              <a:rPr smtClean="false" lang="fr-FR"/>
+            <a:fld id="{C47AABF0-D73A-43C1-84CC-8A30B6535388}" type="slidenum">
+              <a:rPr lang="fr-FR" smtClean="false"/>
               <a:t>‹N°›</a:t>
             </a:fld>
             <a:endParaRPr lang="fr-FR"/>
@@ -1136,12 +1136,12 @@
       </p:sp>
       <p:sp>
         <p:nvSpPr>
-          <p:cNvPr name="Espace réservé du pied de page 5" id="6"/>
+          <p:cNvPr id="6" name="Espace réservé du pied de page 5"/>
           <p:cNvSpPr>
             <a:spLocks noGrp="true"/>
           </p:cNvSpPr>
           <p:nvPr>
-            <p:ph idx="13" sz="quarter" type="ftr"/>
+            <p:ph type="ftr" sz="quarter" idx="13"/>
           </p:nvPr>
         </p:nvSpPr>
         <p:spPr/>
@@ -1166,7 +1166,7 @@
   <p:timing>
     <p:tnLst>
       <p:par>
-        <p:cTn nodeType="tmRoot" restart="never" dur="indefinite" id="1"/>
+        <p:cTn id="1" dur="indefinite" restart="never" nodeType="tmRoot"/>
       </p:par>
     </p:tnLst>
   </p:timing>
@@ -1174,25 +1174,25 @@
 </file>
 
 <file path=ppt/slideLayouts/slideLayout5.xml><?xml version="1.0" encoding="utf-8"?>
-<p:sldLayout xmlns:a="http://schemas.openxmlformats.org/drawingml/2006/main" xmlns:r="http://schemas.openxmlformats.org/officeDocument/2006/relationships" xmlns:p="http://schemas.openxmlformats.org/presentationml/2006/main" xmlns:mc="http://schemas.openxmlformats.org/markup-compatibility/2006" xmlns:c="http://schemas.openxmlformats.org/drawingml/2006/chart" xmlns:ns6="http://schemas.openxmlformats.org/drawingml/2006/chartDrawing" xmlns:dgm="http://schemas.openxmlformats.org/drawingml/2006/diagram" xmlns:pic="http://schemas.openxmlformats.org/drawingml/2006/picture" xmlns:wp="http://schemas.openxmlformats.org/drawingml/2006/wordprocessingDrawing" xmlns:xdr="http://schemas.openxmlformats.org/drawingml/2006/spreadsheetDrawing" xmlns:ns11="http://schemas.openxmlformats.org/drawingml/2006/compatibility" xmlns:ns12="http://schemas.openxmlformats.org/drawingml/2006/lockedCanvas" preserve="true" type="twoTxTwoObj">
+<p:sldLayout xmlns:p="http://schemas.openxmlformats.org/presentationml/2006/main" xmlns:a="http://schemas.openxmlformats.org/drawingml/2006/main" xmlns:r="http://schemas.openxmlformats.org/officeDocument/2006/relationships" xmlns:mc="http://schemas.openxmlformats.org/markup-compatibility/2006" xmlns:c="http://schemas.openxmlformats.org/drawingml/2006/chart" xmlns:ns6="http://schemas.openxmlformats.org/drawingml/2006/chartDrawing" xmlns:dgm="http://schemas.openxmlformats.org/drawingml/2006/diagram" xmlns:pic="http://schemas.openxmlformats.org/drawingml/2006/picture" xmlns:wp="http://schemas.openxmlformats.org/drawingml/2006/wordprocessingDrawing" xmlns:xdr="http://schemas.openxmlformats.org/drawingml/2006/spreadsheetDrawing" xmlns:ns11="http://schemas.openxmlformats.org/drawingml/2006/compatibility" xmlns:ns12="http://schemas.openxmlformats.org/drawingml/2006/lockedCanvas" type="twoTxTwoObj" preserve="true">
   <p:cSld name="Comparison">
     <p:spTree>
       <p:nvGrpSpPr>
-        <p:cNvPr name="" id="1"/>
+        <p:cNvPr id="1" name=""/>
         <p:cNvGrpSpPr/>
         <p:nvPr/>
       </p:nvGrpSpPr>
       <p:grpSpPr>
         <a:xfrm>
-          <a:off y="0" x="0"/>
-          <a:ext cy="0" cx="0"/>
-          <a:chOff y="0" x="0"/>
-          <a:chExt cy="0" cx="0"/>
+          <a:off x="0" y="0"/>
+          <a:ext cx="0" cy="0"/>
+          <a:chOff x="0" y="0"/>
+          <a:chExt cx="0" cy="0"/>
         </a:xfrm>
       </p:grpSpPr>
       <p:sp>
         <p:nvSpPr>
-          <p:cNvPr name="Titre 1" id="2"/>
+          <p:cNvPr id="2" name="Titre 1"/>
           <p:cNvSpPr>
             <a:spLocks noGrp="true"/>
           </p:cNvSpPr>
@@ -1202,8 +1202,8 @@
         </p:nvSpPr>
         <p:spPr>
           <a:xfrm>
-            <a:off y="365125" x="839788"/>
-            <a:ext cy="1325563" cx="10515600"/>
+            <a:off x="839788" y="365125"/>
+            <a:ext cx="10515600" cy="1325563"/>
           </a:xfrm>
         </p:spPr>
         <p:txBody>
@@ -1211,7 +1211,7 @@
           <a:lstStyle/>
           <a:p>
             <a:r>
-              <a:rPr smtClean="false" lang="fr-FR"/>
+              <a:rPr lang="fr-FR" smtClean="false"/>
               <a:t>Modifiez le style du titre</a:t>
             </a:r>
             <a:endParaRPr lang="fr-FR"/>
@@ -1220,64 +1220,64 @@
       </p:sp>
       <p:sp>
         <p:nvSpPr>
-          <p:cNvPr name="Espace réservé du texte 2" id="3"/>
+          <p:cNvPr id="3" name="Espace réservé du texte 2"/>
           <p:cNvSpPr>
             <a:spLocks noGrp="true"/>
           </p:cNvSpPr>
           <p:nvPr>
-            <p:ph idx="1" type="body"/>
+            <p:ph type="body" idx="1"/>
           </p:nvPr>
         </p:nvSpPr>
         <p:spPr>
           <a:xfrm>
-            <a:off y="1681163" x="839788"/>
-            <a:ext cy="823912" cx="5157787"/>
+            <a:off x="839788" y="1681163"/>
+            <a:ext cx="5157787" cy="823912"/>
           </a:xfrm>
         </p:spPr>
         <p:txBody>
           <a:bodyPr anchor="b"/>
           <a:lstStyle>
-            <a:lvl1pPr indent="0" marL="0">
+            <a:lvl1pPr marL="0" indent="0">
               <a:buNone/>
-              <a:defRPr b="true" sz="2400"/>
+              <a:defRPr sz="2400" b="true"/>
             </a:lvl1pPr>
-            <a:lvl2pPr indent="0" marL="457200">
+            <a:lvl2pPr marL="457200" indent="0">
               <a:buNone/>
-              <a:defRPr b="true" sz="2000"/>
+              <a:defRPr sz="2000" b="true"/>
             </a:lvl2pPr>
-            <a:lvl3pPr indent="0" marL="914400">
+            <a:lvl3pPr marL="914400" indent="0">
               <a:buNone/>
-              <a:defRPr b="true" sz="1800"/>
+              <a:defRPr sz="1800" b="true"/>
             </a:lvl3pPr>
-            <a:lvl4pPr indent="0" marL="1371600">
+            <a:lvl4pPr marL="1371600" indent="0">
               <a:buNone/>
-              <a:defRPr b="true" sz="1600"/>
+              <a:defRPr sz="1600" b="true"/>
             </a:lvl4pPr>
-            <a:lvl5pPr indent="0" marL="1828800">
+            <a:lvl5pPr marL="1828800" indent="0">
               <a:buNone/>
-              <a:defRPr b="true" sz="1600"/>
+              <a:defRPr sz="1600" b="true"/>
             </a:lvl5pPr>
-            <a:lvl6pPr indent="0" marL="2286000">
+            <a:lvl6pPr marL="2286000" indent="0">
               <a:buNone/>
-              <a:defRPr b="true" sz="1600"/>
+              <a:defRPr sz="1600" b="true"/>
             </a:lvl6pPr>
-            <a:lvl7pPr indent="0" marL="2743200">
+            <a:lvl7pPr marL="2743200" indent="0">
               <a:buNone/>
-              <a:defRPr b="true" sz="1600"/>
+              <a:defRPr sz="1600" b="true"/>
             </a:lvl7pPr>
-            <a:lvl8pPr indent="0" marL="3200400">
+            <a:lvl8pPr marL="3200400" indent="0">
               <a:buNone/>
-              <a:defRPr b="true" sz="1600"/>
+              <a:defRPr sz="1600" b="true"/>
             </a:lvl8pPr>
-            <a:lvl9pPr indent="0" marL="3657600">
+            <a:lvl9pPr marL="3657600" indent="0">
               <a:buNone/>
-              <a:defRPr b="true" sz="1600"/>
+              <a:defRPr sz="1600" b="true"/>
             </a:lvl9pPr>
           </a:lstStyle>
           <a:p>
             <a:pPr lvl="0"/>
             <a:r>
-              <a:rPr smtClean="false" lang="fr-FR"/>
+              <a:rPr lang="fr-FR" smtClean="false"/>
               <a:t>Modifiez les styles du texte du masque</a:t>
             </a:r>
           </a:p>
@@ -1285,18 +1285,18 @@
       </p:sp>
       <p:sp>
         <p:nvSpPr>
-          <p:cNvPr name="Espace réservé du contenu 3" id="4"/>
+          <p:cNvPr id="4" name="Espace réservé du contenu 3"/>
           <p:cNvSpPr>
             <a:spLocks noGrp="true"/>
           </p:cNvSpPr>
           <p:nvPr>
-            <p:ph idx="2" sz="half"/>
+            <p:ph sz="half" idx="2"/>
           </p:nvPr>
         </p:nvSpPr>
         <p:spPr>
           <a:xfrm>
-            <a:off y="2505075" x="839788"/>
-            <a:ext cy="3684588" cx="5157787"/>
+            <a:off x="839788" y="2505075"/>
+            <a:ext cx="5157787" cy="3684588"/>
           </a:xfrm>
         </p:spPr>
         <p:txBody>
@@ -1305,35 +1305,35 @@
           <a:p>
             <a:pPr lvl="0"/>
             <a:r>
-              <a:rPr smtClean="false" lang="fr-FR"/>
+              <a:rPr lang="fr-FR" smtClean="false"/>
               <a:t>Modifiez les styles du texte du masque</a:t>
             </a:r>
           </a:p>
           <a:p>
             <a:pPr lvl="1"/>
             <a:r>
-              <a:rPr smtClean="false" lang="fr-FR"/>
+              <a:rPr lang="fr-FR" smtClean="false"/>
               <a:t>Deuxième niveau</a:t>
             </a:r>
           </a:p>
           <a:p>
             <a:pPr lvl="2"/>
             <a:r>
-              <a:rPr smtClean="false" lang="fr-FR"/>
+              <a:rPr lang="fr-FR" smtClean="false"/>
               <a:t>Troisième niveau</a:t>
             </a:r>
           </a:p>
           <a:p>
             <a:pPr lvl="3"/>
             <a:r>
-              <a:rPr smtClean="false" lang="fr-FR"/>
+              <a:rPr lang="fr-FR" smtClean="false"/>
               <a:t>Quatrième niveau</a:t>
             </a:r>
           </a:p>
           <a:p>
             <a:pPr lvl="4"/>
             <a:r>
-              <a:rPr smtClean="false" lang="fr-FR"/>
+              <a:rPr lang="fr-FR" smtClean="false"/>
               <a:t>Cinquième niveau</a:t>
             </a:r>
             <a:endParaRPr lang="fr-FR"/>
@@ -1342,64 +1342,64 @@
       </p:sp>
       <p:sp>
         <p:nvSpPr>
-          <p:cNvPr name="Espace réservé du texte 4" id="5"/>
+          <p:cNvPr id="5" name="Espace réservé du texte 4"/>
           <p:cNvSpPr>
             <a:spLocks noGrp="true"/>
           </p:cNvSpPr>
           <p:nvPr>
-            <p:ph idx="3" sz="quarter" type="body"/>
+            <p:ph type="body" sz="quarter" idx="3"/>
           </p:nvPr>
         </p:nvSpPr>
         <p:spPr>
           <a:xfrm>
-            <a:off y="1681163" x="6172200"/>
-            <a:ext cy="823912" cx="5183188"/>
+            <a:off x="6172200" y="1681163"/>
+            <a:ext cx="5183188" cy="823912"/>
           </a:xfrm>
         </p:spPr>
         <p:txBody>
           <a:bodyPr anchor="b"/>
           <a:lstStyle>
-            <a:lvl1pPr indent="0" marL="0">
+            <a:lvl1pPr marL="0" indent="0">
               <a:buNone/>
-              <a:defRPr b="true" sz="2400"/>
+              <a:defRPr sz="2400" b="true"/>
             </a:lvl1pPr>
-            <a:lvl2pPr indent="0" marL="457200">
+            <a:lvl2pPr marL="457200" indent="0">
               <a:buNone/>
-              <a:defRPr b="true" sz="2000"/>
+              <a:defRPr sz="2000" b="true"/>
             </a:lvl2pPr>
-            <a:lvl3pPr indent="0" marL="914400">
+            <a:lvl3pPr marL="914400" indent="0">
               <a:buNone/>
-              <a:defRPr b="true" sz="1800"/>
+              <a:defRPr sz="1800" b="true"/>
             </a:lvl3pPr>
-            <a:lvl4pPr indent="0" marL="1371600">
+            <a:lvl4pPr marL="1371600" indent="0">
               <a:buNone/>
-              <a:defRPr b="true" sz="1600"/>
+              <a:defRPr sz="1600" b="true"/>
             </a:lvl4pPr>
-            <a:lvl5pPr indent="0" marL="1828800">
+            <a:lvl5pPr marL="1828800" indent="0">
               <a:buNone/>
-              <a:defRPr b="true" sz="1600"/>
+              <a:defRPr sz="1600" b="true"/>
             </a:lvl5pPr>
-            <a:lvl6pPr indent="0" marL="2286000">
+            <a:lvl6pPr marL="2286000" indent="0">
               <a:buNone/>
-              <a:defRPr b="true" sz="1600"/>
+              <a:defRPr sz="1600" b="true"/>
             </a:lvl6pPr>
-            <a:lvl7pPr indent="0" marL="2743200">
+            <a:lvl7pPr marL="2743200" indent="0">
               <a:buNone/>
-              <a:defRPr b="true" sz="1600"/>
+              <a:defRPr sz="1600" b="true"/>
             </a:lvl7pPr>
-            <a:lvl8pPr indent="0" marL="3200400">
+            <a:lvl8pPr marL="3200400" indent="0">
               <a:buNone/>
-              <a:defRPr b="true" sz="1600"/>
+              <a:defRPr sz="1600" b="true"/>
             </a:lvl8pPr>
-            <a:lvl9pPr indent="0" marL="3657600">
+            <a:lvl9pPr marL="3657600" indent="0">
               <a:buNone/>
-              <a:defRPr b="true" sz="1600"/>
+              <a:defRPr sz="1600" b="true"/>
             </a:lvl9pPr>
           </a:lstStyle>
           <a:p>
             <a:pPr lvl="0"/>
             <a:r>
-              <a:rPr smtClean="false" lang="fr-FR"/>
+              <a:rPr lang="fr-FR" smtClean="false"/>
               <a:t>Modifiez les styles du texte du masque</a:t>
             </a:r>
           </a:p>
@@ -1407,18 +1407,18 @@
       </p:sp>
       <p:sp>
         <p:nvSpPr>
-          <p:cNvPr name="Espace réservé du contenu 5" id="6"/>
+          <p:cNvPr id="6" name="Espace réservé du contenu 5"/>
           <p:cNvSpPr>
             <a:spLocks noGrp="true"/>
           </p:cNvSpPr>
           <p:nvPr>
-            <p:ph idx="4" sz="quarter"/>
+            <p:ph sz="quarter" idx="4"/>
           </p:nvPr>
         </p:nvSpPr>
         <p:spPr>
           <a:xfrm>
-            <a:off y="2505075" x="6172200"/>
-            <a:ext cy="3684588" cx="5183188"/>
+            <a:off x="6172200" y="2505075"/>
+            <a:ext cx="5183188" cy="3684588"/>
           </a:xfrm>
         </p:spPr>
         <p:txBody>
@@ -1427,35 +1427,35 @@
           <a:p>
             <a:pPr lvl="0"/>
             <a:r>
-              <a:rPr smtClean="false" lang="fr-FR"/>
+              <a:rPr lang="fr-FR" smtClean="false"/>
               <a:t>Modifiez les styles du texte du masque</a:t>
             </a:r>
           </a:p>
           <a:p>
             <a:pPr lvl="1"/>
             <a:r>
-              <a:rPr smtClean="false" lang="fr-FR"/>
+              <a:rPr lang="fr-FR" smtClean="false"/>
               <a:t>Deuxième niveau</a:t>
             </a:r>
           </a:p>
           <a:p>
             <a:pPr lvl="2"/>
             <a:r>
-              <a:rPr smtClean="false" lang="fr-FR"/>
+              <a:rPr lang="fr-FR" smtClean="false"/>
               <a:t>Troisième niveau</a:t>
             </a:r>
           </a:p>
           <a:p>
             <a:pPr lvl="3"/>
             <a:r>
-              <a:rPr smtClean="false" lang="fr-FR"/>
+              <a:rPr lang="fr-FR" smtClean="false"/>
               <a:t>Quatrième niveau</a:t>
             </a:r>
           </a:p>
           <a:p>
             <a:pPr lvl="4"/>
             <a:r>
-              <a:rPr smtClean="false" lang="fr-FR"/>
+              <a:rPr lang="fr-FR" smtClean="false"/>
               <a:t>Cinquième niveau</a:t>
             </a:r>
             <a:endParaRPr lang="fr-FR"/>
@@ -1464,12 +1464,12 @@
       </p:sp>
       <p:sp>
         <p:nvSpPr>
-          <p:cNvPr name="Espace réservé de la date 6" id="7"/>
+          <p:cNvPr id="7" name="Espace réservé de la date 6"/>
           <p:cNvSpPr>
             <a:spLocks noGrp="true"/>
           </p:cNvSpPr>
           <p:nvPr>
-            <p:ph idx="10" sz="half" type="dt"/>
+            <p:ph type="dt" sz="half" idx="10"/>
           </p:nvPr>
         </p:nvSpPr>
         <p:spPr/>
@@ -1477,8 +1477,8 @@
           <a:bodyPr/>
           <a:lstStyle/>
           <a:p>
-            <a:fld type="datetimeFigureOut" id="{CE3110EA-6548-4EF6-B0A9-8F847AEECEDD}">
-              <a:rPr smtClean="false" lang="fr-FR"/>
+            <a:fld id="{CE3110EA-6548-4EF6-B0A9-8F847AEECEDD}" type="datetimeFigureOut">
+              <a:rPr lang="fr-FR" smtClean="false"/>
               <a:t>07/12/2013</a:t>
             </a:fld>
             <a:endParaRPr lang="fr-FR"/>
@@ -1487,12 +1487,12 @@
       </p:sp>
       <p:sp>
         <p:nvSpPr>
-          <p:cNvPr name="Espace réservé du numéro de diapositive 8" id="9"/>
+          <p:cNvPr id="9" name="Espace réservé du numéro de diapositive 8"/>
           <p:cNvSpPr>
             <a:spLocks noGrp="true"/>
           </p:cNvSpPr>
           <p:nvPr>
-            <p:ph idx="12" sz="quarter" type="sldNum"/>
+            <p:ph type="sldNum" sz="quarter" idx="12"/>
           </p:nvPr>
         </p:nvSpPr>
         <p:spPr/>
@@ -1500,8 +1500,8 @@
           <a:bodyPr/>
           <a:lstStyle/>
           <a:p>
-            <a:fld type="slidenum" id="{C47AABF0-D73A-43C1-84CC-8A30B6535388}">
-              <a:rPr smtClean="false" lang="fr-FR"/>
+            <a:fld id="{C47AABF0-D73A-43C1-84CC-8A30B6535388}" type="slidenum">
+              <a:rPr lang="fr-FR" smtClean="false"/>
               <a:t>‹N°›</a:t>
             </a:fld>
             <a:endParaRPr lang="fr-FR"/>
@@ -1521,7 +1521,7 @@
   <p:timing>
     <p:tnLst>
       <p:par>
-        <p:cTn nodeType="tmRoot" restart="never" dur="indefinite" id="1"/>
+        <p:cTn id="1" dur="indefinite" restart="never" nodeType="tmRoot"/>
       </p:par>
     </p:tnLst>
   </p:timing>
@@ -1529,25 +1529,25 @@
 </file>
 
 <file path=ppt/slideLayouts/slideLayout6.xml><?xml version="1.0" encoding="utf-8"?>
-<p:sldLayout xmlns:a="http://schemas.openxmlformats.org/drawingml/2006/main" xmlns:r="http://schemas.openxmlformats.org/officeDocument/2006/relationships" xmlns:p="http://schemas.openxmlformats.org/presentationml/2006/main" xmlns:mc="http://schemas.openxmlformats.org/markup-compatibility/2006" xmlns:c="http://schemas.openxmlformats.org/drawingml/2006/chart" xmlns:ns6="http://schemas.openxmlformats.org/drawingml/2006/chartDrawing" xmlns:dgm="http://schemas.openxmlformats.org/drawingml/2006/diagram" xmlns:pic="http://schemas.openxmlformats.org/drawingml/2006/picture" xmlns:wp="http://schemas.openxmlformats.org/drawingml/2006/wordprocessingDrawing" xmlns:xdr="http://schemas.openxmlformats.org/drawingml/2006/spreadsheetDrawing" xmlns:ns11="http://schemas.openxmlformats.org/drawingml/2006/compatibility" xmlns:ns12="http://schemas.openxmlformats.org/drawingml/2006/lockedCanvas" preserve="true" type="titleOnly">
+<p:sldLayout xmlns:p="http://schemas.openxmlformats.org/presentationml/2006/main" xmlns:a="http://schemas.openxmlformats.org/drawingml/2006/main" xmlns:r="http://schemas.openxmlformats.org/officeDocument/2006/relationships" xmlns:mc="http://schemas.openxmlformats.org/markup-compatibility/2006" xmlns:c="http://schemas.openxmlformats.org/drawingml/2006/chart" xmlns:ns6="http://schemas.openxmlformats.org/drawingml/2006/chartDrawing" xmlns:dgm="http://schemas.openxmlformats.org/drawingml/2006/diagram" xmlns:pic="http://schemas.openxmlformats.org/drawingml/2006/picture" xmlns:wp="http://schemas.openxmlformats.org/drawingml/2006/wordprocessingDrawing" xmlns:xdr="http://schemas.openxmlformats.org/drawingml/2006/spreadsheetDrawing" xmlns:ns11="http://schemas.openxmlformats.org/drawingml/2006/compatibility" xmlns:ns12="http://schemas.openxmlformats.org/drawingml/2006/lockedCanvas" type="titleOnly" preserve="true">
   <p:cSld name="Title Only">
     <p:spTree>
       <p:nvGrpSpPr>
-        <p:cNvPr name="" id="1"/>
+        <p:cNvPr id="1" name=""/>
         <p:cNvGrpSpPr/>
         <p:nvPr/>
       </p:nvGrpSpPr>
       <p:grpSpPr>
         <a:xfrm>
-          <a:off y="0" x="0"/>
-          <a:ext cy="0" cx="0"/>
-          <a:chOff y="0" x="0"/>
-          <a:chExt cy="0" cx="0"/>
+          <a:off x="0" y="0"/>
+          <a:ext cx="0" cy="0"/>
+          <a:chOff x="0" y="0"/>
+          <a:chExt cx="0" cy="0"/>
         </a:xfrm>
       </p:grpSpPr>
       <p:sp>
         <p:nvSpPr>
-          <p:cNvPr name="Titre 1" id="2"/>
+          <p:cNvPr id="2" name="Titre 1"/>
           <p:cNvSpPr>
             <a:spLocks noGrp="true"/>
           </p:cNvSpPr>
@@ -1561,7 +1561,7 @@
           <a:lstStyle/>
           <a:p>
             <a:r>
-              <a:rPr smtClean="false" lang="fr-FR"/>
+              <a:rPr lang="fr-FR" smtClean="false"/>
               <a:t>Modifiez le style du titre</a:t>
             </a:r>
             <a:endParaRPr lang="fr-FR"/>
@@ -1570,12 +1570,12 @@
       </p:sp>
       <p:sp>
         <p:nvSpPr>
-          <p:cNvPr name="Espace réservé de la date 2" id="3"/>
+          <p:cNvPr id="3" name="Espace réservé de la date 2"/>
           <p:cNvSpPr>
             <a:spLocks noGrp="true"/>
           </p:cNvSpPr>
           <p:nvPr>
-            <p:ph idx="10" sz="half" type="dt"/>
+            <p:ph type="dt" sz="half" idx="10"/>
           </p:nvPr>
         </p:nvSpPr>
         <p:spPr/>
@@ -1583,8 +1583,8 @@
           <a:bodyPr/>
           <a:lstStyle/>
           <a:p>
-            <a:fld type="datetimeFigureOut" id="{CE3110EA-6548-4EF6-B0A9-8F847AEECEDD}">
-              <a:rPr smtClean="false" lang="fr-FR"/>
+            <a:fld id="{CE3110EA-6548-4EF6-B0A9-8F847AEECEDD}" type="datetimeFigureOut">
+              <a:rPr lang="fr-FR" smtClean="false"/>
               <a:t>07/12/2013</a:t>
             </a:fld>
             <a:endParaRPr lang="fr-FR"/>
@@ -1593,12 +1593,12 @@
       </p:sp>
       <p:sp>
         <p:nvSpPr>
-          <p:cNvPr name="Espace réservé du pied de page 3" id="4"/>
+          <p:cNvPr id="4" name="Espace réservé du pied de page 3"/>
           <p:cNvSpPr>
             <a:spLocks noGrp="true"/>
           </p:cNvSpPr>
           <p:nvPr>
-            <p:ph idx="11" sz="quarter" type="ftr"/>
+            <p:ph type="ftr" sz="quarter" idx="11"/>
           </p:nvPr>
         </p:nvSpPr>
         <p:spPr/>
@@ -1612,12 +1612,12 @@
       </p:sp>
       <p:sp>
         <p:nvSpPr>
-          <p:cNvPr name="Espace réservé du numéro de diapositive 4" id="5"/>
+          <p:cNvPr id="5" name="Espace réservé du numéro de diapositive 4"/>
           <p:cNvSpPr>
             <a:spLocks noGrp="true"/>
           </p:cNvSpPr>
           <p:nvPr>
-            <p:ph idx="12" sz="quarter" type="sldNum"/>
+            <p:ph type="sldNum" sz="quarter" idx="12"/>
           </p:nvPr>
         </p:nvSpPr>
         <p:spPr/>
@@ -1625,8 +1625,8 @@
           <a:bodyPr/>
           <a:lstStyle/>
           <a:p>
-            <a:fld type="slidenum" id="{C47AABF0-D73A-43C1-84CC-8A30B6535388}">
-              <a:rPr smtClean="false" lang="fr-FR"/>
+            <a:fld id="{C47AABF0-D73A-43C1-84CC-8A30B6535388}" type="slidenum">
+              <a:rPr lang="fr-FR" smtClean="false"/>
               <a:t>‹N°›</a:t>
             </a:fld>
             <a:endParaRPr lang="fr-FR"/>
@@ -1646,7 +1646,7 @@
   <p:timing>
     <p:tnLst>
       <p:par>
-        <p:cTn nodeType="tmRoot" restart="never" dur="indefinite" id="1"/>
+        <p:cTn id="1" dur="indefinite" restart="never" nodeType="tmRoot"/>
       </p:par>
     </p:tnLst>
   </p:timing>
@@ -1654,30 +1654,30 @@
 </file>
 
 <file path=ppt/slideLayouts/slideLayout7.xml><?xml version="1.0" encoding="utf-8"?>
-<p:sldLayout xmlns:a="http://schemas.openxmlformats.org/drawingml/2006/main" xmlns:r="http://schemas.openxmlformats.org/officeDocument/2006/relationships" xmlns:p="http://schemas.openxmlformats.org/presentationml/2006/main" xmlns:mc="http://schemas.openxmlformats.org/markup-compatibility/2006" xmlns:c="http://schemas.openxmlformats.org/drawingml/2006/chart" xmlns:ns6="http://schemas.openxmlformats.org/drawingml/2006/chartDrawing" xmlns:dgm="http://schemas.openxmlformats.org/drawingml/2006/diagram" xmlns:pic="http://schemas.openxmlformats.org/drawingml/2006/picture" xmlns:wp="http://schemas.openxmlformats.org/drawingml/2006/wordprocessingDrawing" xmlns:xdr="http://schemas.openxmlformats.org/drawingml/2006/spreadsheetDrawing" xmlns:ns11="http://schemas.openxmlformats.org/drawingml/2006/compatibility" xmlns:ns12="http://schemas.openxmlformats.org/drawingml/2006/lockedCanvas" preserve="true" type="blank">
+<p:sldLayout xmlns:p="http://schemas.openxmlformats.org/presentationml/2006/main" xmlns:a="http://schemas.openxmlformats.org/drawingml/2006/main" xmlns:r="http://schemas.openxmlformats.org/officeDocument/2006/relationships" xmlns:mc="http://schemas.openxmlformats.org/markup-compatibility/2006" xmlns:c="http://schemas.openxmlformats.org/drawingml/2006/chart" xmlns:ns6="http://schemas.openxmlformats.org/drawingml/2006/chartDrawing" xmlns:dgm="http://schemas.openxmlformats.org/drawingml/2006/diagram" xmlns:pic="http://schemas.openxmlformats.org/drawingml/2006/picture" xmlns:wp="http://schemas.openxmlformats.org/drawingml/2006/wordprocessingDrawing" xmlns:xdr="http://schemas.openxmlformats.org/drawingml/2006/spreadsheetDrawing" xmlns:ns11="http://schemas.openxmlformats.org/drawingml/2006/compatibility" xmlns:ns12="http://schemas.openxmlformats.org/drawingml/2006/lockedCanvas" type="blank" preserve="true">
   <p:cSld name="Blank">
     <p:spTree>
       <p:nvGrpSpPr>
-        <p:cNvPr name="" id="1"/>
+        <p:cNvPr id="1" name=""/>
         <p:cNvGrpSpPr/>
         <p:nvPr/>
       </p:nvGrpSpPr>
       <p:grpSpPr>
         <a:xfrm>
-          <a:off y="0" x="0"/>
-          <a:ext cy="0" cx="0"/>
-          <a:chOff y="0" x="0"/>
-          <a:chExt cy="0" cx="0"/>
+          <a:off x="0" y="0"/>
+          <a:ext cx="0" cy="0"/>
+          <a:chOff x="0" y="0"/>
+          <a:chExt cx="0" cy="0"/>
         </a:xfrm>
       </p:grpSpPr>
       <p:sp>
         <p:nvSpPr>
-          <p:cNvPr name="Espace réservé de la date 1" id="2"/>
+          <p:cNvPr id="2" name="Espace réservé de la date 1"/>
           <p:cNvSpPr>
             <a:spLocks noGrp="true"/>
           </p:cNvSpPr>
           <p:nvPr>
-            <p:ph idx="10" sz="half" type="dt"/>
+            <p:ph type="dt" sz="half" idx="10"/>
           </p:nvPr>
         </p:nvSpPr>
         <p:spPr/>
@@ -1685,8 +1685,8 @@
           <a:bodyPr/>
           <a:lstStyle/>
           <a:p>
-            <a:fld type="datetimeFigureOut" id="{CE3110EA-6548-4EF6-B0A9-8F847AEECEDD}">
-              <a:rPr smtClean="false" lang="fr-FR"/>
+            <a:fld id="{CE3110EA-6548-4EF6-B0A9-8F847AEECEDD}" type="datetimeFigureOut">
+              <a:rPr lang="fr-FR" smtClean="false"/>
               <a:t>07/12/2013</a:t>
             </a:fld>
             <a:endParaRPr lang="fr-FR"/>
@@ -1695,12 +1695,12 @@
       </p:sp>
       <p:sp>
         <p:nvSpPr>
-          <p:cNvPr name="Espace réservé du pied de page 2" id="3"/>
+          <p:cNvPr id="3" name="Espace réservé du pied de page 2"/>
           <p:cNvSpPr>
             <a:spLocks noGrp="true"/>
           </p:cNvSpPr>
           <p:nvPr>
-            <p:ph idx="11" sz="quarter" type="ftr"/>
+            <p:ph type="ftr" sz="quarter" idx="11"/>
           </p:nvPr>
         </p:nvSpPr>
         <p:spPr/>
@@ -1714,12 +1714,12 @@
       </p:sp>
       <p:sp>
         <p:nvSpPr>
-          <p:cNvPr name="Espace réservé du numéro de diapositive 3" id="4"/>
+          <p:cNvPr id="4" name="Espace réservé du numéro de diapositive 3"/>
           <p:cNvSpPr>
             <a:spLocks noGrp="true"/>
           </p:cNvSpPr>
           <p:nvPr>
-            <p:ph idx="12" sz="quarter" type="sldNum"/>
+            <p:ph type="sldNum" sz="quarter" idx="12"/>
           </p:nvPr>
         </p:nvSpPr>
         <p:spPr/>
@@ -1727,8 +1727,8 @@
           <a:bodyPr/>
           <a:lstStyle/>
           <a:p>
-            <a:fld type="slidenum" id="{C47AABF0-D73A-43C1-84CC-8A30B6535388}">
-              <a:rPr smtClean="false" lang="fr-FR"/>
+            <a:fld id="{C47AABF0-D73A-43C1-84CC-8A30B6535388}" type="slidenum">
+              <a:rPr lang="fr-FR" smtClean="false"/>
               <a:t>‹N°›</a:t>
             </a:fld>
             <a:endParaRPr lang="fr-FR"/>
@@ -1748,7 +1748,7 @@
   <p:timing>
     <p:tnLst>
       <p:par>
-        <p:cTn nodeType="tmRoot" restart="never" dur="indefinite" id="1"/>
+        <p:cTn id="1" dur="indefinite" restart="never" nodeType="tmRoot"/>
       </p:par>
     </p:tnLst>
   </p:timing>
@@ -1756,25 +1756,25 @@
 </file>
 
 <file path=ppt/slideLayouts/slideLayout8.xml><?xml version="1.0" encoding="utf-8"?>
-<p:sldLayout xmlns:a="http://schemas.openxmlformats.org/drawingml/2006/main" xmlns:r="http://schemas.openxmlformats.org/officeDocument/2006/relationships" xmlns:p="http://schemas.openxmlformats.org/presentationml/2006/main" xmlns:mc="http://schemas.openxmlformats.org/markup-compatibility/2006" xmlns:c="http://schemas.openxmlformats.org/drawingml/2006/chart" xmlns:ns6="http://schemas.openxmlformats.org/drawingml/2006/chartDrawing" xmlns:dgm="http://schemas.openxmlformats.org/drawingml/2006/diagram" xmlns:pic="http://schemas.openxmlformats.org/drawingml/2006/picture" xmlns:wp="http://schemas.openxmlformats.org/drawingml/2006/wordprocessingDrawing" xmlns:xdr="http://schemas.openxmlformats.org/drawingml/2006/spreadsheetDrawing" xmlns:ns11="http://schemas.openxmlformats.org/drawingml/2006/compatibility" xmlns:ns12="http://schemas.openxmlformats.org/drawingml/2006/lockedCanvas" preserve="true" type="objTx">
+<p:sldLayout xmlns:p="http://schemas.openxmlformats.org/presentationml/2006/main" xmlns:a="http://schemas.openxmlformats.org/drawingml/2006/main" xmlns:r="http://schemas.openxmlformats.org/officeDocument/2006/relationships" xmlns:mc="http://schemas.openxmlformats.org/markup-compatibility/2006" xmlns:c="http://schemas.openxmlformats.org/drawingml/2006/chart" xmlns:ns6="http://schemas.openxmlformats.org/drawingml/2006/chartDrawing" xmlns:dgm="http://schemas.openxmlformats.org/drawingml/2006/diagram" xmlns:pic="http://schemas.openxmlformats.org/drawingml/2006/picture" xmlns:wp="http://schemas.openxmlformats.org/drawingml/2006/wordprocessingDrawing" xmlns:xdr="http://schemas.openxmlformats.org/drawingml/2006/spreadsheetDrawing" xmlns:ns11="http://schemas.openxmlformats.org/drawingml/2006/compatibility" xmlns:ns12="http://schemas.openxmlformats.org/drawingml/2006/lockedCanvas" type="objTx" preserve="true">
   <p:cSld name="Content with Caption">
     <p:spTree>
       <p:nvGrpSpPr>
-        <p:cNvPr name="" id="1"/>
+        <p:cNvPr id="1" name=""/>
         <p:cNvGrpSpPr/>
         <p:nvPr/>
       </p:nvGrpSpPr>
       <p:grpSpPr>
         <a:xfrm>
-          <a:off y="0" x="0"/>
-          <a:ext cy="0" cx="0"/>
-          <a:chOff y="0" x="0"/>
-          <a:chExt cy="0" cx="0"/>
+          <a:off x="0" y="0"/>
+          <a:ext cx="0" cy="0"/>
+          <a:chOff x="0" y="0"/>
+          <a:chExt cx="0" cy="0"/>
         </a:xfrm>
       </p:grpSpPr>
       <p:sp>
         <p:nvSpPr>
-          <p:cNvPr name="Titre 1" id="2"/>
+          <p:cNvPr id="2" name="Titre 1"/>
           <p:cNvSpPr>
             <a:spLocks noGrp="true"/>
           </p:cNvSpPr>
@@ -1784,8 +1784,8 @@
         </p:nvSpPr>
         <p:spPr>
           <a:xfrm>
-            <a:off y="457200" x="839788"/>
-            <a:ext cy="1600200" cx="3932237"/>
+            <a:off x="839788" y="457200"/>
+            <a:ext cx="3932237" cy="1600200"/>
           </a:xfrm>
         </p:spPr>
         <p:txBody>
@@ -1797,7 +1797,7 @@
           </a:lstStyle>
           <a:p>
             <a:r>
-              <a:rPr smtClean="false" lang="fr-FR"/>
+              <a:rPr lang="fr-FR" smtClean="false"/>
               <a:t>Modifiez le style du titre</a:t>
             </a:r>
             <a:endParaRPr lang="fr-FR"/>
@@ -1806,7 +1806,7 @@
       </p:sp>
       <p:sp>
         <p:nvSpPr>
-          <p:cNvPr name="Espace réservé du contenu 2" id="3"/>
+          <p:cNvPr id="3" name="Espace réservé du contenu 2"/>
           <p:cNvSpPr>
             <a:spLocks noGrp="true"/>
           </p:cNvSpPr>
@@ -1816,8 +1816,8 @@
         </p:nvSpPr>
         <p:spPr>
           <a:xfrm>
-            <a:off y="987425" x="5183188"/>
-            <a:ext cy="4873625" cx="6172200"/>
+            <a:off x="5183188" y="987425"/>
+            <a:ext cx="6172200" cy="4873625"/>
           </a:xfrm>
         </p:spPr>
         <p:txBody>
@@ -1854,35 +1854,35 @@
           <a:p>
             <a:pPr lvl="0"/>
             <a:r>
-              <a:rPr smtClean="false" lang="fr-FR"/>
+              <a:rPr lang="fr-FR" smtClean="false"/>
               <a:t>Modifiez les styles du texte du masque</a:t>
             </a:r>
           </a:p>
           <a:p>
             <a:pPr lvl="1"/>
             <a:r>
-              <a:rPr smtClean="false" lang="fr-FR"/>
+              <a:rPr lang="fr-FR" smtClean="false"/>
               <a:t>Deuxième niveau</a:t>
             </a:r>
           </a:p>
           <a:p>
             <a:pPr lvl="2"/>
             <a:r>
-              <a:rPr smtClean="false" lang="fr-FR"/>
+              <a:rPr lang="fr-FR" smtClean="false"/>
               <a:t>Troisième niveau</a:t>
             </a:r>
           </a:p>
           <a:p>
             <a:pPr lvl="3"/>
             <a:r>
-              <a:rPr smtClean="false" lang="fr-FR"/>
+              <a:rPr lang="fr-FR" smtClean="false"/>
               <a:t>Quatrième niveau</a:t>
             </a:r>
           </a:p>
           <a:p>
             <a:pPr lvl="4"/>
             <a:r>
-              <a:rPr smtClean="false" lang="fr-FR"/>
+              <a:rPr lang="fr-FR" smtClean="false"/>
               <a:t>Cinquième niveau</a:t>
             </a:r>
             <a:endParaRPr lang="fr-FR"/>
@@ -1891,56 +1891,56 @@
       </p:sp>
       <p:sp>
         <p:nvSpPr>
-          <p:cNvPr name="Espace réservé du texte 3" id="4"/>
+          <p:cNvPr id="4" name="Espace réservé du texte 3"/>
           <p:cNvSpPr>
             <a:spLocks noGrp="true"/>
           </p:cNvSpPr>
           <p:nvPr>
-            <p:ph idx="2" sz="half" type="body"/>
+            <p:ph type="body" sz="half" idx="2"/>
           </p:nvPr>
         </p:nvSpPr>
         <p:spPr>
           <a:xfrm>
-            <a:off y="2057400" x="839788"/>
-            <a:ext cy="3811588" cx="3932237"/>
+            <a:off x="839788" y="2057400"/>
+            <a:ext cx="3932237" cy="3811588"/>
           </a:xfrm>
         </p:spPr>
         <p:txBody>
           <a:bodyPr/>
           <a:lstStyle>
-            <a:lvl1pPr indent="0" marL="0">
+            <a:lvl1pPr marL="0" indent="0">
               <a:buNone/>
               <a:defRPr sz="1600"/>
             </a:lvl1pPr>
-            <a:lvl2pPr indent="0" marL="457200">
+            <a:lvl2pPr marL="457200" indent="0">
               <a:buNone/>
               <a:defRPr sz="1400"/>
             </a:lvl2pPr>
-            <a:lvl3pPr indent="0" marL="914400">
+            <a:lvl3pPr marL="914400" indent="0">
               <a:buNone/>
               <a:defRPr sz="1200"/>
             </a:lvl3pPr>
-            <a:lvl4pPr indent="0" marL="1371600">
+            <a:lvl4pPr marL="1371600" indent="0">
               <a:buNone/>
               <a:defRPr sz="1000"/>
             </a:lvl4pPr>
-            <a:lvl5pPr indent="0" marL="1828800">
+            <a:lvl5pPr marL="1828800" indent="0">
               <a:buNone/>
               <a:defRPr sz="1000"/>
             </a:lvl5pPr>
-            <a:lvl6pPr indent="0" marL="2286000">
+            <a:lvl6pPr marL="2286000" indent="0">
               <a:buNone/>
               <a:defRPr sz="1000"/>
             </a:lvl6pPr>
-            <a:lvl7pPr indent="0" marL="2743200">
+            <a:lvl7pPr marL="2743200" indent="0">
               <a:buNone/>
               <a:defRPr sz="1000"/>
             </a:lvl7pPr>
-            <a:lvl8pPr indent="0" marL="3200400">
+            <a:lvl8pPr marL="3200400" indent="0">
               <a:buNone/>
               <a:defRPr sz="1000"/>
             </a:lvl8pPr>
-            <a:lvl9pPr indent="0" marL="3657600">
+            <a:lvl9pPr marL="3657600" indent="0">
               <a:buNone/>
               <a:defRPr sz="1000"/>
             </a:lvl9pPr>
@@ -1948,7 +1948,7 @@
           <a:p>
             <a:pPr lvl="0"/>
             <a:r>
-              <a:rPr smtClean="false" lang="fr-FR"/>
+              <a:rPr lang="fr-FR" smtClean="false"/>
               <a:t>Modifiez les styles du texte du masque</a:t>
             </a:r>
           </a:p>
@@ -1956,12 +1956,12 @@
       </p:sp>
       <p:sp>
         <p:nvSpPr>
-          <p:cNvPr name="Espace réservé de la date 4" id="5"/>
+          <p:cNvPr id="5" name="Espace réservé de la date 4"/>
           <p:cNvSpPr>
             <a:spLocks noGrp="true"/>
           </p:cNvSpPr>
           <p:nvPr>
-            <p:ph idx="10" sz="half" type="dt"/>
+            <p:ph type="dt" sz="half" idx="10"/>
           </p:nvPr>
         </p:nvSpPr>
         <p:spPr/>
@@ -1969,8 +1969,8 @@
           <a:bodyPr/>
           <a:lstStyle/>
           <a:p>
-            <a:fld type="datetimeFigureOut" id="{CE3110EA-6548-4EF6-B0A9-8F847AEECEDD}">
-              <a:rPr smtClean="false" lang="fr-FR"/>
+            <a:fld id="{CE3110EA-6548-4EF6-B0A9-8F847AEECEDD}" type="datetimeFigureOut">
+              <a:rPr lang="fr-FR" smtClean="false"/>
               <a:t>07/12/2013</a:t>
             </a:fld>
             <a:endParaRPr lang="fr-FR"/>
@@ -1979,12 +1979,12 @@
       </p:sp>
       <p:sp>
         <p:nvSpPr>
-          <p:cNvPr name="Espace réservé du pied de page 5" id="6"/>
+          <p:cNvPr id="6" name="Espace réservé du pied de page 5"/>
           <p:cNvSpPr>
             <a:spLocks noGrp="true"/>
           </p:cNvSpPr>
           <p:nvPr>
-            <p:ph idx="11" sz="quarter" type="ftr"/>
+            <p:ph type="ftr" sz="quarter" idx="11"/>
           </p:nvPr>
         </p:nvSpPr>
         <p:spPr/>
@@ -1998,12 +1998,12 @@
       </p:sp>
       <p:sp>
         <p:nvSpPr>
-          <p:cNvPr name="Espace réservé du numéro de diapositive 6" id="7"/>
+          <p:cNvPr id="7" name="Espace réservé du numéro de diapositive 6"/>
           <p:cNvSpPr>
             <a:spLocks noGrp="true"/>
           </p:cNvSpPr>
           <p:nvPr>
-            <p:ph idx="12" sz="quarter" type="sldNum"/>
+            <p:ph type="sldNum" sz="quarter" idx="12"/>
           </p:nvPr>
         </p:nvSpPr>
         <p:spPr/>
@@ -2011,8 +2011,8 @@
           <a:bodyPr/>
           <a:lstStyle/>
           <a:p>
-            <a:fld type="slidenum" id="{C47AABF0-D73A-43C1-84CC-8A30B6535388}">
-              <a:rPr smtClean="false" lang="fr-FR"/>
+            <a:fld id="{C47AABF0-D73A-43C1-84CC-8A30B6535388}" type="slidenum">
+              <a:rPr lang="fr-FR" smtClean="false"/>
               <a:t>‹N°›</a:t>
             </a:fld>
             <a:endParaRPr lang="fr-FR"/>
@@ -2032,7 +2032,7 @@
   <p:timing>
     <p:tnLst>
       <p:par>
-        <p:cTn nodeType="tmRoot" restart="never" dur="indefinite" id="1"/>
+        <p:cTn id="1" dur="indefinite" restart="never" nodeType="tmRoot"/>
       </p:par>
     </p:tnLst>
   </p:timing>
@@ -2040,25 +2040,25 @@
 </file>
 
 <file path=ppt/slideLayouts/slideLayout9.xml><?xml version="1.0" encoding="utf-8"?>
-<p:sldLayout xmlns:a="http://schemas.openxmlformats.org/drawingml/2006/main" xmlns:r="http://schemas.openxmlformats.org/officeDocument/2006/relationships" xmlns:p="http://schemas.openxmlformats.org/presentationml/2006/main" xmlns:mc="http://schemas.openxmlformats.org/markup-compatibility/2006" xmlns:c="http://schemas.openxmlformats.org/drawingml/2006/chart" xmlns:ns6="http://schemas.openxmlformats.org/drawingml/2006/chartDrawing" xmlns:dgm="http://schemas.openxmlformats.org/drawingml/2006/diagram" xmlns:pic="http://schemas.openxmlformats.org/drawingml/2006/picture" xmlns:wp="http://schemas.openxmlformats.org/drawingml/2006/wordprocessingDrawing" xmlns:xdr="http://schemas.openxmlformats.org/drawingml/2006/spreadsheetDrawing" xmlns:ns11="http://schemas.openxmlformats.org/drawingml/2006/compatibility" xmlns:ns12="http://schemas.openxmlformats.org/drawingml/2006/lockedCanvas" preserve="true" type="vertTx">
+<p:sldLayout xmlns:p="http://schemas.openxmlformats.org/presentationml/2006/main" xmlns:a="http://schemas.openxmlformats.org/drawingml/2006/main" xmlns:r="http://schemas.openxmlformats.org/officeDocument/2006/relationships" xmlns:mc="http://schemas.openxmlformats.org/markup-compatibility/2006" xmlns:c="http://schemas.openxmlformats.org/drawingml/2006/chart" xmlns:ns6="http://schemas.openxmlformats.org/drawingml/2006/chartDrawing" xmlns:dgm="http://schemas.openxmlformats.org/drawingml/2006/diagram" xmlns:pic="http://schemas.openxmlformats.org/drawingml/2006/picture" xmlns:wp="http://schemas.openxmlformats.org/drawingml/2006/wordprocessingDrawing" xmlns:xdr="http://schemas.openxmlformats.org/drawingml/2006/spreadsheetDrawing" xmlns:ns11="http://schemas.openxmlformats.org/drawingml/2006/compatibility" xmlns:ns12="http://schemas.openxmlformats.org/drawingml/2006/lockedCanvas" type="vertTx" preserve="true">
   <p:cSld name="Title and Vertical Text">
     <p:spTree>
       <p:nvGrpSpPr>
-        <p:cNvPr name="" id="1"/>
+        <p:cNvPr id="1" name=""/>
         <p:cNvGrpSpPr/>
         <p:nvPr/>
       </p:nvGrpSpPr>
       <p:grpSpPr>
         <a:xfrm>
-          <a:off y="0" x="0"/>
-          <a:ext cy="0" cx="0"/>
-          <a:chOff y="0" x="0"/>
-          <a:chExt cy="0" cx="0"/>
+          <a:off x="0" y="0"/>
+          <a:ext cx="0" cy="0"/>
+          <a:chOff x="0" y="0"/>
+          <a:chExt cx="0" cy="0"/>
         </a:xfrm>
       </p:grpSpPr>
       <p:sp>
         <p:nvSpPr>
-          <p:cNvPr name="Titre 1" id="2"/>
+          <p:cNvPr id="2" name="Titre 1"/>
           <p:cNvSpPr>
             <a:spLocks noGrp="true"/>
           </p:cNvSpPr>
@@ -2072,7 +2072,7 @@
           <a:lstStyle/>
           <a:p>
             <a:r>
-              <a:rPr smtClean="false" lang="fr-FR"/>
+              <a:rPr lang="fr-FR" smtClean="false"/>
               <a:t>Modifiez le style du titre</a:t>
             </a:r>
             <a:endParaRPr lang="fr-FR"/>
@@ -2081,12 +2081,12 @@
       </p:sp>
       <p:sp>
         <p:nvSpPr>
-          <p:cNvPr name="Espace réservé du texte vertical 2" id="3"/>
+          <p:cNvPr id="3" name="Espace réservé du texte vertical 2"/>
           <p:cNvSpPr>
             <a:spLocks noGrp="true"/>
           </p:cNvSpPr>
           <p:nvPr>
-            <p:ph idx="1" orient="vert" type="body"/>
+            <p:ph type="body" orient="vert" idx="1"/>
           </p:nvPr>
         </p:nvSpPr>
         <p:spPr/>
@@ -2096,35 +2096,35 @@
           <a:p>
             <a:pPr lvl="0"/>
             <a:r>
-              <a:rPr smtClean="false" lang="fr-FR"/>
+              <a:rPr lang="fr-FR" smtClean="false"/>
               <a:t>Modifiez les styles du texte du masque</a:t>
             </a:r>
           </a:p>
           <a:p>
             <a:pPr lvl="1"/>
             <a:r>
-              <a:rPr smtClean="false" lang="fr-FR"/>
+              <a:rPr lang="fr-FR" smtClean="false"/>
               <a:t>Deuxième niveau</a:t>
             </a:r>
           </a:p>
           <a:p>
             <a:pPr lvl="2"/>
             <a:r>
-              <a:rPr smtClean="false" lang="fr-FR"/>
+              <a:rPr lang="fr-FR" smtClean="false"/>
               <a:t>Troisième niveau</a:t>
             </a:r>
           </a:p>
           <a:p>
             <a:pPr lvl="3"/>
             <a:r>
-              <a:rPr smtClean="false" lang="fr-FR"/>
+              <a:rPr lang="fr-FR" smtClean="false"/>
               <a:t>Quatrième niveau</a:t>
             </a:r>
           </a:p>
           <a:p>
             <a:pPr lvl="4"/>
             <a:r>
-              <a:rPr smtClean="false" lang="fr-FR"/>
+              <a:rPr lang="fr-FR" smtClean="false"/>
               <a:t>Cinquième niveau</a:t>
             </a:r>
             <a:endParaRPr lang="fr-FR"/>
@@ -2133,12 +2133,12 @@
       </p:sp>
       <p:sp>
         <p:nvSpPr>
-          <p:cNvPr name="Espace réservé de la date 3" id="4"/>
+          <p:cNvPr id="4" name="Espace réservé de la date 3"/>
           <p:cNvSpPr>
             <a:spLocks noGrp="true"/>
           </p:cNvSpPr>
           <p:nvPr>
-            <p:ph idx="10" sz="half" type="dt"/>
+            <p:ph type="dt" sz="half" idx="10"/>
           </p:nvPr>
         </p:nvSpPr>
         <p:spPr/>
@@ -2146,8 +2146,8 @@
           <a:bodyPr/>
           <a:lstStyle/>
           <a:p>
-            <a:fld type="datetimeFigureOut" id="{CE3110EA-6548-4EF6-B0A9-8F847AEECEDD}">
-              <a:rPr smtClean="false" lang="fr-FR"/>
+            <a:fld id="{CE3110EA-6548-4EF6-B0A9-8F847AEECEDD}" type="datetimeFigureOut">
+              <a:rPr lang="fr-FR" smtClean="false"/>
               <a:t>07/12/2013</a:t>
             </a:fld>
             <a:endParaRPr lang="fr-FR"/>
@@ -2156,12 +2156,12 @@
       </p:sp>
       <p:sp>
         <p:nvSpPr>
-          <p:cNvPr name="Espace réservé du pied de page 4" id="5"/>
+          <p:cNvPr id="5" name="Espace réservé du pied de page 4"/>
           <p:cNvSpPr>
             <a:spLocks noGrp="true"/>
           </p:cNvSpPr>
           <p:nvPr>
-            <p:ph idx="11" sz="quarter" type="ftr"/>
+            <p:ph type="ftr" sz="quarter" idx="11"/>
           </p:nvPr>
         </p:nvSpPr>
         <p:spPr/>
@@ -2175,12 +2175,12 @@
       </p:sp>
       <p:sp>
         <p:nvSpPr>
-          <p:cNvPr name="Espace réservé du numéro de diapositive 5" id="6"/>
+          <p:cNvPr id="6" name="Espace réservé du numéro de diapositive 5"/>
           <p:cNvSpPr>
             <a:spLocks noGrp="true"/>
           </p:cNvSpPr>
           <p:nvPr>
-            <p:ph idx="12" sz="quarter" type="sldNum"/>
+            <p:ph type="sldNum" sz="quarter" idx="12"/>
           </p:nvPr>
         </p:nvSpPr>
         <p:spPr/>
@@ -2188,8 +2188,8 @@
           <a:bodyPr/>
           <a:lstStyle/>
           <a:p>
-            <a:fld type="slidenum" id="{C47AABF0-D73A-43C1-84CC-8A30B6535388}">
-              <a:rPr smtClean="false" lang="fr-FR"/>
+            <a:fld id="{C47AABF0-D73A-43C1-84CC-8A30B6535388}" type="slidenum">
+              <a:rPr lang="fr-FR" smtClean="false"/>
               <a:t>‹N°›</a:t>
             </a:fld>
             <a:endParaRPr lang="fr-FR"/>
@@ -2209,7 +2209,7 @@
   <p:timing>
     <p:tnLst>
       <p:par>
-        <p:cTn nodeType="tmRoot" restart="never" dur="indefinite" id="1"/>
+        <p:cTn id="1" dur="indefinite" restart="never" nodeType="tmRoot"/>
       </p:par>
     </p:tnLst>
   </p:timing>
@@ -2217,7 +2217,7 @@
 </file>
 
 <file path=ppt/slideMasters/slideMaster1.xml><?xml version="1.0" encoding="utf-8"?>
-<p:sldMaster xmlns:a="http://schemas.openxmlformats.org/drawingml/2006/main" xmlns:r="http://schemas.openxmlformats.org/officeDocument/2006/relationships" xmlns:p="http://schemas.openxmlformats.org/presentationml/2006/main" xmlns:mc="http://schemas.openxmlformats.org/markup-compatibility/2006" xmlns:c="http://schemas.openxmlformats.org/drawingml/2006/chart" xmlns:ns6="http://schemas.openxmlformats.org/drawingml/2006/chartDrawing" xmlns:dgm="http://schemas.openxmlformats.org/drawingml/2006/diagram" xmlns:pic="http://schemas.openxmlformats.org/drawingml/2006/picture" xmlns:wp="http://schemas.openxmlformats.org/drawingml/2006/wordprocessingDrawing" xmlns:xdr="http://schemas.openxmlformats.org/drawingml/2006/spreadsheetDrawing" xmlns:ns11="http://schemas.openxmlformats.org/drawingml/2006/compatibility" xmlns:ns12="http://schemas.openxmlformats.org/drawingml/2006/lockedCanvas">
+<p:sldMaster xmlns:p="http://schemas.openxmlformats.org/presentationml/2006/main" xmlns:a="http://schemas.openxmlformats.org/drawingml/2006/main" xmlns:r="http://schemas.openxmlformats.org/officeDocument/2006/relationships" xmlns:mc="http://schemas.openxmlformats.org/markup-compatibility/2006" xmlns:c="http://schemas.openxmlformats.org/drawingml/2006/chart" xmlns:ns6="http://schemas.openxmlformats.org/drawingml/2006/chartDrawing" xmlns:dgm="http://schemas.openxmlformats.org/drawingml/2006/diagram" xmlns:pic="http://schemas.openxmlformats.org/drawingml/2006/picture" xmlns:wp="http://schemas.openxmlformats.org/drawingml/2006/wordprocessingDrawing" xmlns:xdr="http://schemas.openxmlformats.org/drawingml/2006/spreadsheetDrawing" xmlns:ns11="http://schemas.openxmlformats.org/drawingml/2006/compatibility" xmlns:ns12="http://schemas.openxmlformats.org/drawingml/2006/lockedCanvas">
   <p:cSld>
     <p:bg>
       <p:bgRef idx="1001">
@@ -2226,21 +2226,21 @@
     </p:bg>
     <p:spTree>
       <p:nvGrpSpPr>
-        <p:cNvPr name="" id="1"/>
+        <p:cNvPr id="1" name=""/>
         <p:cNvGrpSpPr/>
         <p:nvPr/>
       </p:nvGrpSpPr>
       <p:grpSpPr>
         <a:xfrm>
-          <a:off y="0" x="0"/>
-          <a:ext cy="0" cx="0"/>
-          <a:chOff y="0" x="0"/>
-          <a:chExt cy="0" cx="0"/>
+          <a:off x="0" y="0"/>
+          <a:ext cx="0" cy="0"/>
+          <a:chOff x="0" y="0"/>
+          <a:chExt cx="0" cy="0"/>
         </a:xfrm>
       </p:grpSpPr>
       <p:sp>
         <p:nvSpPr>
-          <p:cNvPr name="Espace réservé du titre 1" id="2"/>
+          <p:cNvPr id="2" name="Espace réservé du titre 1"/>
           <p:cNvSpPr>
             <a:spLocks noGrp="true"/>
           </p:cNvSpPr>
@@ -2250,21 +2250,21 @@
         </p:nvSpPr>
         <p:spPr>
           <a:xfrm>
-            <a:off y="360000" x="838200"/>
-            <a:ext cy="1325563" cx="10515600"/>
+            <a:off x="838200" y="360000"/>
+            <a:ext cx="10515600" cy="1325563"/>
           </a:xfrm>
           <a:prstGeom prst="rect">
             <a:avLst/>
           </a:prstGeom>
         </p:spPr>
         <p:txBody>
-          <a:bodyPr anchor="ctr" rtlCol="false" bIns="45720" rIns="91440" tIns="45720" lIns="91440" vert="horz">
+          <a:bodyPr vert="horz" lIns="91440" tIns="45720" rIns="91440" bIns="45720" rtlCol="false" anchor="ctr">
             <a:normAutofit/>
           </a:bodyPr>
           <a:lstStyle/>
           <a:p>
             <a:r>
-              <a:rPr smtClean="false" lang="fr-FR"/>
+              <a:rPr lang="fr-FR" smtClean="false"/>
               <a:t>Modifiez le style du titre</a:t>
             </a:r>
             <a:endParaRPr lang="fr-FR"/>
@@ -2273,60 +2273,60 @@
       </p:sp>
       <p:sp>
         <p:nvSpPr>
-          <p:cNvPr name="Espace réservé du texte 2" id="3"/>
+          <p:cNvPr id="3" name="Espace réservé du texte 2"/>
           <p:cNvSpPr>
             <a:spLocks noGrp="true"/>
           </p:cNvSpPr>
           <p:nvPr>
-            <p:ph idx="1" type="body"/>
+            <p:ph type="body" idx="1"/>
           </p:nvPr>
         </p:nvSpPr>
         <p:spPr>
           <a:xfrm>
-            <a:off y="1825625" x="838200"/>
-            <a:ext cy="4351338" cx="10515600"/>
+            <a:off x="838200" y="1825625"/>
+            <a:ext cx="10515600" cy="4351338"/>
           </a:xfrm>
           <a:prstGeom prst="rect">
             <a:avLst/>
           </a:prstGeom>
         </p:spPr>
         <p:txBody>
-          <a:bodyPr rtlCol="false" bIns="45720" rIns="91440" tIns="45720" lIns="91440" vert="horz">
+          <a:bodyPr vert="horz" lIns="91440" tIns="45720" rIns="91440" bIns="45720" rtlCol="false">
             <a:normAutofit/>
           </a:bodyPr>
           <a:lstStyle/>
           <a:p>
             <a:pPr lvl="0"/>
             <a:r>
-              <a:rPr smtClean="false" lang="fr-FR"/>
+              <a:rPr lang="fr-FR" smtClean="false"/>
               <a:t>Modifiez les styles du texte du masque</a:t>
             </a:r>
           </a:p>
           <a:p>
             <a:pPr lvl="1"/>
             <a:r>
-              <a:rPr smtClean="false" lang="fr-FR"/>
+              <a:rPr lang="fr-FR" smtClean="false"/>
               <a:t>Deuxième niveau</a:t>
             </a:r>
           </a:p>
           <a:p>
             <a:pPr lvl="2"/>
             <a:r>
-              <a:rPr smtClean="false" lang="fr-FR"/>
+              <a:rPr lang="fr-FR" smtClean="false"/>
               <a:t>Troisième niveau</a:t>
             </a:r>
           </a:p>
           <a:p>
             <a:pPr lvl="3"/>
             <a:r>
-              <a:rPr smtClean="false" lang="fr-FR"/>
+              <a:rPr lang="fr-FR" smtClean="false"/>
               <a:t>Quatrième niveau</a:t>
             </a:r>
           </a:p>
           <a:p>
             <a:pPr lvl="4"/>
             <a:r>
-              <a:rPr smtClean="false" lang="fr-FR"/>
+              <a:rPr lang="fr-FR" smtClean="false"/>
               <a:t>Cinquième niveau</a:t>
             </a:r>
             <a:endParaRPr lang="fr-FR"/>
@@ -2335,25 +2335,25 @@
       </p:sp>
       <p:sp>
         <p:nvSpPr>
-          <p:cNvPr name="Espace réservé de la date 3" id="4"/>
+          <p:cNvPr id="4" name="Espace réservé de la date 3"/>
           <p:cNvSpPr>
             <a:spLocks noGrp="true"/>
           </p:cNvSpPr>
           <p:nvPr>
-            <p:ph idx="2" sz="half" type="dt"/>
+            <p:ph type="dt" sz="half" idx="2"/>
           </p:nvPr>
         </p:nvSpPr>
         <p:spPr>
           <a:xfrm>
-            <a:off y="6356350" x="838200"/>
-            <a:ext cy="365125" cx="2743200"/>
+            <a:off x="838200" y="6356350"/>
+            <a:ext cx="2743200" cy="365125"/>
           </a:xfrm>
           <a:prstGeom prst="rect">
             <a:avLst/>
           </a:prstGeom>
         </p:spPr>
         <p:txBody>
-          <a:bodyPr anchor="ctr" rtlCol="false" bIns="45720" rIns="91440" tIns="45720" lIns="91440" vert="horz"/>
+          <a:bodyPr vert="horz" lIns="91440" tIns="45720" rIns="91440" bIns="45720" rtlCol="false" anchor="ctr"/>
           <a:lstStyle>
             <a:lvl1pPr algn="l">
               <a:defRPr sz="1200">
@@ -2366,8 +2366,8 @@
             </a:lvl1pPr>
           </a:lstStyle>
           <a:p>
-            <a:fld type="datetimeFigureOut" id="{CE3110EA-6548-4EF6-B0A9-8F847AEECEDD}">
-              <a:rPr smtClean="false" lang="fr-FR"/>
+            <a:fld id="{CE3110EA-6548-4EF6-B0A9-8F847AEECEDD}" type="datetimeFigureOut">
+              <a:rPr lang="fr-FR" smtClean="false"/>
               <a:t>07/12/2013</a:t>
             </a:fld>
             <a:endParaRPr lang="fr-FR"/>
@@ -2376,25 +2376,25 @@
       </p:sp>
       <p:sp>
         <p:nvSpPr>
-          <p:cNvPr name="Espace réservé du pied de page 4" id="5"/>
+          <p:cNvPr id="5" name="Espace réservé du pied de page 4"/>
           <p:cNvSpPr>
             <a:spLocks noGrp="true"/>
           </p:cNvSpPr>
           <p:nvPr>
-            <p:ph idx="3" sz="quarter" type="ftr"/>
+            <p:ph type="ftr" sz="quarter" idx="3"/>
           </p:nvPr>
         </p:nvSpPr>
         <p:spPr>
           <a:xfrm>
-            <a:off y="6356350" x="4038600"/>
-            <a:ext cy="365125" cx="4114800"/>
+            <a:off x="4038600" y="6356350"/>
+            <a:ext cx="4114800" cy="365125"/>
           </a:xfrm>
           <a:prstGeom prst="rect">
             <a:avLst/>
           </a:prstGeom>
         </p:spPr>
         <p:txBody>
-          <a:bodyPr anchor="ctr" rtlCol="false" bIns="45720" rIns="91440" tIns="45720" lIns="91440" vert="horz"/>
+          <a:bodyPr vert="horz" lIns="91440" tIns="45720" rIns="91440" bIns="45720" rtlCol="false" anchor="ctr"/>
           <a:lstStyle>
             <a:lvl1pPr algn="ctr">
               <a:defRPr sz="1200">
@@ -2413,25 +2413,25 @@
       </p:sp>
       <p:sp>
         <p:nvSpPr>
-          <p:cNvPr name="Espace réservé du numéro de diapositive 5" id="6"/>
+          <p:cNvPr id="6" name="Espace réservé du numéro de diapositive 5"/>
           <p:cNvSpPr>
             <a:spLocks noGrp="true"/>
           </p:cNvSpPr>
           <p:nvPr>
-            <p:ph idx="4" sz="quarter" type="sldNum"/>
+            <p:ph type="sldNum" sz="quarter" idx="4"/>
           </p:nvPr>
         </p:nvSpPr>
         <p:spPr>
           <a:xfrm>
-            <a:off y="6356350" x="8610600"/>
-            <a:ext cy="365125" cx="2743200"/>
+            <a:off x="8610600" y="6356350"/>
+            <a:ext cx="2743200" cy="365125"/>
           </a:xfrm>
           <a:prstGeom prst="rect">
             <a:avLst/>
           </a:prstGeom>
         </p:spPr>
         <p:txBody>
-          <a:bodyPr anchor="ctr" rtlCol="false" bIns="45720" rIns="91440" tIns="45720" lIns="91440" vert="horz"/>
+          <a:bodyPr vert="horz" lIns="91440" tIns="45720" rIns="91440" bIns="45720" rtlCol="false" anchor="ctr"/>
           <a:lstStyle>
             <a:lvl1pPr algn="r">
               <a:defRPr sz="1200">
@@ -2444,8 +2444,8 @@
             </a:lvl1pPr>
           </a:lstStyle>
           <a:p>
-            <a:fld type="slidenum" id="{C47AABF0-D73A-43C1-84CC-8A30B6535388}">
-              <a:rPr smtClean="false" lang="fr-FR"/>
+            <a:fld id="{C47AABF0-D73A-43C1-84CC-8A30B6535388}" type="slidenum">
+              <a:rPr lang="fr-FR" smtClean="false"/>
               <a:t>‹N°›</a:t>
             </a:fld>
             <a:endParaRPr lang="fr-FR"/>
@@ -2459,29 +2459,29 @@
       </p:ext>
     </p:extLst>
   </p:cSld>
-  <p:clrMap folHlink="folHlink" hlink="hlink" accent6="accent6" accent5="accent5" accent4="accent4" accent3="accent3" accent2="accent2" accent1="accent1" tx2="dk2" bg2="lt2" tx1="dk1" bg1="lt1"/>
+  <p:clrMap bg1="lt1" tx1="dk1" bg2="lt2" tx2="dk2" accent1="accent1" accent2="accent2" accent3="accent3" accent4="accent4" accent5="accent5" accent6="accent6" hlink="hlink" folHlink="folHlink"/>
   <p:sldLayoutIdLst>
-    <p:sldLayoutId r:id="rId1" id="2147483649"/>
-    <p:sldLayoutId r:id="rId2" id="2147483650"/>
-    <p:sldLayoutId r:id="rId3" id="2147483651"/>
-    <p:sldLayoutId r:id="rId4" id="2147483652"/>
-    <p:sldLayoutId r:id="rId5" id="2147483653"/>
-    <p:sldLayoutId r:id="rId6" id="2147483654"/>
-    <p:sldLayoutId r:id="rId7" id="2147483655"/>
-    <p:sldLayoutId r:id="rId8" id="2147483656"/>
-    <p:sldLayoutId r:id="rId9" id="2147483658"/>
-    <p:sldLayoutId r:id="rId10" id="2147483659"/>
+    <p:sldLayoutId id="2147483649" r:id="rId1"/>
+    <p:sldLayoutId id="2147483650" r:id="rId2"/>
+    <p:sldLayoutId id="2147483651" r:id="rId3"/>
+    <p:sldLayoutId id="2147483652" r:id="rId4"/>
+    <p:sldLayoutId id="2147483653" r:id="rId5"/>
+    <p:sldLayoutId id="2147483654" r:id="rId6"/>
+    <p:sldLayoutId id="2147483655" r:id="rId7"/>
+    <p:sldLayoutId id="2147483656" r:id="rId8"/>
+    <p:sldLayoutId id="2147483658" r:id="rId9"/>
+    <p:sldLayoutId id="2147483659" r:id="rId10"/>
   </p:sldLayoutIdLst>
   <p:timing>
     <p:tnLst>
       <p:par>
-        <p:cTn nodeType="tmRoot" restart="never" dur="indefinite" id="1"/>
+        <p:cTn id="1" dur="indefinite" restart="never" nodeType="tmRoot"/>
       </p:par>
     </p:tnLst>
   </p:timing>
   <p:txStyles>
     <p:titleStyle>
-      <a:lvl1pPr hangingPunct="true" latinLnBrk="false" eaLnBrk="true" rtl="false" defTabSz="914400" algn="l">
+      <a:lvl1pPr algn="l" defTabSz="914400" rtl="false" eaLnBrk="true" latinLnBrk="false" hangingPunct="true">
         <a:lnSpc>
           <a:spcPct val="90000"/>
         </a:lnSpc>
@@ -2489,7 +2489,7 @@
           <a:spcPct val="0"/>
         </a:spcBef>
         <a:buNone/>
-        <a:defRPr kern="1200" sz="4400">
+        <a:defRPr sz="4400" kern="1200">
           <a:solidFill>
             <a:schemeClr val="tx1"/>
           </a:solidFill>
@@ -2500,16 +2500,16 @@
       </a:lvl1pPr>
     </p:titleStyle>
     <p:bodyStyle>
-      <a:lvl1pPr hangingPunct="true" latinLnBrk="false" eaLnBrk="true" rtl="false" defTabSz="914400" algn="l" indent="-228600" marL="228600">
+      <a:lvl1pPr marL="228600" indent="-228600" algn="l" defTabSz="914400" rtl="false" eaLnBrk="true" latinLnBrk="false" hangingPunct="true">
         <a:lnSpc>
           <a:spcPct val="90000"/>
         </a:lnSpc>
         <a:spcBef>
           <a:spcPts val="1000"/>
         </a:spcBef>
-        <a:buFont charset="0" pitchFamily="34" panose="020B0604020202020204" typeface="Arial"/>
+        <a:buFont typeface="Arial" panose="020B0604020202020204" pitchFamily="34" charset="0"/>
         <a:buChar char="•"/>
-        <a:defRPr kern="1200" sz="2800">
+        <a:defRPr sz="2800" kern="1200">
           <a:solidFill>
             <a:schemeClr val="tx1"/>
           </a:solidFill>
@@ -2518,16 +2518,16 @@
           <a:cs typeface="+mn-cs"/>
         </a:defRPr>
       </a:lvl1pPr>
-      <a:lvl2pPr hangingPunct="true" latinLnBrk="false" eaLnBrk="true" rtl="false" defTabSz="914400" algn="l" indent="-228600" marL="685800">
+      <a:lvl2pPr marL="685800" indent="-228600" algn="l" defTabSz="914400" rtl="false" eaLnBrk="true" latinLnBrk="false" hangingPunct="true">
         <a:lnSpc>
           <a:spcPct val="90000"/>
         </a:lnSpc>
         <a:spcBef>
           <a:spcPts val="500"/>
         </a:spcBef>
-        <a:buFont charset="0" pitchFamily="34" panose="020B0604020202020204" typeface="Arial"/>
+        <a:buFont typeface="Arial" panose="020B0604020202020204" pitchFamily="34" charset="0"/>
         <a:buChar char="•"/>
-        <a:defRPr kern="1200" sz="2400">
+        <a:defRPr sz="2400" kern="1200">
           <a:solidFill>
             <a:schemeClr val="tx1"/>
           </a:solidFill>
@@ -2536,16 +2536,16 @@
           <a:cs typeface="+mn-cs"/>
         </a:defRPr>
       </a:lvl2pPr>
-      <a:lvl3pPr hangingPunct="true" latinLnBrk="false" eaLnBrk="true" rtl="false" defTabSz="914400" algn="l" indent="-228600" marL="1143000">
+      <a:lvl3pPr marL="1143000" indent="-228600" algn="l" defTabSz="914400" rtl="false" eaLnBrk="true" latinLnBrk="false" hangingPunct="true">
         <a:lnSpc>
           <a:spcPct val="90000"/>
         </a:lnSpc>
         <a:spcBef>
           <a:spcPts val="500"/>
         </a:spcBef>
-        <a:buFont charset="0" pitchFamily="34" panose="020B0604020202020204" typeface="Arial"/>
+        <a:buFont typeface="Arial" panose="020B0604020202020204" pitchFamily="34" charset="0"/>
         <a:buChar char="•"/>
-        <a:defRPr kern="1200" sz="2000">
+        <a:defRPr sz="2000" kern="1200">
           <a:solidFill>
             <a:schemeClr val="tx1"/>
           </a:solidFill>
@@ -2554,16 +2554,16 @@
           <a:cs typeface="+mn-cs"/>
         </a:defRPr>
       </a:lvl3pPr>
-      <a:lvl4pPr hangingPunct="true" latinLnBrk="false" eaLnBrk="true" rtl="false" defTabSz="914400" algn="l" indent="-228600" marL="1600200">
+      <a:lvl4pPr marL="1600200" indent="-228600" algn="l" defTabSz="914400" rtl="false" eaLnBrk="true" latinLnBrk="false" hangingPunct="true">
         <a:lnSpc>
           <a:spcPct val="90000"/>
         </a:lnSpc>
         <a:spcBef>
           <a:spcPts val="500"/>
         </a:spcBef>
-        <a:buFont charset="0" pitchFamily="34" panose="020B0604020202020204" typeface="Arial"/>
+        <a:buFont typeface="Arial" panose="020B0604020202020204" pitchFamily="34" charset="0"/>
         <a:buChar char="•"/>
-        <a:defRPr kern="1200" sz="1800">
+        <a:defRPr sz="1800" kern="1200">
           <a:solidFill>
             <a:schemeClr val="tx1"/>
           </a:solidFill>
@@ -2572,16 +2572,16 @@
           <a:cs typeface="+mn-cs"/>
         </a:defRPr>
       </a:lvl4pPr>
-      <a:lvl5pPr hangingPunct="true" latinLnBrk="false" eaLnBrk="true" rtl="false" defTabSz="914400" algn="l" indent="-228600" marL="2057400">
+      <a:lvl5pPr marL="2057400" indent="-228600" algn="l" defTabSz="914400" rtl="false" eaLnBrk="true" latinLnBrk="false" hangingPunct="true">
         <a:lnSpc>
           <a:spcPct val="90000"/>
         </a:lnSpc>
         <a:spcBef>
           <a:spcPts val="500"/>
         </a:spcBef>
-        <a:buFont charset="0" pitchFamily="34" panose="020B0604020202020204" typeface="Arial"/>
+        <a:buFont typeface="Arial" panose="020B0604020202020204" pitchFamily="34" charset="0"/>
         <a:buChar char="•"/>
-        <a:defRPr kern="1200" sz="1800">
+        <a:defRPr sz="1800" kern="1200">
           <a:solidFill>
             <a:schemeClr val="tx1"/>
           </a:solidFill>
@@ -2590,16 +2590,16 @@
           <a:cs typeface="+mn-cs"/>
         </a:defRPr>
       </a:lvl5pPr>
-      <a:lvl6pPr hangingPunct="true" latinLnBrk="false" eaLnBrk="true" rtl="false" defTabSz="914400" algn="l" indent="-228600" marL="2514600">
+      <a:lvl6pPr marL="2514600" indent="-228600" algn="l" defTabSz="914400" rtl="false" eaLnBrk="true" latinLnBrk="false" hangingPunct="true">
         <a:lnSpc>
           <a:spcPct val="90000"/>
         </a:lnSpc>
         <a:spcBef>
           <a:spcPts val="500"/>
         </a:spcBef>
-        <a:buFont charset="0" pitchFamily="34" panose="020B0604020202020204" typeface="Arial"/>
+        <a:buFont typeface="Arial" panose="020B0604020202020204" pitchFamily="34" charset="0"/>
         <a:buChar char="•"/>
-        <a:defRPr kern="1200" sz="1800">
+        <a:defRPr sz="1800" kern="1200">
           <a:solidFill>
             <a:schemeClr val="tx1"/>
           </a:solidFill>
@@ -2608,16 +2608,16 @@
           <a:cs typeface="+mn-cs"/>
         </a:defRPr>
       </a:lvl6pPr>
-      <a:lvl7pPr hangingPunct="true" latinLnBrk="false" eaLnBrk="true" rtl="false" defTabSz="914400" algn="l" indent="-228600" marL="2971800">
+      <a:lvl7pPr marL="2971800" indent="-228600" algn="l" defTabSz="914400" rtl="false" eaLnBrk="true" latinLnBrk="false" hangingPunct="true">
         <a:lnSpc>
           <a:spcPct val="90000"/>
         </a:lnSpc>
         <a:spcBef>
           <a:spcPts val="500"/>
         </a:spcBef>
-        <a:buFont charset="0" pitchFamily="34" panose="020B0604020202020204" typeface="Arial"/>
+        <a:buFont typeface="Arial" panose="020B0604020202020204" pitchFamily="34" charset="0"/>
         <a:buChar char="•"/>
-        <a:defRPr kern="1200" sz="1800">
+        <a:defRPr sz="1800" kern="1200">
           <a:solidFill>
             <a:schemeClr val="tx1"/>
           </a:solidFill>
@@ -2626,16 +2626,16 @@
           <a:cs typeface="+mn-cs"/>
         </a:defRPr>
       </a:lvl7pPr>
-      <a:lvl8pPr hangingPunct="true" latinLnBrk="false" eaLnBrk="true" rtl="false" defTabSz="914400" algn="l" indent="-228600" marL="3429000">
+      <a:lvl8pPr marL="3429000" indent="-228600" algn="l" defTabSz="914400" rtl="false" eaLnBrk="true" latinLnBrk="false" hangingPunct="true">
         <a:lnSpc>
           <a:spcPct val="90000"/>
         </a:lnSpc>
         <a:spcBef>
           <a:spcPts val="500"/>
         </a:spcBef>
-        <a:buFont charset="0" pitchFamily="34" panose="020B0604020202020204" typeface="Arial"/>
+        <a:buFont typeface="Arial" panose="020B0604020202020204" pitchFamily="34" charset="0"/>
         <a:buChar char="•"/>
-        <a:defRPr kern="1200" sz="1800">
+        <a:defRPr sz="1800" kern="1200">
           <a:solidFill>
             <a:schemeClr val="tx1"/>
           </a:solidFill>
@@ -2644,16 +2644,16 @@
           <a:cs typeface="+mn-cs"/>
         </a:defRPr>
       </a:lvl8pPr>
-      <a:lvl9pPr hangingPunct="true" latinLnBrk="false" eaLnBrk="true" rtl="false" defTabSz="914400" algn="l" indent="-228600" marL="3886200">
+      <a:lvl9pPr marL="3886200" indent="-228600" algn="l" defTabSz="914400" rtl="false" eaLnBrk="true" latinLnBrk="false" hangingPunct="true">
         <a:lnSpc>
           <a:spcPct val="90000"/>
         </a:lnSpc>
         <a:spcBef>
           <a:spcPts val="500"/>
         </a:spcBef>
-        <a:buFont charset="0" pitchFamily="34" panose="020B0604020202020204" typeface="Arial"/>
+        <a:buFont typeface="Arial" panose="020B0604020202020204" pitchFamily="34" charset="0"/>
         <a:buChar char="•"/>
-        <a:defRPr kern="1200" sz="1800">
+        <a:defRPr sz="1800" kern="1200">
           <a:solidFill>
             <a:schemeClr val="tx1"/>
           </a:solidFill>
@@ -2667,8 +2667,8 @@
       <a:defPPr>
         <a:defRPr lang="fr-FR"/>
       </a:defPPr>
-      <a:lvl1pPr hangingPunct="true" latinLnBrk="false" eaLnBrk="true" rtl="false" defTabSz="914400" algn="l" marL="0">
-        <a:defRPr kern="1200" sz="1800">
+      <a:lvl1pPr marL="0" algn="l" defTabSz="914400" rtl="false" eaLnBrk="true" latinLnBrk="false" hangingPunct="true">
+        <a:defRPr sz="1800" kern="1200">
           <a:solidFill>
             <a:schemeClr val="tx1"/>
           </a:solidFill>
@@ -2677,8 +2677,8 @@
           <a:cs typeface="+mn-cs"/>
         </a:defRPr>
       </a:lvl1pPr>
-      <a:lvl2pPr hangingPunct="true" latinLnBrk="false" eaLnBrk="true" rtl="false" defTabSz="914400" algn="l" marL="457200">
-        <a:defRPr kern="1200" sz="1800">
+      <a:lvl2pPr marL="457200" algn="l" defTabSz="914400" rtl="false" eaLnBrk="true" latinLnBrk="false" hangingPunct="true">
+        <a:defRPr sz="1800" kern="1200">
           <a:solidFill>
             <a:schemeClr val="tx1"/>
           </a:solidFill>
@@ -2687,8 +2687,8 @@
           <a:cs typeface="+mn-cs"/>
         </a:defRPr>
       </a:lvl2pPr>
-      <a:lvl3pPr hangingPunct="true" latinLnBrk="false" eaLnBrk="true" rtl="false" defTabSz="914400" algn="l" marL="914400">
-        <a:defRPr kern="1200" sz="1800">
+      <a:lvl3pPr marL="914400" algn="l" defTabSz="914400" rtl="false" eaLnBrk="true" latinLnBrk="false" hangingPunct="true">
+        <a:defRPr sz="1800" kern="1200">
           <a:solidFill>
             <a:schemeClr val="tx1"/>
           </a:solidFill>
@@ -2697,8 +2697,8 @@
           <a:cs typeface="+mn-cs"/>
         </a:defRPr>
       </a:lvl3pPr>
-      <a:lvl4pPr hangingPunct="true" latinLnBrk="false" eaLnBrk="true" rtl="false" defTabSz="914400" algn="l" marL="1371600">
-        <a:defRPr kern="1200" sz="1800">
+      <a:lvl4pPr marL="1371600" algn="l" defTabSz="914400" rtl="false" eaLnBrk="true" latinLnBrk="false" hangingPunct="true">
+        <a:defRPr sz="1800" kern="1200">
           <a:solidFill>
             <a:schemeClr val="tx1"/>
           </a:solidFill>
@@ -2707,8 +2707,8 @@
           <a:cs typeface="+mn-cs"/>
         </a:defRPr>
       </a:lvl4pPr>
-      <a:lvl5pPr hangingPunct="true" latinLnBrk="false" eaLnBrk="true" rtl="false" defTabSz="914400" algn="l" marL="1828800">
-        <a:defRPr kern="1200" sz="1800">
+      <a:lvl5pPr marL="1828800" algn="l" defTabSz="914400" rtl="false" eaLnBrk="true" latinLnBrk="false" hangingPunct="true">
+        <a:defRPr sz="1800" kern="1200">
           <a:solidFill>
             <a:schemeClr val="tx1"/>
           </a:solidFill>
@@ -2717,8 +2717,8 @@
           <a:cs typeface="+mn-cs"/>
         </a:defRPr>
       </a:lvl5pPr>
-      <a:lvl6pPr hangingPunct="true" latinLnBrk="false" eaLnBrk="true" rtl="false" defTabSz="914400" algn="l" marL="2286000">
-        <a:defRPr kern="1200" sz="1800">
+      <a:lvl6pPr marL="2286000" algn="l" defTabSz="914400" rtl="false" eaLnBrk="true" latinLnBrk="false" hangingPunct="true">
+        <a:defRPr sz="1800" kern="1200">
           <a:solidFill>
             <a:schemeClr val="tx1"/>
           </a:solidFill>
@@ -2727,8 +2727,8 @@
           <a:cs typeface="+mn-cs"/>
         </a:defRPr>
       </a:lvl6pPr>
-      <a:lvl7pPr hangingPunct="true" latinLnBrk="false" eaLnBrk="true" rtl="false" defTabSz="914400" algn="l" marL="2743200">
-        <a:defRPr kern="1200" sz="1800">
+      <a:lvl7pPr marL="2743200" algn="l" defTabSz="914400" rtl="false" eaLnBrk="true" latinLnBrk="false" hangingPunct="true">
+        <a:defRPr sz="1800" kern="1200">
           <a:solidFill>
             <a:schemeClr val="tx1"/>
           </a:solidFill>
@@ -2737,8 +2737,8 @@
           <a:cs typeface="+mn-cs"/>
         </a:defRPr>
       </a:lvl7pPr>
-      <a:lvl8pPr hangingPunct="true" latinLnBrk="false" eaLnBrk="true" rtl="false" defTabSz="914400" algn="l" marL="3200400">
-        <a:defRPr kern="1200" sz="1800">
+      <a:lvl8pPr marL="3200400" algn="l" defTabSz="914400" rtl="false" eaLnBrk="true" latinLnBrk="false" hangingPunct="true">
+        <a:defRPr sz="1800" kern="1200">
           <a:solidFill>
             <a:schemeClr val="tx1"/>
           </a:solidFill>
@@ -2747,8 +2747,8 @@
           <a:cs typeface="+mn-cs"/>
         </a:defRPr>
       </a:lvl8pPr>
-      <a:lvl9pPr hangingPunct="true" latinLnBrk="false" eaLnBrk="true" rtl="false" defTabSz="914400" algn="l" marL="3657600">
-        <a:defRPr kern="1200" sz="1800">
+      <a:lvl9pPr marL="3657600" algn="l" defTabSz="914400" rtl="false" eaLnBrk="true" latinLnBrk="false" hangingPunct="true">
+        <a:defRPr sz="1800" kern="1200">
           <a:solidFill>
             <a:schemeClr val="tx1"/>
           </a:solidFill>
@@ -2763,28 +2763,28 @@
 </file>
 
 <file path=ppt/slides/slide1.xml><?xml version="1.0" encoding="utf-8"?>
-<p:sld xmlns:a="http://schemas.openxmlformats.org/drawingml/2006/main" xmlns:r="http://schemas.openxmlformats.org/officeDocument/2006/relationships" xmlns:p="http://schemas.openxmlformats.org/presentationml/2006/main" xmlns:mc="http://schemas.openxmlformats.org/markup-compatibility/2006" xmlns:c="http://schemas.openxmlformats.org/drawingml/2006/chart" xmlns:ns6="http://schemas.openxmlformats.org/drawingml/2006/chartDrawing" xmlns:dgm="http://schemas.openxmlformats.org/drawingml/2006/diagram" xmlns:pic="http://schemas.openxmlformats.org/drawingml/2006/picture" xmlns:wp="http://schemas.openxmlformats.org/drawingml/2006/wordprocessingDrawing" xmlns:xdr="http://schemas.openxmlformats.org/drawingml/2006/spreadsheetDrawing" xmlns:ns11="http://schemas.openxmlformats.org/drawingml/2006/compatibility" xmlns:ns12="http://schemas.openxmlformats.org/drawingml/2006/lockedCanvas">
+<p:sld xmlns:p="http://schemas.openxmlformats.org/presentationml/2006/main" xmlns:a="http://schemas.openxmlformats.org/drawingml/2006/main" xmlns:r="http://schemas.openxmlformats.org/officeDocument/2006/relationships" xmlns:mc="http://schemas.openxmlformats.org/markup-compatibility/2006" xmlns:c="http://schemas.openxmlformats.org/drawingml/2006/chart" xmlns:ns6="http://schemas.openxmlformats.org/drawingml/2006/chartDrawing" xmlns:dgm="http://schemas.openxmlformats.org/drawingml/2006/diagram" xmlns:pic="http://schemas.openxmlformats.org/drawingml/2006/picture" xmlns:wp="http://schemas.openxmlformats.org/drawingml/2006/wordprocessingDrawing" xmlns:xdr="http://schemas.openxmlformats.org/drawingml/2006/spreadsheetDrawing" xmlns:ns11="http://schemas.openxmlformats.org/drawingml/2006/compatibility" xmlns:ns12="http://schemas.openxmlformats.org/drawingml/2006/lockedCanvas">
   <p:cSld>
     <p:spTree>
       <p:nvGrpSpPr>
-        <p:cNvPr name="" id="1"/>
+        <p:cNvPr id="1" name=""/>
         <p:cNvGrpSpPr/>
         <p:nvPr/>
       </p:nvGrpSpPr>
       <p:grpSpPr>
         <a:xfrm>
-          <a:off y="0" x="0"/>
-          <a:ext cy="0" cx="0"/>
-          <a:chOff y="0" x="0"/>
-          <a:chExt cy="0" cx="0"/>
+          <a:off x="0" y="0"/>
+          <a:ext cx="0" cy="0"/>
+          <a:chOff x="0" y="0"/>
+          <a:chExt cx="0" cy="0"/>
         </a:xfrm>
       </p:grpSpPr>
       <p:sp>
         <p:nvSpPr>
-          <p:cNvPr name="Title 1" id="1"/>
+          <p:cNvPr id="1" name="Title 1"/>
           <p:cNvSpPr/>
           <p:nvPr>
-            <p:ph idx="0" type="title"/>
+            <p:ph type="title" idx="0"/>
           </p:nvPr>
         </p:nvSpPr>
         <p:spPr/>
@@ -2801,15 +2801,15 @@
       </p:sp>
       <p:graphicFrame>
         <p:nvGraphicFramePr>
-          <p:cNvPr name="nvGraphicFrame 2" id="2"/>
+          <p:cNvPr id="2" name="nvGraphicFrame 2"/>
           <p:cNvGraphicFramePr>
             <a:graphicFrameLocks noGrp="true"/>
           </p:cNvGraphicFramePr>
           <p:nvPr/>
         </p:nvGraphicFramePr>
         <p:xfrm rot="0">
-          <a:off y="1825625" x="838200"/>
-          <a:ext cy="4351338" cx="10515600"/>
+          <a:off x="838200" y="1825625"/>
+          <a:ext cx="10515600" cy="4351338"/>
         </p:xfrm>
         <a:graphic>
           <a:graphicData uri="http://schemas.openxmlformats.org/drawingml/2006/table">
@@ -2829,7 +2829,7 @@
                     <a:bodyPr/>
                     <a:lstStyle/>
                     <a:p>
-                      <a:pPr algn="r" indent="0" marR="50800" marL="50800">
+                      <a:pPr marL="50800" marR="50800" indent="0" algn="r">
                         <a:spcBef>
                           <a:spcPts val="100"/>
                         </a:spcBef>
@@ -2839,7 +2839,7 @@
                         <a:buNone/>
                       </a:pPr>
                       <a:r>
-                        <a:rPr b="true" sz="2400">
+                        <a:rPr sz="2400" b="true">
                           <a:solidFill>
                             <a:srgbClr val="000000">
                               <a:alpha val="100000"/>
@@ -2853,20 +2853,20 @@
                       </a:r>
                     </a:p>
                   </a:txBody>
-                  <a:tcPr anchor="ctr" marB="0" marT="0" marR="0" marL="0">
-                    <a:lnL algn="ctr" cmpd="sng" cap="flat" w="12700">
-                      <a:noFill/>
-                      <a:prstDash val="solid"/>
-                      <a:round/>
-                      <a:headEnd len="med" w="med" type="none"/>
-                      <a:tailEnd len="med" w="med" type="none"/>
+                  <a:tcPr marL="0" marR="0" marT="0" marB="0" anchor="ctr">
+                    <a:lnL w="12700" cap="flat" cmpd="sng" algn="ctr">
+                      <a:noFill/>
+                      <a:prstDash val="solid"/>
+                      <a:round/>
+                      <a:headEnd type="none" w="med" len="med"/>
+                      <a:tailEnd type="none" w="med" len="med"/>
                     </a:lnL>
-                    <a:lnR algn="ctr" cmpd="sng" cap="flat" w="12700">
-                      <a:noFill/>
-                      <a:prstDash val="solid"/>
-                      <a:round/>
-                      <a:headEnd len="med" w="med" type="none"/>
-                      <a:tailEnd len="med" w="med" type="none"/>
+                    <a:lnR w="12700" cap="flat" cmpd="sng" algn="ctr">
+                      <a:noFill/>
+                      <a:prstDash val="solid"/>
+                      <a:round/>
+                      <a:headEnd type="none" w="med" len="med"/>
+                      <a:tailEnd type="none" w="med" len="med"/>
                     </a:lnR>
                     <a:lnT w="25400">
                       <a:solidFill>
@@ -2896,7 +2896,7 @@
                     <a:bodyPr/>
                     <a:lstStyle/>
                     <a:p>
-                      <a:pPr algn="r" indent="0" marR="50800" marL="50800">
+                      <a:pPr marL="50800" marR="50800" indent="0" algn="r">
                         <a:spcBef>
                           <a:spcPts val="100"/>
                         </a:spcBef>
@@ -2906,7 +2906,7 @@
                         <a:buNone/>
                       </a:pPr>
                       <a:r>
-                        <a:rPr b="true" sz="2400">
+                        <a:rPr sz="2400" b="true">
                           <a:solidFill>
                             <a:srgbClr val="000000">
                               <a:alpha val="100000"/>
@@ -2920,20 +2920,20 @@
                       </a:r>
                     </a:p>
                   </a:txBody>
-                  <a:tcPr anchor="ctr" marB="0" marT="0" marR="0" marL="0">
-                    <a:lnL algn="ctr" cmpd="sng" cap="flat" w="12700">
-                      <a:noFill/>
-                      <a:prstDash val="solid"/>
-                      <a:round/>
-                      <a:headEnd len="med" w="med" type="none"/>
-                      <a:tailEnd len="med" w="med" type="none"/>
+                  <a:tcPr marL="0" marR="0" marT="0" marB="0" anchor="ctr">
+                    <a:lnL w="12700" cap="flat" cmpd="sng" algn="ctr">
+                      <a:noFill/>
+                      <a:prstDash val="solid"/>
+                      <a:round/>
+                      <a:headEnd type="none" w="med" len="med"/>
+                      <a:tailEnd type="none" w="med" len="med"/>
                     </a:lnL>
-                    <a:lnR algn="ctr" cmpd="sng" cap="flat" w="12700">
-                      <a:noFill/>
-                      <a:prstDash val="solid"/>
-                      <a:round/>
-                      <a:headEnd len="med" w="med" type="none"/>
-                      <a:tailEnd len="med" w="med" type="none"/>
+                    <a:lnR w="12700" cap="flat" cmpd="sng" algn="ctr">
+                      <a:noFill/>
+                      <a:prstDash val="solid"/>
+                      <a:round/>
+                      <a:headEnd type="none" w="med" len="med"/>
+                      <a:tailEnd type="none" w="med" len="med"/>
                     </a:lnR>
                     <a:lnT w="25400">
                       <a:solidFill>
@@ -2963,7 +2963,7 @@
                     <a:bodyPr/>
                     <a:lstStyle/>
                     <a:p>
-                      <a:pPr algn="r" indent="0" marR="50800" marL="50800">
+                      <a:pPr marL="50800" marR="50800" indent="0" algn="r">
                         <a:spcBef>
                           <a:spcPts val="100"/>
                         </a:spcBef>
@@ -2973,7 +2973,7 @@
                         <a:buNone/>
                       </a:pPr>
                       <a:r>
-                        <a:rPr b="true" sz="2400">
+                        <a:rPr sz="2400" b="true">
                           <a:solidFill>
                             <a:srgbClr val="000000">
                               <a:alpha val="100000"/>
@@ -2987,20 +2987,20 @@
                       </a:r>
                     </a:p>
                   </a:txBody>
-                  <a:tcPr anchor="ctr" marB="0" marT="0" marR="0" marL="0">
-                    <a:lnL algn="ctr" cmpd="sng" cap="flat" w="12700">
-                      <a:noFill/>
-                      <a:prstDash val="solid"/>
-                      <a:round/>
-                      <a:headEnd len="med" w="med" type="none"/>
-                      <a:tailEnd len="med" w="med" type="none"/>
+                  <a:tcPr marL="0" marR="0" marT="0" marB="0" anchor="ctr">
+                    <a:lnL w="12700" cap="flat" cmpd="sng" algn="ctr">
+                      <a:noFill/>
+                      <a:prstDash val="solid"/>
+                      <a:round/>
+                      <a:headEnd type="none" w="med" len="med"/>
+                      <a:tailEnd type="none" w="med" len="med"/>
                     </a:lnL>
-                    <a:lnR algn="ctr" cmpd="sng" cap="flat" w="12700">
-                      <a:noFill/>
-                      <a:prstDash val="solid"/>
-                      <a:round/>
-                      <a:headEnd len="med" w="med" type="none"/>
-                      <a:tailEnd len="med" w="med" type="none"/>
+                    <a:lnR w="12700" cap="flat" cmpd="sng" algn="ctr">
+                      <a:noFill/>
+                      <a:prstDash val="solid"/>
+                      <a:round/>
+                      <a:headEnd type="none" w="med" len="med"/>
+                      <a:tailEnd type="none" w="med" len="med"/>
                     </a:lnR>
                     <a:lnT w="25400">
                       <a:solidFill>
@@ -3030,7 +3030,7 @@
                     <a:bodyPr/>
                     <a:lstStyle/>
                     <a:p>
-                      <a:pPr algn="r" indent="0" marR="50800" marL="50800">
+                      <a:pPr marL="50800" marR="50800" indent="0" algn="r">
                         <a:spcBef>
                           <a:spcPts val="100"/>
                         </a:spcBef>
@@ -3040,7 +3040,7 @@
                         <a:buNone/>
                       </a:pPr>
                       <a:r>
-                        <a:rPr b="true" sz="2400">
+                        <a:rPr sz="2400" b="true">
                           <a:solidFill>
                             <a:srgbClr val="000000">
                               <a:alpha val="100000"/>
@@ -3054,20 +3054,20 @@
                       </a:r>
                     </a:p>
                   </a:txBody>
-                  <a:tcPr anchor="ctr" marB="0" marT="0" marR="0" marL="0">
-                    <a:lnL algn="ctr" cmpd="sng" cap="flat" w="12700">
-                      <a:noFill/>
-                      <a:prstDash val="solid"/>
-                      <a:round/>
-                      <a:headEnd len="med" w="med" type="none"/>
-                      <a:tailEnd len="med" w="med" type="none"/>
+                  <a:tcPr marL="0" marR="0" marT="0" marB="0" anchor="ctr">
+                    <a:lnL w="12700" cap="flat" cmpd="sng" algn="ctr">
+                      <a:noFill/>
+                      <a:prstDash val="solid"/>
+                      <a:round/>
+                      <a:headEnd type="none" w="med" len="med"/>
+                      <a:tailEnd type="none" w="med" len="med"/>
                     </a:lnL>
-                    <a:lnR algn="ctr" cmpd="sng" cap="flat" w="12700">
-                      <a:noFill/>
-                      <a:prstDash val="solid"/>
-                      <a:round/>
-                      <a:headEnd len="med" w="med" type="none"/>
-                      <a:tailEnd len="med" w="med" type="none"/>
+                    <a:lnR w="12700" cap="flat" cmpd="sng" algn="ctr">
+                      <a:noFill/>
+                      <a:prstDash val="solid"/>
+                      <a:round/>
+                      <a:headEnd type="none" w="med" len="med"/>
+                      <a:tailEnd type="none" w="med" len="med"/>
                     </a:lnR>
                     <a:lnT w="25400">
                       <a:solidFill>
@@ -3097,7 +3097,7 @@
                     <a:bodyPr/>
                     <a:lstStyle/>
                     <a:p>
-                      <a:pPr algn="r" indent="0" marR="50800" marL="50800">
+                      <a:pPr marL="50800" marR="50800" indent="0" algn="r">
                         <a:spcBef>
                           <a:spcPts val="100"/>
                         </a:spcBef>
@@ -3107,7 +3107,7 @@
                         <a:buNone/>
                       </a:pPr>
                       <a:r>
-                        <a:rPr b="true" sz="2400">
+                        <a:rPr sz="2400" b="true">
                           <a:solidFill>
                             <a:srgbClr val="000000">
                               <a:alpha val="100000"/>
@@ -3121,20 +3121,20 @@
                       </a:r>
                     </a:p>
                   </a:txBody>
-                  <a:tcPr anchor="ctr" marB="0" marT="0" marR="0" marL="0">
-                    <a:lnL algn="ctr" cmpd="sng" cap="flat" w="12700">
-                      <a:noFill/>
-                      <a:prstDash val="solid"/>
-                      <a:round/>
-                      <a:headEnd len="med" w="med" type="none"/>
-                      <a:tailEnd len="med" w="med" type="none"/>
+                  <a:tcPr marL="0" marR="0" marT="0" marB="0" anchor="ctr">
+                    <a:lnL w="12700" cap="flat" cmpd="sng" algn="ctr">
+                      <a:noFill/>
+                      <a:prstDash val="solid"/>
+                      <a:round/>
+                      <a:headEnd type="none" w="med" len="med"/>
+                      <a:tailEnd type="none" w="med" len="med"/>
                     </a:lnL>
-                    <a:lnR algn="ctr" cmpd="sng" cap="flat" w="12700">
-                      <a:noFill/>
-                      <a:prstDash val="solid"/>
-                      <a:round/>
-                      <a:headEnd len="med" w="med" type="none"/>
-                      <a:tailEnd len="med" w="med" type="none"/>
+                    <a:lnR w="12700" cap="flat" cmpd="sng" algn="ctr">
+                      <a:noFill/>
+                      <a:prstDash val="solid"/>
+                      <a:round/>
+                      <a:headEnd type="none" w="med" len="med"/>
+                      <a:tailEnd type="none" w="med" len="med"/>
                     </a:lnR>
                     <a:lnT w="25400">
                       <a:solidFill>
@@ -3164,7 +3164,7 @@
                     <a:bodyPr/>
                     <a:lstStyle/>
                     <a:p>
-                      <a:pPr algn="r" indent="0" marR="50800" marL="50800">
+                      <a:pPr marL="50800" marR="50800" indent="0" algn="r">
                         <a:spcBef>
                           <a:spcPts val="100"/>
                         </a:spcBef>
@@ -3174,7 +3174,7 @@
                         <a:buNone/>
                       </a:pPr>
                       <a:r>
-                        <a:rPr b="true" sz="2400">
+                        <a:rPr sz="2400" b="true">
                           <a:solidFill>
                             <a:srgbClr val="000000">
                               <a:alpha val="100000"/>
@@ -3188,20 +3188,20 @@
                       </a:r>
                     </a:p>
                   </a:txBody>
-                  <a:tcPr anchor="ctr" marB="0" marT="0" marR="0" marL="0">
-                    <a:lnL algn="ctr" cmpd="sng" cap="flat" w="12700">
-                      <a:noFill/>
-                      <a:prstDash val="solid"/>
-                      <a:round/>
-                      <a:headEnd len="med" w="med" type="none"/>
-                      <a:tailEnd len="med" w="med" type="none"/>
+                  <a:tcPr marL="0" marR="0" marT="0" marB="0" anchor="ctr">
+                    <a:lnL w="12700" cap="flat" cmpd="sng" algn="ctr">
+                      <a:noFill/>
+                      <a:prstDash val="solid"/>
+                      <a:round/>
+                      <a:headEnd type="none" w="med" len="med"/>
+                      <a:tailEnd type="none" w="med" len="med"/>
                     </a:lnL>
-                    <a:lnR algn="ctr" cmpd="sng" cap="flat" w="12700">
-                      <a:noFill/>
-                      <a:prstDash val="solid"/>
-                      <a:round/>
-                      <a:headEnd len="med" w="med" type="none"/>
-                      <a:tailEnd len="med" w="med" type="none"/>
+                    <a:lnR w="12700" cap="flat" cmpd="sng" algn="ctr">
+                      <a:noFill/>
+                      <a:prstDash val="solid"/>
+                      <a:round/>
+                      <a:headEnd type="none" w="med" len="med"/>
+                      <a:tailEnd type="none" w="med" len="med"/>
                     </a:lnR>
                     <a:lnT w="25400">
                       <a:solidFill>
@@ -3233,7 +3233,7 @@
                     <a:bodyPr/>
                     <a:lstStyle/>
                     <a:p>
-                      <a:pPr algn="r" indent="0" marR="50800" marL="50800">
+                      <a:pPr marL="50800" marR="50800" indent="0" algn="r">
                         <a:spcBef>
                           <a:spcPts val="100"/>
                         </a:spcBef>
@@ -3270,20 +3270,20 @@
                       </a:r>
                     </a:p>
                   </a:txBody>
-                  <a:tcPr anchor="ctr" marB="0" marT="0" marR="0" marL="0">
-                    <a:lnL algn="ctr" cmpd="sng" cap="flat" w="12700">
-                      <a:noFill/>
-                      <a:prstDash val="solid"/>
-                      <a:round/>
-                      <a:headEnd len="med" w="med" type="none"/>
-                      <a:tailEnd len="med" w="med" type="none"/>
+                  <a:tcPr marL="0" marR="0" marT="0" marB="0" anchor="ctr">
+                    <a:lnL w="12700" cap="flat" cmpd="sng" algn="ctr">
+                      <a:noFill/>
+                      <a:prstDash val="solid"/>
+                      <a:round/>
+                      <a:headEnd type="none" w="med" len="med"/>
+                      <a:tailEnd type="none" w="med" len="med"/>
                     </a:lnL>
-                    <a:lnR algn="ctr" cmpd="sng" cap="flat" w="12700">
-                      <a:noFill/>
-                      <a:prstDash val="solid"/>
-                      <a:round/>
-                      <a:headEnd len="med" w="med" type="none"/>
-                      <a:tailEnd len="med" w="med" type="none"/>
+                    <a:lnR w="12700" cap="flat" cmpd="sng" algn="ctr">
+                      <a:noFill/>
+                      <a:prstDash val="solid"/>
+                      <a:round/>
+                      <a:headEnd type="none" w="med" len="med"/>
+                      <a:tailEnd type="none" w="med" len="med"/>
                     </a:lnR>
                     <a:lnT w="25400">
                       <a:solidFill>
@@ -3293,12 +3293,12 @@
                       </a:solidFill>
                       <a:prstDash val="solid"/>
                     </a:lnT>
-                    <a:lnB algn="ctr" cmpd="sng" cap="flat" w="12700">
-                      <a:noFill/>
-                      <a:prstDash val="solid"/>
-                      <a:round/>
-                      <a:headEnd len="med" w="med" type="none"/>
-                      <a:tailEnd len="med" w="med" type="none"/>
+                    <a:lnB w="12700" cap="flat" cmpd="sng" algn="ctr">
+                      <a:noFill/>
+                      <a:prstDash val="solid"/>
+                      <a:round/>
+                      <a:headEnd type="none" w="med" len="med"/>
+                      <a:tailEnd type="none" w="med" len="med"/>
                     </a:lnB>
                     <a:solidFill>
                       <a:srgbClr val="FFFFFF">
@@ -3312,7 +3312,7 @@
                     <a:bodyPr/>
                     <a:lstStyle/>
                     <a:p>
-                      <a:pPr algn="r" indent="0" marR="50800" marL="50800">
+                      <a:pPr marL="50800" marR="50800" indent="0" algn="r">
                         <a:spcBef>
                           <a:spcPts val="100"/>
                         </a:spcBef>
@@ -3349,20 +3349,20 @@
                       </a:r>
                     </a:p>
                   </a:txBody>
-                  <a:tcPr anchor="ctr" marB="0" marT="0" marR="0" marL="0">
-                    <a:lnL algn="ctr" cmpd="sng" cap="flat" w="12700">
-                      <a:noFill/>
-                      <a:prstDash val="solid"/>
-                      <a:round/>
-                      <a:headEnd len="med" w="med" type="none"/>
-                      <a:tailEnd len="med" w="med" type="none"/>
+                  <a:tcPr marL="0" marR="0" marT="0" marB="0" anchor="ctr">
+                    <a:lnL w="12700" cap="flat" cmpd="sng" algn="ctr">
+                      <a:noFill/>
+                      <a:prstDash val="solid"/>
+                      <a:round/>
+                      <a:headEnd type="none" w="med" len="med"/>
+                      <a:tailEnd type="none" w="med" len="med"/>
                     </a:lnL>
-                    <a:lnR algn="ctr" cmpd="sng" cap="flat" w="12700">
-                      <a:noFill/>
-                      <a:prstDash val="solid"/>
-                      <a:round/>
-                      <a:headEnd len="med" w="med" type="none"/>
-                      <a:tailEnd len="med" w="med" type="none"/>
+                    <a:lnR w="12700" cap="flat" cmpd="sng" algn="ctr">
+                      <a:noFill/>
+                      <a:prstDash val="solid"/>
+                      <a:round/>
+                      <a:headEnd type="none" w="med" len="med"/>
+                      <a:tailEnd type="none" w="med" len="med"/>
                     </a:lnR>
                     <a:lnT w="25400">
                       <a:solidFill>
@@ -3372,12 +3372,12 @@
                       </a:solidFill>
                       <a:prstDash val="solid"/>
                     </a:lnT>
-                    <a:lnB algn="ctr" cmpd="sng" cap="flat" w="12700">
-                      <a:noFill/>
-                      <a:prstDash val="solid"/>
-                      <a:round/>
-                      <a:headEnd len="med" w="med" type="none"/>
-                      <a:tailEnd len="med" w="med" type="none"/>
+                    <a:lnB w="12700" cap="flat" cmpd="sng" algn="ctr">
+                      <a:noFill/>
+                      <a:prstDash val="solid"/>
+                      <a:round/>
+                      <a:headEnd type="none" w="med" len="med"/>
+                      <a:tailEnd type="none" w="med" len="med"/>
                     </a:lnB>
                     <a:solidFill>
                       <a:srgbClr val="FFFFFF">
@@ -3391,7 +3391,7 @@
                     <a:bodyPr/>
                     <a:lstStyle/>
                     <a:p>
-                      <a:pPr algn="r" indent="0" marR="50800" marL="50800">
+                      <a:pPr marL="50800" marR="50800" indent="0" algn="r">
                         <a:spcBef>
                           <a:spcPts val="100"/>
                         </a:spcBef>
@@ -3428,20 +3428,20 @@
                       </a:r>
                     </a:p>
                   </a:txBody>
-                  <a:tcPr anchor="ctr" marB="0" marT="0" marR="0" marL="0">
-                    <a:lnL algn="ctr" cmpd="sng" cap="flat" w="12700">
-                      <a:noFill/>
-                      <a:prstDash val="solid"/>
-                      <a:round/>
-                      <a:headEnd len="med" w="med" type="none"/>
-                      <a:tailEnd len="med" w="med" type="none"/>
+                  <a:tcPr marL="0" marR="0" marT="0" marB="0" anchor="ctr">
+                    <a:lnL w="12700" cap="flat" cmpd="sng" algn="ctr">
+                      <a:noFill/>
+                      <a:prstDash val="solid"/>
+                      <a:round/>
+                      <a:headEnd type="none" w="med" len="med"/>
+                      <a:tailEnd type="none" w="med" len="med"/>
                     </a:lnL>
-                    <a:lnR algn="ctr" cmpd="sng" cap="flat" w="12700">
-                      <a:noFill/>
-                      <a:prstDash val="solid"/>
-                      <a:round/>
-                      <a:headEnd len="med" w="med" type="none"/>
-                      <a:tailEnd len="med" w="med" type="none"/>
+                    <a:lnR w="12700" cap="flat" cmpd="sng" algn="ctr">
+                      <a:noFill/>
+                      <a:prstDash val="solid"/>
+                      <a:round/>
+                      <a:headEnd type="none" w="med" len="med"/>
+                      <a:tailEnd type="none" w="med" len="med"/>
                     </a:lnR>
                     <a:lnT w="25400">
                       <a:solidFill>
@@ -3451,12 +3451,12 @@
                       </a:solidFill>
                       <a:prstDash val="solid"/>
                     </a:lnT>
-                    <a:lnB algn="ctr" cmpd="sng" cap="flat" w="12700">
-                      <a:noFill/>
-                      <a:prstDash val="solid"/>
-                      <a:round/>
-                      <a:headEnd len="med" w="med" type="none"/>
-                      <a:tailEnd len="med" w="med" type="none"/>
+                    <a:lnB w="12700" cap="flat" cmpd="sng" algn="ctr">
+                      <a:noFill/>
+                      <a:prstDash val="solid"/>
+                      <a:round/>
+                      <a:headEnd type="none" w="med" len="med"/>
+                      <a:tailEnd type="none" w="med" len="med"/>
                     </a:lnB>
                     <a:solidFill>
                       <a:srgbClr val="FFFFFF">
@@ -3470,7 +3470,7 @@
                     <a:bodyPr/>
                     <a:lstStyle/>
                     <a:p>
-                      <a:pPr algn="r" indent="0" marR="50800" marL="50800">
+                      <a:pPr marL="50800" marR="50800" indent="0" algn="r">
                         <a:spcBef>
                           <a:spcPts val="100"/>
                         </a:spcBef>
@@ -3507,20 +3507,20 @@
                       </a:r>
                     </a:p>
                   </a:txBody>
-                  <a:tcPr anchor="ctr" marB="0" marT="0" marR="0" marL="0">
-                    <a:lnL algn="ctr" cmpd="sng" cap="flat" w="12700">
-                      <a:noFill/>
-                      <a:prstDash val="solid"/>
-                      <a:round/>
-                      <a:headEnd len="med" w="med" type="none"/>
-                      <a:tailEnd len="med" w="med" type="none"/>
+                  <a:tcPr marL="0" marR="0" marT="0" marB="0" anchor="ctr">
+                    <a:lnL w="12700" cap="flat" cmpd="sng" algn="ctr">
+                      <a:noFill/>
+                      <a:prstDash val="solid"/>
+                      <a:round/>
+                      <a:headEnd type="none" w="med" len="med"/>
+                      <a:tailEnd type="none" w="med" len="med"/>
                     </a:lnL>
-                    <a:lnR algn="ctr" cmpd="sng" cap="flat" w="12700">
-                      <a:noFill/>
-                      <a:prstDash val="solid"/>
-                      <a:round/>
-                      <a:headEnd len="med" w="med" type="none"/>
-                      <a:tailEnd len="med" w="med" type="none"/>
+                    <a:lnR w="12700" cap="flat" cmpd="sng" algn="ctr">
+                      <a:noFill/>
+                      <a:prstDash val="solid"/>
+                      <a:round/>
+                      <a:headEnd type="none" w="med" len="med"/>
+                      <a:tailEnd type="none" w="med" len="med"/>
                     </a:lnR>
                     <a:lnT w="25400">
                       <a:solidFill>
@@ -3530,12 +3530,12 @@
                       </a:solidFill>
                       <a:prstDash val="solid"/>
                     </a:lnT>
-                    <a:lnB algn="ctr" cmpd="sng" cap="flat" w="12700">
-                      <a:noFill/>
-                      <a:prstDash val="solid"/>
-                      <a:round/>
-                      <a:headEnd len="med" w="med" type="none"/>
-                      <a:tailEnd len="med" w="med" type="none"/>
+                    <a:lnB w="12700" cap="flat" cmpd="sng" algn="ctr">
+                      <a:noFill/>
+                      <a:prstDash val="solid"/>
+                      <a:round/>
+                      <a:headEnd type="none" w="med" len="med"/>
+                      <a:tailEnd type="none" w="med" len="med"/>
                     </a:lnB>
                     <a:solidFill>
                       <a:srgbClr val="FFFFFF">
@@ -3549,7 +3549,7 @@
                     <a:bodyPr/>
                     <a:lstStyle/>
                     <a:p>
-                      <a:pPr algn="r" indent="0" marR="50800" marL="50800">
+                      <a:pPr marL="50800" marR="50800" indent="0" algn="r">
                         <a:spcBef>
                           <a:spcPts val="100"/>
                         </a:spcBef>
@@ -3586,20 +3586,20 @@
                       </a:r>
                     </a:p>
                   </a:txBody>
-                  <a:tcPr anchor="ctr" marB="0" marT="0" marR="0" marL="0">
-                    <a:lnL algn="ctr" cmpd="sng" cap="flat" w="12700">
-                      <a:noFill/>
-                      <a:prstDash val="solid"/>
-                      <a:round/>
-                      <a:headEnd len="med" w="med" type="none"/>
-                      <a:tailEnd len="med" w="med" type="none"/>
+                  <a:tcPr marL="0" marR="0" marT="0" marB="0" anchor="ctr">
+                    <a:lnL w="12700" cap="flat" cmpd="sng" algn="ctr">
+                      <a:noFill/>
+                      <a:prstDash val="solid"/>
+                      <a:round/>
+                      <a:headEnd type="none" w="med" len="med"/>
+                      <a:tailEnd type="none" w="med" len="med"/>
                     </a:lnL>
-                    <a:lnR algn="ctr" cmpd="sng" cap="flat" w="12700">
-                      <a:noFill/>
-                      <a:prstDash val="solid"/>
-                      <a:round/>
-                      <a:headEnd len="med" w="med" type="none"/>
-                      <a:tailEnd len="med" w="med" type="none"/>
+                    <a:lnR w="12700" cap="flat" cmpd="sng" algn="ctr">
+                      <a:noFill/>
+                      <a:prstDash val="solid"/>
+                      <a:round/>
+                      <a:headEnd type="none" w="med" len="med"/>
+                      <a:tailEnd type="none" w="med" len="med"/>
                     </a:lnR>
                     <a:lnT w="25400">
                       <a:solidFill>
@@ -3609,12 +3609,12 @@
                       </a:solidFill>
                       <a:prstDash val="solid"/>
                     </a:lnT>
-                    <a:lnB algn="ctr" cmpd="sng" cap="flat" w="12700">
-                      <a:noFill/>
-                      <a:prstDash val="solid"/>
-                      <a:round/>
-                      <a:headEnd len="med" w="med" type="none"/>
-                      <a:tailEnd len="med" w="med" type="none"/>
+                    <a:lnB w="12700" cap="flat" cmpd="sng" algn="ctr">
+                      <a:noFill/>
+                      <a:prstDash val="solid"/>
+                      <a:round/>
+                      <a:headEnd type="none" w="med" len="med"/>
+                      <a:tailEnd type="none" w="med" len="med"/>
                     </a:lnB>
                     <a:solidFill>
                       <a:srgbClr val="FFFFFF">
@@ -3628,7 +3628,7 @@
                     <a:bodyPr/>
                     <a:lstStyle/>
                     <a:p>
-                      <a:pPr algn="r" indent="0" marR="50800" marL="50800">
+                      <a:pPr marL="50800" marR="50800" indent="0" algn="r">
                         <a:spcBef>
                           <a:spcPts val="100"/>
                         </a:spcBef>
@@ -3665,20 +3665,20 @@
                       </a:r>
                     </a:p>
                   </a:txBody>
-                  <a:tcPr anchor="ctr" marB="0" marT="0" marR="0" marL="0">
-                    <a:lnL algn="ctr" cmpd="sng" cap="flat" w="12700">
-                      <a:noFill/>
-                      <a:prstDash val="solid"/>
-                      <a:round/>
-                      <a:headEnd len="med" w="med" type="none"/>
-                      <a:tailEnd len="med" w="med" type="none"/>
+                  <a:tcPr marL="0" marR="0" marT="0" marB="0" anchor="ctr">
+                    <a:lnL w="12700" cap="flat" cmpd="sng" algn="ctr">
+                      <a:noFill/>
+                      <a:prstDash val="solid"/>
+                      <a:round/>
+                      <a:headEnd type="none" w="med" len="med"/>
+                      <a:tailEnd type="none" w="med" len="med"/>
                     </a:lnL>
-                    <a:lnR algn="ctr" cmpd="sng" cap="flat" w="12700">
-                      <a:noFill/>
-                      <a:prstDash val="solid"/>
-                      <a:round/>
-                      <a:headEnd len="med" w="med" type="none"/>
-                      <a:tailEnd len="med" w="med" type="none"/>
+                    <a:lnR w="12700" cap="flat" cmpd="sng" algn="ctr">
+                      <a:noFill/>
+                      <a:prstDash val="solid"/>
+                      <a:round/>
+                      <a:headEnd type="none" w="med" len="med"/>
+                      <a:tailEnd type="none" w="med" len="med"/>
                     </a:lnR>
                     <a:lnT w="25400">
                       <a:solidFill>
@@ -3688,12 +3688,12 @@
                       </a:solidFill>
                       <a:prstDash val="solid"/>
                     </a:lnT>
-                    <a:lnB algn="ctr" cmpd="sng" cap="flat" w="12700">
-                      <a:noFill/>
-                      <a:prstDash val="solid"/>
-                      <a:round/>
-                      <a:headEnd len="med" w="med" type="none"/>
-                      <a:tailEnd len="med" w="med" type="none"/>
+                    <a:lnB w="12700" cap="flat" cmpd="sng" algn="ctr">
+                      <a:noFill/>
+                      <a:prstDash val="solid"/>
+                      <a:round/>
+                      <a:headEnd type="none" w="med" len="med"/>
+                      <a:tailEnd type="none" w="med" len="med"/>
                     </a:lnB>
                     <a:solidFill>
                       <a:srgbClr val="FFFFFF">
@@ -3709,7 +3709,7 @@
                     <a:bodyPr/>
                     <a:lstStyle/>
                     <a:p>
-                      <a:pPr algn="r" indent="0" marR="50800" marL="50800">
+                      <a:pPr marL="50800" marR="50800" indent="0" algn="r">
                         <a:spcBef>
                           <a:spcPts val="100"/>
                         </a:spcBef>
@@ -3746,34 +3746,34 @@
                       </a:r>
                     </a:p>
                   </a:txBody>
-                  <a:tcPr anchor="ctr" marB="0" marT="0" marR="0" marL="0">
-                    <a:lnL algn="ctr" cmpd="sng" cap="flat" w="12700">
-                      <a:noFill/>
-                      <a:prstDash val="solid"/>
-                      <a:round/>
-                      <a:headEnd len="med" w="med" type="none"/>
-                      <a:tailEnd len="med" w="med" type="none"/>
+                  <a:tcPr marL="0" marR="0" marT="0" marB="0" anchor="ctr">
+                    <a:lnL w="12700" cap="flat" cmpd="sng" algn="ctr">
+                      <a:noFill/>
+                      <a:prstDash val="solid"/>
+                      <a:round/>
+                      <a:headEnd type="none" w="med" len="med"/>
+                      <a:tailEnd type="none" w="med" len="med"/>
                     </a:lnL>
-                    <a:lnR algn="ctr" cmpd="sng" cap="flat" w="12700">
-                      <a:noFill/>
-                      <a:prstDash val="solid"/>
-                      <a:round/>
-                      <a:headEnd len="med" w="med" type="none"/>
-                      <a:tailEnd len="med" w="med" type="none"/>
+                    <a:lnR w="12700" cap="flat" cmpd="sng" algn="ctr">
+                      <a:noFill/>
+                      <a:prstDash val="solid"/>
+                      <a:round/>
+                      <a:headEnd type="none" w="med" len="med"/>
+                      <a:tailEnd type="none" w="med" len="med"/>
                     </a:lnR>
-                    <a:lnT algn="ctr" cmpd="sng" cap="flat" w="12700">
-                      <a:noFill/>
-                      <a:prstDash val="solid"/>
-                      <a:round/>
-                      <a:headEnd len="med" w="med" type="none"/>
-                      <a:tailEnd len="med" w="med" type="none"/>
+                    <a:lnT w="12700" cap="flat" cmpd="sng" algn="ctr">
+                      <a:noFill/>
+                      <a:prstDash val="solid"/>
+                      <a:round/>
+                      <a:headEnd type="none" w="med" len="med"/>
+                      <a:tailEnd type="none" w="med" len="med"/>
                     </a:lnT>
-                    <a:lnB algn="ctr" cmpd="sng" cap="flat" w="12700">
-                      <a:noFill/>
-                      <a:prstDash val="solid"/>
-                      <a:round/>
-                      <a:headEnd len="med" w="med" type="none"/>
-                      <a:tailEnd len="med" w="med" type="none"/>
+                    <a:lnB w="12700" cap="flat" cmpd="sng" algn="ctr">
+                      <a:noFill/>
+                      <a:prstDash val="solid"/>
+                      <a:round/>
+                      <a:headEnd type="none" w="med" len="med"/>
+                      <a:tailEnd type="none" w="med" len="med"/>
                     </a:lnB>
                     <a:solidFill>
                       <a:srgbClr val="FFFFFF">
@@ -3787,7 +3787,7 @@
                     <a:bodyPr/>
                     <a:lstStyle/>
                     <a:p>
-                      <a:pPr algn="r" indent="0" marR="50800" marL="50800">
+                      <a:pPr marL="50800" marR="50800" indent="0" algn="r">
                         <a:spcBef>
                           <a:spcPts val="100"/>
                         </a:spcBef>
@@ -3824,34 +3824,34 @@
                       </a:r>
                     </a:p>
                   </a:txBody>
-                  <a:tcPr anchor="ctr" marB="0" marT="0" marR="0" marL="0">
-                    <a:lnL algn="ctr" cmpd="sng" cap="flat" w="12700">
-                      <a:noFill/>
-                      <a:prstDash val="solid"/>
-                      <a:round/>
-                      <a:headEnd len="med" w="med" type="none"/>
-                      <a:tailEnd len="med" w="med" type="none"/>
+                  <a:tcPr marL="0" marR="0" marT="0" marB="0" anchor="ctr">
+                    <a:lnL w="12700" cap="flat" cmpd="sng" algn="ctr">
+                      <a:noFill/>
+                      <a:prstDash val="solid"/>
+                      <a:round/>
+                      <a:headEnd type="none" w="med" len="med"/>
+                      <a:tailEnd type="none" w="med" len="med"/>
                     </a:lnL>
-                    <a:lnR algn="ctr" cmpd="sng" cap="flat" w="12700">
-                      <a:noFill/>
-                      <a:prstDash val="solid"/>
-                      <a:round/>
-                      <a:headEnd len="med" w="med" type="none"/>
-                      <a:tailEnd len="med" w="med" type="none"/>
+                    <a:lnR w="12700" cap="flat" cmpd="sng" algn="ctr">
+                      <a:noFill/>
+                      <a:prstDash val="solid"/>
+                      <a:round/>
+                      <a:headEnd type="none" w="med" len="med"/>
+                      <a:tailEnd type="none" w="med" len="med"/>
                     </a:lnR>
-                    <a:lnT algn="ctr" cmpd="sng" cap="flat" w="12700">
-                      <a:noFill/>
-                      <a:prstDash val="solid"/>
-                      <a:round/>
-                      <a:headEnd len="med" w="med" type="none"/>
-                      <a:tailEnd len="med" w="med" type="none"/>
+                    <a:lnT w="12700" cap="flat" cmpd="sng" algn="ctr">
+                      <a:noFill/>
+                      <a:prstDash val="solid"/>
+                      <a:round/>
+                      <a:headEnd type="none" w="med" len="med"/>
+                      <a:tailEnd type="none" w="med" len="med"/>
                     </a:lnT>
-                    <a:lnB algn="ctr" cmpd="sng" cap="flat" w="12700">
-                      <a:noFill/>
-                      <a:prstDash val="solid"/>
-                      <a:round/>
-                      <a:headEnd len="med" w="med" type="none"/>
-                      <a:tailEnd len="med" w="med" type="none"/>
+                    <a:lnB w="12700" cap="flat" cmpd="sng" algn="ctr">
+                      <a:noFill/>
+                      <a:prstDash val="solid"/>
+                      <a:round/>
+                      <a:headEnd type="none" w="med" len="med"/>
+                      <a:tailEnd type="none" w="med" len="med"/>
                     </a:lnB>
                     <a:solidFill>
                       <a:srgbClr val="FFFFFF">
@@ -3865,7 +3865,7 @@
                     <a:bodyPr/>
                     <a:lstStyle/>
                     <a:p>
-                      <a:pPr algn="r" indent="0" marR="50800" marL="50800">
+                      <a:pPr marL="50800" marR="50800" indent="0" algn="r">
                         <a:spcBef>
                           <a:spcPts val="100"/>
                         </a:spcBef>
@@ -3902,34 +3902,34 @@
                       </a:r>
                     </a:p>
                   </a:txBody>
-                  <a:tcPr anchor="ctr" marB="0" marT="0" marR="0" marL="0">
-                    <a:lnL algn="ctr" cmpd="sng" cap="flat" w="12700">
-                      <a:noFill/>
-                      <a:prstDash val="solid"/>
-                      <a:round/>
-                      <a:headEnd len="med" w="med" type="none"/>
-                      <a:tailEnd len="med" w="med" type="none"/>
+                  <a:tcPr marL="0" marR="0" marT="0" marB="0" anchor="ctr">
+                    <a:lnL w="12700" cap="flat" cmpd="sng" algn="ctr">
+                      <a:noFill/>
+                      <a:prstDash val="solid"/>
+                      <a:round/>
+                      <a:headEnd type="none" w="med" len="med"/>
+                      <a:tailEnd type="none" w="med" len="med"/>
                     </a:lnL>
-                    <a:lnR algn="ctr" cmpd="sng" cap="flat" w="12700">
-                      <a:noFill/>
-                      <a:prstDash val="solid"/>
-                      <a:round/>
-                      <a:headEnd len="med" w="med" type="none"/>
-                      <a:tailEnd len="med" w="med" type="none"/>
+                    <a:lnR w="12700" cap="flat" cmpd="sng" algn="ctr">
+                      <a:noFill/>
+                      <a:prstDash val="solid"/>
+                      <a:round/>
+                      <a:headEnd type="none" w="med" len="med"/>
+                      <a:tailEnd type="none" w="med" len="med"/>
                     </a:lnR>
-                    <a:lnT algn="ctr" cmpd="sng" cap="flat" w="12700">
-                      <a:noFill/>
-                      <a:prstDash val="solid"/>
-                      <a:round/>
-                      <a:headEnd len="med" w="med" type="none"/>
-                      <a:tailEnd len="med" w="med" type="none"/>
+                    <a:lnT w="12700" cap="flat" cmpd="sng" algn="ctr">
+                      <a:noFill/>
+                      <a:prstDash val="solid"/>
+                      <a:round/>
+                      <a:headEnd type="none" w="med" len="med"/>
+                      <a:tailEnd type="none" w="med" len="med"/>
                     </a:lnT>
-                    <a:lnB algn="ctr" cmpd="sng" cap="flat" w="12700">
-                      <a:noFill/>
-                      <a:prstDash val="solid"/>
-                      <a:round/>
-                      <a:headEnd len="med" w="med" type="none"/>
-                      <a:tailEnd len="med" w="med" type="none"/>
+                    <a:lnB w="12700" cap="flat" cmpd="sng" algn="ctr">
+                      <a:noFill/>
+                      <a:prstDash val="solid"/>
+                      <a:round/>
+                      <a:headEnd type="none" w="med" len="med"/>
+                      <a:tailEnd type="none" w="med" len="med"/>
                     </a:lnB>
                     <a:solidFill>
                       <a:srgbClr val="FFFFFF">
@@ -3943,7 +3943,7 @@
                     <a:bodyPr/>
                     <a:lstStyle/>
                     <a:p>
-                      <a:pPr algn="r" indent="0" marR="50800" marL="50800">
+                      <a:pPr marL="50800" marR="50800" indent="0" algn="r">
                         <a:spcBef>
                           <a:spcPts val="100"/>
                         </a:spcBef>
@@ -3980,34 +3980,34 @@
                       </a:r>
                     </a:p>
                   </a:txBody>
-                  <a:tcPr anchor="ctr" marB="0" marT="0" marR="0" marL="0">
-                    <a:lnL algn="ctr" cmpd="sng" cap="flat" w="12700">
-                      <a:noFill/>
-                      <a:prstDash val="solid"/>
-                      <a:round/>
-                      <a:headEnd len="med" w="med" type="none"/>
-                      <a:tailEnd len="med" w="med" type="none"/>
+                  <a:tcPr marL="0" marR="0" marT="0" marB="0" anchor="ctr">
+                    <a:lnL w="12700" cap="flat" cmpd="sng" algn="ctr">
+                      <a:noFill/>
+                      <a:prstDash val="solid"/>
+                      <a:round/>
+                      <a:headEnd type="none" w="med" len="med"/>
+                      <a:tailEnd type="none" w="med" len="med"/>
                     </a:lnL>
-                    <a:lnR algn="ctr" cmpd="sng" cap="flat" w="12700">
-                      <a:noFill/>
-                      <a:prstDash val="solid"/>
-                      <a:round/>
-                      <a:headEnd len="med" w="med" type="none"/>
-                      <a:tailEnd len="med" w="med" type="none"/>
+                    <a:lnR w="12700" cap="flat" cmpd="sng" algn="ctr">
+                      <a:noFill/>
+                      <a:prstDash val="solid"/>
+                      <a:round/>
+                      <a:headEnd type="none" w="med" len="med"/>
+                      <a:tailEnd type="none" w="med" len="med"/>
                     </a:lnR>
-                    <a:lnT algn="ctr" cmpd="sng" cap="flat" w="12700">
-                      <a:noFill/>
-                      <a:prstDash val="solid"/>
-                      <a:round/>
-                      <a:headEnd len="med" w="med" type="none"/>
-                      <a:tailEnd len="med" w="med" type="none"/>
+                    <a:lnT w="12700" cap="flat" cmpd="sng" algn="ctr">
+                      <a:noFill/>
+                      <a:prstDash val="solid"/>
+                      <a:round/>
+                      <a:headEnd type="none" w="med" len="med"/>
+                      <a:tailEnd type="none" w="med" len="med"/>
                     </a:lnT>
-                    <a:lnB algn="ctr" cmpd="sng" cap="flat" w="12700">
-                      <a:noFill/>
-                      <a:prstDash val="solid"/>
-                      <a:round/>
-                      <a:headEnd len="med" w="med" type="none"/>
-                      <a:tailEnd len="med" w="med" type="none"/>
+                    <a:lnB w="12700" cap="flat" cmpd="sng" algn="ctr">
+                      <a:noFill/>
+                      <a:prstDash val="solid"/>
+                      <a:round/>
+                      <a:headEnd type="none" w="med" len="med"/>
+                      <a:tailEnd type="none" w="med" len="med"/>
                     </a:lnB>
                     <a:solidFill>
                       <a:srgbClr val="FFFFFF">
@@ -4021,7 +4021,7 @@
                     <a:bodyPr/>
                     <a:lstStyle/>
                     <a:p>
-                      <a:pPr algn="r" indent="0" marR="50800" marL="50800">
+                      <a:pPr marL="50800" marR="50800" indent="0" algn="r">
                         <a:spcBef>
                           <a:spcPts val="100"/>
                         </a:spcBef>
@@ -4058,34 +4058,34 @@
                       </a:r>
                     </a:p>
                   </a:txBody>
-                  <a:tcPr anchor="ctr" marB="0" marT="0" marR="0" marL="0">
-                    <a:lnL algn="ctr" cmpd="sng" cap="flat" w="12700">
-                      <a:noFill/>
-                      <a:prstDash val="solid"/>
-                      <a:round/>
-                      <a:headEnd len="med" w="med" type="none"/>
-                      <a:tailEnd len="med" w="med" type="none"/>
+                  <a:tcPr marL="0" marR="0" marT="0" marB="0" anchor="ctr">
+                    <a:lnL w="12700" cap="flat" cmpd="sng" algn="ctr">
+                      <a:noFill/>
+                      <a:prstDash val="solid"/>
+                      <a:round/>
+                      <a:headEnd type="none" w="med" len="med"/>
+                      <a:tailEnd type="none" w="med" len="med"/>
                     </a:lnL>
-                    <a:lnR algn="ctr" cmpd="sng" cap="flat" w="12700">
-                      <a:noFill/>
-                      <a:prstDash val="solid"/>
-                      <a:round/>
-                      <a:headEnd len="med" w="med" type="none"/>
-                      <a:tailEnd len="med" w="med" type="none"/>
+                    <a:lnR w="12700" cap="flat" cmpd="sng" algn="ctr">
+                      <a:noFill/>
+                      <a:prstDash val="solid"/>
+                      <a:round/>
+                      <a:headEnd type="none" w="med" len="med"/>
+                      <a:tailEnd type="none" w="med" len="med"/>
                     </a:lnR>
-                    <a:lnT algn="ctr" cmpd="sng" cap="flat" w="12700">
-                      <a:noFill/>
-                      <a:prstDash val="solid"/>
-                      <a:round/>
-                      <a:headEnd len="med" w="med" type="none"/>
-                      <a:tailEnd len="med" w="med" type="none"/>
+                    <a:lnT w="12700" cap="flat" cmpd="sng" algn="ctr">
+                      <a:noFill/>
+                      <a:prstDash val="solid"/>
+                      <a:round/>
+                      <a:headEnd type="none" w="med" len="med"/>
+                      <a:tailEnd type="none" w="med" len="med"/>
                     </a:lnT>
-                    <a:lnB algn="ctr" cmpd="sng" cap="flat" w="12700">
-                      <a:noFill/>
-                      <a:prstDash val="solid"/>
-                      <a:round/>
-                      <a:headEnd len="med" w="med" type="none"/>
-                      <a:tailEnd len="med" w="med" type="none"/>
+                    <a:lnB w="12700" cap="flat" cmpd="sng" algn="ctr">
+                      <a:noFill/>
+                      <a:prstDash val="solid"/>
+                      <a:round/>
+                      <a:headEnd type="none" w="med" len="med"/>
+                      <a:tailEnd type="none" w="med" len="med"/>
                     </a:lnB>
                     <a:solidFill>
                       <a:srgbClr val="FFFFFF">
@@ -4099,7 +4099,7 @@
                     <a:bodyPr/>
                     <a:lstStyle/>
                     <a:p>
-                      <a:pPr algn="r" indent="0" marR="50800" marL="50800">
+                      <a:pPr marL="50800" marR="50800" indent="0" algn="r">
                         <a:spcBef>
                           <a:spcPts val="100"/>
                         </a:spcBef>
@@ -4136,34 +4136,34 @@
                       </a:r>
                     </a:p>
                   </a:txBody>
-                  <a:tcPr anchor="ctr" marB="0" marT="0" marR="0" marL="0">
-                    <a:lnL algn="ctr" cmpd="sng" cap="flat" w="12700">
-                      <a:noFill/>
-                      <a:prstDash val="solid"/>
-                      <a:round/>
-                      <a:headEnd len="med" w="med" type="none"/>
-                      <a:tailEnd len="med" w="med" type="none"/>
+                  <a:tcPr marL="0" marR="0" marT="0" marB="0" anchor="ctr">
+                    <a:lnL w="12700" cap="flat" cmpd="sng" algn="ctr">
+                      <a:noFill/>
+                      <a:prstDash val="solid"/>
+                      <a:round/>
+                      <a:headEnd type="none" w="med" len="med"/>
+                      <a:tailEnd type="none" w="med" len="med"/>
                     </a:lnL>
-                    <a:lnR algn="ctr" cmpd="sng" cap="flat" w="12700">
-                      <a:noFill/>
-                      <a:prstDash val="solid"/>
-                      <a:round/>
-                      <a:headEnd len="med" w="med" type="none"/>
-                      <a:tailEnd len="med" w="med" type="none"/>
+                    <a:lnR w="12700" cap="flat" cmpd="sng" algn="ctr">
+                      <a:noFill/>
+                      <a:prstDash val="solid"/>
+                      <a:round/>
+                      <a:headEnd type="none" w="med" len="med"/>
+                      <a:tailEnd type="none" w="med" len="med"/>
                     </a:lnR>
-                    <a:lnT algn="ctr" cmpd="sng" cap="flat" w="12700">
-                      <a:noFill/>
-                      <a:prstDash val="solid"/>
-                      <a:round/>
-                      <a:headEnd len="med" w="med" type="none"/>
-                      <a:tailEnd len="med" w="med" type="none"/>
+                    <a:lnT w="12700" cap="flat" cmpd="sng" algn="ctr">
+                      <a:noFill/>
+                      <a:prstDash val="solid"/>
+                      <a:round/>
+                      <a:headEnd type="none" w="med" len="med"/>
+                      <a:tailEnd type="none" w="med" len="med"/>
                     </a:lnT>
-                    <a:lnB algn="ctr" cmpd="sng" cap="flat" w="12700">
-                      <a:noFill/>
-                      <a:prstDash val="solid"/>
-                      <a:round/>
-                      <a:headEnd len="med" w="med" type="none"/>
-                      <a:tailEnd len="med" w="med" type="none"/>
+                    <a:lnB w="12700" cap="flat" cmpd="sng" algn="ctr">
+                      <a:noFill/>
+                      <a:prstDash val="solid"/>
+                      <a:round/>
+                      <a:headEnd type="none" w="med" len="med"/>
+                      <a:tailEnd type="none" w="med" len="med"/>
                     </a:lnB>
                     <a:solidFill>
                       <a:srgbClr val="FFFFFF">
@@ -4179,7 +4179,7 @@
                     <a:bodyPr/>
                     <a:lstStyle/>
                     <a:p>
-                      <a:pPr algn="r" indent="0" marR="50800" marL="50800">
+                      <a:pPr marL="50800" marR="50800" indent="0" algn="r">
                         <a:spcBef>
                           <a:spcPts val="100"/>
                         </a:spcBef>
@@ -4216,34 +4216,34 @@
                       </a:r>
                     </a:p>
                   </a:txBody>
-                  <a:tcPr anchor="ctr" marB="0" marT="0" marR="0" marL="0">
-                    <a:lnL algn="ctr" cmpd="sng" cap="flat" w="12700">
-                      <a:noFill/>
-                      <a:prstDash val="solid"/>
-                      <a:round/>
-                      <a:headEnd len="med" w="med" type="none"/>
-                      <a:tailEnd len="med" w="med" type="none"/>
+                  <a:tcPr marL="0" marR="0" marT="0" marB="0" anchor="ctr">
+                    <a:lnL w="12700" cap="flat" cmpd="sng" algn="ctr">
+                      <a:noFill/>
+                      <a:prstDash val="solid"/>
+                      <a:round/>
+                      <a:headEnd type="none" w="med" len="med"/>
+                      <a:tailEnd type="none" w="med" len="med"/>
                     </a:lnL>
-                    <a:lnR algn="ctr" cmpd="sng" cap="flat" w="12700">
-                      <a:noFill/>
-                      <a:prstDash val="solid"/>
-                      <a:round/>
-                      <a:headEnd len="med" w="med" type="none"/>
-                      <a:tailEnd len="med" w="med" type="none"/>
+                    <a:lnR w="12700" cap="flat" cmpd="sng" algn="ctr">
+                      <a:noFill/>
+                      <a:prstDash val="solid"/>
+                      <a:round/>
+                      <a:headEnd type="none" w="med" len="med"/>
+                      <a:tailEnd type="none" w="med" len="med"/>
                     </a:lnR>
-                    <a:lnT algn="ctr" cmpd="sng" cap="flat" w="12700">
-                      <a:noFill/>
-                      <a:prstDash val="solid"/>
-                      <a:round/>
-                      <a:headEnd len="med" w="med" type="none"/>
-                      <a:tailEnd len="med" w="med" type="none"/>
+                    <a:lnT w="12700" cap="flat" cmpd="sng" algn="ctr">
+                      <a:noFill/>
+                      <a:prstDash val="solid"/>
+                      <a:round/>
+                      <a:headEnd type="none" w="med" len="med"/>
+                      <a:tailEnd type="none" w="med" len="med"/>
                     </a:lnT>
-                    <a:lnB algn="ctr" cmpd="sng" cap="flat" w="12700">
-                      <a:noFill/>
-                      <a:prstDash val="solid"/>
-                      <a:round/>
-                      <a:headEnd len="med" w="med" type="none"/>
-                      <a:tailEnd len="med" w="med" type="none"/>
+                    <a:lnB w="12700" cap="flat" cmpd="sng" algn="ctr">
+                      <a:noFill/>
+                      <a:prstDash val="solid"/>
+                      <a:round/>
+                      <a:headEnd type="none" w="med" len="med"/>
+                      <a:tailEnd type="none" w="med" len="med"/>
                     </a:lnB>
                     <a:solidFill>
                       <a:srgbClr val="FFFFFF">
@@ -4257,7 +4257,7 @@
                     <a:bodyPr/>
                     <a:lstStyle/>
                     <a:p>
-                      <a:pPr algn="r" indent="0" marR="50800" marL="50800">
+                      <a:pPr marL="50800" marR="50800" indent="0" algn="r">
                         <a:spcBef>
                           <a:spcPts val="100"/>
                         </a:spcBef>
@@ -4294,34 +4294,34 @@
                       </a:r>
                     </a:p>
                   </a:txBody>
-                  <a:tcPr anchor="ctr" marB="0" marT="0" marR="0" marL="0">
-                    <a:lnL algn="ctr" cmpd="sng" cap="flat" w="12700">
-                      <a:noFill/>
-                      <a:prstDash val="solid"/>
-                      <a:round/>
-                      <a:headEnd len="med" w="med" type="none"/>
-                      <a:tailEnd len="med" w="med" type="none"/>
+                  <a:tcPr marL="0" marR="0" marT="0" marB="0" anchor="ctr">
+                    <a:lnL w="12700" cap="flat" cmpd="sng" algn="ctr">
+                      <a:noFill/>
+                      <a:prstDash val="solid"/>
+                      <a:round/>
+                      <a:headEnd type="none" w="med" len="med"/>
+                      <a:tailEnd type="none" w="med" len="med"/>
                     </a:lnL>
-                    <a:lnR algn="ctr" cmpd="sng" cap="flat" w="12700">
-                      <a:noFill/>
-                      <a:prstDash val="solid"/>
-                      <a:round/>
-                      <a:headEnd len="med" w="med" type="none"/>
-                      <a:tailEnd len="med" w="med" type="none"/>
+                    <a:lnR w="12700" cap="flat" cmpd="sng" algn="ctr">
+                      <a:noFill/>
+                      <a:prstDash val="solid"/>
+                      <a:round/>
+                      <a:headEnd type="none" w="med" len="med"/>
+                      <a:tailEnd type="none" w="med" len="med"/>
                     </a:lnR>
-                    <a:lnT algn="ctr" cmpd="sng" cap="flat" w="12700">
-                      <a:noFill/>
-                      <a:prstDash val="solid"/>
-                      <a:round/>
-                      <a:headEnd len="med" w="med" type="none"/>
-                      <a:tailEnd len="med" w="med" type="none"/>
+                    <a:lnT w="12700" cap="flat" cmpd="sng" algn="ctr">
+                      <a:noFill/>
+                      <a:prstDash val="solid"/>
+                      <a:round/>
+                      <a:headEnd type="none" w="med" len="med"/>
+                      <a:tailEnd type="none" w="med" len="med"/>
                     </a:lnT>
-                    <a:lnB algn="ctr" cmpd="sng" cap="flat" w="12700">
-                      <a:noFill/>
-                      <a:prstDash val="solid"/>
-                      <a:round/>
-                      <a:headEnd len="med" w="med" type="none"/>
-                      <a:tailEnd len="med" w="med" type="none"/>
+                    <a:lnB w="12700" cap="flat" cmpd="sng" algn="ctr">
+                      <a:noFill/>
+                      <a:prstDash val="solid"/>
+                      <a:round/>
+                      <a:headEnd type="none" w="med" len="med"/>
+                      <a:tailEnd type="none" w="med" len="med"/>
                     </a:lnB>
                     <a:solidFill>
                       <a:srgbClr val="FFFFFF">
@@ -4335,7 +4335,7 @@
                     <a:bodyPr/>
                     <a:lstStyle/>
                     <a:p>
-                      <a:pPr algn="r" indent="0" marR="50800" marL="50800">
+                      <a:pPr marL="50800" marR="50800" indent="0" algn="r">
                         <a:spcBef>
                           <a:spcPts val="100"/>
                         </a:spcBef>
@@ -4372,34 +4372,34 @@
                       </a:r>
                     </a:p>
                   </a:txBody>
-                  <a:tcPr anchor="ctr" marB="0" marT="0" marR="0" marL="0">
-                    <a:lnL algn="ctr" cmpd="sng" cap="flat" w="12700">
-                      <a:noFill/>
-                      <a:prstDash val="solid"/>
-                      <a:round/>
-                      <a:headEnd len="med" w="med" type="none"/>
-                      <a:tailEnd len="med" w="med" type="none"/>
+                  <a:tcPr marL="0" marR="0" marT="0" marB="0" anchor="ctr">
+                    <a:lnL w="12700" cap="flat" cmpd="sng" algn="ctr">
+                      <a:noFill/>
+                      <a:prstDash val="solid"/>
+                      <a:round/>
+                      <a:headEnd type="none" w="med" len="med"/>
+                      <a:tailEnd type="none" w="med" len="med"/>
                     </a:lnL>
-                    <a:lnR algn="ctr" cmpd="sng" cap="flat" w="12700">
-                      <a:noFill/>
-                      <a:prstDash val="solid"/>
-                      <a:round/>
-                      <a:headEnd len="med" w="med" type="none"/>
-                      <a:tailEnd len="med" w="med" type="none"/>
+                    <a:lnR w="12700" cap="flat" cmpd="sng" algn="ctr">
+                      <a:noFill/>
+                      <a:prstDash val="solid"/>
+                      <a:round/>
+                      <a:headEnd type="none" w="med" len="med"/>
+                      <a:tailEnd type="none" w="med" len="med"/>
                     </a:lnR>
-                    <a:lnT algn="ctr" cmpd="sng" cap="flat" w="12700">
-                      <a:noFill/>
-                      <a:prstDash val="solid"/>
-                      <a:round/>
-                      <a:headEnd len="med" w="med" type="none"/>
-                      <a:tailEnd len="med" w="med" type="none"/>
+                    <a:lnT w="12700" cap="flat" cmpd="sng" algn="ctr">
+                      <a:noFill/>
+                      <a:prstDash val="solid"/>
+                      <a:round/>
+                      <a:headEnd type="none" w="med" len="med"/>
+                      <a:tailEnd type="none" w="med" len="med"/>
                     </a:lnT>
-                    <a:lnB algn="ctr" cmpd="sng" cap="flat" w="12700">
-                      <a:noFill/>
-                      <a:prstDash val="solid"/>
-                      <a:round/>
-                      <a:headEnd len="med" w="med" type="none"/>
-                      <a:tailEnd len="med" w="med" type="none"/>
+                    <a:lnB w="12700" cap="flat" cmpd="sng" algn="ctr">
+                      <a:noFill/>
+                      <a:prstDash val="solid"/>
+                      <a:round/>
+                      <a:headEnd type="none" w="med" len="med"/>
+                      <a:tailEnd type="none" w="med" len="med"/>
                     </a:lnB>
                     <a:solidFill>
                       <a:srgbClr val="FFFFFF">
@@ -4413,7 +4413,7 @@
                     <a:bodyPr/>
                     <a:lstStyle/>
                     <a:p>
-                      <a:pPr algn="r" indent="0" marR="50800" marL="50800">
+                      <a:pPr marL="50800" marR="50800" indent="0" algn="r">
                         <a:spcBef>
                           <a:spcPts val="100"/>
                         </a:spcBef>
@@ -4450,34 +4450,34 @@
                       </a:r>
                     </a:p>
                   </a:txBody>
-                  <a:tcPr anchor="ctr" marB="0" marT="0" marR="0" marL="0">
-                    <a:lnL algn="ctr" cmpd="sng" cap="flat" w="12700">
-                      <a:noFill/>
-                      <a:prstDash val="solid"/>
-                      <a:round/>
-                      <a:headEnd len="med" w="med" type="none"/>
-                      <a:tailEnd len="med" w="med" type="none"/>
+                  <a:tcPr marL="0" marR="0" marT="0" marB="0" anchor="ctr">
+                    <a:lnL w="12700" cap="flat" cmpd="sng" algn="ctr">
+                      <a:noFill/>
+                      <a:prstDash val="solid"/>
+                      <a:round/>
+                      <a:headEnd type="none" w="med" len="med"/>
+                      <a:tailEnd type="none" w="med" len="med"/>
                     </a:lnL>
-                    <a:lnR algn="ctr" cmpd="sng" cap="flat" w="12700">
-                      <a:noFill/>
-                      <a:prstDash val="solid"/>
-                      <a:round/>
-                      <a:headEnd len="med" w="med" type="none"/>
-                      <a:tailEnd len="med" w="med" type="none"/>
+                    <a:lnR w="12700" cap="flat" cmpd="sng" algn="ctr">
+                      <a:noFill/>
+                      <a:prstDash val="solid"/>
+                      <a:round/>
+                      <a:headEnd type="none" w="med" len="med"/>
+                      <a:tailEnd type="none" w="med" len="med"/>
                     </a:lnR>
-                    <a:lnT algn="ctr" cmpd="sng" cap="flat" w="12700">
-                      <a:noFill/>
-                      <a:prstDash val="solid"/>
-                      <a:round/>
-                      <a:headEnd len="med" w="med" type="none"/>
-                      <a:tailEnd len="med" w="med" type="none"/>
+                    <a:lnT w="12700" cap="flat" cmpd="sng" algn="ctr">
+                      <a:noFill/>
+                      <a:prstDash val="solid"/>
+                      <a:round/>
+                      <a:headEnd type="none" w="med" len="med"/>
+                      <a:tailEnd type="none" w="med" len="med"/>
                     </a:lnT>
-                    <a:lnB algn="ctr" cmpd="sng" cap="flat" w="12700">
-                      <a:noFill/>
-                      <a:prstDash val="solid"/>
-                      <a:round/>
-                      <a:headEnd len="med" w="med" type="none"/>
-                      <a:tailEnd len="med" w="med" type="none"/>
+                    <a:lnB w="12700" cap="flat" cmpd="sng" algn="ctr">
+                      <a:noFill/>
+                      <a:prstDash val="solid"/>
+                      <a:round/>
+                      <a:headEnd type="none" w="med" len="med"/>
+                      <a:tailEnd type="none" w="med" len="med"/>
                     </a:lnB>
                     <a:solidFill>
                       <a:srgbClr val="FFFFFF">
@@ -4491,7 +4491,7 @@
                     <a:bodyPr/>
                     <a:lstStyle/>
                     <a:p>
-                      <a:pPr algn="r" indent="0" marR="50800" marL="50800">
+                      <a:pPr marL="50800" marR="50800" indent="0" algn="r">
                         <a:spcBef>
                           <a:spcPts val="100"/>
                         </a:spcBef>
@@ -4528,34 +4528,34 @@
                       </a:r>
                     </a:p>
                   </a:txBody>
-                  <a:tcPr anchor="ctr" marB="0" marT="0" marR="0" marL="0">
-                    <a:lnL algn="ctr" cmpd="sng" cap="flat" w="12700">
-                      <a:noFill/>
-                      <a:prstDash val="solid"/>
-                      <a:round/>
-                      <a:headEnd len="med" w="med" type="none"/>
-                      <a:tailEnd len="med" w="med" type="none"/>
+                  <a:tcPr marL="0" marR="0" marT="0" marB="0" anchor="ctr">
+                    <a:lnL w="12700" cap="flat" cmpd="sng" algn="ctr">
+                      <a:noFill/>
+                      <a:prstDash val="solid"/>
+                      <a:round/>
+                      <a:headEnd type="none" w="med" len="med"/>
+                      <a:tailEnd type="none" w="med" len="med"/>
                     </a:lnL>
-                    <a:lnR algn="ctr" cmpd="sng" cap="flat" w="12700">
-                      <a:noFill/>
-                      <a:prstDash val="solid"/>
-                      <a:round/>
-                      <a:headEnd len="med" w="med" type="none"/>
-                      <a:tailEnd len="med" w="med" type="none"/>
+                    <a:lnR w="12700" cap="flat" cmpd="sng" algn="ctr">
+                      <a:noFill/>
+                      <a:prstDash val="solid"/>
+                      <a:round/>
+                      <a:headEnd type="none" w="med" len="med"/>
+                      <a:tailEnd type="none" w="med" len="med"/>
                     </a:lnR>
-                    <a:lnT algn="ctr" cmpd="sng" cap="flat" w="12700">
-                      <a:noFill/>
-                      <a:prstDash val="solid"/>
-                      <a:round/>
-                      <a:headEnd len="med" w="med" type="none"/>
-                      <a:tailEnd len="med" w="med" type="none"/>
+                    <a:lnT w="12700" cap="flat" cmpd="sng" algn="ctr">
+                      <a:noFill/>
+                      <a:prstDash val="solid"/>
+                      <a:round/>
+                      <a:headEnd type="none" w="med" len="med"/>
+                      <a:tailEnd type="none" w="med" len="med"/>
                     </a:lnT>
-                    <a:lnB algn="ctr" cmpd="sng" cap="flat" w="12700">
-                      <a:noFill/>
-                      <a:prstDash val="solid"/>
-                      <a:round/>
-                      <a:headEnd len="med" w="med" type="none"/>
-                      <a:tailEnd len="med" w="med" type="none"/>
+                    <a:lnB w="12700" cap="flat" cmpd="sng" algn="ctr">
+                      <a:noFill/>
+                      <a:prstDash val="solid"/>
+                      <a:round/>
+                      <a:headEnd type="none" w="med" len="med"/>
+                      <a:tailEnd type="none" w="med" len="med"/>
                     </a:lnB>
                     <a:solidFill>
                       <a:srgbClr val="FFFFFF">
@@ -4569,7 +4569,7 @@
                     <a:bodyPr/>
                     <a:lstStyle/>
                     <a:p>
-                      <a:pPr algn="r" indent="0" marR="50800" marL="50800">
+                      <a:pPr marL="50800" marR="50800" indent="0" algn="r">
                         <a:spcBef>
                           <a:spcPts val="100"/>
                         </a:spcBef>
@@ -4606,34 +4606,34 @@
                       </a:r>
                     </a:p>
                   </a:txBody>
-                  <a:tcPr anchor="ctr" marB="0" marT="0" marR="0" marL="0">
-                    <a:lnL algn="ctr" cmpd="sng" cap="flat" w="12700">
-                      <a:noFill/>
-                      <a:prstDash val="solid"/>
-                      <a:round/>
-                      <a:headEnd len="med" w="med" type="none"/>
-                      <a:tailEnd len="med" w="med" type="none"/>
+                  <a:tcPr marL="0" marR="0" marT="0" marB="0" anchor="ctr">
+                    <a:lnL w="12700" cap="flat" cmpd="sng" algn="ctr">
+                      <a:noFill/>
+                      <a:prstDash val="solid"/>
+                      <a:round/>
+                      <a:headEnd type="none" w="med" len="med"/>
+                      <a:tailEnd type="none" w="med" len="med"/>
                     </a:lnL>
-                    <a:lnR algn="ctr" cmpd="sng" cap="flat" w="12700">
-                      <a:noFill/>
-                      <a:prstDash val="solid"/>
-                      <a:round/>
-                      <a:headEnd len="med" w="med" type="none"/>
-                      <a:tailEnd len="med" w="med" type="none"/>
+                    <a:lnR w="12700" cap="flat" cmpd="sng" algn="ctr">
+                      <a:noFill/>
+                      <a:prstDash val="solid"/>
+                      <a:round/>
+                      <a:headEnd type="none" w="med" len="med"/>
+                      <a:tailEnd type="none" w="med" len="med"/>
                     </a:lnR>
-                    <a:lnT algn="ctr" cmpd="sng" cap="flat" w="12700">
-                      <a:noFill/>
-                      <a:prstDash val="solid"/>
-                      <a:round/>
-                      <a:headEnd len="med" w="med" type="none"/>
-                      <a:tailEnd len="med" w="med" type="none"/>
+                    <a:lnT w="12700" cap="flat" cmpd="sng" algn="ctr">
+                      <a:noFill/>
+                      <a:prstDash val="solid"/>
+                      <a:round/>
+                      <a:headEnd type="none" w="med" len="med"/>
+                      <a:tailEnd type="none" w="med" len="med"/>
                     </a:lnT>
-                    <a:lnB algn="ctr" cmpd="sng" cap="flat" w="12700">
-                      <a:noFill/>
-                      <a:prstDash val="solid"/>
-                      <a:round/>
-                      <a:headEnd len="med" w="med" type="none"/>
-                      <a:tailEnd len="med" w="med" type="none"/>
+                    <a:lnB w="12700" cap="flat" cmpd="sng" algn="ctr">
+                      <a:noFill/>
+                      <a:prstDash val="solid"/>
+                      <a:round/>
+                      <a:headEnd type="none" w="med" len="med"/>
+                      <a:tailEnd type="none" w="med" len="med"/>
                     </a:lnB>
                     <a:solidFill>
                       <a:srgbClr val="FFFFFF">
@@ -4649,7 +4649,7 @@
                     <a:bodyPr/>
                     <a:lstStyle/>
                     <a:p>
-                      <a:pPr algn="r" indent="0" marR="50800" marL="50800">
+                      <a:pPr marL="50800" marR="50800" indent="0" algn="r">
                         <a:spcBef>
                           <a:spcPts val="100"/>
                         </a:spcBef>
@@ -4686,34 +4686,34 @@
                       </a:r>
                     </a:p>
                   </a:txBody>
-                  <a:tcPr anchor="ctr" marB="0" marT="0" marR="0" marL="0">
-                    <a:lnL algn="ctr" cmpd="sng" cap="flat" w="12700">
-                      <a:noFill/>
-                      <a:prstDash val="solid"/>
-                      <a:round/>
-                      <a:headEnd len="med" w="med" type="none"/>
-                      <a:tailEnd len="med" w="med" type="none"/>
+                  <a:tcPr marL="0" marR="0" marT="0" marB="0" anchor="ctr">
+                    <a:lnL w="12700" cap="flat" cmpd="sng" algn="ctr">
+                      <a:noFill/>
+                      <a:prstDash val="solid"/>
+                      <a:round/>
+                      <a:headEnd type="none" w="med" len="med"/>
+                      <a:tailEnd type="none" w="med" len="med"/>
                     </a:lnL>
-                    <a:lnR algn="ctr" cmpd="sng" cap="flat" w="12700">
-                      <a:noFill/>
-                      <a:prstDash val="solid"/>
-                      <a:round/>
-                      <a:headEnd len="med" w="med" type="none"/>
-                      <a:tailEnd len="med" w="med" type="none"/>
+                    <a:lnR w="12700" cap="flat" cmpd="sng" algn="ctr">
+                      <a:noFill/>
+                      <a:prstDash val="solid"/>
+                      <a:round/>
+                      <a:headEnd type="none" w="med" len="med"/>
+                      <a:tailEnd type="none" w="med" len="med"/>
                     </a:lnR>
-                    <a:lnT algn="ctr" cmpd="sng" cap="flat" w="12700">
-                      <a:noFill/>
-                      <a:prstDash val="solid"/>
-                      <a:round/>
-                      <a:headEnd len="med" w="med" type="none"/>
-                      <a:tailEnd len="med" w="med" type="none"/>
+                    <a:lnT w="12700" cap="flat" cmpd="sng" algn="ctr">
+                      <a:noFill/>
+                      <a:prstDash val="solid"/>
+                      <a:round/>
+                      <a:headEnd type="none" w="med" len="med"/>
+                      <a:tailEnd type="none" w="med" len="med"/>
                     </a:lnT>
-                    <a:lnB algn="ctr" cmpd="sng" cap="flat" w="12700">
-                      <a:noFill/>
-                      <a:prstDash val="solid"/>
-                      <a:round/>
-                      <a:headEnd len="med" w="med" type="none"/>
-                      <a:tailEnd len="med" w="med" type="none"/>
+                    <a:lnB w="12700" cap="flat" cmpd="sng" algn="ctr">
+                      <a:noFill/>
+                      <a:prstDash val="solid"/>
+                      <a:round/>
+                      <a:headEnd type="none" w="med" len="med"/>
+                      <a:tailEnd type="none" w="med" len="med"/>
                     </a:lnB>
                     <a:solidFill>
                       <a:srgbClr val="FFFFFF">
@@ -4727,7 +4727,7 @@
                     <a:bodyPr/>
                     <a:lstStyle/>
                     <a:p>
-                      <a:pPr algn="r" indent="0" marR="50800" marL="50800">
+                      <a:pPr marL="50800" marR="50800" indent="0" algn="r">
                         <a:spcBef>
                           <a:spcPts val="100"/>
                         </a:spcBef>
@@ -4764,34 +4764,34 @@
                       </a:r>
                     </a:p>
                   </a:txBody>
-                  <a:tcPr anchor="ctr" marB="0" marT="0" marR="0" marL="0">
-                    <a:lnL algn="ctr" cmpd="sng" cap="flat" w="12700">
-                      <a:noFill/>
-                      <a:prstDash val="solid"/>
-                      <a:round/>
-                      <a:headEnd len="med" w="med" type="none"/>
-                      <a:tailEnd len="med" w="med" type="none"/>
+                  <a:tcPr marL="0" marR="0" marT="0" marB="0" anchor="ctr">
+                    <a:lnL w="12700" cap="flat" cmpd="sng" algn="ctr">
+                      <a:noFill/>
+                      <a:prstDash val="solid"/>
+                      <a:round/>
+                      <a:headEnd type="none" w="med" len="med"/>
+                      <a:tailEnd type="none" w="med" len="med"/>
                     </a:lnL>
-                    <a:lnR algn="ctr" cmpd="sng" cap="flat" w="12700">
-                      <a:noFill/>
-                      <a:prstDash val="solid"/>
-                      <a:round/>
-                      <a:headEnd len="med" w="med" type="none"/>
-                      <a:tailEnd len="med" w="med" type="none"/>
+                    <a:lnR w="12700" cap="flat" cmpd="sng" algn="ctr">
+                      <a:noFill/>
+                      <a:prstDash val="solid"/>
+                      <a:round/>
+                      <a:headEnd type="none" w="med" len="med"/>
+                      <a:tailEnd type="none" w="med" len="med"/>
                     </a:lnR>
-                    <a:lnT algn="ctr" cmpd="sng" cap="flat" w="12700">
-                      <a:noFill/>
-                      <a:prstDash val="solid"/>
-                      <a:round/>
-                      <a:headEnd len="med" w="med" type="none"/>
-                      <a:tailEnd len="med" w="med" type="none"/>
+                    <a:lnT w="12700" cap="flat" cmpd="sng" algn="ctr">
+                      <a:noFill/>
+                      <a:prstDash val="solid"/>
+                      <a:round/>
+                      <a:headEnd type="none" w="med" len="med"/>
+                      <a:tailEnd type="none" w="med" len="med"/>
                     </a:lnT>
-                    <a:lnB algn="ctr" cmpd="sng" cap="flat" w="12700">
-                      <a:noFill/>
-                      <a:prstDash val="solid"/>
-                      <a:round/>
-                      <a:headEnd len="med" w="med" type="none"/>
-                      <a:tailEnd len="med" w="med" type="none"/>
+                    <a:lnB w="12700" cap="flat" cmpd="sng" algn="ctr">
+                      <a:noFill/>
+                      <a:prstDash val="solid"/>
+                      <a:round/>
+                      <a:headEnd type="none" w="med" len="med"/>
+                      <a:tailEnd type="none" w="med" len="med"/>
                     </a:lnB>
                     <a:solidFill>
                       <a:srgbClr val="FFFFFF">
@@ -4805,7 +4805,7 @@
                     <a:bodyPr/>
                     <a:lstStyle/>
                     <a:p>
-                      <a:pPr algn="r" indent="0" marR="50800" marL="50800">
+                      <a:pPr marL="50800" marR="50800" indent="0" algn="r">
                         <a:spcBef>
                           <a:spcPts val="100"/>
                         </a:spcBef>
@@ -4842,34 +4842,34 @@
                       </a:r>
                     </a:p>
                   </a:txBody>
-                  <a:tcPr anchor="ctr" marB="0" marT="0" marR="0" marL="0">
-                    <a:lnL algn="ctr" cmpd="sng" cap="flat" w="12700">
-                      <a:noFill/>
-                      <a:prstDash val="solid"/>
-                      <a:round/>
-                      <a:headEnd len="med" w="med" type="none"/>
-                      <a:tailEnd len="med" w="med" type="none"/>
+                  <a:tcPr marL="0" marR="0" marT="0" marB="0" anchor="ctr">
+                    <a:lnL w="12700" cap="flat" cmpd="sng" algn="ctr">
+                      <a:noFill/>
+                      <a:prstDash val="solid"/>
+                      <a:round/>
+                      <a:headEnd type="none" w="med" len="med"/>
+                      <a:tailEnd type="none" w="med" len="med"/>
                     </a:lnL>
-                    <a:lnR algn="ctr" cmpd="sng" cap="flat" w="12700">
-                      <a:noFill/>
-                      <a:prstDash val="solid"/>
-                      <a:round/>
-                      <a:headEnd len="med" w="med" type="none"/>
-                      <a:tailEnd len="med" w="med" type="none"/>
+                    <a:lnR w="12700" cap="flat" cmpd="sng" algn="ctr">
+                      <a:noFill/>
+                      <a:prstDash val="solid"/>
+                      <a:round/>
+                      <a:headEnd type="none" w="med" len="med"/>
+                      <a:tailEnd type="none" w="med" len="med"/>
                     </a:lnR>
-                    <a:lnT algn="ctr" cmpd="sng" cap="flat" w="12700">
-                      <a:noFill/>
-                      <a:prstDash val="solid"/>
-                      <a:round/>
-                      <a:headEnd len="med" w="med" type="none"/>
-                      <a:tailEnd len="med" w="med" type="none"/>
+                    <a:lnT w="12700" cap="flat" cmpd="sng" algn="ctr">
+                      <a:noFill/>
+                      <a:prstDash val="solid"/>
+                      <a:round/>
+                      <a:headEnd type="none" w="med" len="med"/>
+                      <a:tailEnd type="none" w="med" len="med"/>
                     </a:lnT>
-                    <a:lnB algn="ctr" cmpd="sng" cap="flat" w="12700">
-                      <a:noFill/>
-                      <a:prstDash val="solid"/>
-                      <a:round/>
-                      <a:headEnd len="med" w="med" type="none"/>
-                      <a:tailEnd len="med" w="med" type="none"/>
+                    <a:lnB w="12700" cap="flat" cmpd="sng" algn="ctr">
+                      <a:noFill/>
+                      <a:prstDash val="solid"/>
+                      <a:round/>
+                      <a:headEnd type="none" w="med" len="med"/>
+                      <a:tailEnd type="none" w="med" len="med"/>
                     </a:lnB>
                     <a:solidFill>
                       <a:srgbClr val="FFFFFF">
@@ -4883,7 +4883,7 @@
                     <a:bodyPr/>
                     <a:lstStyle/>
                     <a:p>
-                      <a:pPr algn="r" indent="0" marR="50800" marL="50800">
+                      <a:pPr marL="50800" marR="50800" indent="0" algn="r">
                         <a:spcBef>
                           <a:spcPts val="100"/>
                         </a:spcBef>
@@ -4920,34 +4920,34 @@
                       </a:r>
                     </a:p>
                   </a:txBody>
-                  <a:tcPr anchor="ctr" marB="0" marT="0" marR="0" marL="0">
-                    <a:lnL algn="ctr" cmpd="sng" cap="flat" w="12700">
-                      <a:noFill/>
-                      <a:prstDash val="solid"/>
-                      <a:round/>
-                      <a:headEnd len="med" w="med" type="none"/>
-                      <a:tailEnd len="med" w="med" type="none"/>
+                  <a:tcPr marL="0" marR="0" marT="0" marB="0" anchor="ctr">
+                    <a:lnL w="12700" cap="flat" cmpd="sng" algn="ctr">
+                      <a:noFill/>
+                      <a:prstDash val="solid"/>
+                      <a:round/>
+                      <a:headEnd type="none" w="med" len="med"/>
+                      <a:tailEnd type="none" w="med" len="med"/>
                     </a:lnL>
-                    <a:lnR algn="ctr" cmpd="sng" cap="flat" w="12700">
-                      <a:noFill/>
-                      <a:prstDash val="solid"/>
-                      <a:round/>
-                      <a:headEnd len="med" w="med" type="none"/>
-                      <a:tailEnd len="med" w="med" type="none"/>
+                    <a:lnR w="12700" cap="flat" cmpd="sng" algn="ctr">
+                      <a:noFill/>
+                      <a:prstDash val="solid"/>
+                      <a:round/>
+                      <a:headEnd type="none" w="med" len="med"/>
+                      <a:tailEnd type="none" w="med" len="med"/>
                     </a:lnR>
-                    <a:lnT algn="ctr" cmpd="sng" cap="flat" w="12700">
-                      <a:noFill/>
-                      <a:prstDash val="solid"/>
-                      <a:round/>
-                      <a:headEnd len="med" w="med" type="none"/>
-                      <a:tailEnd len="med" w="med" type="none"/>
+                    <a:lnT w="12700" cap="flat" cmpd="sng" algn="ctr">
+                      <a:noFill/>
+                      <a:prstDash val="solid"/>
+                      <a:round/>
+                      <a:headEnd type="none" w="med" len="med"/>
+                      <a:tailEnd type="none" w="med" len="med"/>
                     </a:lnT>
-                    <a:lnB algn="ctr" cmpd="sng" cap="flat" w="12700">
-                      <a:noFill/>
-                      <a:prstDash val="solid"/>
-                      <a:round/>
-                      <a:headEnd len="med" w="med" type="none"/>
-                      <a:tailEnd len="med" w="med" type="none"/>
+                    <a:lnB w="12700" cap="flat" cmpd="sng" algn="ctr">
+                      <a:noFill/>
+                      <a:prstDash val="solid"/>
+                      <a:round/>
+                      <a:headEnd type="none" w="med" len="med"/>
+                      <a:tailEnd type="none" w="med" len="med"/>
                     </a:lnB>
                     <a:solidFill>
                       <a:srgbClr val="FFFFFF">
@@ -4961,7 +4961,7 @@
                     <a:bodyPr/>
                     <a:lstStyle/>
                     <a:p>
-                      <a:pPr algn="r" indent="0" marR="50800" marL="50800">
+                      <a:pPr marL="50800" marR="50800" indent="0" algn="r">
                         <a:spcBef>
                           <a:spcPts val="100"/>
                         </a:spcBef>
@@ -4998,34 +4998,34 @@
                       </a:r>
                     </a:p>
                   </a:txBody>
-                  <a:tcPr anchor="ctr" marB="0" marT="0" marR="0" marL="0">
-                    <a:lnL algn="ctr" cmpd="sng" cap="flat" w="12700">
-                      <a:noFill/>
-                      <a:prstDash val="solid"/>
-                      <a:round/>
-                      <a:headEnd len="med" w="med" type="none"/>
-                      <a:tailEnd len="med" w="med" type="none"/>
+                  <a:tcPr marL="0" marR="0" marT="0" marB="0" anchor="ctr">
+                    <a:lnL w="12700" cap="flat" cmpd="sng" algn="ctr">
+                      <a:noFill/>
+                      <a:prstDash val="solid"/>
+                      <a:round/>
+                      <a:headEnd type="none" w="med" len="med"/>
+                      <a:tailEnd type="none" w="med" len="med"/>
                     </a:lnL>
-                    <a:lnR algn="ctr" cmpd="sng" cap="flat" w="12700">
-                      <a:noFill/>
-                      <a:prstDash val="solid"/>
-                      <a:round/>
-                      <a:headEnd len="med" w="med" type="none"/>
-                      <a:tailEnd len="med" w="med" type="none"/>
+                    <a:lnR w="12700" cap="flat" cmpd="sng" algn="ctr">
+                      <a:noFill/>
+                      <a:prstDash val="solid"/>
+                      <a:round/>
+                      <a:headEnd type="none" w="med" len="med"/>
+                      <a:tailEnd type="none" w="med" len="med"/>
                     </a:lnR>
-                    <a:lnT algn="ctr" cmpd="sng" cap="flat" w="12700">
-                      <a:noFill/>
-                      <a:prstDash val="solid"/>
-                      <a:round/>
-                      <a:headEnd len="med" w="med" type="none"/>
-                      <a:tailEnd len="med" w="med" type="none"/>
+                    <a:lnT w="12700" cap="flat" cmpd="sng" algn="ctr">
+                      <a:noFill/>
+                      <a:prstDash val="solid"/>
+                      <a:round/>
+                      <a:headEnd type="none" w="med" len="med"/>
+                      <a:tailEnd type="none" w="med" len="med"/>
                     </a:lnT>
-                    <a:lnB algn="ctr" cmpd="sng" cap="flat" w="12700">
-                      <a:noFill/>
-                      <a:prstDash val="solid"/>
-                      <a:round/>
-                      <a:headEnd len="med" w="med" type="none"/>
-                      <a:tailEnd len="med" w="med" type="none"/>
+                    <a:lnB w="12700" cap="flat" cmpd="sng" algn="ctr">
+                      <a:noFill/>
+                      <a:prstDash val="solid"/>
+                      <a:round/>
+                      <a:headEnd type="none" w="med" len="med"/>
+                      <a:tailEnd type="none" w="med" len="med"/>
                     </a:lnB>
                     <a:solidFill>
                       <a:srgbClr val="FFFFFF">
@@ -5039,7 +5039,7 @@
                     <a:bodyPr/>
                     <a:lstStyle/>
                     <a:p>
-                      <a:pPr algn="r" indent="0" marR="50800" marL="50800">
+                      <a:pPr marL="50800" marR="50800" indent="0" algn="r">
                         <a:spcBef>
                           <a:spcPts val="100"/>
                         </a:spcBef>
@@ -5076,34 +5076,34 @@
                       </a:r>
                     </a:p>
                   </a:txBody>
-                  <a:tcPr anchor="ctr" marB="0" marT="0" marR="0" marL="0">
-                    <a:lnL algn="ctr" cmpd="sng" cap="flat" w="12700">
-                      <a:noFill/>
-                      <a:prstDash val="solid"/>
-                      <a:round/>
-                      <a:headEnd len="med" w="med" type="none"/>
-                      <a:tailEnd len="med" w="med" type="none"/>
+                  <a:tcPr marL="0" marR="0" marT="0" marB="0" anchor="ctr">
+                    <a:lnL w="12700" cap="flat" cmpd="sng" algn="ctr">
+                      <a:noFill/>
+                      <a:prstDash val="solid"/>
+                      <a:round/>
+                      <a:headEnd type="none" w="med" len="med"/>
+                      <a:tailEnd type="none" w="med" len="med"/>
                     </a:lnL>
-                    <a:lnR algn="ctr" cmpd="sng" cap="flat" w="12700">
-                      <a:noFill/>
-                      <a:prstDash val="solid"/>
-                      <a:round/>
-                      <a:headEnd len="med" w="med" type="none"/>
-                      <a:tailEnd len="med" w="med" type="none"/>
+                    <a:lnR w="12700" cap="flat" cmpd="sng" algn="ctr">
+                      <a:noFill/>
+                      <a:prstDash val="solid"/>
+                      <a:round/>
+                      <a:headEnd type="none" w="med" len="med"/>
+                      <a:tailEnd type="none" w="med" len="med"/>
                     </a:lnR>
-                    <a:lnT algn="ctr" cmpd="sng" cap="flat" w="12700">
-                      <a:noFill/>
-                      <a:prstDash val="solid"/>
-                      <a:round/>
-                      <a:headEnd len="med" w="med" type="none"/>
-                      <a:tailEnd len="med" w="med" type="none"/>
+                    <a:lnT w="12700" cap="flat" cmpd="sng" algn="ctr">
+                      <a:noFill/>
+                      <a:prstDash val="solid"/>
+                      <a:round/>
+                      <a:headEnd type="none" w="med" len="med"/>
+                      <a:tailEnd type="none" w="med" len="med"/>
                     </a:lnT>
-                    <a:lnB algn="ctr" cmpd="sng" cap="flat" w="12700">
-                      <a:noFill/>
-                      <a:prstDash val="solid"/>
-                      <a:round/>
-                      <a:headEnd len="med" w="med" type="none"/>
-                      <a:tailEnd len="med" w="med" type="none"/>
+                    <a:lnB w="12700" cap="flat" cmpd="sng" algn="ctr">
+                      <a:noFill/>
+                      <a:prstDash val="solid"/>
+                      <a:round/>
+                      <a:headEnd type="none" w="med" len="med"/>
+                      <a:tailEnd type="none" w="med" len="med"/>
                     </a:lnB>
                     <a:solidFill>
                       <a:srgbClr val="FFFFFF">
@@ -5119,7 +5119,7 @@
                     <a:bodyPr/>
                     <a:lstStyle/>
                     <a:p>
-                      <a:pPr algn="r" indent="0" marR="50800" marL="50800">
+                      <a:pPr marL="50800" marR="50800" indent="0" algn="r">
                         <a:spcBef>
                           <a:spcPts val="100"/>
                         </a:spcBef>
@@ -5156,34 +5156,34 @@
                       </a:r>
                     </a:p>
                   </a:txBody>
-                  <a:tcPr anchor="ctr" marB="0" marT="0" marR="0" marL="0">
-                    <a:lnL algn="ctr" cmpd="sng" cap="flat" w="12700">
-                      <a:noFill/>
-                      <a:prstDash val="solid"/>
-                      <a:round/>
-                      <a:headEnd len="med" w="med" type="none"/>
-                      <a:tailEnd len="med" w="med" type="none"/>
+                  <a:tcPr marL="0" marR="0" marT="0" marB="0" anchor="ctr">
+                    <a:lnL w="12700" cap="flat" cmpd="sng" algn="ctr">
+                      <a:noFill/>
+                      <a:prstDash val="solid"/>
+                      <a:round/>
+                      <a:headEnd type="none" w="med" len="med"/>
+                      <a:tailEnd type="none" w="med" len="med"/>
                     </a:lnL>
-                    <a:lnR algn="ctr" cmpd="sng" cap="flat" w="12700">
-                      <a:noFill/>
-                      <a:prstDash val="solid"/>
-                      <a:round/>
-                      <a:headEnd len="med" w="med" type="none"/>
-                      <a:tailEnd len="med" w="med" type="none"/>
+                    <a:lnR w="12700" cap="flat" cmpd="sng" algn="ctr">
+                      <a:noFill/>
+                      <a:prstDash val="solid"/>
+                      <a:round/>
+                      <a:headEnd type="none" w="med" len="med"/>
+                      <a:tailEnd type="none" w="med" len="med"/>
                     </a:lnR>
-                    <a:lnT algn="ctr" cmpd="sng" cap="flat" w="12700">
-                      <a:noFill/>
-                      <a:prstDash val="solid"/>
-                      <a:round/>
-                      <a:headEnd len="med" w="med" type="none"/>
-                      <a:tailEnd len="med" w="med" type="none"/>
+                    <a:lnT w="12700" cap="flat" cmpd="sng" algn="ctr">
+                      <a:noFill/>
+                      <a:prstDash val="solid"/>
+                      <a:round/>
+                      <a:headEnd type="none" w="med" len="med"/>
+                      <a:tailEnd type="none" w="med" len="med"/>
                     </a:lnT>
-                    <a:lnB algn="ctr" cmpd="sng" cap="flat" w="12700">
-                      <a:noFill/>
-                      <a:prstDash val="solid"/>
-                      <a:round/>
-                      <a:headEnd len="med" w="med" type="none"/>
-                      <a:tailEnd len="med" w="med" type="none"/>
+                    <a:lnB w="12700" cap="flat" cmpd="sng" algn="ctr">
+                      <a:noFill/>
+                      <a:prstDash val="solid"/>
+                      <a:round/>
+                      <a:headEnd type="none" w="med" len="med"/>
+                      <a:tailEnd type="none" w="med" len="med"/>
                     </a:lnB>
                     <a:solidFill>
                       <a:srgbClr val="FFFFFF">
@@ -5197,7 +5197,7 @@
                     <a:bodyPr/>
                     <a:lstStyle/>
                     <a:p>
-                      <a:pPr algn="r" indent="0" marR="50800" marL="50800">
+                      <a:pPr marL="50800" marR="50800" indent="0" algn="r">
                         <a:spcBef>
                           <a:spcPts val="100"/>
                         </a:spcBef>
@@ -5234,34 +5234,34 @@
                       </a:r>
                     </a:p>
                   </a:txBody>
-                  <a:tcPr anchor="ctr" marB="0" marT="0" marR="0" marL="0">
-                    <a:lnL algn="ctr" cmpd="sng" cap="flat" w="12700">
-                      <a:noFill/>
-                      <a:prstDash val="solid"/>
-                      <a:round/>
-                      <a:headEnd len="med" w="med" type="none"/>
-                      <a:tailEnd len="med" w="med" type="none"/>
+                  <a:tcPr marL="0" marR="0" marT="0" marB="0" anchor="ctr">
+                    <a:lnL w="12700" cap="flat" cmpd="sng" algn="ctr">
+                      <a:noFill/>
+                      <a:prstDash val="solid"/>
+                      <a:round/>
+                      <a:headEnd type="none" w="med" len="med"/>
+                      <a:tailEnd type="none" w="med" len="med"/>
                     </a:lnL>
-                    <a:lnR algn="ctr" cmpd="sng" cap="flat" w="12700">
-                      <a:noFill/>
-                      <a:prstDash val="solid"/>
-                      <a:round/>
-                      <a:headEnd len="med" w="med" type="none"/>
-                      <a:tailEnd len="med" w="med" type="none"/>
+                    <a:lnR w="12700" cap="flat" cmpd="sng" algn="ctr">
+                      <a:noFill/>
+                      <a:prstDash val="solid"/>
+                      <a:round/>
+                      <a:headEnd type="none" w="med" len="med"/>
+                      <a:tailEnd type="none" w="med" len="med"/>
                     </a:lnR>
-                    <a:lnT algn="ctr" cmpd="sng" cap="flat" w="12700">
-                      <a:noFill/>
-                      <a:prstDash val="solid"/>
-                      <a:round/>
-                      <a:headEnd len="med" w="med" type="none"/>
-                      <a:tailEnd len="med" w="med" type="none"/>
+                    <a:lnT w="12700" cap="flat" cmpd="sng" algn="ctr">
+                      <a:noFill/>
+                      <a:prstDash val="solid"/>
+                      <a:round/>
+                      <a:headEnd type="none" w="med" len="med"/>
+                      <a:tailEnd type="none" w="med" len="med"/>
                     </a:lnT>
-                    <a:lnB algn="ctr" cmpd="sng" cap="flat" w="12700">
-                      <a:noFill/>
-                      <a:prstDash val="solid"/>
-                      <a:round/>
-                      <a:headEnd len="med" w="med" type="none"/>
-                      <a:tailEnd len="med" w="med" type="none"/>
+                    <a:lnB w="12700" cap="flat" cmpd="sng" algn="ctr">
+                      <a:noFill/>
+                      <a:prstDash val="solid"/>
+                      <a:round/>
+                      <a:headEnd type="none" w="med" len="med"/>
+                      <a:tailEnd type="none" w="med" len="med"/>
                     </a:lnB>
                     <a:solidFill>
                       <a:srgbClr val="FFFFFF">
@@ -5275,7 +5275,7 @@
                     <a:bodyPr/>
                     <a:lstStyle/>
                     <a:p>
-                      <a:pPr algn="r" indent="0" marR="50800" marL="50800">
+                      <a:pPr marL="50800" marR="50800" indent="0" algn="r">
                         <a:spcBef>
                           <a:spcPts val="100"/>
                         </a:spcBef>
@@ -5312,34 +5312,34 @@
                       </a:r>
                     </a:p>
                   </a:txBody>
-                  <a:tcPr anchor="ctr" marB="0" marT="0" marR="0" marL="0">
-                    <a:lnL algn="ctr" cmpd="sng" cap="flat" w="12700">
-                      <a:noFill/>
-                      <a:prstDash val="solid"/>
-                      <a:round/>
-                      <a:headEnd len="med" w="med" type="none"/>
-                      <a:tailEnd len="med" w="med" type="none"/>
+                  <a:tcPr marL="0" marR="0" marT="0" marB="0" anchor="ctr">
+                    <a:lnL w="12700" cap="flat" cmpd="sng" algn="ctr">
+                      <a:noFill/>
+                      <a:prstDash val="solid"/>
+                      <a:round/>
+                      <a:headEnd type="none" w="med" len="med"/>
+                      <a:tailEnd type="none" w="med" len="med"/>
                     </a:lnL>
-                    <a:lnR algn="ctr" cmpd="sng" cap="flat" w="12700">
-                      <a:noFill/>
-                      <a:prstDash val="solid"/>
-                      <a:round/>
-                      <a:headEnd len="med" w="med" type="none"/>
-                      <a:tailEnd len="med" w="med" type="none"/>
+                    <a:lnR w="12700" cap="flat" cmpd="sng" algn="ctr">
+                      <a:noFill/>
+                      <a:prstDash val="solid"/>
+                      <a:round/>
+                      <a:headEnd type="none" w="med" len="med"/>
+                      <a:tailEnd type="none" w="med" len="med"/>
                     </a:lnR>
-                    <a:lnT algn="ctr" cmpd="sng" cap="flat" w="12700">
-                      <a:noFill/>
-                      <a:prstDash val="solid"/>
-                      <a:round/>
-                      <a:headEnd len="med" w="med" type="none"/>
-                      <a:tailEnd len="med" w="med" type="none"/>
+                    <a:lnT w="12700" cap="flat" cmpd="sng" algn="ctr">
+                      <a:noFill/>
+                      <a:prstDash val="solid"/>
+                      <a:round/>
+                      <a:headEnd type="none" w="med" len="med"/>
+                      <a:tailEnd type="none" w="med" len="med"/>
                     </a:lnT>
-                    <a:lnB algn="ctr" cmpd="sng" cap="flat" w="12700">
-                      <a:noFill/>
-                      <a:prstDash val="solid"/>
-                      <a:round/>
-                      <a:headEnd len="med" w="med" type="none"/>
-                      <a:tailEnd len="med" w="med" type="none"/>
+                    <a:lnB w="12700" cap="flat" cmpd="sng" algn="ctr">
+                      <a:noFill/>
+                      <a:prstDash val="solid"/>
+                      <a:round/>
+                      <a:headEnd type="none" w="med" len="med"/>
+                      <a:tailEnd type="none" w="med" len="med"/>
                     </a:lnB>
                     <a:solidFill>
                       <a:srgbClr val="FFFFFF">
@@ -5353,7 +5353,7 @@
                     <a:bodyPr/>
                     <a:lstStyle/>
                     <a:p>
-                      <a:pPr algn="r" indent="0" marR="50800" marL="50800">
+                      <a:pPr marL="50800" marR="50800" indent="0" algn="r">
                         <a:spcBef>
                           <a:spcPts val="100"/>
                         </a:spcBef>
@@ -5390,34 +5390,34 @@
                       </a:r>
                     </a:p>
                   </a:txBody>
-                  <a:tcPr anchor="ctr" marB="0" marT="0" marR="0" marL="0">
-                    <a:lnL algn="ctr" cmpd="sng" cap="flat" w="12700">
-                      <a:noFill/>
-                      <a:prstDash val="solid"/>
-                      <a:round/>
-                      <a:headEnd len="med" w="med" type="none"/>
-                      <a:tailEnd len="med" w="med" type="none"/>
+                  <a:tcPr marL="0" marR="0" marT="0" marB="0" anchor="ctr">
+                    <a:lnL w="12700" cap="flat" cmpd="sng" algn="ctr">
+                      <a:noFill/>
+                      <a:prstDash val="solid"/>
+                      <a:round/>
+                      <a:headEnd type="none" w="med" len="med"/>
+                      <a:tailEnd type="none" w="med" len="med"/>
                     </a:lnL>
-                    <a:lnR algn="ctr" cmpd="sng" cap="flat" w="12700">
-                      <a:noFill/>
-                      <a:prstDash val="solid"/>
-                      <a:round/>
-                      <a:headEnd len="med" w="med" type="none"/>
-                      <a:tailEnd len="med" w="med" type="none"/>
+                    <a:lnR w="12700" cap="flat" cmpd="sng" algn="ctr">
+                      <a:noFill/>
+                      <a:prstDash val="solid"/>
+                      <a:round/>
+                      <a:headEnd type="none" w="med" len="med"/>
+                      <a:tailEnd type="none" w="med" len="med"/>
                     </a:lnR>
-                    <a:lnT algn="ctr" cmpd="sng" cap="flat" w="12700">
-                      <a:noFill/>
-                      <a:prstDash val="solid"/>
-                      <a:round/>
-                      <a:headEnd len="med" w="med" type="none"/>
-                      <a:tailEnd len="med" w="med" type="none"/>
+                    <a:lnT w="12700" cap="flat" cmpd="sng" algn="ctr">
+                      <a:noFill/>
+                      <a:prstDash val="solid"/>
+                      <a:round/>
+                      <a:headEnd type="none" w="med" len="med"/>
+                      <a:tailEnd type="none" w="med" len="med"/>
                     </a:lnT>
-                    <a:lnB algn="ctr" cmpd="sng" cap="flat" w="12700">
-                      <a:noFill/>
-                      <a:prstDash val="solid"/>
-                      <a:round/>
-                      <a:headEnd len="med" w="med" type="none"/>
-                      <a:tailEnd len="med" w="med" type="none"/>
+                    <a:lnB w="12700" cap="flat" cmpd="sng" algn="ctr">
+                      <a:noFill/>
+                      <a:prstDash val="solid"/>
+                      <a:round/>
+                      <a:headEnd type="none" w="med" len="med"/>
+                      <a:tailEnd type="none" w="med" len="med"/>
                     </a:lnB>
                     <a:solidFill>
                       <a:srgbClr val="FFFFFF">
@@ -5431,7 +5431,7 @@
                     <a:bodyPr/>
                     <a:lstStyle/>
                     <a:p>
-                      <a:pPr algn="r" indent="0" marR="50800" marL="50800">
+                      <a:pPr marL="50800" marR="50800" indent="0" algn="r">
                         <a:spcBef>
                           <a:spcPts val="100"/>
                         </a:spcBef>
@@ -5468,34 +5468,34 @@
                       </a:r>
                     </a:p>
                   </a:txBody>
-                  <a:tcPr anchor="ctr" marB="0" marT="0" marR="0" marL="0">
-                    <a:lnL algn="ctr" cmpd="sng" cap="flat" w="12700">
-                      <a:noFill/>
-                      <a:prstDash val="solid"/>
-                      <a:round/>
-                      <a:headEnd len="med" w="med" type="none"/>
-                      <a:tailEnd len="med" w="med" type="none"/>
+                  <a:tcPr marL="0" marR="0" marT="0" marB="0" anchor="ctr">
+                    <a:lnL w="12700" cap="flat" cmpd="sng" algn="ctr">
+                      <a:noFill/>
+                      <a:prstDash val="solid"/>
+                      <a:round/>
+                      <a:headEnd type="none" w="med" len="med"/>
+                      <a:tailEnd type="none" w="med" len="med"/>
                     </a:lnL>
-                    <a:lnR algn="ctr" cmpd="sng" cap="flat" w="12700">
-                      <a:noFill/>
-                      <a:prstDash val="solid"/>
-                      <a:round/>
-                      <a:headEnd len="med" w="med" type="none"/>
-                      <a:tailEnd len="med" w="med" type="none"/>
+                    <a:lnR w="12700" cap="flat" cmpd="sng" algn="ctr">
+                      <a:noFill/>
+                      <a:prstDash val="solid"/>
+                      <a:round/>
+                      <a:headEnd type="none" w="med" len="med"/>
+                      <a:tailEnd type="none" w="med" len="med"/>
                     </a:lnR>
-                    <a:lnT algn="ctr" cmpd="sng" cap="flat" w="12700">
-                      <a:noFill/>
-                      <a:prstDash val="solid"/>
-                      <a:round/>
-                      <a:headEnd len="med" w="med" type="none"/>
-                      <a:tailEnd len="med" w="med" type="none"/>
+                    <a:lnT w="12700" cap="flat" cmpd="sng" algn="ctr">
+                      <a:noFill/>
+                      <a:prstDash val="solid"/>
+                      <a:round/>
+                      <a:headEnd type="none" w="med" len="med"/>
+                      <a:tailEnd type="none" w="med" len="med"/>
                     </a:lnT>
-                    <a:lnB algn="ctr" cmpd="sng" cap="flat" w="12700">
-                      <a:noFill/>
-                      <a:prstDash val="solid"/>
-                      <a:round/>
-                      <a:headEnd len="med" w="med" type="none"/>
-                      <a:tailEnd len="med" w="med" type="none"/>
+                    <a:lnB w="12700" cap="flat" cmpd="sng" algn="ctr">
+                      <a:noFill/>
+                      <a:prstDash val="solid"/>
+                      <a:round/>
+                      <a:headEnd type="none" w="med" len="med"/>
+                      <a:tailEnd type="none" w="med" len="med"/>
                     </a:lnB>
                     <a:solidFill>
                       <a:srgbClr val="FFFFFF">
@@ -5509,7 +5509,7 @@
                     <a:bodyPr/>
                     <a:lstStyle/>
                     <a:p>
-                      <a:pPr algn="r" indent="0" marR="50800" marL="50800">
+                      <a:pPr marL="50800" marR="50800" indent="0" algn="r">
                         <a:spcBef>
                           <a:spcPts val="100"/>
                         </a:spcBef>
@@ -5546,34 +5546,34 @@
                       </a:r>
                     </a:p>
                   </a:txBody>
-                  <a:tcPr anchor="ctr" marB="0" marT="0" marR="0" marL="0">
-                    <a:lnL algn="ctr" cmpd="sng" cap="flat" w="12700">
-                      <a:noFill/>
-                      <a:prstDash val="solid"/>
-                      <a:round/>
-                      <a:headEnd len="med" w="med" type="none"/>
-                      <a:tailEnd len="med" w="med" type="none"/>
+                  <a:tcPr marL="0" marR="0" marT="0" marB="0" anchor="ctr">
+                    <a:lnL w="12700" cap="flat" cmpd="sng" algn="ctr">
+                      <a:noFill/>
+                      <a:prstDash val="solid"/>
+                      <a:round/>
+                      <a:headEnd type="none" w="med" len="med"/>
+                      <a:tailEnd type="none" w="med" len="med"/>
                     </a:lnL>
-                    <a:lnR algn="ctr" cmpd="sng" cap="flat" w="12700">
-                      <a:noFill/>
-                      <a:prstDash val="solid"/>
-                      <a:round/>
-                      <a:headEnd len="med" w="med" type="none"/>
-                      <a:tailEnd len="med" w="med" type="none"/>
+                    <a:lnR w="12700" cap="flat" cmpd="sng" algn="ctr">
+                      <a:noFill/>
+                      <a:prstDash val="solid"/>
+                      <a:round/>
+                      <a:headEnd type="none" w="med" len="med"/>
+                      <a:tailEnd type="none" w="med" len="med"/>
                     </a:lnR>
-                    <a:lnT algn="ctr" cmpd="sng" cap="flat" w="12700">
-                      <a:noFill/>
-                      <a:prstDash val="solid"/>
-                      <a:round/>
-                      <a:headEnd len="med" w="med" type="none"/>
-                      <a:tailEnd len="med" w="med" type="none"/>
+                    <a:lnT w="12700" cap="flat" cmpd="sng" algn="ctr">
+                      <a:noFill/>
+                      <a:prstDash val="solid"/>
+                      <a:round/>
+                      <a:headEnd type="none" w="med" len="med"/>
+                      <a:tailEnd type="none" w="med" len="med"/>
                     </a:lnT>
-                    <a:lnB algn="ctr" cmpd="sng" cap="flat" w="12700">
-                      <a:noFill/>
-                      <a:prstDash val="solid"/>
-                      <a:round/>
-                      <a:headEnd len="med" w="med" type="none"/>
-                      <a:tailEnd len="med" w="med" type="none"/>
+                    <a:lnB w="12700" cap="flat" cmpd="sng" algn="ctr">
+                      <a:noFill/>
+                      <a:prstDash val="solid"/>
+                      <a:round/>
+                      <a:headEnd type="none" w="med" len="med"/>
+                      <a:tailEnd type="none" w="med" len="med"/>
                     </a:lnB>
                     <a:solidFill>
                       <a:srgbClr val="FFFFFF">
@@ -5589,7 +5589,7 @@
                     <a:bodyPr/>
                     <a:lstStyle/>
                     <a:p>
-                      <a:pPr algn="r" indent="0" marR="50800" marL="50800">
+                      <a:pPr marL="50800" marR="50800" indent="0" algn="r">
                         <a:spcBef>
                           <a:spcPts val="100"/>
                         </a:spcBef>
@@ -5626,34 +5626,34 @@
                       </a:r>
                     </a:p>
                   </a:txBody>
-                  <a:tcPr anchor="ctr" marB="0" marT="0" marR="0" marL="0">
-                    <a:lnL algn="ctr" cmpd="sng" cap="flat" w="12700">
-                      <a:noFill/>
-                      <a:prstDash val="solid"/>
-                      <a:round/>
-                      <a:headEnd len="med" w="med" type="none"/>
-                      <a:tailEnd len="med" w="med" type="none"/>
+                  <a:tcPr marL="0" marR="0" marT="0" marB="0" anchor="ctr">
+                    <a:lnL w="12700" cap="flat" cmpd="sng" algn="ctr">
+                      <a:noFill/>
+                      <a:prstDash val="solid"/>
+                      <a:round/>
+                      <a:headEnd type="none" w="med" len="med"/>
+                      <a:tailEnd type="none" w="med" len="med"/>
                     </a:lnL>
-                    <a:lnR algn="ctr" cmpd="sng" cap="flat" w="12700">
-                      <a:noFill/>
-                      <a:prstDash val="solid"/>
-                      <a:round/>
-                      <a:headEnd len="med" w="med" type="none"/>
-                      <a:tailEnd len="med" w="med" type="none"/>
+                    <a:lnR w="12700" cap="flat" cmpd="sng" algn="ctr">
+                      <a:noFill/>
+                      <a:prstDash val="solid"/>
+                      <a:round/>
+                      <a:headEnd type="none" w="med" len="med"/>
+                      <a:tailEnd type="none" w="med" len="med"/>
                     </a:lnR>
-                    <a:lnT algn="ctr" cmpd="sng" cap="flat" w="12700">
-                      <a:noFill/>
-                      <a:prstDash val="solid"/>
-                      <a:round/>
-                      <a:headEnd len="med" w="med" type="none"/>
-                      <a:tailEnd len="med" w="med" type="none"/>
+                    <a:lnT w="12700" cap="flat" cmpd="sng" algn="ctr">
+                      <a:noFill/>
+                      <a:prstDash val="solid"/>
+                      <a:round/>
+                      <a:headEnd type="none" w="med" len="med"/>
+                      <a:tailEnd type="none" w="med" len="med"/>
                     </a:lnT>
-                    <a:lnB algn="ctr" cmpd="sng" cap="flat" w="12700">
-                      <a:noFill/>
-                      <a:prstDash val="solid"/>
-                      <a:round/>
-                      <a:headEnd len="med" w="med" type="none"/>
-                      <a:tailEnd len="med" w="med" type="none"/>
+                    <a:lnB w="12700" cap="flat" cmpd="sng" algn="ctr">
+                      <a:noFill/>
+                      <a:prstDash val="solid"/>
+                      <a:round/>
+                      <a:headEnd type="none" w="med" len="med"/>
+                      <a:tailEnd type="none" w="med" len="med"/>
                     </a:lnB>
                     <a:solidFill>
                       <a:srgbClr val="FFFFFF">
@@ -5667,7 +5667,7 @@
                     <a:bodyPr/>
                     <a:lstStyle/>
                     <a:p>
-                      <a:pPr algn="r" indent="0" marR="50800" marL="50800">
+                      <a:pPr marL="50800" marR="50800" indent="0" algn="r">
                         <a:spcBef>
                           <a:spcPts val="100"/>
                         </a:spcBef>
@@ -5704,34 +5704,34 @@
                       </a:r>
                     </a:p>
                   </a:txBody>
-                  <a:tcPr anchor="ctr" marB="0" marT="0" marR="0" marL="0">
-                    <a:lnL algn="ctr" cmpd="sng" cap="flat" w="12700">
-                      <a:noFill/>
-                      <a:prstDash val="solid"/>
-                      <a:round/>
-                      <a:headEnd len="med" w="med" type="none"/>
-                      <a:tailEnd len="med" w="med" type="none"/>
+                  <a:tcPr marL="0" marR="0" marT="0" marB="0" anchor="ctr">
+                    <a:lnL w="12700" cap="flat" cmpd="sng" algn="ctr">
+                      <a:noFill/>
+                      <a:prstDash val="solid"/>
+                      <a:round/>
+                      <a:headEnd type="none" w="med" len="med"/>
+                      <a:tailEnd type="none" w="med" len="med"/>
                     </a:lnL>
-                    <a:lnR algn="ctr" cmpd="sng" cap="flat" w="12700">
-                      <a:noFill/>
-                      <a:prstDash val="solid"/>
-                      <a:round/>
-                      <a:headEnd len="med" w="med" type="none"/>
-                      <a:tailEnd len="med" w="med" type="none"/>
+                    <a:lnR w="12700" cap="flat" cmpd="sng" algn="ctr">
+                      <a:noFill/>
+                      <a:prstDash val="solid"/>
+                      <a:round/>
+                      <a:headEnd type="none" w="med" len="med"/>
+                      <a:tailEnd type="none" w="med" len="med"/>
                     </a:lnR>
-                    <a:lnT algn="ctr" cmpd="sng" cap="flat" w="12700">
-                      <a:noFill/>
-                      <a:prstDash val="solid"/>
-                      <a:round/>
-                      <a:headEnd len="med" w="med" type="none"/>
-                      <a:tailEnd len="med" w="med" type="none"/>
+                    <a:lnT w="12700" cap="flat" cmpd="sng" algn="ctr">
+                      <a:noFill/>
+                      <a:prstDash val="solid"/>
+                      <a:round/>
+                      <a:headEnd type="none" w="med" len="med"/>
+                      <a:tailEnd type="none" w="med" len="med"/>
                     </a:lnT>
-                    <a:lnB algn="ctr" cmpd="sng" cap="flat" w="12700">
-                      <a:noFill/>
-                      <a:prstDash val="solid"/>
-                      <a:round/>
-                      <a:headEnd len="med" w="med" type="none"/>
-                      <a:tailEnd len="med" w="med" type="none"/>
+                    <a:lnB w="12700" cap="flat" cmpd="sng" algn="ctr">
+                      <a:noFill/>
+                      <a:prstDash val="solid"/>
+                      <a:round/>
+                      <a:headEnd type="none" w="med" len="med"/>
+                      <a:tailEnd type="none" w="med" len="med"/>
                     </a:lnB>
                     <a:solidFill>
                       <a:srgbClr val="FFFFFF">
@@ -5745,7 +5745,7 @@
                     <a:bodyPr/>
                     <a:lstStyle/>
                     <a:p>
-                      <a:pPr algn="r" indent="0" marR="50800" marL="50800">
+                      <a:pPr marL="50800" marR="50800" indent="0" algn="r">
                         <a:spcBef>
                           <a:spcPts val="100"/>
                         </a:spcBef>
@@ -5782,34 +5782,34 @@
                       </a:r>
                     </a:p>
                   </a:txBody>
-                  <a:tcPr anchor="ctr" marB="0" marT="0" marR="0" marL="0">
-                    <a:lnL algn="ctr" cmpd="sng" cap="flat" w="12700">
-                      <a:noFill/>
-                      <a:prstDash val="solid"/>
-                      <a:round/>
-                      <a:headEnd len="med" w="med" type="none"/>
-                      <a:tailEnd len="med" w="med" type="none"/>
+                  <a:tcPr marL="0" marR="0" marT="0" marB="0" anchor="ctr">
+                    <a:lnL w="12700" cap="flat" cmpd="sng" algn="ctr">
+                      <a:noFill/>
+                      <a:prstDash val="solid"/>
+                      <a:round/>
+                      <a:headEnd type="none" w="med" len="med"/>
+                      <a:tailEnd type="none" w="med" len="med"/>
                     </a:lnL>
-                    <a:lnR algn="ctr" cmpd="sng" cap="flat" w="12700">
-                      <a:noFill/>
-                      <a:prstDash val="solid"/>
-                      <a:round/>
-                      <a:headEnd len="med" w="med" type="none"/>
-                      <a:tailEnd len="med" w="med" type="none"/>
+                    <a:lnR w="12700" cap="flat" cmpd="sng" algn="ctr">
+                      <a:noFill/>
+                      <a:prstDash val="solid"/>
+                      <a:round/>
+                      <a:headEnd type="none" w="med" len="med"/>
+                      <a:tailEnd type="none" w="med" len="med"/>
                     </a:lnR>
-                    <a:lnT algn="ctr" cmpd="sng" cap="flat" w="12700">
-                      <a:noFill/>
-                      <a:prstDash val="solid"/>
-                      <a:round/>
-                      <a:headEnd len="med" w="med" type="none"/>
-                      <a:tailEnd len="med" w="med" type="none"/>
+                    <a:lnT w="12700" cap="flat" cmpd="sng" algn="ctr">
+                      <a:noFill/>
+                      <a:prstDash val="solid"/>
+                      <a:round/>
+                      <a:headEnd type="none" w="med" len="med"/>
+                      <a:tailEnd type="none" w="med" len="med"/>
                     </a:lnT>
-                    <a:lnB algn="ctr" cmpd="sng" cap="flat" w="12700">
-                      <a:noFill/>
-                      <a:prstDash val="solid"/>
-                      <a:round/>
-                      <a:headEnd len="med" w="med" type="none"/>
-                      <a:tailEnd len="med" w="med" type="none"/>
+                    <a:lnB w="12700" cap="flat" cmpd="sng" algn="ctr">
+                      <a:noFill/>
+                      <a:prstDash val="solid"/>
+                      <a:round/>
+                      <a:headEnd type="none" w="med" len="med"/>
+                      <a:tailEnd type="none" w="med" len="med"/>
                     </a:lnB>
                     <a:solidFill>
                       <a:srgbClr val="FFFFFF">
@@ -5823,7 +5823,7 @@
                     <a:bodyPr/>
                     <a:lstStyle/>
                     <a:p>
-                      <a:pPr algn="r" indent="0" marR="50800" marL="50800">
+                      <a:pPr marL="50800" marR="50800" indent="0" algn="r">
                         <a:spcBef>
                           <a:spcPts val="100"/>
                         </a:spcBef>
@@ -5860,34 +5860,34 @@
                       </a:r>
                     </a:p>
                   </a:txBody>
-                  <a:tcPr anchor="ctr" marB="0" marT="0" marR="0" marL="0">
-                    <a:lnL algn="ctr" cmpd="sng" cap="flat" w="12700">
-                      <a:noFill/>
-                      <a:prstDash val="solid"/>
-                      <a:round/>
-                      <a:headEnd len="med" w="med" type="none"/>
-                      <a:tailEnd len="med" w="med" type="none"/>
+                  <a:tcPr marL="0" marR="0" marT="0" marB="0" anchor="ctr">
+                    <a:lnL w="12700" cap="flat" cmpd="sng" algn="ctr">
+                      <a:noFill/>
+                      <a:prstDash val="solid"/>
+                      <a:round/>
+                      <a:headEnd type="none" w="med" len="med"/>
+                      <a:tailEnd type="none" w="med" len="med"/>
                     </a:lnL>
-                    <a:lnR algn="ctr" cmpd="sng" cap="flat" w="12700">
-                      <a:noFill/>
-                      <a:prstDash val="solid"/>
-                      <a:round/>
-                      <a:headEnd len="med" w="med" type="none"/>
-                      <a:tailEnd len="med" w="med" type="none"/>
+                    <a:lnR w="12700" cap="flat" cmpd="sng" algn="ctr">
+                      <a:noFill/>
+                      <a:prstDash val="solid"/>
+                      <a:round/>
+                      <a:headEnd type="none" w="med" len="med"/>
+                      <a:tailEnd type="none" w="med" len="med"/>
                     </a:lnR>
-                    <a:lnT algn="ctr" cmpd="sng" cap="flat" w="12700">
-                      <a:noFill/>
-                      <a:prstDash val="solid"/>
-                      <a:round/>
-                      <a:headEnd len="med" w="med" type="none"/>
-                      <a:tailEnd len="med" w="med" type="none"/>
+                    <a:lnT w="12700" cap="flat" cmpd="sng" algn="ctr">
+                      <a:noFill/>
+                      <a:prstDash val="solid"/>
+                      <a:round/>
+                      <a:headEnd type="none" w="med" len="med"/>
+                      <a:tailEnd type="none" w="med" len="med"/>
                     </a:lnT>
-                    <a:lnB algn="ctr" cmpd="sng" cap="flat" w="12700">
-                      <a:noFill/>
-                      <a:prstDash val="solid"/>
-                      <a:round/>
-                      <a:headEnd len="med" w="med" type="none"/>
-                      <a:tailEnd len="med" w="med" type="none"/>
+                    <a:lnB w="12700" cap="flat" cmpd="sng" algn="ctr">
+                      <a:noFill/>
+                      <a:prstDash val="solid"/>
+                      <a:round/>
+                      <a:headEnd type="none" w="med" len="med"/>
+                      <a:tailEnd type="none" w="med" len="med"/>
                     </a:lnB>
                     <a:solidFill>
                       <a:srgbClr val="FFFFFF">
@@ -5901,7 +5901,7 @@
                     <a:bodyPr/>
                     <a:lstStyle/>
                     <a:p>
-                      <a:pPr algn="r" indent="0" marR="50800" marL="50800">
+                      <a:pPr marL="50800" marR="50800" indent="0" algn="r">
                         <a:spcBef>
                           <a:spcPts val="100"/>
                         </a:spcBef>
@@ -5938,34 +5938,34 @@
                       </a:r>
                     </a:p>
                   </a:txBody>
-                  <a:tcPr anchor="ctr" marB="0" marT="0" marR="0" marL="0">
-                    <a:lnL algn="ctr" cmpd="sng" cap="flat" w="12700">
-                      <a:noFill/>
-                      <a:prstDash val="solid"/>
-                      <a:round/>
-                      <a:headEnd len="med" w="med" type="none"/>
-                      <a:tailEnd len="med" w="med" type="none"/>
+                  <a:tcPr marL="0" marR="0" marT="0" marB="0" anchor="ctr">
+                    <a:lnL w="12700" cap="flat" cmpd="sng" algn="ctr">
+                      <a:noFill/>
+                      <a:prstDash val="solid"/>
+                      <a:round/>
+                      <a:headEnd type="none" w="med" len="med"/>
+                      <a:tailEnd type="none" w="med" len="med"/>
                     </a:lnL>
-                    <a:lnR algn="ctr" cmpd="sng" cap="flat" w="12700">
-                      <a:noFill/>
-                      <a:prstDash val="solid"/>
-                      <a:round/>
-                      <a:headEnd len="med" w="med" type="none"/>
-                      <a:tailEnd len="med" w="med" type="none"/>
+                    <a:lnR w="12700" cap="flat" cmpd="sng" algn="ctr">
+                      <a:noFill/>
+                      <a:prstDash val="solid"/>
+                      <a:round/>
+                      <a:headEnd type="none" w="med" len="med"/>
+                      <a:tailEnd type="none" w="med" len="med"/>
                     </a:lnR>
-                    <a:lnT algn="ctr" cmpd="sng" cap="flat" w="12700">
-                      <a:noFill/>
-                      <a:prstDash val="solid"/>
-                      <a:round/>
-                      <a:headEnd len="med" w="med" type="none"/>
-                      <a:tailEnd len="med" w="med" type="none"/>
+                    <a:lnT w="12700" cap="flat" cmpd="sng" algn="ctr">
+                      <a:noFill/>
+                      <a:prstDash val="solid"/>
+                      <a:round/>
+                      <a:headEnd type="none" w="med" len="med"/>
+                      <a:tailEnd type="none" w="med" len="med"/>
                     </a:lnT>
-                    <a:lnB algn="ctr" cmpd="sng" cap="flat" w="12700">
-                      <a:noFill/>
-                      <a:prstDash val="solid"/>
-                      <a:round/>
-                      <a:headEnd len="med" w="med" type="none"/>
-                      <a:tailEnd len="med" w="med" type="none"/>
+                    <a:lnB w="12700" cap="flat" cmpd="sng" algn="ctr">
+                      <a:noFill/>
+                      <a:prstDash val="solid"/>
+                      <a:round/>
+                      <a:headEnd type="none" w="med" len="med"/>
+                      <a:tailEnd type="none" w="med" len="med"/>
                     </a:lnB>
                     <a:solidFill>
                       <a:srgbClr val="FFFFFF">
@@ -5979,7 +5979,7 @@
                     <a:bodyPr/>
                     <a:lstStyle/>
                     <a:p>
-                      <a:pPr algn="r" indent="0" marR="50800" marL="50800">
+                      <a:pPr marL="50800" marR="50800" indent="0" algn="r">
                         <a:spcBef>
                           <a:spcPts val="100"/>
                         </a:spcBef>
@@ -6016,34 +6016,34 @@
                       </a:r>
                     </a:p>
                   </a:txBody>
-                  <a:tcPr anchor="ctr" marB="0" marT="0" marR="0" marL="0">
-                    <a:lnL algn="ctr" cmpd="sng" cap="flat" w="12700">
-                      <a:noFill/>
-                      <a:prstDash val="solid"/>
-                      <a:round/>
-                      <a:headEnd len="med" w="med" type="none"/>
-                      <a:tailEnd len="med" w="med" type="none"/>
+                  <a:tcPr marL="0" marR="0" marT="0" marB="0" anchor="ctr">
+                    <a:lnL w="12700" cap="flat" cmpd="sng" algn="ctr">
+                      <a:noFill/>
+                      <a:prstDash val="solid"/>
+                      <a:round/>
+                      <a:headEnd type="none" w="med" len="med"/>
+                      <a:tailEnd type="none" w="med" len="med"/>
                     </a:lnL>
-                    <a:lnR algn="ctr" cmpd="sng" cap="flat" w="12700">
-                      <a:noFill/>
-                      <a:prstDash val="solid"/>
-                      <a:round/>
-                      <a:headEnd len="med" w="med" type="none"/>
-                      <a:tailEnd len="med" w="med" type="none"/>
+                    <a:lnR w="12700" cap="flat" cmpd="sng" algn="ctr">
+                      <a:noFill/>
+                      <a:prstDash val="solid"/>
+                      <a:round/>
+                      <a:headEnd type="none" w="med" len="med"/>
+                      <a:tailEnd type="none" w="med" len="med"/>
                     </a:lnR>
-                    <a:lnT algn="ctr" cmpd="sng" cap="flat" w="12700">
-                      <a:noFill/>
-                      <a:prstDash val="solid"/>
-                      <a:round/>
-                      <a:headEnd len="med" w="med" type="none"/>
-                      <a:tailEnd len="med" w="med" type="none"/>
+                    <a:lnT w="12700" cap="flat" cmpd="sng" algn="ctr">
+                      <a:noFill/>
+                      <a:prstDash val="solid"/>
+                      <a:round/>
+                      <a:headEnd type="none" w="med" len="med"/>
+                      <a:tailEnd type="none" w="med" len="med"/>
                     </a:lnT>
-                    <a:lnB algn="ctr" cmpd="sng" cap="flat" w="12700">
-                      <a:noFill/>
-                      <a:prstDash val="solid"/>
-                      <a:round/>
-                      <a:headEnd len="med" w="med" type="none"/>
-                      <a:tailEnd len="med" w="med" type="none"/>
+                    <a:lnB w="12700" cap="flat" cmpd="sng" algn="ctr">
+                      <a:noFill/>
+                      <a:prstDash val="solid"/>
+                      <a:round/>
+                      <a:headEnd type="none" w="med" len="med"/>
+                      <a:tailEnd type="none" w="med" len="med"/>
                     </a:lnB>
                     <a:solidFill>
                       <a:srgbClr val="FFFFFF">
@@ -6059,7 +6059,7 @@
                     <a:bodyPr/>
                     <a:lstStyle/>
                     <a:p>
-                      <a:pPr algn="r" indent="0" marR="50800" marL="50800">
+                      <a:pPr marL="50800" marR="50800" indent="0" algn="r">
                         <a:spcBef>
                           <a:spcPts val="100"/>
                         </a:spcBef>
@@ -6096,34 +6096,34 @@
                       </a:r>
                     </a:p>
                   </a:txBody>
-                  <a:tcPr anchor="ctr" marB="0" marT="0" marR="0" marL="0">
-                    <a:lnL algn="ctr" cmpd="sng" cap="flat" w="12700">
-                      <a:noFill/>
-                      <a:prstDash val="solid"/>
-                      <a:round/>
-                      <a:headEnd len="med" w="med" type="none"/>
-                      <a:tailEnd len="med" w="med" type="none"/>
+                  <a:tcPr marL="0" marR="0" marT="0" marB="0" anchor="ctr">
+                    <a:lnL w="12700" cap="flat" cmpd="sng" algn="ctr">
+                      <a:noFill/>
+                      <a:prstDash val="solid"/>
+                      <a:round/>
+                      <a:headEnd type="none" w="med" len="med"/>
+                      <a:tailEnd type="none" w="med" len="med"/>
                     </a:lnL>
-                    <a:lnR algn="ctr" cmpd="sng" cap="flat" w="12700">
-                      <a:noFill/>
-                      <a:prstDash val="solid"/>
-                      <a:round/>
-                      <a:headEnd len="med" w="med" type="none"/>
-                      <a:tailEnd len="med" w="med" type="none"/>
+                    <a:lnR w="12700" cap="flat" cmpd="sng" algn="ctr">
+                      <a:noFill/>
+                      <a:prstDash val="solid"/>
+                      <a:round/>
+                      <a:headEnd type="none" w="med" len="med"/>
+                      <a:tailEnd type="none" w="med" len="med"/>
                     </a:lnR>
-                    <a:lnT algn="ctr" cmpd="sng" cap="flat" w="12700">
-                      <a:noFill/>
-                      <a:prstDash val="solid"/>
-                      <a:round/>
-                      <a:headEnd len="med" w="med" type="none"/>
-                      <a:tailEnd len="med" w="med" type="none"/>
+                    <a:lnT w="12700" cap="flat" cmpd="sng" algn="ctr">
+                      <a:noFill/>
+                      <a:prstDash val="solid"/>
+                      <a:round/>
+                      <a:headEnd type="none" w="med" len="med"/>
+                      <a:tailEnd type="none" w="med" len="med"/>
                     </a:lnT>
-                    <a:lnB algn="ctr" cmpd="sng" cap="flat" w="12700">
-                      <a:noFill/>
-                      <a:prstDash val="solid"/>
-                      <a:round/>
-                      <a:headEnd len="med" w="med" type="none"/>
-                      <a:tailEnd len="med" w="med" type="none"/>
+                    <a:lnB w="12700" cap="flat" cmpd="sng" algn="ctr">
+                      <a:noFill/>
+                      <a:prstDash val="solid"/>
+                      <a:round/>
+                      <a:headEnd type="none" w="med" len="med"/>
+                      <a:tailEnd type="none" w="med" len="med"/>
                     </a:lnB>
                     <a:solidFill>
                       <a:srgbClr val="FFFFFF">
@@ -6137,7 +6137,7 @@
                     <a:bodyPr/>
                     <a:lstStyle/>
                     <a:p>
-                      <a:pPr algn="r" indent="0" marR="50800" marL="50800">
+                      <a:pPr marL="50800" marR="50800" indent="0" algn="r">
                         <a:spcBef>
                           <a:spcPts val="100"/>
                         </a:spcBef>
@@ -6174,34 +6174,34 @@
                       </a:r>
                     </a:p>
                   </a:txBody>
-                  <a:tcPr anchor="ctr" marB="0" marT="0" marR="0" marL="0">
-                    <a:lnL algn="ctr" cmpd="sng" cap="flat" w="12700">
-                      <a:noFill/>
-                      <a:prstDash val="solid"/>
-                      <a:round/>
-                      <a:headEnd len="med" w="med" type="none"/>
-                      <a:tailEnd len="med" w="med" type="none"/>
+                  <a:tcPr marL="0" marR="0" marT="0" marB="0" anchor="ctr">
+                    <a:lnL w="12700" cap="flat" cmpd="sng" algn="ctr">
+                      <a:noFill/>
+                      <a:prstDash val="solid"/>
+                      <a:round/>
+                      <a:headEnd type="none" w="med" len="med"/>
+                      <a:tailEnd type="none" w="med" len="med"/>
                     </a:lnL>
-                    <a:lnR algn="ctr" cmpd="sng" cap="flat" w="12700">
-                      <a:noFill/>
-                      <a:prstDash val="solid"/>
-                      <a:round/>
-                      <a:headEnd len="med" w="med" type="none"/>
-                      <a:tailEnd len="med" w="med" type="none"/>
+                    <a:lnR w="12700" cap="flat" cmpd="sng" algn="ctr">
+                      <a:noFill/>
+                      <a:prstDash val="solid"/>
+                      <a:round/>
+                      <a:headEnd type="none" w="med" len="med"/>
+                      <a:tailEnd type="none" w="med" len="med"/>
                     </a:lnR>
-                    <a:lnT algn="ctr" cmpd="sng" cap="flat" w="12700">
-                      <a:noFill/>
-                      <a:prstDash val="solid"/>
-                      <a:round/>
-                      <a:headEnd len="med" w="med" type="none"/>
-                      <a:tailEnd len="med" w="med" type="none"/>
+                    <a:lnT w="12700" cap="flat" cmpd="sng" algn="ctr">
+                      <a:noFill/>
+                      <a:prstDash val="solid"/>
+                      <a:round/>
+                      <a:headEnd type="none" w="med" len="med"/>
+                      <a:tailEnd type="none" w="med" len="med"/>
                     </a:lnT>
-                    <a:lnB algn="ctr" cmpd="sng" cap="flat" w="12700">
-                      <a:noFill/>
-                      <a:prstDash val="solid"/>
-                      <a:round/>
-                      <a:headEnd len="med" w="med" type="none"/>
-                      <a:tailEnd len="med" w="med" type="none"/>
+                    <a:lnB w="12700" cap="flat" cmpd="sng" algn="ctr">
+                      <a:noFill/>
+                      <a:prstDash val="solid"/>
+                      <a:round/>
+                      <a:headEnd type="none" w="med" len="med"/>
+                      <a:tailEnd type="none" w="med" len="med"/>
                     </a:lnB>
                     <a:solidFill>
                       <a:srgbClr val="FFFFFF">
@@ -6215,7 +6215,7 @@
                     <a:bodyPr/>
                     <a:lstStyle/>
                     <a:p>
-                      <a:pPr algn="r" indent="0" marR="50800" marL="50800">
+                      <a:pPr marL="50800" marR="50800" indent="0" algn="r">
                         <a:spcBef>
                           <a:spcPts val="100"/>
                         </a:spcBef>
@@ -6252,34 +6252,34 @@
                       </a:r>
                     </a:p>
                   </a:txBody>
-                  <a:tcPr anchor="ctr" marB="0" marT="0" marR="0" marL="0">
-                    <a:lnL algn="ctr" cmpd="sng" cap="flat" w="12700">
-                      <a:noFill/>
-                      <a:prstDash val="solid"/>
-                      <a:round/>
-                      <a:headEnd len="med" w="med" type="none"/>
-                      <a:tailEnd len="med" w="med" type="none"/>
+                  <a:tcPr marL="0" marR="0" marT="0" marB="0" anchor="ctr">
+                    <a:lnL w="12700" cap="flat" cmpd="sng" algn="ctr">
+                      <a:noFill/>
+                      <a:prstDash val="solid"/>
+                      <a:round/>
+                      <a:headEnd type="none" w="med" len="med"/>
+                      <a:tailEnd type="none" w="med" len="med"/>
                     </a:lnL>
-                    <a:lnR algn="ctr" cmpd="sng" cap="flat" w="12700">
-                      <a:noFill/>
-                      <a:prstDash val="solid"/>
-                      <a:round/>
-                      <a:headEnd len="med" w="med" type="none"/>
-                      <a:tailEnd len="med" w="med" type="none"/>
+                    <a:lnR w="12700" cap="flat" cmpd="sng" algn="ctr">
+                      <a:noFill/>
+                      <a:prstDash val="solid"/>
+                      <a:round/>
+                      <a:headEnd type="none" w="med" len="med"/>
+                      <a:tailEnd type="none" w="med" len="med"/>
                     </a:lnR>
-                    <a:lnT algn="ctr" cmpd="sng" cap="flat" w="12700">
-                      <a:noFill/>
-                      <a:prstDash val="solid"/>
-                      <a:round/>
-                      <a:headEnd len="med" w="med" type="none"/>
-                      <a:tailEnd len="med" w="med" type="none"/>
+                    <a:lnT w="12700" cap="flat" cmpd="sng" algn="ctr">
+                      <a:noFill/>
+                      <a:prstDash val="solid"/>
+                      <a:round/>
+                      <a:headEnd type="none" w="med" len="med"/>
+                      <a:tailEnd type="none" w="med" len="med"/>
                     </a:lnT>
-                    <a:lnB algn="ctr" cmpd="sng" cap="flat" w="12700">
-                      <a:noFill/>
-                      <a:prstDash val="solid"/>
-                      <a:round/>
-                      <a:headEnd len="med" w="med" type="none"/>
-                      <a:tailEnd len="med" w="med" type="none"/>
+                    <a:lnB w="12700" cap="flat" cmpd="sng" algn="ctr">
+                      <a:noFill/>
+                      <a:prstDash val="solid"/>
+                      <a:round/>
+                      <a:headEnd type="none" w="med" len="med"/>
+                      <a:tailEnd type="none" w="med" len="med"/>
                     </a:lnB>
                     <a:solidFill>
                       <a:srgbClr val="FFFFFF">
@@ -6293,7 +6293,7 @@
                     <a:bodyPr/>
                     <a:lstStyle/>
                     <a:p>
-                      <a:pPr algn="r" indent="0" marR="50800" marL="50800">
+                      <a:pPr marL="50800" marR="50800" indent="0" algn="r">
                         <a:spcBef>
                           <a:spcPts val="100"/>
                         </a:spcBef>
@@ -6330,34 +6330,34 @@
                       </a:r>
                     </a:p>
                   </a:txBody>
-                  <a:tcPr anchor="ctr" marB="0" marT="0" marR="0" marL="0">
-                    <a:lnL algn="ctr" cmpd="sng" cap="flat" w="12700">
-                      <a:noFill/>
-                      <a:prstDash val="solid"/>
-                      <a:round/>
-                      <a:headEnd len="med" w="med" type="none"/>
-                      <a:tailEnd len="med" w="med" type="none"/>
+                  <a:tcPr marL="0" marR="0" marT="0" marB="0" anchor="ctr">
+                    <a:lnL w="12700" cap="flat" cmpd="sng" algn="ctr">
+                      <a:noFill/>
+                      <a:prstDash val="solid"/>
+                      <a:round/>
+                      <a:headEnd type="none" w="med" len="med"/>
+                      <a:tailEnd type="none" w="med" len="med"/>
                     </a:lnL>
-                    <a:lnR algn="ctr" cmpd="sng" cap="flat" w="12700">
-                      <a:noFill/>
-                      <a:prstDash val="solid"/>
-                      <a:round/>
-                      <a:headEnd len="med" w="med" type="none"/>
-                      <a:tailEnd len="med" w="med" type="none"/>
+                    <a:lnR w="12700" cap="flat" cmpd="sng" algn="ctr">
+                      <a:noFill/>
+                      <a:prstDash val="solid"/>
+                      <a:round/>
+                      <a:headEnd type="none" w="med" len="med"/>
+                      <a:tailEnd type="none" w="med" len="med"/>
                     </a:lnR>
-                    <a:lnT algn="ctr" cmpd="sng" cap="flat" w="12700">
-                      <a:noFill/>
-                      <a:prstDash val="solid"/>
-                      <a:round/>
-                      <a:headEnd len="med" w="med" type="none"/>
-                      <a:tailEnd len="med" w="med" type="none"/>
+                    <a:lnT w="12700" cap="flat" cmpd="sng" algn="ctr">
+                      <a:noFill/>
+                      <a:prstDash val="solid"/>
+                      <a:round/>
+                      <a:headEnd type="none" w="med" len="med"/>
+                      <a:tailEnd type="none" w="med" len="med"/>
                     </a:lnT>
-                    <a:lnB algn="ctr" cmpd="sng" cap="flat" w="12700">
-                      <a:noFill/>
-                      <a:prstDash val="solid"/>
-                      <a:round/>
-                      <a:headEnd len="med" w="med" type="none"/>
-                      <a:tailEnd len="med" w="med" type="none"/>
+                    <a:lnB w="12700" cap="flat" cmpd="sng" algn="ctr">
+                      <a:noFill/>
+                      <a:prstDash val="solid"/>
+                      <a:round/>
+                      <a:headEnd type="none" w="med" len="med"/>
+                      <a:tailEnd type="none" w="med" len="med"/>
                     </a:lnB>
                     <a:solidFill>
                       <a:srgbClr val="FFFFFF">
@@ -6371,7 +6371,7 @@
                     <a:bodyPr/>
                     <a:lstStyle/>
                     <a:p>
-                      <a:pPr algn="r" indent="0" marR="50800" marL="50800">
+                      <a:pPr marL="50800" marR="50800" indent="0" algn="r">
                         <a:spcBef>
                           <a:spcPts val="100"/>
                         </a:spcBef>
@@ -6408,34 +6408,34 @@
                       </a:r>
                     </a:p>
                   </a:txBody>
-                  <a:tcPr anchor="ctr" marB="0" marT="0" marR="0" marL="0">
-                    <a:lnL algn="ctr" cmpd="sng" cap="flat" w="12700">
-                      <a:noFill/>
-                      <a:prstDash val="solid"/>
-                      <a:round/>
-                      <a:headEnd len="med" w="med" type="none"/>
-                      <a:tailEnd len="med" w="med" type="none"/>
+                  <a:tcPr marL="0" marR="0" marT="0" marB="0" anchor="ctr">
+                    <a:lnL w="12700" cap="flat" cmpd="sng" algn="ctr">
+                      <a:noFill/>
+                      <a:prstDash val="solid"/>
+                      <a:round/>
+                      <a:headEnd type="none" w="med" len="med"/>
+                      <a:tailEnd type="none" w="med" len="med"/>
                     </a:lnL>
-                    <a:lnR algn="ctr" cmpd="sng" cap="flat" w="12700">
-                      <a:noFill/>
-                      <a:prstDash val="solid"/>
-                      <a:round/>
-                      <a:headEnd len="med" w="med" type="none"/>
-                      <a:tailEnd len="med" w="med" type="none"/>
+                    <a:lnR w="12700" cap="flat" cmpd="sng" algn="ctr">
+                      <a:noFill/>
+                      <a:prstDash val="solid"/>
+                      <a:round/>
+                      <a:headEnd type="none" w="med" len="med"/>
+                      <a:tailEnd type="none" w="med" len="med"/>
                     </a:lnR>
-                    <a:lnT algn="ctr" cmpd="sng" cap="flat" w="12700">
-                      <a:noFill/>
-                      <a:prstDash val="solid"/>
-                      <a:round/>
-                      <a:headEnd len="med" w="med" type="none"/>
-                      <a:tailEnd len="med" w="med" type="none"/>
+                    <a:lnT w="12700" cap="flat" cmpd="sng" algn="ctr">
+                      <a:noFill/>
+                      <a:prstDash val="solid"/>
+                      <a:round/>
+                      <a:headEnd type="none" w="med" len="med"/>
+                      <a:tailEnd type="none" w="med" len="med"/>
                     </a:lnT>
-                    <a:lnB algn="ctr" cmpd="sng" cap="flat" w="12700">
-                      <a:noFill/>
-                      <a:prstDash val="solid"/>
-                      <a:round/>
-                      <a:headEnd len="med" w="med" type="none"/>
-                      <a:tailEnd len="med" w="med" type="none"/>
+                    <a:lnB w="12700" cap="flat" cmpd="sng" algn="ctr">
+                      <a:noFill/>
+                      <a:prstDash val="solid"/>
+                      <a:round/>
+                      <a:headEnd type="none" w="med" len="med"/>
+                      <a:tailEnd type="none" w="med" len="med"/>
                     </a:lnB>
                     <a:solidFill>
                       <a:srgbClr val="FFFFFF">
@@ -6449,7 +6449,7 @@
                     <a:bodyPr/>
                     <a:lstStyle/>
                     <a:p>
-                      <a:pPr algn="r" indent="0" marR="50800" marL="50800">
+                      <a:pPr marL="50800" marR="50800" indent="0" algn="r">
                         <a:spcBef>
                           <a:spcPts val="100"/>
                         </a:spcBef>
@@ -6486,34 +6486,34 @@
                       </a:r>
                     </a:p>
                   </a:txBody>
-                  <a:tcPr anchor="ctr" marB="0" marT="0" marR="0" marL="0">
-                    <a:lnL algn="ctr" cmpd="sng" cap="flat" w="12700">
-                      <a:noFill/>
-                      <a:prstDash val="solid"/>
-                      <a:round/>
-                      <a:headEnd len="med" w="med" type="none"/>
-                      <a:tailEnd len="med" w="med" type="none"/>
+                  <a:tcPr marL="0" marR="0" marT="0" marB="0" anchor="ctr">
+                    <a:lnL w="12700" cap="flat" cmpd="sng" algn="ctr">
+                      <a:noFill/>
+                      <a:prstDash val="solid"/>
+                      <a:round/>
+                      <a:headEnd type="none" w="med" len="med"/>
+                      <a:tailEnd type="none" w="med" len="med"/>
                     </a:lnL>
-                    <a:lnR algn="ctr" cmpd="sng" cap="flat" w="12700">
-                      <a:noFill/>
-                      <a:prstDash val="solid"/>
-                      <a:round/>
-                      <a:headEnd len="med" w="med" type="none"/>
-                      <a:tailEnd len="med" w="med" type="none"/>
+                    <a:lnR w="12700" cap="flat" cmpd="sng" algn="ctr">
+                      <a:noFill/>
+                      <a:prstDash val="solid"/>
+                      <a:round/>
+                      <a:headEnd type="none" w="med" len="med"/>
+                      <a:tailEnd type="none" w="med" len="med"/>
                     </a:lnR>
-                    <a:lnT algn="ctr" cmpd="sng" cap="flat" w="12700">
-                      <a:noFill/>
-                      <a:prstDash val="solid"/>
-                      <a:round/>
-                      <a:headEnd len="med" w="med" type="none"/>
-                      <a:tailEnd len="med" w="med" type="none"/>
+                    <a:lnT w="12700" cap="flat" cmpd="sng" algn="ctr">
+                      <a:noFill/>
+                      <a:prstDash val="solid"/>
+                      <a:round/>
+                      <a:headEnd type="none" w="med" len="med"/>
+                      <a:tailEnd type="none" w="med" len="med"/>
                     </a:lnT>
-                    <a:lnB algn="ctr" cmpd="sng" cap="flat" w="12700">
-                      <a:noFill/>
-                      <a:prstDash val="solid"/>
-                      <a:round/>
-                      <a:headEnd len="med" w="med" type="none"/>
-                      <a:tailEnd len="med" w="med" type="none"/>
+                    <a:lnB w="12700" cap="flat" cmpd="sng" algn="ctr">
+                      <a:noFill/>
+                      <a:prstDash val="solid"/>
+                      <a:round/>
+                      <a:headEnd type="none" w="med" len="med"/>
+                      <a:tailEnd type="none" w="med" len="med"/>
                     </a:lnB>
                     <a:solidFill>
                       <a:srgbClr val="FFFFFF">
@@ -6529,7 +6529,7 @@
                     <a:bodyPr/>
                     <a:lstStyle/>
                     <a:p>
-                      <a:pPr algn="r" indent="0" marR="50800" marL="50800">
+                      <a:pPr marL="50800" marR="50800" indent="0" algn="r">
                         <a:spcBef>
                           <a:spcPts val="100"/>
                         </a:spcBef>
@@ -6566,34 +6566,34 @@
                       </a:r>
                     </a:p>
                   </a:txBody>
-                  <a:tcPr anchor="ctr" marB="0" marT="0" marR="0" marL="0">
-                    <a:lnL algn="ctr" cmpd="sng" cap="flat" w="12700">
-                      <a:noFill/>
-                      <a:prstDash val="solid"/>
-                      <a:round/>
-                      <a:headEnd len="med" w="med" type="none"/>
-                      <a:tailEnd len="med" w="med" type="none"/>
+                  <a:tcPr marL="0" marR="0" marT="0" marB="0" anchor="ctr">
+                    <a:lnL w="12700" cap="flat" cmpd="sng" algn="ctr">
+                      <a:noFill/>
+                      <a:prstDash val="solid"/>
+                      <a:round/>
+                      <a:headEnd type="none" w="med" len="med"/>
+                      <a:tailEnd type="none" w="med" len="med"/>
                     </a:lnL>
-                    <a:lnR algn="ctr" cmpd="sng" cap="flat" w="12700">
-                      <a:noFill/>
-                      <a:prstDash val="solid"/>
-                      <a:round/>
-                      <a:headEnd len="med" w="med" type="none"/>
-                      <a:tailEnd len="med" w="med" type="none"/>
+                    <a:lnR w="12700" cap="flat" cmpd="sng" algn="ctr">
+                      <a:noFill/>
+                      <a:prstDash val="solid"/>
+                      <a:round/>
+                      <a:headEnd type="none" w="med" len="med"/>
+                      <a:tailEnd type="none" w="med" len="med"/>
                     </a:lnR>
-                    <a:lnT algn="ctr" cmpd="sng" cap="flat" w="12700">
-                      <a:noFill/>
-                      <a:prstDash val="solid"/>
-                      <a:round/>
-                      <a:headEnd len="med" w="med" type="none"/>
-                      <a:tailEnd len="med" w="med" type="none"/>
+                    <a:lnT w="12700" cap="flat" cmpd="sng" algn="ctr">
+                      <a:noFill/>
+                      <a:prstDash val="solid"/>
+                      <a:round/>
+                      <a:headEnd type="none" w="med" len="med"/>
+                      <a:tailEnd type="none" w="med" len="med"/>
                     </a:lnT>
-                    <a:lnB algn="ctr" cmpd="sng" cap="flat" w="12700">
-                      <a:noFill/>
-                      <a:prstDash val="solid"/>
-                      <a:round/>
-                      <a:headEnd len="med" w="med" type="none"/>
-                      <a:tailEnd len="med" w="med" type="none"/>
+                    <a:lnB w="12700" cap="flat" cmpd="sng" algn="ctr">
+                      <a:noFill/>
+                      <a:prstDash val="solid"/>
+                      <a:round/>
+                      <a:headEnd type="none" w="med" len="med"/>
+                      <a:tailEnd type="none" w="med" len="med"/>
                     </a:lnB>
                     <a:solidFill>
                       <a:srgbClr val="FFFFFF">
@@ -6607,7 +6607,7 @@
                     <a:bodyPr/>
                     <a:lstStyle/>
                     <a:p>
-                      <a:pPr algn="r" indent="0" marR="50800" marL="50800">
+                      <a:pPr marL="50800" marR="50800" indent="0" algn="r">
                         <a:spcBef>
                           <a:spcPts val="100"/>
                         </a:spcBef>
@@ -6644,34 +6644,34 @@
                       </a:r>
                     </a:p>
                   </a:txBody>
-                  <a:tcPr anchor="ctr" marB="0" marT="0" marR="0" marL="0">
-                    <a:lnL algn="ctr" cmpd="sng" cap="flat" w="12700">
-                      <a:noFill/>
-                      <a:prstDash val="solid"/>
-                      <a:round/>
-                      <a:headEnd len="med" w="med" type="none"/>
-                      <a:tailEnd len="med" w="med" type="none"/>
+                  <a:tcPr marL="0" marR="0" marT="0" marB="0" anchor="ctr">
+                    <a:lnL w="12700" cap="flat" cmpd="sng" algn="ctr">
+                      <a:noFill/>
+                      <a:prstDash val="solid"/>
+                      <a:round/>
+                      <a:headEnd type="none" w="med" len="med"/>
+                      <a:tailEnd type="none" w="med" len="med"/>
                     </a:lnL>
-                    <a:lnR algn="ctr" cmpd="sng" cap="flat" w="12700">
-                      <a:noFill/>
-                      <a:prstDash val="solid"/>
-                      <a:round/>
-                      <a:headEnd len="med" w="med" type="none"/>
-                      <a:tailEnd len="med" w="med" type="none"/>
+                    <a:lnR w="12700" cap="flat" cmpd="sng" algn="ctr">
+                      <a:noFill/>
+                      <a:prstDash val="solid"/>
+                      <a:round/>
+                      <a:headEnd type="none" w="med" len="med"/>
+                      <a:tailEnd type="none" w="med" len="med"/>
                     </a:lnR>
-                    <a:lnT algn="ctr" cmpd="sng" cap="flat" w="12700">
-                      <a:noFill/>
-                      <a:prstDash val="solid"/>
-                      <a:round/>
-                      <a:headEnd len="med" w="med" type="none"/>
-                      <a:tailEnd len="med" w="med" type="none"/>
+                    <a:lnT w="12700" cap="flat" cmpd="sng" algn="ctr">
+                      <a:noFill/>
+                      <a:prstDash val="solid"/>
+                      <a:round/>
+                      <a:headEnd type="none" w="med" len="med"/>
+                      <a:tailEnd type="none" w="med" len="med"/>
                     </a:lnT>
-                    <a:lnB algn="ctr" cmpd="sng" cap="flat" w="12700">
-                      <a:noFill/>
-                      <a:prstDash val="solid"/>
-                      <a:round/>
-                      <a:headEnd len="med" w="med" type="none"/>
-                      <a:tailEnd len="med" w="med" type="none"/>
+                    <a:lnB w="12700" cap="flat" cmpd="sng" algn="ctr">
+                      <a:noFill/>
+                      <a:prstDash val="solid"/>
+                      <a:round/>
+                      <a:headEnd type="none" w="med" len="med"/>
+                      <a:tailEnd type="none" w="med" len="med"/>
                     </a:lnB>
                     <a:solidFill>
                       <a:srgbClr val="FFFFFF">
@@ -6685,7 +6685,7 @@
                     <a:bodyPr/>
                     <a:lstStyle/>
                     <a:p>
-                      <a:pPr algn="r" indent="0" marR="50800" marL="50800">
+                      <a:pPr marL="50800" marR="50800" indent="0" algn="r">
                         <a:spcBef>
                           <a:spcPts val="100"/>
                         </a:spcBef>
@@ -6722,34 +6722,34 @@
                       </a:r>
                     </a:p>
                   </a:txBody>
-                  <a:tcPr anchor="ctr" marB="0" marT="0" marR="0" marL="0">
-                    <a:lnL algn="ctr" cmpd="sng" cap="flat" w="12700">
-                      <a:noFill/>
-                      <a:prstDash val="solid"/>
-                      <a:round/>
-                      <a:headEnd len="med" w="med" type="none"/>
-                      <a:tailEnd len="med" w="med" type="none"/>
+                  <a:tcPr marL="0" marR="0" marT="0" marB="0" anchor="ctr">
+                    <a:lnL w="12700" cap="flat" cmpd="sng" algn="ctr">
+                      <a:noFill/>
+                      <a:prstDash val="solid"/>
+                      <a:round/>
+                      <a:headEnd type="none" w="med" len="med"/>
+                      <a:tailEnd type="none" w="med" len="med"/>
                     </a:lnL>
-                    <a:lnR algn="ctr" cmpd="sng" cap="flat" w="12700">
-                      <a:noFill/>
-                      <a:prstDash val="solid"/>
-                      <a:round/>
-                      <a:headEnd len="med" w="med" type="none"/>
-                      <a:tailEnd len="med" w="med" type="none"/>
+                    <a:lnR w="12700" cap="flat" cmpd="sng" algn="ctr">
+                      <a:noFill/>
+                      <a:prstDash val="solid"/>
+                      <a:round/>
+                      <a:headEnd type="none" w="med" len="med"/>
+                      <a:tailEnd type="none" w="med" len="med"/>
                     </a:lnR>
-                    <a:lnT algn="ctr" cmpd="sng" cap="flat" w="12700">
-                      <a:noFill/>
-                      <a:prstDash val="solid"/>
-                      <a:round/>
-                      <a:headEnd len="med" w="med" type="none"/>
-                      <a:tailEnd len="med" w="med" type="none"/>
+                    <a:lnT w="12700" cap="flat" cmpd="sng" algn="ctr">
+                      <a:noFill/>
+                      <a:prstDash val="solid"/>
+                      <a:round/>
+                      <a:headEnd type="none" w="med" len="med"/>
+                      <a:tailEnd type="none" w="med" len="med"/>
                     </a:lnT>
-                    <a:lnB algn="ctr" cmpd="sng" cap="flat" w="12700">
-                      <a:noFill/>
-                      <a:prstDash val="solid"/>
-                      <a:round/>
-                      <a:headEnd len="med" w="med" type="none"/>
-                      <a:tailEnd len="med" w="med" type="none"/>
+                    <a:lnB w="12700" cap="flat" cmpd="sng" algn="ctr">
+                      <a:noFill/>
+                      <a:prstDash val="solid"/>
+                      <a:round/>
+                      <a:headEnd type="none" w="med" len="med"/>
+                      <a:tailEnd type="none" w="med" len="med"/>
                     </a:lnB>
                     <a:solidFill>
                       <a:srgbClr val="FFFFFF">
@@ -6763,7 +6763,7 @@
                     <a:bodyPr/>
                     <a:lstStyle/>
                     <a:p>
-                      <a:pPr algn="r" indent="0" marR="50800" marL="50800">
+                      <a:pPr marL="50800" marR="50800" indent="0" algn="r">
                         <a:spcBef>
                           <a:spcPts val="100"/>
                         </a:spcBef>
@@ -6800,34 +6800,34 @@
                       </a:r>
                     </a:p>
                   </a:txBody>
-                  <a:tcPr anchor="ctr" marB="0" marT="0" marR="0" marL="0">
-                    <a:lnL algn="ctr" cmpd="sng" cap="flat" w="12700">
-                      <a:noFill/>
-                      <a:prstDash val="solid"/>
-                      <a:round/>
-                      <a:headEnd len="med" w="med" type="none"/>
-                      <a:tailEnd len="med" w="med" type="none"/>
+                  <a:tcPr marL="0" marR="0" marT="0" marB="0" anchor="ctr">
+                    <a:lnL w="12700" cap="flat" cmpd="sng" algn="ctr">
+                      <a:noFill/>
+                      <a:prstDash val="solid"/>
+                      <a:round/>
+                      <a:headEnd type="none" w="med" len="med"/>
+                      <a:tailEnd type="none" w="med" len="med"/>
                     </a:lnL>
-                    <a:lnR algn="ctr" cmpd="sng" cap="flat" w="12700">
-                      <a:noFill/>
-                      <a:prstDash val="solid"/>
-                      <a:round/>
-                      <a:headEnd len="med" w="med" type="none"/>
-                      <a:tailEnd len="med" w="med" type="none"/>
+                    <a:lnR w="12700" cap="flat" cmpd="sng" algn="ctr">
+                      <a:noFill/>
+                      <a:prstDash val="solid"/>
+                      <a:round/>
+                      <a:headEnd type="none" w="med" len="med"/>
+                      <a:tailEnd type="none" w="med" len="med"/>
                     </a:lnR>
-                    <a:lnT algn="ctr" cmpd="sng" cap="flat" w="12700">
-                      <a:noFill/>
-                      <a:prstDash val="solid"/>
-                      <a:round/>
-                      <a:headEnd len="med" w="med" type="none"/>
-                      <a:tailEnd len="med" w="med" type="none"/>
+                    <a:lnT w="12700" cap="flat" cmpd="sng" algn="ctr">
+                      <a:noFill/>
+                      <a:prstDash val="solid"/>
+                      <a:round/>
+                      <a:headEnd type="none" w="med" len="med"/>
+                      <a:tailEnd type="none" w="med" len="med"/>
                     </a:lnT>
-                    <a:lnB algn="ctr" cmpd="sng" cap="flat" w="12700">
-                      <a:noFill/>
-                      <a:prstDash val="solid"/>
-                      <a:round/>
-                      <a:headEnd len="med" w="med" type="none"/>
-                      <a:tailEnd len="med" w="med" type="none"/>
+                    <a:lnB w="12700" cap="flat" cmpd="sng" algn="ctr">
+                      <a:noFill/>
+                      <a:prstDash val="solid"/>
+                      <a:round/>
+                      <a:headEnd type="none" w="med" len="med"/>
+                      <a:tailEnd type="none" w="med" len="med"/>
                     </a:lnB>
                     <a:solidFill>
                       <a:srgbClr val="FFFFFF">
@@ -6841,7 +6841,7 @@
                     <a:bodyPr/>
                     <a:lstStyle/>
                     <a:p>
-                      <a:pPr algn="r" indent="0" marR="50800" marL="50800">
+                      <a:pPr marL="50800" marR="50800" indent="0" algn="r">
                         <a:spcBef>
                           <a:spcPts val="100"/>
                         </a:spcBef>
@@ -6878,34 +6878,34 @@
                       </a:r>
                     </a:p>
                   </a:txBody>
-                  <a:tcPr anchor="ctr" marB="0" marT="0" marR="0" marL="0">
-                    <a:lnL algn="ctr" cmpd="sng" cap="flat" w="12700">
-                      <a:noFill/>
-                      <a:prstDash val="solid"/>
-                      <a:round/>
-                      <a:headEnd len="med" w="med" type="none"/>
-                      <a:tailEnd len="med" w="med" type="none"/>
+                  <a:tcPr marL="0" marR="0" marT="0" marB="0" anchor="ctr">
+                    <a:lnL w="12700" cap="flat" cmpd="sng" algn="ctr">
+                      <a:noFill/>
+                      <a:prstDash val="solid"/>
+                      <a:round/>
+                      <a:headEnd type="none" w="med" len="med"/>
+                      <a:tailEnd type="none" w="med" len="med"/>
                     </a:lnL>
-                    <a:lnR algn="ctr" cmpd="sng" cap="flat" w="12700">
-                      <a:noFill/>
-                      <a:prstDash val="solid"/>
-                      <a:round/>
-                      <a:headEnd len="med" w="med" type="none"/>
-                      <a:tailEnd len="med" w="med" type="none"/>
+                    <a:lnR w="12700" cap="flat" cmpd="sng" algn="ctr">
+                      <a:noFill/>
+                      <a:prstDash val="solid"/>
+                      <a:round/>
+                      <a:headEnd type="none" w="med" len="med"/>
+                      <a:tailEnd type="none" w="med" len="med"/>
                     </a:lnR>
-                    <a:lnT algn="ctr" cmpd="sng" cap="flat" w="12700">
-                      <a:noFill/>
-                      <a:prstDash val="solid"/>
-                      <a:round/>
-                      <a:headEnd len="med" w="med" type="none"/>
-                      <a:tailEnd len="med" w="med" type="none"/>
+                    <a:lnT w="12700" cap="flat" cmpd="sng" algn="ctr">
+                      <a:noFill/>
+                      <a:prstDash val="solid"/>
+                      <a:round/>
+                      <a:headEnd type="none" w="med" len="med"/>
+                      <a:tailEnd type="none" w="med" len="med"/>
                     </a:lnT>
-                    <a:lnB algn="ctr" cmpd="sng" cap="flat" w="12700">
-                      <a:noFill/>
-                      <a:prstDash val="solid"/>
-                      <a:round/>
-                      <a:headEnd len="med" w="med" type="none"/>
-                      <a:tailEnd len="med" w="med" type="none"/>
+                    <a:lnB w="12700" cap="flat" cmpd="sng" algn="ctr">
+                      <a:noFill/>
+                      <a:prstDash val="solid"/>
+                      <a:round/>
+                      <a:headEnd type="none" w="med" len="med"/>
+                      <a:tailEnd type="none" w="med" len="med"/>
                     </a:lnB>
                     <a:solidFill>
                       <a:srgbClr val="FFFFFF">
@@ -6919,7 +6919,7 @@
                     <a:bodyPr/>
                     <a:lstStyle/>
                     <a:p>
-                      <a:pPr algn="r" indent="0" marR="50800" marL="50800">
+                      <a:pPr marL="50800" marR="50800" indent="0" algn="r">
                         <a:spcBef>
                           <a:spcPts val="100"/>
                         </a:spcBef>
@@ -6956,34 +6956,34 @@
                       </a:r>
                     </a:p>
                   </a:txBody>
-                  <a:tcPr anchor="ctr" marB="0" marT="0" marR="0" marL="0">
-                    <a:lnL algn="ctr" cmpd="sng" cap="flat" w="12700">
-                      <a:noFill/>
-                      <a:prstDash val="solid"/>
-                      <a:round/>
-                      <a:headEnd len="med" w="med" type="none"/>
-                      <a:tailEnd len="med" w="med" type="none"/>
+                  <a:tcPr marL="0" marR="0" marT="0" marB="0" anchor="ctr">
+                    <a:lnL w="12700" cap="flat" cmpd="sng" algn="ctr">
+                      <a:noFill/>
+                      <a:prstDash val="solid"/>
+                      <a:round/>
+                      <a:headEnd type="none" w="med" len="med"/>
+                      <a:tailEnd type="none" w="med" len="med"/>
                     </a:lnL>
-                    <a:lnR algn="ctr" cmpd="sng" cap="flat" w="12700">
-                      <a:noFill/>
-                      <a:prstDash val="solid"/>
-                      <a:round/>
-                      <a:headEnd len="med" w="med" type="none"/>
-                      <a:tailEnd len="med" w="med" type="none"/>
+                    <a:lnR w="12700" cap="flat" cmpd="sng" algn="ctr">
+                      <a:noFill/>
+                      <a:prstDash val="solid"/>
+                      <a:round/>
+                      <a:headEnd type="none" w="med" len="med"/>
+                      <a:tailEnd type="none" w="med" len="med"/>
                     </a:lnR>
-                    <a:lnT algn="ctr" cmpd="sng" cap="flat" w="12700">
-                      <a:noFill/>
-                      <a:prstDash val="solid"/>
-                      <a:round/>
-                      <a:headEnd len="med" w="med" type="none"/>
-                      <a:tailEnd len="med" w="med" type="none"/>
+                    <a:lnT w="12700" cap="flat" cmpd="sng" algn="ctr">
+                      <a:noFill/>
+                      <a:prstDash val="solid"/>
+                      <a:round/>
+                      <a:headEnd type="none" w="med" len="med"/>
+                      <a:tailEnd type="none" w="med" len="med"/>
                     </a:lnT>
-                    <a:lnB algn="ctr" cmpd="sng" cap="flat" w="12700">
-                      <a:noFill/>
-                      <a:prstDash val="solid"/>
-                      <a:round/>
-                      <a:headEnd len="med" w="med" type="none"/>
-                      <a:tailEnd len="med" w="med" type="none"/>
+                    <a:lnB w="12700" cap="flat" cmpd="sng" algn="ctr">
+                      <a:noFill/>
+                      <a:prstDash val="solid"/>
+                      <a:round/>
+                      <a:headEnd type="none" w="med" len="med"/>
+                      <a:tailEnd type="none" w="med" len="med"/>
                     </a:lnB>
                     <a:solidFill>
                       <a:srgbClr val="FFFFFF">
@@ -6999,7 +6999,7 @@
                     <a:bodyPr/>
                     <a:lstStyle/>
                     <a:p>
-                      <a:pPr algn="r" indent="0" marR="50800" marL="50800">
+                      <a:pPr marL="50800" marR="50800" indent="0" algn="r">
                         <a:spcBef>
                           <a:spcPts val="100"/>
                         </a:spcBef>
@@ -7036,34 +7036,34 @@
                       </a:r>
                     </a:p>
                   </a:txBody>
-                  <a:tcPr anchor="ctr" marB="0" marT="0" marR="0" marL="0">
-                    <a:lnL algn="ctr" cmpd="sng" cap="flat" w="12700">
-                      <a:noFill/>
-                      <a:prstDash val="solid"/>
-                      <a:round/>
-                      <a:headEnd len="med" w="med" type="none"/>
-                      <a:tailEnd len="med" w="med" type="none"/>
+                  <a:tcPr marL="0" marR="0" marT="0" marB="0" anchor="ctr">
+                    <a:lnL w="12700" cap="flat" cmpd="sng" algn="ctr">
+                      <a:noFill/>
+                      <a:prstDash val="solid"/>
+                      <a:round/>
+                      <a:headEnd type="none" w="med" len="med"/>
+                      <a:tailEnd type="none" w="med" len="med"/>
                     </a:lnL>
-                    <a:lnR algn="ctr" cmpd="sng" cap="flat" w="12700">
-                      <a:noFill/>
-                      <a:prstDash val="solid"/>
-                      <a:round/>
-                      <a:headEnd len="med" w="med" type="none"/>
-                      <a:tailEnd len="med" w="med" type="none"/>
+                    <a:lnR w="12700" cap="flat" cmpd="sng" algn="ctr">
+                      <a:noFill/>
+                      <a:prstDash val="solid"/>
+                      <a:round/>
+                      <a:headEnd type="none" w="med" len="med"/>
+                      <a:tailEnd type="none" w="med" len="med"/>
                     </a:lnR>
-                    <a:lnT algn="ctr" cmpd="sng" cap="flat" w="12700">
-                      <a:noFill/>
-                      <a:prstDash val="solid"/>
-                      <a:round/>
-                      <a:headEnd len="med" w="med" type="none"/>
-                      <a:tailEnd len="med" w="med" type="none"/>
+                    <a:lnT w="12700" cap="flat" cmpd="sng" algn="ctr">
+                      <a:noFill/>
+                      <a:prstDash val="solid"/>
+                      <a:round/>
+                      <a:headEnd type="none" w="med" len="med"/>
+                      <a:tailEnd type="none" w="med" len="med"/>
                     </a:lnT>
-                    <a:lnB algn="ctr" cmpd="sng" cap="flat" w="12700">
-                      <a:noFill/>
-                      <a:prstDash val="solid"/>
-                      <a:round/>
-                      <a:headEnd len="med" w="med" type="none"/>
-                      <a:tailEnd len="med" w="med" type="none"/>
+                    <a:lnB w="12700" cap="flat" cmpd="sng" algn="ctr">
+                      <a:noFill/>
+                      <a:prstDash val="solid"/>
+                      <a:round/>
+                      <a:headEnd type="none" w="med" len="med"/>
+                      <a:tailEnd type="none" w="med" len="med"/>
                     </a:lnB>
                     <a:solidFill>
                       <a:srgbClr val="FFFFFF">
@@ -7077,7 +7077,7 @@
                     <a:bodyPr/>
                     <a:lstStyle/>
                     <a:p>
-                      <a:pPr algn="r" indent="0" marR="50800" marL="50800">
+                      <a:pPr marL="50800" marR="50800" indent="0" algn="r">
                         <a:spcBef>
                           <a:spcPts val="100"/>
                         </a:spcBef>
@@ -7114,34 +7114,34 @@
                       </a:r>
                     </a:p>
                   </a:txBody>
-                  <a:tcPr anchor="ctr" marB="0" marT="0" marR="0" marL="0">
-                    <a:lnL algn="ctr" cmpd="sng" cap="flat" w="12700">
-                      <a:noFill/>
-                      <a:prstDash val="solid"/>
-                      <a:round/>
-                      <a:headEnd len="med" w="med" type="none"/>
-                      <a:tailEnd len="med" w="med" type="none"/>
+                  <a:tcPr marL="0" marR="0" marT="0" marB="0" anchor="ctr">
+                    <a:lnL w="12700" cap="flat" cmpd="sng" algn="ctr">
+                      <a:noFill/>
+                      <a:prstDash val="solid"/>
+                      <a:round/>
+                      <a:headEnd type="none" w="med" len="med"/>
+                      <a:tailEnd type="none" w="med" len="med"/>
                     </a:lnL>
-                    <a:lnR algn="ctr" cmpd="sng" cap="flat" w="12700">
-                      <a:noFill/>
-                      <a:prstDash val="solid"/>
-                      <a:round/>
-                      <a:headEnd len="med" w="med" type="none"/>
-                      <a:tailEnd len="med" w="med" type="none"/>
+                    <a:lnR w="12700" cap="flat" cmpd="sng" algn="ctr">
+                      <a:noFill/>
+                      <a:prstDash val="solid"/>
+                      <a:round/>
+                      <a:headEnd type="none" w="med" len="med"/>
+                      <a:tailEnd type="none" w="med" len="med"/>
                     </a:lnR>
-                    <a:lnT algn="ctr" cmpd="sng" cap="flat" w="12700">
-                      <a:noFill/>
-                      <a:prstDash val="solid"/>
-                      <a:round/>
-                      <a:headEnd len="med" w="med" type="none"/>
-                      <a:tailEnd len="med" w="med" type="none"/>
+                    <a:lnT w="12700" cap="flat" cmpd="sng" algn="ctr">
+                      <a:noFill/>
+                      <a:prstDash val="solid"/>
+                      <a:round/>
+                      <a:headEnd type="none" w="med" len="med"/>
+                      <a:tailEnd type="none" w="med" len="med"/>
                     </a:lnT>
-                    <a:lnB algn="ctr" cmpd="sng" cap="flat" w="12700">
-                      <a:noFill/>
-                      <a:prstDash val="solid"/>
-                      <a:round/>
-                      <a:headEnd len="med" w="med" type="none"/>
-                      <a:tailEnd len="med" w="med" type="none"/>
+                    <a:lnB w="12700" cap="flat" cmpd="sng" algn="ctr">
+                      <a:noFill/>
+                      <a:prstDash val="solid"/>
+                      <a:round/>
+                      <a:headEnd type="none" w="med" len="med"/>
+                      <a:tailEnd type="none" w="med" len="med"/>
                     </a:lnB>
                     <a:solidFill>
                       <a:srgbClr val="FFFFFF">
@@ -7155,7 +7155,7 @@
                     <a:bodyPr/>
                     <a:lstStyle/>
                     <a:p>
-                      <a:pPr algn="r" indent="0" marR="50800" marL="50800">
+                      <a:pPr marL="50800" marR="50800" indent="0" algn="r">
                         <a:spcBef>
                           <a:spcPts val="100"/>
                         </a:spcBef>
@@ -7192,34 +7192,34 @@
                       </a:r>
                     </a:p>
                   </a:txBody>
-                  <a:tcPr anchor="ctr" marB="0" marT="0" marR="0" marL="0">
-                    <a:lnL algn="ctr" cmpd="sng" cap="flat" w="12700">
-                      <a:noFill/>
-                      <a:prstDash val="solid"/>
-                      <a:round/>
-                      <a:headEnd len="med" w="med" type="none"/>
-                      <a:tailEnd len="med" w="med" type="none"/>
+                  <a:tcPr marL="0" marR="0" marT="0" marB="0" anchor="ctr">
+                    <a:lnL w="12700" cap="flat" cmpd="sng" algn="ctr">
+                      <a:noFill/>
+                      <a:prstDash val="solid"/>
+                      <a:round/>
+                      <a:headEnd type="none" w="med" len="med"/>
+                      <a:tailEnd type="none" w="med" len="med"/>
                     </a:lnL>
-                    <a:lnR algn="ctr" cmpd="sng" cap="flat" w="12700">
-                      <a:noFill/>
-                      <a:prstDash val="solid"/>
-                      <a:round/>
-                      <a:headEnd len="med" w="med" type="none"/>
-                      <a:tailEnd len="med" w="med" type="none"/>
+                    <a:lnR w="12700" cap="flat" cmpd="sng" algn="ctr">
+                      <a:noFill/>
+                      <a:prstDash val="solid"/>
+                      <a:round/>
+                      <a:headEnd type="none" w="med" len="med"/>
+                      <a:tailEnd type="none" w="med" len="med"/>
                     </a:lnR>
-                    <a:lnT algn="ctr" cmpd="sng" cap="flat" w="12700">
-                      <a:noFill/>
-                      <a:prstDash val="solid"/>
-                      <a:round/>
-                      <a:headEnd len="med" w="med" type="none"/>
-                      <a:tailEnd len="med" w="med" type="none"/>
+                    <a:lnT w="12700" cap="flat" cmpd="sng" algn="ctr">
+                      <a:noFill/>
+                      <a:prstDash val="solid"/>
+                      <a:round/>
+                      <a:headEnd type="none" w="med" len="med"/>
+                      <a:tailEnd type="none" w="med" len="med"/>
                     </a:lnT>
-                    <a:lnB algn="ctr" cmpd="sng" cap="flat" w="12700">
-                      <a:noFill/>
-                      <a:prstDash val="solid"/>
-                      <a:round/>
-                      <a:headEnd len="med" w="med" type="none"/>
-                      <a:tailEnd len="med" w="med" type="none"/>
+                    <a:lnB w="12700" cap="flat" cmpd="sng" algn="ctr">
+                      <a:noFill/>
+                      <a:prstDash val="solid"/>
+                      <a:round/>
+                      <a:headEnd type="none" w="med" len="med"/>
+                      <a:tailEnd type="none" w="med" len="med"/>
                     </a:lnB>
                     <a:solidFill>
                       <a:srgbClr val="FFFFFF">
@@ -7233,7 +7233,7 @@
                     <a:bodyPr/>
                     <a:lstStyle/>
                     <a:p>
-                      <a:pPr algn="r" indent="0" marR="50800" marL="50800">
+                      <a:pPr marL="50800" marR="50800" indent="0" algn="r">
                         <a:spcBef>
                           <a:spcPts val="100"/>
                         </a:spcBef>
@@ -7270,34 +7270,34 @@
                       </a:r>
                     </a:p>
                   </a:txBody>
-                  <a:tcPr anchor="ctr" marB="0" marT="0" marR="0" marL="0">
-                    <a:lnL algn="ctr" cmpd="sng" cap="flat" w="12700">
-                      <a:noFill/>
-                      <a:prstDash val="solid"/>
-                      <a:round/>
-                      <a:headEnd len="med" w="med" type="none"/>
-                      <a:tailEnd len="med" w="med" type="none"/>
+                  <a:tcPr marL="0" marR="0" marT="0" marB="0" anchor="ctr">
+                    <a:lnL w="12700" cap="flat" cmpd="sng" algn="ctr">
+                      <a:noFill/>
+                      <a:prstDash val="solid"/>
+                      <a:round/>
+                      <a:headEnd type="none" w="med" len="med"/>
+                      <a:tailEnd type="none" w="med" len="med"/>
                     </a:lnL>
-                    <a:lnR algn="ctr" cmpd="sng" cap="flat" w="12700">
-                      <a:noFill/>
-                      <a:prstDash val="solid"/>
-                      <a:round/>
-                      <a:headEnd len="med" w="med" type="none"/>
-                      <a:tailEnd len="med" w="med" type="none"/>
+                    <a:lnR w="12700" cap="flat" cmpd="sng" algn="ctr">
+                      <a:noFill/>
+                      <a:prstDash val="solid"/>
+                      <a:round/>
+                      <a:headEnd type="none" w="med" len="med"/>
+                      <a:tailEnd type="none" w="med" len="med"/>
                     </a:lnR>
-                    <a:lnT algn="ctr" cmpd="sng" cap="flat" w="12700">
-                      <a:noFill/>
-                      <a:prstDash val="solid"/>
-                      <a:round/>
-                      <a:headEnd len="med" w="med" type="none"/>
-                      <a:tailEnd len="med" w="med" type="none"/>
+                    <a:lnT w="12700" cap="flat" cmpd="sng" algn="ctr">
+                      <a:noFill/>
+                      <a:prstDash val="solid"/>
+                      <a:round/>
+                      <a:headEnd type="none" w="med" len="med"/>
+                      <a:tailEnd type="none" w="med" len="med"/>
                     </a:lnT>
-                    <a:lnB algn="ctr" cmpd="sng" cap="flat" w="12700">
-                      <a:noFill/>
-                      <a:prstDash val="solid"/>
-                      <a:round/>
-                      <a:headEnd len="med" w="med" type="none"/>
-                      <a:tailEnd len="med" w="med" type="none"/>
+                    <a:lnB w="12700" cap="flat" cmpd="sng" algn="ctr">
+                      <a:noFill/>
+                      <a:prstDash val="solid"/>
+                      <a:round/>
+                      <a:headEnd type="none" w="med" len="med"/>
+                      <a:tailEnd type="none" w="med" len="med"/>
                     </a:lnB>
                     <a:solidFill>
                       <a:srgbClr val="FFFFFF">
@@ -7311,7 +7311,7 @@
                     <a:bodyPr/>
                     <a:lstStyle/>
                     <a:p>
-                      <a:pPr algn="r" indent="0" marR="50800" marL="50800">
+                      <a:pPr marL="50800" marR="50800" indent="0" algn="r">
                         <a:spcBef>
                           <a:spcPts val="100"/>
                         </a:spcBef>
@@ -7348,34 +7348,34 @@
                       </a:r>
                     </a:p>
                   </a:txBody>
-                  <a:tcPr anchor="ctr" marB="0" marT="0" marR="0" marL="0">
-                    <a:lnL algn="ctr" cmpd="sng" cap="flat" w="12700">
-                      <a:noFill/>
-                      <a:prstDash val="solid"/>
-                      <a:round/>
-                      <a:headEnd len="med" w="med" type="none"/>
-                      <a:tailEnd len="med" w="med" type="none"/>
+                  <a:tcPr marL="0" marR="0" marT="0" marB="0" anchor="ctr">
+                    <a:lnL w="12700" cap="flat" cmpd="sng" algn="ctr">
+                      <a:noFill/>
+                      <a:prstDash val="solid"/>
+                      <a:round/>
+                      <a:headEnd type="none" w="med" len="med"/>
+                      <a:tailEnd type="none" w="med" len="med"/>
                     </a:lnL>
-                    <a:lnR algn="ctr" cmpd="sng" cap="flat" w="12700">
-                      <a:noFill/>
-                      <a:prstDash val="solid"/>
-                      <a:round/>
-                      <a:headEnd len="med" w="med" type="none"/>
-                      <a:tailEnd len="med" w="med" type="none"/>
+                    <a:lnR w="12700" cap="flat" cmpd="sng" algn="ctr">
+                      <a:noFill/>
+                      <a:prstDash val="solid"/>
+                      <a:round/>
+                      <a:headEnd type="none" w="med" len="med"/>
+                      <a:tailEnd type="none" w="med" len="med"/>
                     </a:lnR>
-                    <a:lnT algn="ctr" cmpd="sng" cap="flat" w="12700">
-                      <a:noFill/>
-                      <a:prstDash val="solid"/>
-                      <a:round/>
-                      <a:headEnd len="med" w="med" type="none"/>
-                      <a:tailEnd len="med" w="med" type="none"/>
+                    <a:lnT w="12700" cap="flat" cmpd="sng" algn="ctr">
+                      <a:noFill/>
+                      <a:prstDash val="solid"/>
+                      <a:round/>
+                      <a:headEnd type="none" w="med" len="med"/>
+                      <a:tailEnd type="none" w="med" len="med"/>
                     </a:lnT>
-                    <a:lnB algn="ctr" cmpd="sng" cap="flat" w="12700">
-                      <a:noFill/>
-                      <a:prstDash val="solid"/>
-                      <a:round/>
-                      <a:headEnd len="med" w="med" type="none"/>
-                      <a:tailEnd len="med" w="med" type="none"/>
+                    <a:lnB w="12700" cap="flat" cmpd="sng" algn="ctr">
+                      <a:noFill/>
+                      <a:prstDash val="solid"/>
+                      <a:round/>
+                      <a:headEnd type="none" w="med" len="med"/>
+                      <a:tailEnd type="none" w="med" len="med"/>
                     </a:lnB>
                     <a:solidFill>
                       <a:srgbClr val="FFFFFF">
@@ -7389,7 +7389,7 @@
                     <a:bodyPr/>
                     <a:lstStyle/>
                     <a:p>
-                      <a:pPr algn="r" indent="0" marR="50800" marL="50800">
+                      <a:pPr marL="50800" marR="50800" indent="0" algn="r">
                         <a:spcBef>
                           <a:spcPts val="100"/>
                         </a:spcBef>
@@ -7426,34 +7426,34 @@
                       </a:r>
                     </a:p>
                   </a:txBody>
-                  <a:tcPr anchor="ctr" marB="0" marT="0" marR="0" marL="0">
-                    <a:lnL algn="ctr" cmpd="sng" cap="flat" w="12700">
-                      <a:noFill/>
-                      <a:prstDash val="solid"/>
-                      <a:round/>
-                      <a:headEnd len="med" w="med" type="none"/>
-                      <a:tailEnd len="med" w="med" type="none"/>
+                  <a:tcPr marL="0" marR="0" marT="0" marB="0" anchor="ctr">
+                    <a:lnL w="12700" cap="flat" cmpd="sng" algn="ctr">
+                      <a:noFill/>
+                      <a:prstDash val="solid"/>
+                      <a:round/>
+                      <a:headEnd type="none" w="med" len="med"/>
+                      <a:tailEnd type="none" w="med" len="med"/>
                     </a:lnL>
-                    <a:lnR algn="ctr" cmpd="sng" cap="flat" w="12700">
-                      <a:noFill/>
-                      <a:prstDash val="solid"/>
-                      <a:round/>
-                      <a:headEnd len="med" w="med" type="none"/>
-                      <a:tailEnd len="med" w="med" type="none"/>
+                    <a:lnR w="12700" cap="flat" cmpd="sng" algn="ctr">
+                      <a:noFill/>
+                      <a:prstDash val="solid"/>
+                      <a:round/>
+                      <a:headEnd type="none" w="med" len="med"/>
+                      <a:tailEnd type="none" w="med" len="med"/>
                     </a:lnR>
-                    <a:lnT algn="ctr" cmpd="sng" cap="flat" w="12700">
-                      <a:noFill/>
-                      <a:prstDash val="solid"/>
-                      <a:round/>
-                      <a:headEnd len="med" w="med" type="none"/>
-                      <a:tailEnd len="med" w="med" type="none"/>
+                    <a:lnT w="12700" cap="flat" cmpd="sng" algn="ctr">
+                      <a:noFill/>
+                      <a:prstDash val="solid"/>
+                      <a:round/>
+                      <a:headEnd type="none" w="med" len="med"/>
+                      <a:tailEnd type="none" w="med" len="med"/>
                     </a:lnT>
-                    <a:lnB algn="ctr" cmpd="sng" cap="flat" w="12700">
-                      <a:noFill/>
-                      <a:prstDash val="solid"/>
-                      <a:round/>
-                      <a:headEnd len="med" w="med" type="none"/>
-                      <a:tailEnd len="med" w="med" type="none"/>
+                    <a:lnB w="12700" cap="flat" cmpd="sng" algn="ctr">
+                      <a:noFill/>
+                      <a:prstDash val="solid"/>
+                      <a:round/>
+                      <a:headEnd type="none" w="med" len="med"/>
+                      <a:tailEnd type="none" w="med" len="med"/>
                     </a:lnB>
                     <a:solidFill>
                       <a:srgbClr val="FFFFFF">
@@ -7469,7 +7469,7 @@
                     <a:bodyPr/>
                     <a:lstStyle/>
                     <a:p>
-                      <a:pPr algn="r" indent="0" marR="50800" marL="50800">
+                      <a:pPr marL="50800" marR="50800" indent="0" algn="r">
                         <a:spcBef>
                           <a:spcPts val="100"/>
                         </a:spcBef>
@@ -7506,27 +7506,27 @@
                       </a:r>
                     </a:p>
                   </a:txBody>
-                  <a:tcPr anchor="ctr" marB="0" marT="0" marR="0" marL="0">
-                    <a:lnL algn="ctr" cmpd="sng" cap="flat" w="12700">
-                      <a:noFill/>
-                      <a:prstDash val="solid"/>
-                      <a:round/>
-                      <a:headEnd len="med" w="med" type="none"/>
-                      <a:tailEnd len="med" w="med" type="none"/>
+                  <a:tcPr marL="0" marR="0" marT="0" marB="0" anchor="ctr">
+                    <a:lnL w="12700" cap="flat" cmpd="sng" algn="ctr">
+                      <a:noFill/>
+                      <a:prstDash val="solid"/>
+                      <a:round/>
+                      <a:headEnd type="none" w="med" len="med"/>
+                      <a:tailEnd type="none" w="med" len="med"/>
                     </a:lnL>
-                    <a:lnR algn="ctr" cmpd="sng" cap="flat" w="12700">
-                      <a:noFill/>
-                      <a:prstDash val="solid"/>
-                      <a:round/>
-                      <a:headEnd len="med" w="med" type="none"/>
-                      <a:tailEnd len="med" w="med" type="none"/>
+                    <a:lnR w="12700" cap="flat" cmpd="sng" algn="ctr">
+                      <a:noFill/>
+                      <a:prstDash val="solid"/>
+                      <a:round/>
+                      <a:headEnd type="none" w="med" len="med"/>
+                      <a:tailEnd type="none" w="med" len="med"/>
                     </a:lnR>
-                    <a:lnT algn="ctr" cmpd="sng" cap="flat" w="12700">
-                      <a:noFill/>
-                      <a:prstDash val="solid"/>
-                      <a:round/>
-                      <a:headEnd len="med" w="med" type="none"/>
-                      <a:tailEnd len="med" w="med" type="none"/>
+                    <a:lnT w="12700" cap="flat" cmpd="sng" algn="ctr">
+                      <a:noFill/>
+                      <a:prstDash val="solid"/>
+                      <a:round/>
+                      <a:headEnd type="none" w="med" len="med"/>
+                      <a:tailEnd type="none" w="med" len="med"/>
                     </a:lnT>
                     <a:lnB w="25400">
                       <a:solidFill>
@@ -7548,7 +7548,7 @@
                     <a:bodyPr/>
                     <a:lstStyle/>
                     <a:p>
-                      <a:pPr algn="r" indent="0" marR="50800" marL="50800">
+                      <a:pPr marL="50800" marR="50800" indent="0" algn="r">
                         <a:spcBef>
                           <a:spcPts val="100"/>
                         </a:spcBef>
@@ -7585,27 +7585,27 @@
                       </a:r>
                     </a:p>
                   </a:txBody>
-                  <a:tcPr anchor="ctr" marB="0" marT="0" marR="0" marL="0">
-                    <a:lnL algn="ctr" cmpd="sng" cap="flat" w="12700">
-                      <a:noFill/>
-                      <a:prstDash val="solid"/>
-                      <a:round/>
-                      <a:headEnd len="med" w="med" type="none"/>
-                      <a:tailEnd len="med" w="med" type="none"/>
+                  <a:tcPr marL="0" marR="0" marT="0" marB="0" anchor="ctr">
+                    <a:lnL w="12700" cap="flat" cmpd="sng" algn="ctr">
+                      <a:noFill/>
+                      <a:prstDash val="solid"/>
+                      <a:round/>
+                      <a:headEnd type="none" w="med" len="med"/>
+                      <a:tailEnd type="none" w="med" len="med"/>
                     </a:lnL>
-                    <a:lnR algn="ctr" cmpd="sng" cap="flat" w="12700">
-                      <a:noFill/>
-                      <a:prstDash val="solid"/>
-                      <a:round/>
-                      <a:headEnd len="med" w="med" type="none"/>
-                      <a:tailEnd len="med" w="med" type="none"/>
+                    <a:lnR w="12700" cap="flat" cmpd="sng" algn="ctr">
+                      <a:noFill/>
+                      <a:prstDash val="solid"/>
+                      <a:round/>
+                      <a:headEnd type="none" w="med" len="med"/>
+                      <a:tailEnd type="none" w="med" len="med"/>
                     </a:lnR>
-                    <a:lnT algn="ctr" cmpd="sng" cap="flat" w="12700">
-                      <a:noFill/>
-                      <a:prstDash val="solid"/>
-                      <a:round/>
-                      <a:headEnd len="med" w="med" type="none"/>
-                      <a:tailEnd len="med" w="med" type="none"/>
+                    <a:lnT w="12700" cap="flat" cmpd="sng" algn="ctr">
+                      <a:noFill/>
+                      <a:prstDash val="solid"/>
+                      <a:round/>
+                      <a:headEnd type="none" w="med" len="med"/>
+                      <a:tailEnd type="none" w="med" len="med"/>
                     </a:lnT>
                     <a:lnB w="25400">
                       <a:solidFill>
@@ -7627,7 +7627,7 @@
                     <a:bodyPr/>
                     <a:lstStyle/>
                     <a:p>
-                      <a:pPr algn="r" indent="0" marR="50800" marL="50800">
+                      <a:pPr marL="50800" marR="50800" indent="0" algn="r">
                         <a:spcBef>
                           <a:spcPts val="100"/>
                         </a:spcBef>
@@ -7664,27 +7664,27 @@
                       </a:r>
                     </a:p>
                   </a:txBody>
-                  <a:tcPr anchor="ctr" marB="0" marT="0" marR="0" marL="0">
-                    <a:lnL algn="ctr" cmpd="sng" cap="flat" w="12700">
-                      <a:noFill/>
-                      <a:prstDash val="solid"/>
-                      <a:round/>
-                      <a:headEnd len="med" w="med" type="none"/>
-                      <a:tailEnd len="med" w="med" type="none"/>
+                  <a:tcPr marL="0" marR="0" marT="0" marB="0" anchor="ctr">
+                    <a:lnL w="12700" cap="flat" cmpd="sng" algn="ctr">
+                      <a:noFill/>
+                      <a:prstDash val="solid"/>
+                      <a:round/>
+                      <a:headEnd type="none" w="med" len="med"/>
+                      <a:tailEnd type="none" w="med" len="med"/>
                     </a:lnL>
-                    <a:lnR algn="ctr" cmpd="sng" cap="flat" w="12700">
-                      <a:noFill/>
-                      <a:prstDash val="solid"/>
-                      <a:round/>
-                      <a:headEnd len="med" w="med" type="none"/>
-                      <a:tailEnd len="med" w="med" type="none"/>
+                    <a:lnR w="12700" cap="flat" cmpd="sng" algn="ctr">
+                      <a:noFill/>
+                      <a:prstDash val="solid"/>
+                      <a:round/>
+                      <a:headEnd type="none" w="med" len="med"/>
+                      <a:tailEnd type="none" w="med" len="med"/>
                     </a:lnR>
-                    <a:lnT algn="ctr" cmpd="sng" cap="flat" w="12700">
-                      <a:noFill/>
-                      <a:prstDash val="solid"/>
-                      <a:round/>
-                      <a:headEnd len="med" w="med" type="none"/>
-                      <a:tailEnd len="med" w="med" type="none"/>
+                    <a:lnT w="12700" cap="flat" cmpd="sng" algn="ctr">
+                      <a:noFill/>
+                      <a:prstDash val="solid"/>
+                      <a:round/>
+                      <a:headEnd type="none" w="med" len="med"/>
+                      <a:tailEnd type="none" w="med" len="med"/>
                     </a:lnT>
                     <a:lnB w="25400">
                       <a:solidFill>
@@ -7706,7 +7706,7 @@
                     <a:bodyPr/>
                     <a:lstStyle/>
                     <a:p>
-                      <a:pPr algn="r" indent="0" marR="50800" marL="50800">
+                      <a:pPr marL="50800" marR="50800" indent="0" algn="r">
                         <a:spcBef>
                           <a:spcPts val="100"/>
                         </a:spcBef>
@@ -7743,27 +7743,27 @@
                       </a:r>
                     </a:p>
                   </a:txBody>
-                  <a:tcPr anchor="ctr" marB="0" marT="0" marR="0" marL="0">
-                    <a:lnL algn="ctr" cmpd="sng" cap="flat" w="12700">
-                      <a:noFill/>
-                      <a:prstDash val="solid"/>
-                      <a:round/>
-                      <a:headEnd len="med" w="med" type="none"/>
-                      <a:tailEnd len="med" w="med" type="none"/>
+                  <a:tcPr marL="0" marR="0" marT="0" marB="0" anchor="ctr">
+                    <a:lnL w="12700" cap="flat" cmpd="sng" algn="ctr">
+                      <a:noFill/>
+                      <a:prstDash val="solid"/>
+                      <a:round/>
+                      <a:headEnd type="none" w="med" len="med"/>
+                      <a:tailEnd type="none" w="med" len="med"/>
                     </a:lnL>
-                    <a:lnR algn="ctr" cmpd="sng" cap="flat" w="12700">
-                      <a:noFill/>
-                      <a:prstDash val="solid"/>
-                      <a:round/>
-                      <a:headEnd len="med" w="med" type="none"/>
-                      <a:tailEnd len="med" w="med" type="none"/>
+                    <a:lnR w="12700" cap="flat" cmpd="sng" algn="ctr">
+                      <a:noFill/>
+                      <a:prstDash val="solid"/>
+                      <a:round/>
+                      <a:headEnd type="none" w="med" len="med"/>
+                      <a:tailEnd type="none" w="med" len="med"/>
                     </a:lnR>
-                    <a:lnT algn="ctr" cmpd="sng" cap="flat" w="12700">
-                      <a:noFill/>
-                      <a:prstDash val="solid"/>
-                      <a:round/>
-                      <a:headEnd len="med" w="med" type="none"/>
-                      <a:tailEnd len="med" w="med" type="none"/>
+                    <a:lnT w="12700" cap="flat" cmpd="sng" algn="ctr">
+                      <a:noFill/>
+                      <a:prstDash val="solid"/>
+                      <a:round/>
+                      <a:headEnd type="none" w="med" len="med"/>
+                      <a:tailEnd type="none" w="med" len="med"/>
                     </a:lnT>
                     <a:lnB w="25400">
                       <a:solidFill>
@@ -7785,7 +7785,7 @@
                     <a:bodyPr/>
                     <a:lstStyle/>
                     <a:p>
-                      <a:pPr algn="r" indent="0" marR="50800" marL="50800">
+                      <a:pPr marL="50800" marR="50800" indent="0" algn="r">
                         <a:spcBef>
                           <a:spcPts val="100"/>
                         </a:spcBef>
@@ -7822,27 +7822,27 @@
                       </a:r>
                     </a:p>
                   </a:txBody>
-                  <a:tcPr anchor="ctr" marB="0" marT="0" marR="0" marL="0">
-                    <a:lnL algn="ctr" cmpd="sng" cap="flat" w="12700">
-                      <a:noFill/>
-                      <a:prstDash val="solid"/>
-                      <a:round/>
-                      <a:headEnd len="med" w="med" type="none"/>
-                      <a:tailEnd len="med" w="med" type="none"/>
+                  <a:tcPr marL="0" marR="0" marT="0" marB="0" anchor="ctr">
+                    <a:lnL w="12700" cap="flat" cmpd="sng" algn="ctr">
+                      <a:noFill/>
+                      <a:prstDash val="solid"/>
+                      <a:round/>
+                      <a:headEnd type="none" w="med" len="med"/>
+                      <a:tailEnd type="none" w="med" len="med"/>
                     </a:lnL>
-                    <a:lnR algn="ctr" cmpd="sng" cap="flat" w="12700">
-                      <a:noFill/>
-                      <a:prstDash val="solid"/>
-                      <a:round/>
-                      <a:headEnd len="med" w="med" type="none"/>
-                      <a:tailEnd len="med" w="med" type="none"/>
+                    <a:lnR w="12700" cap="flat" cmpd="sng" algn="ctr">
+                      <a:noFill/>
+                      <a:prstDash val="solid"/>
+                      <a:round/>
+                      <a:headEnd type="none" w="med" len="med"/>
+                      <a:tailEnd type="none" w="med" len="med"/>
                     </a:lnR>
-                    <a:lnT algn="ctr" cmpd="sng" cap="flat" w="12700">
-                      <a:noFill/>
-                      <a:prstDash val="solid"/>
-                      <a:round/>
-                      <a:headEnd len="med" w="med" type="none"/>
-                      <a:tailEnd len="med" w="med" type="none"/>
+                    <a:lnT w="12700" cap="flat" cmpd="sng" algn="ctr">
+                      <a:noFill/>
+                      <a:prstDash val="solid"/>
+                      <a:round/>
+                      <a:headEnd type="none" w="med" len="med"/>
+                      <a:tailEnd type="none" w="med" len="med"/>
                     </a:lnT>
                     <a:lnB w="25400">
                       <a:solidFill>
@@ -7864,7 +7864,7 @@
                     <a:bodyPr/>
                     <a:lstStyle/>
                     <a:p>
-                      <a:pPr algn="r" indent="0" marR="50800" marL="50800">
+                      <a:pPr marL="50800" marR="50800" indent="0" algn="r">
                         <a:spcBef>
                           <a:spcPts val="100"/>
                         </a:spcBef>
@@ -7901,27 +7901,27 @@
                       </a:r>
                     </a:p>
                   </a:txBody>
-                  <a:tcPr anchor="ctr" marB="0" marT="0" marR="0" marL="0">
-                    <a:lnL algn="ctr" cmpd="sng" cap="flat" w="12700">
-                      <a:noFill/>
-                      <a:prstDash val="solid"/>
-                      <a:round/>
-                      <a:headEnd len="med" w="med" type="none"/>
-                      <a:tailEnd len="med" w="med" type="none"/>
+                  <a:tcPr marL="0" marR="0" marT="0" marB="0" anchor="ctr">
+                    <a:lnL w="12700" cap="flat" cmpd="sng" algn="ctr">
+                      <a:noFill/>
+                      <a:prstDash val="solid"/>
+                      <a:round/>
+                      <a:headEnd type="none" w="med" len="med"/>
+                      <a:tailEnd type="none" w="med" len="med"/>
                     </a:lnL>
-                    <a:lnR algn="ctr" cmpd="sng" cap="flat" w="12700">
-                      <a:noFill/>
-                      <a:prstDash val="solid"/>
-                      <a:round/>
-                      <a:headEnd len="med" w="med" type="none"/>
-                      <a:tailEnd len="med" w="med" type="none"/>
+                    <a:lnR w="12700" cap="flat" cmpd="sng" algn="ctr">
+                      <a:noFill/>
+                      <a:prstDash val="solid"/>
+                      <a:round/>
+                      <a:headEnd type="none" w="med" len="med"/>
+                      <a:tailEnd type="none" w="med" len="med"/>
                     </a:lnR>
-                    <a:lnT algn="ctr" cmpd="sng" cap="flat" w="12700">
-                      <a:noFill/>
-                      <a:prstDash val="solid"/>
-                      <a:round/>
-                      <a:headEnd len="med" w="med" type="none"/>
-                      <a:tailEnd len="med" w="med" type="none"/>
+                    <a:lnT w="12700" cap="flat" cmpd="sng" algn="ctr">
+                      <a:noFill/>
+                      <a:prstDash val="solid"/>
+                      <a:round/>
+                      <a:headEnd type="none" w="med" len="med"/>
+                      <a:tailEnd type="none" w="med" len="med"/>
                     </a:lnT>
                     <a:lnB w="25400">
                       <a:solidFill>
@@ -7949,28 +7949,28 @@
 </file>
 
 <file path=ppt/slides/slide2.xml><?xml version="1.0" encoding="utf-8"?>
-<p:sld xmlns:a="http://schemas.openxmlformats.org/drawingml/2006/main" xmlns:r="http://schemas.openxmlformats.org/officeDocument/2006/relationships" xmlns:p="http://schemas.openxmlformats.org/presentationml/2006/main" xmlns:mc="http://schemas.openxmlformats.org/markup-compatibility/2006" xmlns:c="http://schemas.openxmlformats.org/drawingml/2006/chart" xmlns:ns6="http://schemas.openxmlformats.org/drawingml/2006/chartDrawing" xmlns:dgm="http://schemas.openxmlformats.org/drawingml/2006/diagram" xmlns:pic="http://schemas.openxmlformats.org/drawingml/2006/picture" xmlns:wp="http://schemas.openxmlformats.org/drawingml/2006/wordprocessingDrawing" xmlns:xdr="http://schemas.openxmlformats.org/drawingml/2006/spreadsheetDrawing" xmlns:ns11="http://schemas.openxmlformats.org/drawingml/2006/compatibility" xmlns:ns12="http://schemas.openxmlformats.org/drawingml/2006/lockedCanvas">
+<p:sld xmlns:p="http://schemas.openxmlformats.org/presentationml/2006/main" xmlns:a="http://schemas.openxmlformats.org/drawingml/2006/main" xmlns:r="http://schemas.openxmlformats.org/officeDocument/2006/relationships" xmlns:mc="http://schemas.openxmlformats.org/markup-compatibility/2006" xmlns:c="http://schemas.openxmlformats.org/drawingml/2006/chart" xmlns:ns6="http://schemas.openxmlformats.org/drawingml/2006/chartDrawing" xmlns:dgm="http://schemas.openxmlformats.org/drawingml/2006/diagram" xmlns:pic="http://schemas.openxmlformats.org/drawingml/2006/picture" xmlns:wp="http://schemas.openxmlformats.org/drawingml/2006/wordprocessingDrawing" xmlns:xdr="http://schemas.openxmlformats.org/drawingml/2006/spreadsheetDrawing" xmlns:ns11="http://schemas.openxmlformats.org/drawingml/2006/compatibility" xmlns:ns12="http://schemas.openxmlformats.org/drawingml/2006/lockedCanvas">
   <p:cSld>
     <p:spTree>
       <p:nvGrpSpPr>
-        <p:cNvPr name="" id="1"/>
+        <p:cNvPr id="1" name=""/>
         <p:cNvGrpSpPr/>
         <p:nvPr/>
       </p:nvGrpSpPr>
       <p:grpSpPr>
         <a:xfrm>
-          <a:off y="0" x="0"/>
-          <a:ext cy="0" cx="0"/>
-          <a:chOff y="0" x="0"/>
-          <a:chExt cy="0" cx="0"/>
+          <a:off x="0" y="0"/>
+          <a:ext cx="0" cy="0"/>
+          <a:chOff x="0" y="0"/>
+          <a:chExt cx="0" cy="0"/>
         </a:xfrm>
       </p:grpSpPr>
       <p:sp>
         <p:nvSpPr>
-          <p:cNvPr name="Title 1" id="1"/>
+          <p:cNvPr id="1" name="Title 1"/>
           <p:cNvSpPr/>
           <p:nvPr>
-            <p:ph idx="0" type="title"/>
+            <p:ph type="title" idx="0"/>
           </p:nvPr>
         </p:nvSpPr>
         <p:spPr/>
@@ -7987,7 +7987,7 @@
       </p:sp>
       <p:sp>
         <p:nvSpPr>
-          <p:cNvPr name="Espace réservé du contenu 2" id="3"/>
+          <p:cNvPr id="3" name="Espace réservé du contenu 2"/>
           <p:cNvSpPr>
             <a:spLocks noGrp="true"/>
           </p:cNvSpPr>
@@ -7997,8 +7997,8 @@
         </p:nvSpPr>
         <p:spPr>
           <a:xfrm>
-            <a:off y="1825625" x="838200"/>
-            <a:ext cy="4351338" cx="10515600"/>
+            <a:off x="838200" y="1825625"/>
+            <a:ext cx="10515600" cy="4351338"/>
           </a:xfrm>
         </p:spPr>
         <p:txBody>

--- a/docs/reference/slide_replacement.pptx
+++ b/docs/reference/slide_replacement.pptx
@@ -1,12 +1,12 @@
 
 <file path=ppt/presentation.xml><?xml version="1.0" encoding="utf-8"?>
-<p:presentation xmlns:p="http://schemas.openxmlformats.org/presentationml/2006/main" xmlns:a="http://schemas.openxmlformats.org/drawingml/2006/main" xmlns:r="http://schemas.openxmlformats.org/officeDocument/2006/relationships" xmlns:mc="http://schemas.openxmlformats.org/markup-compatibility/2006" xmlns:c="http://schemas.openxmlformats.org/drawingml/2006/chart" xmlns:ns6="http://schemas.openxmlformats.org/drawingml/2006/chartDrawing" xmlns:dgm="http://schemas.openxmlformats.org/drawingml/2006/diagram" xmlns:pic="http://schemas.openxmlformats.org/drawingml/2006/picture" xmlns:wp="http://schemas.openxmlformats.org/drawingml/2006/wordprocessingDrawing" xmlns:xdr="http://schemas.openxmlformats.org/drawingml/2006/spreadsheetDrawing" xmlns:ns11="http://schemas.openxmlformats.org/drawingml/2006/compatibility" xmlns:ns12="http://schemas.openxmlformats.org/drawingml/2006/lockedCanvas" saveSubsetFonts="true">
+<p:presentation xmlns:p="http://schemas.openxmlformats.org/presentationml/2006/main" xmlns:r="http://schemas.openxmlformats.org/officeDocument/2006/relationships" xmlns:a="http://schemas.openxmlformats.org/drawingml/2006/main" xmlns:mc="http://schemas.openxmlformats.org/markup-compatibility/2006" xmlns:c="http://schemas.openxmlformats.org/drawingml/2006/chart" xmlns:ns6="http://schemas.openxmlformats.org/drawingml/2006/chartDrawing" xmlns:dgm="http://schemas.openxmlformats.org/drawingml/2006/diagram" xmlns:pic="http://schemas.openxmlformats.org/drawingml/2006/picture" xmlns:wp="http://schemas.openxmlformats.org/drawingml/2006/wordprocessingDrawing" xmlns:xdr="http://schemas.openxmlformats.org/drawingml/2006/spreadsheetDrawing" xmlns:ns11="http://schemas.openxmlformats.org/drawingml/2006/compatibility" xmlns:ns12="http://schemas.openxmlformats.org/drawingml/2006/lockedCanvas" saveSubsetFonts="true">
   <p:sldMasterIdLst>
     <p:sldMasterId id="2147483648" r:id="rId1"/>
   </p:sldMasterIdLst>
   <p:sldIdLst>
-    <p:sldId id="1023035056" r:id="rId8"/>
-    <p:sldId id="976440622" r:id="rId7"/>
+    <p:sldId id="743228622" r:id="rId8"/>
+    <p:sldId id="1636850864" r:id="rId7"/>
   </p:sldIdLst>
   <p:sldSz cx="12192000" cy="6858000"/>
   <p:notesSz cx="6858000" cy="9144000"/>
@@ -114,7 +114,7 @@
 </file>
 
 <file path=ppt/slideLayouts/slideLayout1.xml><?xml version="1.0" encoding="utf-8"?>
-<p:sldLayout xmlns:p="http://schemas.openxmlformats.org/presentationml/2006/main" xmlns:a="http://schemas.openxmlformats.org/drawingml/2006/main" xmlns:r="http://schemas.openxmlformats.org/officeDocument/2006/relationships" xmlns:mc="http://schemas.openxmlformats.org/markup-compatibility/2006" xmlns:c="http://schemas.openxmlformats.org/drawingml/2006/chart" xmlns:ns6="http://schemas.openxmlformats.org/drawingml/2006/chartDrawing" xmlns:dgm="http://schemas.openxmlformats.org/drawingml/2006/diagram" xmlns:pic="http://schemas.openxmlformats.org/drawingml/2006/picture" xmlns:wp="http://schemas.openxmlformats.org/drawingml/2006/wordprocessingDrawing" xmlns:xdr="http://schemas.openxmlformats.org/drawingml/2006/spreadsheetDrawing" xmlns:ns11="http://schemas.openxmlformats.org/drawingml/2006/compatibility" xmlns:ns12="http://schemas.openxmlformats.org/drawingml/2006/lockedCanvas" type="title" preserve="true">
+<p:sldLayout xmlns:p="http://schemas.openxmlformats.org/presentationml/2006/main" xmlns:r="http://schemas.openxmlformats.org/officeDocument/2006/relationships" xmlns:a="http://schemas.openxmlformats.org/drawingml/2006/main" xmlns:mc="http://schemas.openxmlformats.org/markup-compatibility/2006" xmlns:c="http://schemas.openxmlformats.org/drawingml/2006/chart" xmlns:ns6="http://schemas.openxmlformats.org/drawingml/2006/chartDrawing" xmlns:dgm="http://schemas.openxmlformats.org/drawingml/2006/diagram" xmlns:pic="http://schemas.openxmlformats.org/drawingml/2006/picture" xmlns:wp="http://schemas.openxmlformats.org/drawingml/2006/wordprocessingDrawing" xmlns:xdr="http://schemas.openxmlformats.org/drawingml/2006/spreadsheetDrawing" xmlns:ns11="http://schemas.openxmlformats.org/drawingml/2006/compatibility" xmlns:ns12="http://schemas.openxmlformats.org/drawingml/2006/lockedCanvas" type="title" preserve="true">
   <p:cSld name="Title Slide">
     <p:spTree>
       <p:nvGrpSpPr>
@@ -313,7 +313,7 @@
 </file>
 
 <file path=ppt/slideLayouts/slideLayout10.xml><?xml version="1.0" encoding="utf-8"?>
-<p:sldLayout xmlns:p="http://schemas.openxmlformats.org/presentationml/2006/main" xmlns:a="http://schemas.openxmlformats.org/drawingml/2006/main" xmlns:r="http://schemas.openxmlformats.org/officeDocument/2006/relationships" xmlns:mc="http://schemas.openxmlformats.org/markup-compatibility/2006" xmlns:c="http://schemas.openxmlformats.org/drawingml/2006/chart" xmlns:ns6="http://schemas.openxmlformats.org/drawingml/2006/chartDrawing" xmlns:dgm="http://schemas.openxmlformats.org/drawingml/2006/diagram" xmlns:pic="http://schemas.openxmlformats.org/drawingml/2006/picture" xmlns:wp="http://schemas.openxmlformats.org/drawingml/2006/wordprocessingDrawing" xmlns:xdr="http://schemas.openxmlformats.org/drawingml/2006/spreadsheetDrawing" xmlns:ns11="http://schemas.openxmlformats.org/drawingml/2006/compatibility" xmlns:ns12="http://schemas.openxmlformats.org/drawingml/2006/lockedCanvas" type="vertTitleAndTx" preserve="true">
+<p:sldLayout xmlns:p="http://schemas.openxmlformats.org/presentationml/2006/main" xmlns:r="http://schemas.openxmlformats.org/officeDocument/2006/relationships" xmlns:a="http://schemas.openxmlformats.org/drawingml/2006/main" xmlns:mc="http://schemas.openxmlformats.org/markup-compatibility/2006" xmlns:c="http://schemas.openxmlformats.org/drawingml/2006/chart" xmlns:ns6="http://schemas.openxmlformats.org/drawingml/2006/chartDrawing" xmlns:dgm="http://schemas.openxmlformats.org/drawingml/2006/diagram" xmlns:pic="http://schemas.openxmlformats.org/drawingml/2006/picture" xmlns:wp="http://schemas.openxmlformats.org/drawingml/2006/wordprocessingDrawing" xmlns:xdr="http://schemas.openxmlformats.org/drawingml/2006/spreadsheetDrawing" xmlns:ns11="http://schemas.openxmlformats.org/drawingml/2006/compatibility" xmlns:ns12="http://schemas.openxmlformats.org/drawingml/2006/lockedCanvas" type="vertTitleAndTx" preserve="true">
   <p:cSld name="Vertical Title and Text">
     <p:spTree>
       <p:nvGrpSpPr>
@@ -500,7 +500,7 @@
 </file>
 
 <file path=ppt/slideLayouts/slideLayout2.xml><?xml version="1.0" encoding="utf-8"?>
-<p:sldLayout xmlns:p="http://schemas.openxmlformats.org/presentationml/2006/main" xmlns:a="http://schemas.openxmlformats.org/drawingml/2006/main" xmlns:r="http://schemas.openxmlformats.org/officeDocument/2006/relationships" xmlns:mc="http://schemas.openxmlformats.org/markup-compatibility/2006" xmlns:c="http://schemas.openxmlformats.org/drawingml/2006/chart" xmlns:ns6="http://schemas.openxmlformats.org/drawingml/2006/chartDrawing" xmlns:dgm="http://schemas.openxmlformats.org/drawingml/2006/diagram" xmlns:pic="http://schemas.openxmlformats.org/drawingml/2006/picture" xmlns:wp="http://schemas.openxmlformats.org/drawingml/2006/wordprocessingDrawing" xmlns:xdr="http://schemas.openxmlformats.org/drawingml/2006/spreadsheetDrawing" xmlns:ns11="http://schemas.openxmlformats.org/drawingml/2006/compatibility" xmlns:ns12="http://schemas.openxmlformats.org/drawingml/2006/lockedCanvas" type="obj" preserve="true">
+<p:sldLayout xmlns:p="http://schemas.openxmlformats.org/presentationml/2006/main" xmlns:r="http://schemas.openxmlformats.org/officeDocument/2006/relationships" xmlns:a="http://schemas.openxmlformats.org/drawingml/2006/main" xmlns:mc="http://schemas.openxmlformats.org/markup-compatibility/2006" xmlns:c="http://schemas.openxmlformats.org/drawingml/2006/chart" xmlns:ns6="http://schemas.openxmlformats.org/drawingml/2006/chartDrawing" xmlns:dgm="http://schemas.openxmlformats.org/drawingml/2006/diagram" xmlns:pic="http://schemas.openxmlformats.org/drawingml/2006/picture" xmlns:wp="http://schemas.openxmlformats.org/drawingml/2006/wordprocessingDrawing" xmlns:xdr="http://schemas.openxmlformats.org/drawingml/2006/spreadsheetDrawing" xmlns:ns11="http://schemas.openxmlformats.org/drawingml/2006/compatibility" xmlns:ns12="http://schemas.openxmlformats.org/drawingml/2006/lockedCanvas" type="obj" preserve="true">
   <p:cSld name="Title and Content">
     <p:spTree>
       <p:nvGrpSpPr>
@@ -682,7 +682,7 @@
 </file>
 
 <file path=ppt/slideLayouts/slideLayout3.xml><?xml version="1.0" encoding="utf-8"?>
-<p:sldLayout xmlns:p="http://schemas.openxmlformats.org/presentationml/2006/main" xmlns:a="http://schemas.openxmlformats.org/drawingml/2006/main" xmlns:r="http://schemas.openxmlformats.org/officeDocument/2006/relationships" xmlns:mc="http://schemas.openxmlformats.org/markup-compatibility/2006" xmlns:c="http://schemas.openxmlformats.org/drawingml/2006/chart" xmlns:ns6="http://schemas.openxmlformats.org/drawingml/2006/chartDrawing" xmlns:dgm="http://schemas.openxmlformats.org/drawingml/2006/diagram" xmlns:pic="http://schemas.openxmlformats.org/drawingml/2006/picture" xmlns:wp="http://schemas.openxmlformats.org/drawingml/2006/wordprocessingDrawing" xmlns:xdr="http://schemas.openxmlformats.org/drawingml/2006/spreadsheetDrawing" xmlns:ns11="http://schemas.openxmlformats.org/drawingml/2006/compatibility" xmlns:ns12="http://schemas.openxmlformats.org/drawingml/2006/lockedCanvas" type="secHead" preserve="true">
+<p:sldLayout xmlns:p="http://schemas.openxmlformats.org/presentationml/2006/main" xmlns:r="http://schemas.openxmlformats.org/officeDocument/2006/relationships" xmlns:a="http://schemas.openxmlformats.org/drawingml/2006/main" xmlns:mc="http://schemas.openxmlformats.org/markup-compatibility/2006" xmlns:c="http://schemas.openxmlformats.org/drawingml/2006/chart" xmlns:ns6="http://schemas.openxmlformats.org/drawingml/2006/chartDrawing" xmlns:dgm="http://schemas.openxmlformats.org/drawingml/2006/diagram" xmlns:pic="http://schemas.openxmlformats.org/drawingml/2006/picture" xmlns:wp="http://schemas.openxmlformats.org/drawingml/2006/wordprocessingDrawing" xmlns:xdr="http://schemas.openxmlformats.org/drawingml/2006/spreadsheetDrawing" xmlns:ns11="http://schemas.openxmlformats.org/drawingml/2006/compatibility" xmlns:ns12="http://schemas.openxmlformats.org/drawingml/2006/lockedCanvas" type="secHead" preserve="true">
   <p:cSld name="Section Header">
     <p:spTree>
       <p:nvGrpSpPr>
@@ -935,7 +935,7 @@
 </file>
 
 <file path=ppt/slideLayouts/slideLayout4.xml><?xml version="1.0" encoding="utf-8"?>
-<p:sldLayout xmlns:p="http://schemas.openxmlformats.org/presentationml/2006/main" xmlns:a="http://schemas.openxmlformats.org/drawingml/2006/main" xmlns:r="http://schemas.openxmlformats.org/officeDocument/2006/relationships" xmlns:mc="http://schemas.openxmlformats.org/markup-compatibility/2006" xmlns:c="http://schemas.openxmlformats.org/drawingml/2006/chart" xmlns:ns6="http://schemas.openxmlformats.org/drawingml/2006/chartDrawing" xmlns:dgm="http://schemas.openxmlformats.org/drawingml/2006/diagram" xmlns:pic="http://schemas.openxmlformats.org/drawingml/2006/picture" xmlns:wp="http://schemas.openxmlformats.org/drawingml/2006/wordprocessingDrawing" xmlns:xdr="http://schemas.openxmlformats.org/drawingml/2006/spreadsheetDrawing" xmlns:ns11="http://schemas.openxmlformats.org/drawingml/2006/compatibility" xmlns:ns12="http://schemas.openxmlformats.org/drawingml/2006/lockedCanvas" type="twoObj" preserve="true">
+<p:sldLayout xmlns:p="http://schemas.openxmlformats.org/presentationml/2006/main" xmlns:r="http://schemas.openxmlformats.org/officeDocument/2006/relationships" xmlns:a="http://schemas.openxmlformats.org/drawingml/2006/main" xmlns:mc="http://schemas.openxmlformats.org/markup-compatibility/2006" xmlns:c="http://schemas.openxmlformats.org/drawingml/2006/chart" xmlns:ns6="http://schemas.openxmlformats.org/drawingml/2006/chartDrawing" xmlns:dgm="http://schemas.openxmlformats.org/drawingml/2006/diagram" xmlns:pic="http://schemas.openxmlformats.org/drawingml/2006/picture" xmlns:wp="http://schemas.openxmlformats.org/drawingml/2006/wordprocessingDrawing" xmlns:xdr="http://schemas.openxmlformats.org/drawingml/2006/spreadsheetDrawing" xmlns:ns11="http://schemas.openxmlformats.org/drawingml/2006/compatibility" xmlns:ns12="http://schemas.openxmlformats.org/drawingml/2006/lockedCanvas" type="twoObj" preserve="true">
   <p:cSld name="Two Content">
     <p:spTree>
       <p:nvGrpSpPr>
@@ -1174,7 +1174,7 @@
 </file>
 
 <file path=ppt/slideLayouts/slideLayout5.xml><?xml version="1.0" encoding="utf-8"?>
-<p:sldLayout xmlns:p="http://schemas.openxmlformats.org/presentationml/2006/main" xmlns:a="http://schemas.openxmlformats.org/drawingml/2006/main" xmlns:r="http://schemas.openxmlformats.org/officeDocument/2006/relationships" xmlns:mc="http://schemas.openxmlformats.org/markup-compatibility/2006" xmlns:c="http://schemas.openxmlformats.org/drawingml/2006/chart" xmlns:ns6="http://schemas.openxmlformats.org/drawingml/2006/chartDrawing" xmlns:dgm="http://schemas.openxmlformats.org/drawingml/2006/diagram" xmlns:pic="http://schemas.openxmlformats.org/drawingml/2006/picture" xmlns:wp="http://schemas.openxmlformats.org/drawingml/2006/wordprocessingDrawing" xmlns:xdr="http://schemas.openxmlformats.org/drawingml/2006/spreadsheetDrawing" xmlns:ns11="http://schemas.openxmlformats.org/drawingml/2006/compatibility" xmlns:ns12="http://schemas.openxmlformats.org/drawingml/2006/lockedCanvas" type="twoTxTwoObj" preserve="true">
+<p:sldLayout xmlns:p="http://schemas.openxmlformats.org/presentationml/2006/main" xmlns:r="http://schemas.openxmlformats.org/officeDocument/2006/relationships" xmlns:a="http://schemas.openxmlformats.org/drawingml/2006/main" xmlns:mc="http://schemas.openxmlformats.org/markup-compatibility/2006" xmlns:c="http://schemas.openxmlformats.org/drawingml/2006/chart" xmlns:ns6="http://schemas.openxmlformats.org/drawingml/2006/chartDrawing" xmlns:dgm="http://schemas.openxmlformats.org/drawingml/2006/diagram" xmlns:pic="http://schemas.openxmlformats.org/drawingml/2006/picture" xmlns:wp="http://schemas.openxmlformats.org/drawingml/2006/wordprocessingDrawing" xmlns:xdr="http://schemas.openxmlformats.org/drawingml/2006/spreadsheetDrawing" xmlns:ns11="http://schemas.openxmlformats.org/drawingml/2006/compatibility" xmlns:ns12="http://schemas.openxmlformats.org/drawingml/2006/lockedCanvas" type="twoTxTwoObj" preserve="true">
   <p:cSld name="Comparison">
     <p:spTree>
       <p:nvGrpSpPr>
@@ -1529,7 +1529,7 @@
 </file>
 
 <file path=ppt/slideLayouts/slideLayout6.xml><?xml version="1.0" encoding="utf-8"?>
-<p:sldLayout xmlns:p="http://schemas.openxmlformats.org/presentationml/2006/main" xmlns:a="http://schemas.openxmlformats.org/drawingml/2006/main" xmlns:r="http://schemas.openxmlformats.org/officeDocument/2006/relationships" xmlns:mc="http://schemas.openxmlformats.org/markup-compatibility/2006" xmlns:c="http://schemas.openxmlformats.org/drawingml/2006/chart" xmlns:ns6="http://schemas.openxmlformats.org/drawingml/2006/chartDrawing" xmlns:dgm="http://schemas.openxmlformats.org/drawingml/2006/diagram" xmlns:pic="http://schemas.openxmlformats.org/drawingml/2006/picture" xmlns:wp="http://schemas.openxmlformats.org/drawingml/2006/wordprocessingDrawing" xmlns:xdr="http://schemas.openxmlformats.org/drawingml/2006/spreadsheetDrawing" xmlns:ns11="http://schemas.openxmlformats.org/drawingml/2006/compatibility" xmlns:ns12="http://schemas.openxmlformats.org/drawingml/2006/lockedCanvas" type="titleOnly" preserve="true">
+<p:sldLayout xmlns:p="http://schemas.openxmlformats.org/presentationml/2006/main" xmlns:r="http://schemas.openxmlformats.org/officeDocument/2006/relationships" xmlns:a="http://schemas.openxmlformats.org/drawingml/2006/main" xmlns:mc="http://schemas.openxmlformats.org/markup-compatibility/2006" xmlns:c="http://schemas.openxmlformats.org/drawingml/2006/chart" xmlns:ns6="http://schemas.openxmlformats.org/drawingml/2006/chartDrawing" xmlns:dgm="http://schemas.openxmlformats.org/drawingml/2006/diagram" xmlns:pic="http://schemas.openxmlformats.org/drawingml/2006/picture" xmlns:wp="http://schemas.openxmlformats.org/drawingml/2006/wordprocessingDrawing" xmlns:xdr="http://schemas.openxmlformats.org/drawingml/2006/spreadsheetDrawing" xmlns:ns11="http://schemas.openxmlformats.org/drawingml/2006/compatibility" xmlns:ns12="http://schemas.openxmlformats.org/drawingml/2006/lockedCanvas" type="titleOnly" preserve="true">
   <p:cSld name="Title Only">
     <p:spTree>
       <p:nvGrpSpPr>
@@ -1654,7 +1654,7 @@
 </file>
 
 <file path=ppt/slideLayouts/slideLayout7.xml><?xml version="1.0" encoding="utf-8"?>
-<p:sldLayout xmlns:p="http://schemas.openxmlformats.org/presentationml/2006/main" xmlns:a="http://schemas.openxmlformats.org/drawingml/2006/main" xmlns:r="http://schemas.openxmlformats.org/officeDocument/2006/relationships" xmlns:mc="http://schemas.openxmlformats.org/markup-compatibility/2006" xmlns:c="http://schemas.openxmlformats.org/drawingml/2006/chart" xmlns:ns6="http://schemas.openxmlformats.org/drawingml/2006/chartDrawing" xmlns:dgm="http://schemas.openxmlformats.org/drawingml/2006/diagram" xmlns:pic="http://schemas.openxmlformats.org/drawingml/2006/picture" xmlns:wp="http://schemas.openxmlformats.org/drawingml/2006/wordprocessingDrawing" xmlns:xdr="http://schemas.openxmlformats.org/drawingml/2006/spreadsheetDrawing" xmlns:ns11="http://schemas.openxmlformats.org/drawingml/2006/compatibility" xmlns:ns12="http://schemas.openxmlformats.org/drawingml/2006/lockedCanvas" type="blank" preserve="true">
+<p:sldLayout xmlns:p="http://schemas.openxmlformats.org/presentationml/2006/main" xmlns:r="http://schemas.openxmlformats.org/officeDocument/2006/relationships" xmlns:a="http://schemas.openxmlformats.org/drawingml/2006/main" xmlns:mc="http://schemas.openxmlformats.org/markup-compatibility/2006" xmlns:c="http://schemas.openxmlformats.org/drawingml/2006/chart" xmlns:ns6="http://schemas.openxmlformats.org/drawingml/2006/chartDrawing" xmlns:dgm="http://schemas.openxmlformats.org/drawingml/2006/diagram" xmlns:pic="http://schemas.openxmlformats.org/drawingml/2006/picture" xmlns:wp="http://schemas.openxmlformats.org/drawingml/2006/wordprocessingDrawing" xmlns:xdr="http://schemas.openxmlformats.org/drawingml/2006/spreadsheetDrawing" xmlns:ns11="http://schemas.openxmlformats.org/drawingml/2006/compatibility" xmlns:ns12="http://schemas.openxmlformats.org/drawingml/2006/lockedCanvas" type="blank" preserve="true">
   <p:cSld name="Blank">
     <p:spTree>
       <p:nvGrpSpPr>
@@ -1756,7 +1756,7 @@
 </file>
 
 <file path=ppt/slideLayouts/slideLayout8.xml><?xml version="1.0" encoding="utf-8"?>
-<p:sldLayout xmlns:p="http://schemas.openxmlformats.org/presentationml/2006/main" xmlns:a="http://schemas.openxmlformats.org/drawingml/2006/main" xmlns:r="http://schemas.openxmlformats.org/officeDocument/2006/relationships" xmlns:mc="http://schemas.openxmlformats.org/markup-compatibility/2006" xmlns:c="http://schemas.openxmlformats.org/drawingml/2006/chart" xmlns:ns6="http://schemas.openxmlformats.org/drawingml/2006/chartDrawing" xmlns:dgm="http://schemas.openxmlformats.org/drawingml/2006/diagram" xmlns:pic="http://schemas.openxmlformats.org/drawingml/2006/picture" xmlns:wp="http://schemas.openxmlformats.org/drawingml/2006/wordprocessingDrawing" xmlns:xdr="http://schemas.openxmlformats.org/drawingml/2006/spreadsheetDrawing" xmlns:ns11="http://schemas.openxmlformats.org/drawingml/2006/compatibility" xmlns:ns12="http://schemas.openxmlformats.org/drawingml/2006/lockedCanvas" type="objTx" preserve="true">
+<p:sldLayout xmlns:p="http://schemas.openxmlformats.org/presentationml/2006/main" xmlns:r="http://schemas.openxmlformats.org/officeDocument/2006/relationships" xmlns:a="http://schemas.openxmlformats.org/drawingml/2006/main" xmlns:mc="http://schemas.openxmlformats.org/markup-compatibility/2006" xmlns:c="http://schemas.openxmlformats.org/drawingml/2006/chart" xmlns:ns6="http://schemas.openxmlformats.org/drawingml/2006/chartDrawing" xmlns:dgm="http://schemas.openxmlformats.org/drawingml/2006/diagram" xmlns:pic="http://schemas.openxmlformats.org/drawingml/2006/picture" xmlns:wp="http://schemas.openxmlformats.org/drawingml/2006/wordprocessingDrawing" xmlns:xdr="http://schemas.openxmlformats.org/drawingml/2006/spreadsheetDrawing" xmlns:ns11="http://schemas.openxmlformats.org/drawingml/2006/compatibility" xmlns:ns12="http://schemas.openxmlformats.org/drawingml/2006/lockedCanvas" type="objTx" preserve="true">
   <p:cSld name="Content with Caption">
     <p:spTree>
       <p:nvGrpSpPr>
@@ -2040,7 +2040,7 @@
 </file>
 
 <file path=ppt/slideLayouts/slideLayout9.xml><?xml version="1.0" encoding="utf-8"?>
-<p:sldLayout xmlns:p="http://schemas.openxmlformats.org/presentationml/2006/main" xmlns:a="http://schemas.openxmlformats.org/drawingml/2006/main" xmlns:r="http://schemas.openxmlformats.org/officeDocument/2006/relationships" xmlns:mc="http://schemas.openxmlformats.org/markup-compatibility/2006" xmlns:c="http://schemas.openxmlformats.org/drawingml/2006/chart" xmlns:ns6="http://schemas.openxmlformats.org/drawingml/2006/chartDrawing" xmlns:dgm="http://schemas.openxmlformats.org/drawingml/2006/diagram" xmlns:pic="http://schemas.openxmlformats.org/drawingml/2006/picture" xmlns:wp="http://schemas.openxmlformats.org/drawingml/2006/wordprocessingDrawing" xmlns:xdr="http://schemas.openxmlformats.org/drawingml/2006/spreadsheetDrawing" xmlns:ns11="http://schemas.openxmlformats.org/drawingml/2006/compatibility" xmlns:ns12="http://schemas.openxmlformats.org/drawingml/2006/lockedCanvas" type="vertTx" preserve="true">
+<p:sldLayout xmlns:p="http://schemas.openxmlformats.org/presentationml/2006/main" xmlns:r="http://schemas.openxmlformats.org/officeDocument/2006/relationships" xmlns:a="http://schemas.openxmlformats.org/drawingml/2006/main" xmlns:mc="http://schemas.openxmlformats.org/markup-compatibility/2006" xmlns:c="http://schemas.openxmlformats.org/drawingml/2006/chart" xmlns:ns6="http://schemas.openxmlformats.org/drawingml/2006/chartDrawing" xmlns:dgm="http://schemas.openxmlformats.org/drawingml/2006/diagram" xmlns:pic="http://schemas.openxmlformats.org/drawingml/2006/picture" xmlns:wp="http://schemas.openxmlformats.org/drawingml/2006/wordprocessingDrawing" xmlns:xdr="http://schemas.openxmlformats.org/drawingml/2006/spreadsheetDrawing" xmlns:ns11="http://schemas.openxmlformats.org/drawingml/2006/compatibility" xmlns:ns12="http://schemas.openxmlformats.org/drawingml/2006/lockedCanvas" type="vertTx" preserve="true">
   <p:cSld name="Title and Vertical Text">
     <p:spTree>
       <p:nvGrpSpPr>
@@ -2217,7 +2217,7 @@
 </file>
 
 <file path=ppt/slideMasters/slideMaster1.xml><?xml version="1.0" encoding="utf-8"?>
-<p:sldMaster xmlns:p="http://schemas.openxmlformats.org/presentationml/2006/main" xmlns:a="http://schemas.openxmlformats.org/drawingml/2006/main" xmlns:r="http://schemas.openxmlformats.org/officeDocument/2006/relationships" xmlns:mc="http://schemas.openxmlformats.org/markup-compatibility/2006" xmlns:c="http://schemas.openxmlformats.org/drawingml/2006/chart" xmlns:ns6="http://schemas.openxmlformats.org/drawingml/2006/chartDrawing" xmlns:dgm="http://schemas.openxmlformats.org/drawingml/2006/diagram" xmlns:pic="http://schemas.openxmlformats.org/drawingml/2006/picture" xmlns:wp="http://schemas.openxmlformats.org/drawingml/2006/wordprocessingDrawing" xmlns:xdr="http://schemas.openxmlformats.org/drawingml/2006/spreadsheetDrawing" xmlns:ns11="http://schemas.openxmlformats.org/drawingml/2006/compatibility" xmlns:ns12="http://schemas.openxmlformats.org/drawingml/2006/lockedCanvas">
+<p:sldMaster xmlns:p="http://schemas.openxmlformats.org/presentationml/2006/main" xmlns:r="http://schemas.openxmlformats.org/officeDocument/2006/relationships" xmlns:a="http://schemas.openxmlformats.org/drawingml/2006/main" xmlns:mc="http://schemas.openxmlformats.org/markup-compatibility/2006" xmlns:c="http://schemas.openxmlformats.org/drawingml/2006/chart" xmlns:ns6="http://schemas.openxmlformats.org/drawingml/2006/chartDrawing" xmlns:dgm="http://schemas.openxmlformats.org/drawingml/2006/diagram" xmlns:pic="http://schemas.openxmlformats.org/drawingml/2006/picture" xmlns:wp="http://schemas.openxmlformats.org/drawingml/2006/wordprocessingDrawing" xmlns:xdr="http://schemas.openxmlformats.org/drawingml/2006/spreadsheetDrawing" xmlns:ns11="http://schemas.openxmlformats.org/drawingml/2006/compatibility" xmlns:ns12="http://schemas.openxmlformats.org/drawingml/2006/lockedCanvas">
   <p:cSld>
     <p:bg>
       <p:bgRef idx="1001">
@@ -2763,7 +2763,7 @@
 </file>
 
 <file path=ppt/slides/slide1.xml><?xml version="1.0" encoding="utf-8"?>
-<p:sld xmlns:p="http://schemas.openxmlformats.org/presentationml/2006/main" xmlns:a="http://schemas.openxmlformats.org/drawingml/2006/main" xmlns:r="http://schemas.openxmlformats.org/officeDocument/2006/relationships" xmlns:mc="http://schemas.openxmlformats.org/markup-compatibility/2006" xmlns:c="http://schemas.openxmlformats.org/drawingml/2006/chart" xmlns:ns6="http://schemas.openxmlformats.org/drawingml/2006/chartDrawing" xmlns:dgm="http://schemas.openxmlformats.org/drawingml/2006/diagram" xmlns:pic="http://schemas.openxmlformats.org/drawingml/2006/picture" xmlns:wp="http://schemas.openxmlformats.org/drawingml/2006/wordprocessingDrawing" xmlns:xdr="http://schemas.openxmlformats.org/drawingml/2006/spreadsheetDrawing" xmlns:ns11="http://schemas.openxmlformats.org/drawingml/2006/compatibility" xmlns:ns12="http://schemas.openxmlformats.org/drawingml/2006/lockedCanvas">
+<p:sld xmlns:p="http://schemas.openxmlformats.org/presentationml/2006/main" xmlns:r="http://schemas.openxmlformats.org/officeDocument/2006/relationships" xmlns:a="http://schemas.openxmlformats.org/drawingml/2006/main" xmlns:mc="http://schemas.openxmlformats.org/markup-compatibility/2006" xmlns:c="http://schemas.openxmlformats.org/drawingml/2006/chart" xmlns:ns6="http://schemas.openxmlformats.org/drawingml/2006/chartDrawing" xmlns:dgm="http://schemas.openxmlformats.org/drawingml/2006/diagram" xmlns:pic="http://schemas.openxmlformats.org/drawingml/2006/picture" xmlns:wp="http://schemas.openxmlformats.org/drawingml/2006/wordprocessingDrawing" xmlns:xdr="http://schemas.openxmlformats.org/drawingml/2006/spreadsheetDrawing" xmlns:ns11="http://schemas.openxmlformats.org/drawingml/2006/compatibility" xmlns:ns12="http://schemas.openxmlformats.org/drawingml/2006/lockedCanvas">
   <p:cSld>
     <p:spTree>
       <p:nvGrpSpPr>
@@ -2839,7 +2839,7 @@
                         <a:buNone/>
                       </a:pPr>
                       <a:r>
-                        <a:rPr sz="2400" b="true">
+                        <a:rPr sz="1100" b="true">
                           <a:solidFill>
                             <a:srgbClr val="000000">
                               <a:alpha val="100000"/>
@@ -2906,7 +2906,7 @@
                         <a:buNone/>
                       </a:pPr>
                       <a:r>
-                        <a:rPr sz="2400" b="true">
+                        <a:rPr sz="1100" b="true">
                           <a:solidFill>
                             <a:srgbClr val="000000">
                               <a:alpha val="100000"/>
@@ -2973,7 +2973,7 @@
                         <a:buNone/>
                       </a:pPr>
                       <a:r>
-                        <a:rPr sz="2400" b="true">
+                        <a:rPr sz="1100" b="true">
                           <a:solidFill>
                             <a:srgbClr val="000000">
                               <a:alpha val="100000"/>
@@ -3040,7 +3040,7 @@
                         <a:buNone/>
                       </a:pPr>
                       <a:r>
-                        <a:rPr sz="2400" b="true">
+                        <a:rPr sz="1100" b="true">
                           <a:solidFill>
                             <a:srgbClr val="000000">
                               <a:alpha val="100000"/>
@@ -3107,7 +3107,7 @@
                         <a:buNone/>
                       </a:pPr>
                       <a:r>
-                        <a:rPr sz="2400" b="true">
+                        <a:rPr sz="1100" b="true">
                           <a:solidFill>
                             <a:srgbClr val="000000">
                               <a:alpha val="100000"/>
@@ -3174,7 +3174,7 @@
                         <a:buNone/>
                       </a:pPr>
                       <a:r>
-                        <a:rPr sz="2400" b="true">
+                        <a:rPr sz="1100" b="true">
                           <a:solidFill>
                             <a:srgbClr val="000000">
                               <a:alpha val="100000"/>
@@ -3243,7 +3243,7 @@
                         <a:buNone/>
                       </a:pPr>
                       <a:r>
-                        <a:rPr sz="2400">
+                        <a:rPr sz="1100">
                           <a:solidFill>
                             <a:srgbClr val="000000">
                               <a:alpha val="100000"/>
@@ -3256,7 +3256,7 @@
                         <a:t/>
                       </a:r>
                       <a:r>
-                        <a:rPr sz="2400">
+                        <a:rPr sz="1100">
                           <a:solidFill>
                             <a:srgbClr val="000000">
                               <a:alpha val="100000"/>
@@ -3322,7 +3322,7 @@
                         <a:buNone/>
                       </a:pPr>
                       <a:r>
-                        <a:rPr sz="2400">
+                        <a:rPr sz="1100">
                           <a:solidFill>
                             <a:srgbClr val="000000">
                               <a:alpha val="100000"/>
@@ -3335,7 +3335,7 @@
                         <a:t/>
                       </a:r>
                       <a:r>
-                        <a:rPr sz="2400">
+                        <a:rPr sz="1100">
                           <a:solidFill>
                             <a:srgbClr val="000000">
                               <a:alpha val="100000"/>
@@ -3401,7 +3401,7 @@
                         <a:buNone/>
                       </a:pPr>
                       <a:r>
-                        <a:rPr sz="2400">
+                        <a:rPr sz="1100">
                           <a:solidFill>
                             <a:srgbClr val="000000">
                               <a:alpha val="100000"/>
@@ -3414,7 +3414,7 @@
                         <a:t/>
                       </a:r>
                       <a:r>
-                        <a:rPr sz="2400">
+                        <a:rPr sz="1100">
                           <a:solidFill>
                             <a:srgbClr val="000000">
                               <a:alpha val="100000"/>
@@ -3480,7 +3480,7 @@
                         <a:buNone/>
                       </a:pPr>
                       <a:r>
-                        <a:rPr sz="2400">
+                        <a:rPr sz="1100">
                           <a:solidFill>
                             <a:srgbClr val="000000">
                               <a:alpha val="100000"/>
@@ -3493,7 +3493,7 @@
                         <a:t/>
                       </a:r>
                       <a:r>
-                        <a:rPr sz="2400">
+                        <a:rPr sz="1100">
                           <a:solidFill>
                             <a:srgbClr val="000000">
                               <a:alpha val="100000"/>
@@ -3559,7 +3559,7 @@
                         <a:buNone/>
                       </a:pPr>
                       <a:r>
-                        <a:rPr sz="2400">
+                        <a:rPr sz="1100">
                           <a:solidFill>
                             <a:srgbClr val="000000">
                               <a:alpha val="100000"/>
@@ -3572,7 +3572,7 @@
                         <a:t/>
                       </a:r>
                       <a:r>
-                        <a:rPr sz="2400">
+                        <a:rPr sz="1100">
                           <a:solidFill>
                             <a:srgbClr val="000000">
                               <a:alpha val="100000"/>
@@ -3638,7 +3638,7 @@
                         <a:buNone/>
                       </a:pPr>
                       <a:r>
-                        <a:rPr sz="2400">
+                        <a:rPr sz="1100">
                           <a:solidFill>
                             <a:srgbClr val="000000">
                               <a:alpha val="100000"/>
@@ -3651,7 +3651,7 @@
                         <a:t/>
                       </a:r>
                       <a:r>
-                        <a:rPr sz="2400">
+                        <a:rPr sz="1100">
                           <a:solidFill>
                             <a:srgbClr val="000000">
                               <a:alpha val="100000"/>
@@ -3719,7 +3719,7 @@
                         <a:buNone/>
                       </a:pPr>
                       <a:r>
-                        <a:rPr sz="2400">
+                        <a:rPr sz="1100">
                           <a:solidFill>
                             <a:srgbClr val="000000">
                               <a:alpha val="100000"/>
@@ -3732,7 +3732,7 @@
                         <a:t/>
                       </a:r>
                       <a:r>
-                        <a:rPr sz="2400">
+                        <a:rPr sz="1100">
                           <a:solidFill>
                             <a:srgbClr val="000000">
                               <a:alpha val="100000"/>
@@ -3797,7 +3797,7 @@
                         <a:buNone/>
                       </a:pPr>
                       <a:r>
-                        <a:rPr sz="2400">
+                        <a:rPr sz="1100">
                           <a:solidFill>
                             <a:srgbClr val="000000">
                               <a:alpha val="100000"/>
@@ -3810,7 +3810,7 @@
                         <a:t/>
                       </a:r>
                       <a:r>
-                        <a:rPr sz="2400">
+                        <a:rPr sz="1100">
                           <a:solidFill>
                             <a:srgbClr val="000000">
                               <a:alpha val="100000"/>
@@ -3875,7 +3875,7 @@
                         <a:buNone/>
                       </a:pPr>
                       <a:r>
-                        <a:rPr sz="2400">
+                        <a:rPr sz="1100">
                           <a:solidFill>
                             <a:srgbClr val="000000">
                               <a:alpha val="100000"/>
@@ -3888,7 +3888,7 @@
                         <a:t/>
                       </a:r>
                       <a:r>
-                        <a:rPr sz="2400">
+                        <a:rPr sz="1100">
                           <a:solidFill>
                             <a:srgbClr val="000000">
                               <a:alpha val="100000"/>
@@ -3953,7 +3953,7 @@
                         <a:buNone/>
                       </a:pPr>
                       <a:r>
-                        <a:rPr sz="2400">
+                        <a:rPr sz="1100">
                           <a:solidFill>
                             <a:srgbClr val="000000">
                               <a:alpha val="100000"/>
@@ -3966,7 +3966,7 @@
                         <a:t/>
                       </a:r>
                       <a:r>
-                        <a:rPr sz="2400">
+                        <a:rPr sz="1100">
                           <a:solidFill>
                             <a:srgbClr val="000000">
                               <a:alpha val="100000"/>
@@ -4031,7 +4031,7 @@
                         <a:buNone/>
                       </a:pPr>
                       <a:r>
-                        <a:rPr sz="2400">
+                        <a:rPr sz="1100">
                           <a:solidFill>
                             <a:srgbClr val="000000">
                               <a:alpha val="100000"/>
@@ -4044,7 +4044,7 @@
                         <a:t/>
                       </a:r>
                       <a:r>
-                        <a:rPr sz="2400">
+                        <a:rPr sz="1100">
                           <a:solidFill>
                             <a:srgbClr val="000000">
                               <a:alpha val="100000"/>
@@ -4109,7 +4109,7 @@
                         <a:buNone/>
                       </a:pPr>
                       <a:r>
-                        <a:rPr sz="2400">
+                        <a:rPr sz="1100">
                           <a:solidFill>
                             <a:srgbClr val="000000">
                               <a:alpha val="100000"/>
@@ -4122,7 +4122,7 @@
                         <a:t/>
                       </a:r>
                       <a:r>
-                        <a:rPr sz="2400">
+                        <a:rPr sz="1100">
                           <a:solidFill>
                             <a:srgbClr val="000000">
                               <a:alpha val="100000"/>
@@ -4189,7 +4189,7 @@
                         <a:buNone/>
                       </a:pPr>
                       <a:r>
-                        <a:rPr sz="2400">
+                        <a:rPr sz="1100">
                           <a:solidFill>
                             <a:srgbClr val="000000">
                               <a:alpha val="100000"/>
@@ -4202,7 +4202,7 @@
                         <a:t/>
                       </a:r>
                       <a:r>
-                        <a:rPr sz="2400">
+                        <a:rPr sz="1100">
                           <a:solidFill>
                             <a:srgbClr val="000000">
                               <a:alpha val="100000"/>
@@ -4267,7 +4267,7 @@
                         <a:buNone/>
                       </a:pPr>
                       <a:r>
-                        <a:rPr sz="2400">
+                        <a:rPr sz="1100">
                           <a:solidFill>
                             <a:srgbClr val="000000">
                               <a:alpha val="100000"/>
@@ -4280,7 +4280,7 @@
                         <a:t/>
                       </a:r>
                       <a:r>
-                        <a:rPr sz="2400">
+                        <a:rPr sz="1100">
                           <a:solidFill>
                             <a:srgbClr val="000000">
                               <a:alpha val="100000"/>
@@ -4345,7 +4345,7 @@
                         <a:buNone/>
                       </a:pPr>
                       <a:r>
-                        <a:rPr sz="2400">
+                        <a:rPr sz="1100">
                           <a:solidFill>
                             <a:srgbClr val="000000">
                               <a:alpha val="100000"/>
@@ -4358,7 +4358,7 @@
                         <a:t/>
                       </a:r>
                       <a:r>
-                        <a:rPr sz="2400">
+                        <a:rPr sz="1100">
                           <a:solidFill>
                             <a:srgbClr val="000000">
                               <a:alpha val="100000"/>
@@ -4423,7 +4423,7 @@
                         <a:buNone/>
                       </a:pPr>
                       <a:r>
-                        <a:rPr sz="2400">
+                        <a:rPr sz="1100">
                           <a:solidFill>
                             <a:srgbClr val="000000">
                               <a:alpha val="100000"/>
@@ -4436,7 +4436,7 @@
                         <a:t/>
                       </a:r>
                       <a:r>
-                        <a:rPr sz="2400">
+                        <a:rPr sz="1100">
                           <a:solidFill>
                             <a:srgbClr val="000000">
                               <a:alpha val="100000"/>
@@ -4501,7 +4501,7 @@
                         <a:buNone/>
                       </a:pPr>
                       <a:r>
-                        <a:rPr sz="2400">
+                        <a:rPr sz="1100">
                           <a:solidFill>
                             <a:srgbClr val="000000">
                               <a:alpha val="100000"/>
@@ -4514,7 +4514,7 @@
                         <a:t/>
                       </a:r>
                       <a:r>
-                        <a:rPr sz="2400">
+                        <a:rPr sz="1100">
                           <a:solidFill>
                             <a:srgbClr val="000000">
                               <a:alpha val="100000"/>
@@ -4579,7 +4579,7 @@
                         <a:buNone/>
                       </a:pPr>
                       <a:r>
-                        <a:rPr sz="2400">
+                        <a:rPr sz="1100">
                           <a:solidFill>
                             <a:srgbClr val="000000">
                               <a:alpha val="100000"/>
@@ -4592,7 +4592,7 @@
                         <a:t/>
                       </a:r>
                       <a:r>
-                        <a:rPr sz="2400">
+                        <a:rPr sz="1100">
                           <a:solidFill>
                             <a:srgbClr val="000000">
                               <a:alpha val="100000"/>
@@ -4659,7 +4659,7 @@
                         <a:buNone/>
                       </a:pPr>
                       <a:r>
-                        <a:rPr sz="2400">
+                        <a:rPr sz="1100">
                           <a:solidFill>
                             <a:srgbClr val="000000">
                               <a:alpha val="100000"/>
@@ -4672,7 +4672,7 @@
                         <a:t/>
                       </a:r>
                       <a:r>
-                        <a:rPr sz="2400">
+                        <a:rPr sz="1100">
                           <a:solidFill>
                             <a:srgbClr val="000000">
                               <a:alpha val="100000"/>
@@ -4737,7 +4737,7 @@
                         <a:buNone/>
                       </a:pPr>
                       <a:r>
-                        <a:rPr sz="2400">
+                        <a:rPr sz="1100">
                           <a:solidFill>
                             <a:srgbClr val="000000">
                               <a:alpha val="100000"/>
@@ -4750,7 +4750,7 @@
                         <a:t/>
                       </a:r>
                       <a:r>
-                        <a:rPr sz="2400">
+                        <a:rPr sz="1100">
                           <a:solidFill>
                             <a:srgbClr val="000000">
                               <a:alpha val="100000"/>
@@ -4815,7 +4815,7 @@
                         <a:buNone/>
                       </a:pPr>
                       <a:r>
-                        <a:rPr sz="2400">
+                        <a:rPr sz="1100">
                           <a:solidFill>
                             <a:srgbClr val="000000">
                               <a:alpha val="100000"/>
@@ -4828,7 +4828,7 @@
                         <a:t/>
                       </a:r>
                       <a:r>
-                        <a:rPr sz="2400">
+                        <a:rPr sz="1100">
                           <a:solidFill>
                             <a:srgbClr val="000000">
                               <a:alpha val="100000"/>
@@ -4893,7 +4893,7 @@
                         <a:buNone/>
                       </a:pPr>
                       <a:r>
-                        <a:rPr sz="2400">
+                        <a:rPr sz="1100">
                           <a:solidFill>
                             <a:srgbClr val="000000">
                               <a:alpha val="100000"/>
@@ -4906,7 +4906,7 @@
                         <a:t/>
                       </a:r>
                       <a:r>
-                        <a:rPr sz="2400">
+                        <a:rPr sz="1100">
                           <a:solidFill>
                             <a:srgbClr val="000000">
                               <a:alpha val="100000"/>
@@ -4971,7 +4971,7 @@
                         <a:buNone/>
                       </a:pPr>
                       <a:r>
-                        <a:rPr sz="2400">
+                        <a:rPr sz="1100">
                           <a:solidFill>
                             <a:srgbClr val="000000">
                               <a:alpha val="100000"/>
@@ -4984,7 +4984,7 @@
                         <a:t/>
                       </a:r>
                       <a:r>
-                        <a:rPr sz="2400">
+                        <a:rPr sz="1100">
                           <a:solidFill>
                             <a:srgbClr val="000000">
                               <a:alpha val="100000"/>
@@ -5049,7 +5049,7 @@
                         <a:buNone/>
                       </a:pPr>
                       <a:r>
-                        <a:rPr sz="2400">
+                        <a:rPr sz="1100">
                           <a:solidFill>
                             <a:srgbClr val="000000">
                               <a:alpha val="100000"/>
@@ -5062,7 +5062,7 @@
                         <a:t/>
                       </a:r>
                       <a:r>
-                        <a:rPr sz="2400">
+                        <a:rPr sz="1100">
                           <a:solidFill>
                             <a:srgbClr val="000000">
                               <a:alpha val="100000"/>
@@ -5129,7 +5129,7 @@
                         <a:buNone/>
                       </a:pPr>
                       <a:r>
-                        <a:rPr sz="2400">
+                        <a:rPr sz="1100">
                           <a:solidFill>
                             <a:srgbClr val="000000">
                               <a:alpha val="100000"/>
@@ -5142,7 +5142,7 @@
                         <a:t/>
                       </a:r>
                       <a:r>
-                        <a:rPr sz="2400">
+                        <a:rPr sz="1100">
                           <a:solidFill>
                             <a:srgbClr val="000000">
                               <a:alpha val="100000"/>
@@ -5207,7 +5207,7 @@
                         <a:buNone/>
                       </a:pPr>
                       <a:r>
-                        <a:rPr sz="2400">
+                        <a:rPr sz="1100">
                           <a:solidFill>
                             <a:srgbClr val="000000">
                               <a:alpha val="100000"/>
@@ -5220,7 +5220,7 @@
                         <a:t/>
                       </a:r>
                       <a:r>
-                        <a:rPr sz="2400">
+                        <a:rPr sz="1100">
                           <a:solidFill>
                             <a:srgbClr val="000000">
                               <a:alpha val="100000"/>
@@ -5285,7 +5285,7 @@
                         <a:buNone/>
                       </a:pPr>
                       <a:r>
-                        <a:rPr sz="2400">
+                        <a:rPr sz="1100">
                           <a:solidFill>
                             <a:srgbClr val="000000">
                               <a:alpha val="100000"/>
@@ -5298,7 +5298,7 @@
                         <a:t/>
                       </a:r>
                       <a:r>
-                        <a:rPr sz="2400">
+                        <a:rPr sz="1100">
                           <a:solidFill>
                             <a:srgbClr val="000000">
                               <a:alpha val="100000"/>
@@ -5363,7 +5363,7 @@
                         <a:buNone/>
                       </a:pPr>
                       <a:r>
-                        <a:rPr sz="2400">
+                        <a:rPr sz="1100">
                           <a:solidFill>
                             <a:srgbClr val="000000">
                               <a:alpha val="100000"/>
@@ -5376,7 +5376,7 @@
                         <a:t/>
                       </a:r>
                       <a:r>
-                        <a:rPr sz="2400">
+                        <a:rPr sz="1100">
                           <a:solidFill>
                             <a:srgbClr val="000000">
                               <a:alpha val="100000"/>
@@ -5441,7 +5441,7 @@
                         <a:buNone/>
                       </a:pPr>
                       <a:r>
-                        <a:rPr sz="2400">
+                        <a:rPr sz="1100">
                           <a:solidFill>
                             <a:srgbClr val="000000">
                               <a:alpha val="100000"/>
@@ -5454,7 +5454,7 @@
                         <a:t/>
                       </a:r>
                       <a:r>
-                        <a:rPr sz="2400">
+                        <a:rPr sz="1100">
                           <a:solidFill>
                             <a:srgbClr val="000000">
                               <a:alpha val="100000"/>
@@ -5519,7 +5519,7 @@
                         <a:buNone/>
                       </a:pPr>
                       <a:r>
-                        <a:rPr sz="2400">
+                        <a:rPr sz="1100">
                           <a:solidFill>
                             <a:srgbClr val="000000">
                               <a:alpha val="100000"/>
@@ -5532,7 +5532,7 @@
                         <a:t/>
                       </a:r>
                       <a:r>
-                        <a:rPr sz="2400">
+                        <a:rPr sz="1100">
                           <a:solidFill>
                             <a:srgbClr val="000000">
                               <a:alpha val="100000"/>
@@ -5599,7 +5599,7 @@
                         <a:buNone/>
                       </a:pPr>
                       <a:r>
-                        <a:rPr sz="2400">
+                        <a:rPr sz="1100">
                           <a:solidFill>
                             <a:srgbClr val="000000">
                               <a:alpha val="100000"/>
@@ -5612,7 +5612,7 @@
                         <a:t/>
                       </a:r>
                       <a:r>
-                        <a:rPr sz="2400">
+                        <a:rPr sz="1100">
                           <a:solidFill>
                             <a:srgbClr val="000000">
                               <a:alpha val="100000"/>
@@ -5677,7 +5677,7 @@
                         <a:buNone/>
                       </a:pPr>
                       <a:r>
-                        <a:rPr sz="2400">
+                        <a:rPr sz="1100">
                           <a:solidFill>
                             <a:srgbClr val="000000">
                               <a:alpha val="100000"/>
@@ -5690,7 +5690,7 @@
                         <a:t/>
                       </a:r>
                       <a:r>
-                        <a:rPr sz="2400">
+                        <a:rPr sz="1100">
                           <a:solidFill>
                             <a:srgbClr val="000000">
                               <a:alpha val="100000"/>
@@ -5755,7 +5755,7 @@
                         <a:buNone/>
                       </a:pPr>
                       <a:r>
-                        <a:rPr sz="2400">
+                        <a:rPr sz="1100">
                           <a:solidFill>
                             <a:srgbClr val="000000">
                               <a:alpha val="100000"/>
@@ -5768,7 +5768,7 @@
                         <a:t/>
                       </a:r>
                       <a:r>
-                        <a:rPr sz="2400">
+                        <a:rPr sz="1100">
                           <a:solidFill>
                             <a:srgbClr val="000000">
                               <a:alpha val="100000"/>
@@ -5833,7 +5833,7 @@
                         <a:buNone/>
                       </a:pPr>
                       <a:r>
-                        <a:rPr sz="2400">
+                        <a:rPr sz="1100">
                           <a:solidFill>
                             <a:srgbClr val="000000">
                               <a:alpha val="100000"/>
@@ -5846,7 +5846,7 @@
                         <a:t/>
                       </a:r>
                       <a:r>
-                        <a:rPr sz="2400">
+                        <a:rPr sz="1100">
                           <a:solidFill>
                             <a:srgbClr val="000000">
                               <a:alpha val="100000"/>
@@ -5911,7 +5911,7 @@
                         <a:buNone/>
                       </a:pPr>
                       <a:r>
-                        <a:rPr sz="2400">
+                        <a:rPr sz="1100">
                           <a:solidFill>
                             <a:srgbClr val="000000">
                               <a:alpha val="100000"/>
@@ -5924,7 +5924,7 @@
                         <a:t/>
                       </a:r>
                       <a:r>
-                        <a:rPr sz="2400">
+                        <a:rPr sz="1100">
                           <a:solidFill>
                             <a:srgbClr val="000000">
                               <a:alpha val="100000"/>
@@ -5989,7 +5989,7 @@
                         <a:buNone/>
                       </a:pPr>
                       <a:r>
-                        <a:rPr sz="2400">
+                        <a:rPr sz="1100">
                           <a:solidFill>
                             <a:srgbClr val="000000">
                               <a:alpha val="100000"/>
@@ -6002,7 +6002,7 @@
                         <a:t/>
                       </a:r>
                       <a:r>
-                        <a:rPr sz="2400">
+                        <a:rPr sz="1100">
                           <a:solidFill>
                             <a:srgbClr val="000000">
                               <a:alpha val="100000"/>
@@ -6069,7 +6069,7 @@
                         <a:buNone/>
                       </a:pPr>
                       <a:r>
-                        <a:rPr sz="2400">
+                        <a:rPr sz="1100">
                           <a:solidFill>
                             <a:srgbClr val="000000">
                               <a:alpha val="100000"/>
@@ -6082,7 +6082,7 @@
                         <a:t/>
                       </a:r>
                       <a:r>
-                        <a:rPr sz="2400">
+                        <a:rPr sz="1100">
                           <a:solidFill>
                             <a:srgbClr val="000000">
                               <a:alpha val="100000"/>
@@ -6147,7 +6147,7 @@
                         <a:buNone/>
                       </a:pPr>
                       <a:r>
-                        <a:rPr sz="2400">
+                        <a:rPr sz="1100">
                           <a:solidFill>
                             <a:srgbClr val="000000">
                               <a:alpha val="100000"/>
@@ -6160,7 +6160,7 @@
                         <a:t/>
                       </a:r>
                       <a:r>
-                        <a:rPr sz="2400">
+                        <a:rPr sz="1100">
                           <a:solidFill>
                             <a:srgbClr val="000000">
                               <a:alpha val="100000"/>
@@ -6225,7 +6225,7 @@
                         <a:buNone/>
                       </a:pPr>
                       <a:r>
-                        <a:rPr sz="2400">
+                        <a:rPr sz="1100">
                           <a:solidFill>
                             <a:srgbClr val="000000">
                               <a:alpha val="100000"/>
@@ -6238,7 +6238,7 @@
                         <a:t/>
                       </a:r>
                       <a:r>
-                        <a:rPr sz="2400">
+                        <a:rPr sz="1100">
                           <a:solidFill>
                             <a:srgbClr val="000000">
                               <a:alpha val="100000"/>
@@ -6303,7 +6303,7 @@
                         <a:buNone/>
                       </a:pPr>
                       <a:r>
-                        <a:rPr sz="2400">
+                        <a:rPr sz="1100">
                           <a:solidFill>
                             <a:srgbClr val="000000">
                               <a:alpha val="100000"/>
@@ -6316,7 +6316,7 @@
                         <a:t/>
                       </a:r>
                       <a:r>
-                        <a:rPr sz="2400">
+                        <a:rPr sz="1100">
                           <a:solidFill>
                             <a:srgbClr val="000000">
                               <a:alpha val="100000"/>
@@ -6381,7 +6381,7 @@
                         <a:buNone/>
                       </a:pPr>
                       <a:r>
-                        <a:rPr sz="2400">
+                        <a:rPr sz="1100">
                           <a:solidFill>
                             <a:srgbClr val="000000">
                               <a:alpha val="100000"/>
@@ -6394,7 +6394,7 @@
                         <a:t/>
                       </a:r>
                       <a:r>
-                        <a:rPr sz="2400">
+                        <a:rPr sz="1100">
                           <a:solidFill>
                             <a:srgbClr val="000000">
                               <a:alpha val="100000"/>
@@ -6459,7 +6459,7 @@
                         <a:buNone/>
                       </a:pPr>
                       <a:r>
-                        <a:rPr sz="2400">
+                        <a:rPr sz="1100">
                           <a:solidFill>
                             <a:srgbClr val="000000">
                               <a:alpha val="100000"/>
@@ -6472,7 +6472,7 @@
                         <a:t/>
                       </a:r>
                       <a:r>
-                        <a:rPr sz="2400">
+                        <a:rPr sz="1100">
                           <a:solidFill>
                             <a:srgbClr val="000000">
                               <a:alpha val="100000"/>
@@ -6539,7 +6539,7 @@
                         <a:buNone/>
                       </a:pPr>
                       <a:r>
-                        <a:rPr sz="2400">
+                        <a:rPr sz="1100">
                           <a:solidFill>
                             <a:srgbClr val="000000">
                               <a:alpha val="100000"/>
@@ -6552,7 +6552,7 @@
                         <a:t/>
                       </a:r>
                       <a:r>
-                        <a:rPr sz="2400">
+                        <a:rPr sz="1100">
                           <a:solidFill>
                             <a:srgbClr val="000000">
                               <a:alpha val="100000"/>
@@ -6617,7 +6617,7 @@
                         <a:buNone/>
                       </a:pPr>
                       <a:r>
-                        <a:rPr sz="2400">
+                        <a:rPr sz="1100">
                           <a:solidFill>
                             <a:srgbClr val="000000">
                               <a:alpha val="100000"/>
@@ -6630,7 +6630,7 @@
                         <a:t/>
                       </a:r>
                       <a:r>
-                        <a:rPr sz="2400">
+                        <a:rPr sz="1100">
                           <a:solidFill>
                             <a:srgbClr val="000000">
                               <a:alpha val="100000"/>
@@ -6695,7 +6695,7 @@
                         <a:buNone/>
                       </a:pPr>
                       <a:r>
-                        <a:rPr sz="2400">
+                        <a:rPr sz="1100">
                           <a:solidFill>
                             <a:srgbClr val="000000">
                               <a:alpha val="100000"/>
@@ -6708,7 +6708,7 @@
                         <a:t/>
                       </a:r>
                       <a:r>
-                        <a:rPr sz="2400">
+                        <a:rPr sz="1100">
                           <a:solidFill>
                             <a:srgbClr val="000000">
                               <a:alpha val="100000"/>
@@ -6773,7 +6773,7 @@
                         <a:buNone/>
                       </a:pPr>
                       <a:r>
-                        <a:rPr sz="2400">
+                        <a:rPr sz="1100">
                           <a:solidFill>
                             <a:srgbClr val="000000">
                               <a:alpha val="100000"/>
@@ -6786,7 +6786,7 @@
                         <a:t/>
                       </a:r>
                       <a:r>
-                        <a:rPr sz="2400">
+                        <a:rPr sz="1100">
                           <a:solidFill>
                             <a:srgbClr val="000000">
                               <a:alpha val="100000"/>
@@ -6851,7 +6851,7 @@
                         <a:buNone/>
                       </a:pPr>
                       <a:r>
-                        <a:rPr sz="2400">
+                        <a:rPr sz="1100">
                           <a:solidFill>
                             <a:srgbClr val="000000">
                               <a:alpha val="100000"/>
@@ -6864,7 +6864,7 @@
                         <a:t/>
                       </a:r>
                       <a:r>
-                        <a:rPr sz="2400">
+                        <a:rPr sz="1100">
                           <a:solidFill>
                             <a:srgbClr val="000000">
                               <a:alpha val="100000"/>
@@ -6929,7 +6929,7 @@
                         <a:buNone/>
                       </a:pPr>
                       <a:r>
-                        <a:rPr sz="2400">
+                        <a:rPr sz="1100">
                           <a:solidFill>
                             <a:srgbClr val="000000">
                               <a:alpha val="100000"/>
@@ -6942,7 +6942,7 @@
                         <a:t/>
                       </a:r>
                       <a:r>
-                        <a:rPr sz="2400">
+                        <a:rPr sz="1100">
                           <a:solidFill>
                             <a:srgbClr val="000000">
                               <a:alpha val="100000"/>
@@ -7009,7 +7009,7 @@
                         <a:buNone/>
                       </a:pPr>
                       <a:r>
-                        <a:rPr sz="2400">
+                        <a:rPr sz="1100">
                           <a:solidFill>
                             <a:srgbClr val="000000">
                               <a:alpha val="100000"/>
@@ -7022,7 +7022,7 @@
                         <a:t/>
                       </a:r>
                       <a:r>
-                        <a:rPr sz="2400">
+                        <a:rPr sz="1100">
                           <a:solidFill>
                             <a:srgbClr val="000000">
                               <a:alpha val="100000"/>
@@ -7087,7 +7087,7 @@
                         <a:buNone/>
                       </a:pPr>
                       <a:r>
-                        <a:rPr sz="2400">
+                        <a:rPr sz="1100">
                           <a:solidFill>
                             <a:srgbClr val="000000">
                               <a:alpha val="100000"/>
@@ -7100,7 +7100,7 @@
                         <a:t/>
                       </a:r>
                       <a:r>
-                        <a:rPr sz="2400">
+                        <a:rPr sz="1100">
                           <a:solidFill>
                             <a:srgbClr val="000000">
                               <a:alpha val="100000"/>
@@ -7165,7 +7165,7 @@
                         <a:buNone/>
                       </a:pPr>
                       <a:r>
-                        <a:rPr sz="2400">
+                        <a:rPr sz="1100">
                           <a:solidFill>
                             <a:srgbClr val="000000">
                               <a:alpha val="100000"/>
@@ -7178,7 +7178,7 @@
                         <a:t/>
                       </a:r>
                       <a:r>
-                        <a:rPr sz="2400">
+                        <a:rPr sz="1100">
                           <a:solidFill>
                             <a:srgbClr val="000000">
                               <a:alpha val="100000"/>
@@ -7243,7 +7243,7 @@
                         <a:buNone/>
                       </a:pPr>
                       <a:r>
-                        <a:rPr sz="2400">
+                        <a:rPr sz="1100">
                           <a:solidFill>
                             <a:srgbClr val="000000">
                               <a:alpha val="100000"/>
@@ -7256,7 +7256,7 @@
                         <a:t/>
                       </a:r>
                       <a:r>
-                        <a:rPr sz="2400">
+                        <a:rPr sz="1100">
                           <a:solidFill>
                             <a:srgbClr val="000000">
                               <a:alpha val="100000"/>
@@ -7321,7 +7321,7 @@
                         <a:buNone/>
                       </a:pPr>
                       <a:r>
-                        <a:rPr sz="2400">
+                        <a:rPr sz="1100">
                           <a:solidFill>
                             <a:srgbClr val="000000">
                               <a:alpha val="100000"/>
@@ -7334,7 +7334,7 @@
                         <a:t/>
                       </a:r>
                       <a:r>
-                        <a:rPr sz="2400">
+                        <a:rPr sz="1100">
                           <a:solidFill>
                             <a:srgbClr val="000000">
                               <a:alpha val="100000"/>
@@ -7399,7 +7399,7 @@
                         <a:buNone/>
                       </a:pPr>
                       <a:r>
-                        <a:rPr sz="2400">
+                        <a:rPr sz="1100">
                           <a:solidFill>
                             <a:srgbClr val="000000">
                               <a:alpha val="100000"/>
@@ -7412,7 +7412,7 @@
                         <a:t/>
                       </a:r>
                       <a:r>
-                        <a:rPr sz="2400">
+                        <a:rPr sz="1100">
                           <a:solidFill>
                             <a:srgbClr val="000000">
                               <a:alpha val="100000"/>
@@ -7479,7 +7479,7 @@
                         <a:buNone/>
                       </a:pPr>
                       <a:r>
-                        <a:rPr sz="2400">
+                        <a:rPr sz="1100">
                           <a:solidFill>
                             <a:srgbClr val="000000">
                               <a:alpha val="100000"/>
@@ -7492,7 +7492,7 @@
                         <a:t/>
                       </a:r>
                       <a:r>
-                        <a:rPr sz="2400">
+                        <a:rPr sz="1100">
                           <a:solidFill>
                             <a:srgbClr val="000000">
                               <a:alpha val="100000"/>
@@ -7558,7 +7558,7 @@
                         <a:buNone/>
                       </a:pPr>
                       <a:r>
-                        <a:rPr sz="2400">
+                        <a:rPr sz="1100">
                           <a:solidFill>
                             <a:srgbClr val="000000">
                               <a:alpha val="100000"/>
@@ -7571,7 +7571,7 @@
                         <a:t/>
                       </a:r>
                       <a:r>
-                        <a:rPr sz="2400">
+                        <a:rPr sz="1100">
                           <a:solidFill>
                             <a:srgbClr val="000000">
                               <a:alpha val="100000"/>
@@ -7637,7 +7637,7 @@
                         <a:buNone/>
                       </a:pPr>
                       <a:r>
-                        <a:rPr sz="2400">
+                        <a:rPr sz="1100">
                           <a:solidFill>
                             <a:srgbClr val="000000">
                               <a:alpha val="100000"/>
@@ -7650,7 +7650,7 @@
                         <a:t/>
                       </a:r>
                       <a:r>
-                        <a:rPr sz="2400">
+                        <a:rPr sz="1100">
                           <a:solidFill>
                             <a:srgbClr val="000000">
                               <a:alpha val="100000"/>
@@ -7716,7 +7716,7 @@
                         <a:buNone/>
                       </a:pPr>
                       <a:r>
-                        <a:rPr sz="2400">
+                        <a:rPr sz="1100">
                           <a:solidFill>
                             <a:srgbClr val="000000">
                               <a:alpha val="100000"/>
@@ -7729,7 +7729,7 @@
                         <a:t/>
                       </a:r>
                       <a:r>
-                        <a:rPr sz="2400">
+                        <a:rPr sz="1100">
                           <a:solidFill>
                             <a:srgbClr val="000000">
                               <a:alpha val="100000"/>
@@ -7795,7 +7795,7 @@
                         <a:buNone/>
                       </a:pPr>
                       <a:r>
-                        <a:rPr sz="2400">
+                        <a:rPr sz="1100">
                           <a:solidFill>
                             <a:srgbClr val="000000">
                               <a:alpha val="100000"/>
@@ -7808,7 +7808,7 @@
                         <a:t/>
                       </a:r>
                       <a:r>
-                        <a:rPr sz="2400">
+                        <a:rPr sz="1100">
                           <a:solidFill>
                             <a:srgbClr val="000000">
                               <a:alpha val="100000"/>
@@ -7874,7 +7874,7 @@
                         <a:buNone/>
                       </a:pPr>
                       <a:r>
-                        <a:rPr sz="2400">
+                        <a:rPr sz="1100">
                           <a:solidFill>
                             <a:srgbClr val="000000">
                               <a:alpha val="100000"/>
@@ -7887,7 +7887,7 @@
                         <a:t/>
                       </a:r>
                       <a:r>
-                        <a:rPr sz="2400">
+                        <a:rPr sz="1100">
                           <a:solidFill>
                             <a:srgbClr val="000000">
                               <a:alpha val="100000"/>
@@ -7949,7 +7949,7 @@
 </file>
 
 <file path=ppt/slides/slide2.xml><?xml version="1.0" encoding="utf-8"?>
-<p:sld xmlns:p="http://schemas.openxmlformats.org/presentationml/2006/main" xmlns:a="http://schemas.openxmlformats.org/drawingml/2006/main" xmlns:r="http://schemas.openxmlformats.org/officeDocument/2006/relationships" xmlns:mc="http://schemas.openxmlformats.org/markup-compatibility/2006" xmlns:c="http://schemas.openxmlformats.org/drawingml/2006/chart" xmlns:ns6="http://schemas.openxmlformats.org/drawingml/2006/chartDrawing" xmlns:dgm="http://schemas.openxmlformats.org/drawingml/2006/diagram" xmlns:pic="http://schemas.openxmlformats.org/drawingml/2006/picture" xmlns:wp="http://schemas.openxmlformats.org/drawingml/2006/wordprocessingDrawing" xmlns:xdr="http://schemas.openxmlformats.org/drawingml/2006/spreadsheetDrawing" xmlns:ns11="http://schemas.openxmlformats.org/drawingml/2006/compatibility" xmlns:ns12="http://schemas.openxmlformats.org/drawingml/2006/lockedCanvas">
+<p:sld xmlns:p="http://schemas.openxmlformats.org/presentationml/2006/main" xmlns:r="http://schemas.openxmlformats.org/officeDocument/2006/relationships" xmlns:a="http://schemas.openxmlformats.org/drawingml/2006/main" xmlns:mc="http://schemas.openxmlformats.org/markup-compatibility/2006" xmlns:c="http://schemas.openxmlformats.org/drawingml/2006/chart" xmlns:ns6="http://schemas.openxmlformats.org/drawingml/2006/chartDrawing" xmlns:dgm="http://schemas.openxmlformats.org/drawingml/2006/diagram" xmlns:pic="http://schemas.openxmlformats.org/drawingml/2006/picture" xmlns:wp="http://schemas.openxmlformats.org/drawingml/2006/wordprocessingDrawing" xmlns:xdr="http://schemas.openxmlformats.org/drawingml/2006/spreadsheetDrawing" xmlns:ns11="http://schemas.openxmlformats.org/drawingml/2006/compatibility" xmlns:ns12="http://schemas.openxmlformats.org/drawingml/2006/lockedCanvas">
   <p:cSld>
     <p:spTree>
       <p:nvGrpSpPr>

--- a/docs/reference/slide_replacement.pptx
+++ b/docs/reference/slide_replacement.pptx
@@ -1,12 +1,12 @@
 
 <file path=ppt/presentation.xml><?xml version="1.0" encoding="utf-8"?>
-<p:presentation xmlns:p="http://schemas.openxmlformats.org/presentationml/2006/main" xmlns:r="http://schemas.openxmlformats.org/officeDocument/2006/relationships" xmlns:a="http://schemas.openxmlformats.org/drawingml/2006/main" xmlns:mc="http://schemas.openxmlformats.org/markup-compatibility/2006" xmlns:c="http://schemas.openxmlformats.org/drawingml/2006/chart" xmlns:ns6="http://schemas.openxmlformats.org/drawingml/2006/chartDrawing" xmlns:dgm="http://schemas.openxmlformats.org/drawingml/2006/diagram" xmlns:pic="http://schemas.openxmlformats.org/drawingml/2006/picture" xmlns:wp="http://schemas.openxmlformats.org/drawingml/2006/wordprocessingDrawing" xmlns:xdr="http://schemas.openxmlformats.org/drawingml/2006/spreadsheetDrawing" xmlns:ns11="http://schemas.openxmlformats.org/drawingml/2006/compatibility" xmlns:ns12="http://schemas.openxmlformats.org/drawingml/2006/lockedCanvas" saveSubsetFonts="true">
+<p:presentation xmlns:p="http://schemas.openxmlformats.org/presentationml/2006/main" xmlns:a="http://schemas.openxmlformats.org/drawingml/2006/main" xmlns:r="http://schemas.openxmlformats.org/officeDocument/2006/relationships" xmlns:mc="http://schemas.openxmlformats.org/markup-compatibility/2006" xmlns:c="http://schemas.openxmlformats.org/drawingml/2006/chart" xmlns:ns6="http://schemas.openxmlformats.org/drawingml/2006/chartDrawing" xmlns:dgm="http://schemas.openxmlformats.org/drawingml/2006/diagram" xmlns:pic="http://schemas.openxmlformats.org/drawingml/2006/picture" xmlns:wp="http://schemas.openxmlformats.org/drawingml/2006/wordprocessingDrawing" xmlns:xdr="http://schemas.openxmlformats.org/drawingml/2006/spreadsheetDrawing" xmlns:ns11="http://schemas.openxmlformats.org/drawingml/2006/compatibility" xmlns:ns12="http://schemas.openxmlformats.org/drawingml/2006/lockedCanvas" saveSubsetFonts="true">
   <p:sldMasterIdLst>
     <p:sldMasterId id="2147483648" r:id="rId1"/>
   </p:sldMasterIdLst>
   <p:sldIdLst>
-    <p:sldId id="743228622" r:id="rId8"/>
-    <p:sldId id="1636850864" r:id="rId7"/>
+    <p:sldId id="1221667404" r:id="rId8"/>
+    <p:sldId id="1043930957" r:id="rId7"/>
   </p:sldIdLst>
   <p:sldSz cx="12192000" cy="6858000"/>
   <p:notesSz cx="6858000" cy="9144000"/>
@@ -114,7 +114,7 @@
 </file>
 
 <file path=ppt/slideLayouts/slideLayout1.xml><?xml version="1.0" encoding="utf-8"?>
-<p:sldLayout xmlns:p="http://schemas.openxmlformats.org/presentationml/2006/main" xmlns:r="http://schemas.openxmlformats.org/officeDocument/2006/relationships" xmlns:a="http://schemas.openxmlformats.org/drawingml/2006/main" xmlns:mc="http://schemas.openxmlformats.org/markup-compatibility/2006" xmlns:c="http://schemas.openxmlformats.org/drawingml/2006/chart" xmlns:ns6="http://schemas.openxmlformats.org/drawingml/2006/chartDrawing" xmlns:dgm="http://schemas.openxmlformats.org/drawingml/2006/diagram" xmlns:pic="http://schemas.openxmlformats.org/drawingml/2006/picture" xmlns:wp="http://schemas.openxmlformats.org/drawingml/2006/wordprocessingDrawing" xmlns:xdr="http://schemas.openxmlformats.org/drawingml/2006/spreadsheetDrawing" xmlns:ns11="http://schemas.openxmlformats.org/drawingml/2006/compatibility" xmlns:ns12="http://schemas.openxmlformats.org/drawingml/2006/lockedCanvas" type="title" preserve="true">
+<p:sldLayout xmlns:p="http://schemas.openxmlformats.org/presentationml/2006/main" xmlns:a="http://schemas.openxmlformats.org/drawingml/2006/main" xmlns:r="http://schemas.openxmlformats.org/officeDocument/2006/relationships" xmlns:mc="http://schemas.openxmlformats.org/markup-compatibility/2006" xmlns:c="http://schemas.openxmlformats.org/drawingml/2006/chart" xmlns:ns6="http://schemas.openxmlformats.org/drawingml/2006/chartDrawing" xmlns:dgm="http://schemas.openxmlformats.org/drawingml/2006/diagram" xmlns:pic="http://schemas.openxmlformats.org/drawingml/2006/picture" xmlns:wp="http://schemas.openxmlformats.org/drawingml/2006/wordprocessingDrawing" xmlns:xdr="http://schemas.openxmlformats.org/drawingml/2006/spreadsheetDrawing" xmlns:ns11="http://schemas.openxmlformats.org/drawingml/2006/compatibility" xmlns:ns12="http://schemas.openxmlformats.org/drawingml/2006/lockedCanvas" type="title" preserve="true">
   <p:cSld name="Title Slide">
     <p:spTree>
       <p:nvGrpSpPr>
@@ -313,7 +313,7 @@
 </file>
 
 <file path=ppt/slideLayouts/slideLayout10.xml><?xml version="1.0" encoding="utf-8"?>
-<p:sldLayout xmlns:p="http://schemas.openxmlformats.org/presentationml/2006/main" xmlns:r="http://schemas.openxmlformats.org/officeDocument/2006/relationships" xmlns:a="http://schemas.openxmlformats.org/drawingml/2006/main" xmlns:mc="http://schemas.openxmlformats.org/markup-compatibility/2006" xmlns:c="http://schemas.openxmlformats.org/drawingml/2006/chart" xmlns:ns6="http://schemas.openxmlformats.org/drawingml/2006/chartDrawing" xmlns:dgm="http://schemas.openxmlformats.org/drawingml/2006/diagram" xmlns:pic="http://schemas.openxmlformats.org/drawingml/2006/picture" xmlns:wp="http://schemas.openxmlformats.org/drawingml/2006/wordprocessingDrawing" xmlns:xdr="http://schemas.openxmlformats.org/drawingml/2006/spreadsheetDrawing" xmlns:ns11="http://schemas.openxmlformats.org/drawingml/2006/compatibility" xmlns:ns12="http://schemas.openxmlformats.org/drawingml/2006/lockedCanvas" type="vertTitleAndTx" preserve="true">
+<p:sldLayout xmlns:p="http://schemas.openxmlformats.org/presentationml/2006/main" xmlns:a="http://schemas.openxmlformats.org/drawingml/2006/main" xmlns:r="http://schemas.openxmlformats.org/officeDocument/2006/relationships" xmlns:mc="http://schemas.openxmlformats.org/markup-compatibility/2006" xmlns:c="http://schemas.openxmlformats.org/drawingml/2006/chart" xmlns:ns6="http://schemas.openxmlformats.org/drawingml/2006/chartDrawing" xmlns:dgm="http://schemas.openxmlformats.org/drawingml/2006/diagram" xmlns:pic="http://schemas.openxmlformats.org/drawingml/2006/picture" xmlns:wp="http://schemas.openxmlformats.org/drawingml/2006/wordprocessingDrawing" xmlns:xdr="http://schemas.openxmlformats.org/drawingml/2006/spreadsheetDrawing" xmlns:ns11="http://schemas.openxmlformats.org/drawingml/2006/compatibility" xmlns:ns12="http://schemas.openxmlformats.org/drawingml/2006/lockedCanvas" type="vertTitleAndTx" preserve="true">
   <p:cSld name="Vertical Title and Text">
     <p:spTree>
       <p:nvGrpSpPr>
@@ -500,7 +500,7 @@
 </file>
 
 <file path=ppt/slideLayouts/slideLayout2.xml><?xml version="1.0" encoding="utf-8"?>
-<p:sldLayout xmlns:p="http://schemas.openxmlformats.org/presentationml/2006/main" xmlns:r="http://schemas.openxmlformats.org/officeDocument/2006/relationships" xmlns:a="http://schemas.openxmlformats.org/drawingml/2006/main" xmlns:mc="http://schemas.openxmlformats.org/markup-compatibility/2006" xmlns:c="http://schemas.openxmlformats.org/drawingml/2006/chart" xmlns:ns6="http://schemas.openxmlformats.org/drawingml/2006/chartDrawing" xmlns:dgm="http://schemas.openxmlformats.org/drawingml/2006/diagram" xmlns:pic="http://schemas.openxmlformats.org/drawingml/2006/picture" xmlns:wp="http://schemas.openxmlformats.org/drawingml/2006/wordprocessingDrawing" xmlns:xdr="http://schemas.openxmlformats.org/drawingml/2006/spreadsheetDrawing" xmlns:ns11="http://schemas.openxmlformats.org/drawingml/2006/compatibility" xmlns:ns12="http://schemas.openxmlformats.org/drawingml/2006/lockedCanvas" type="obj" preserve="true">
+<p:sldLayout xmlns:p="http://schemas.openxmlformats.org/presentationml/2006/main" xmlns:a="http://schemas.openxmlformats.org/drawingml/2006/main" xmlns:r="http://schemas.openxmlformats.org/officeDocument/2006/relationships" xmlns:mc="http://schemas.openxmlformats.org/markup-compatibility/2006" xmlns:c="http://schemas.openxmlformats.org/drawingml/2006/chart" xmlns:ns6="http://schemas.openxmlformats.org/drawingml/2006/chartDrawing" xmlns:dgm="http://schemas.openxmlformats.org/drawingml/2006/diagram" xmlns:pic="http://schemas.openxmlformats.org/drawingml/2006/picture" xmlns:wp="http://schemas.openxmlformats.org/drawingml/2006/wordprocessingDrawing" xmlns:xdr="http://schemas.openxmlformats.org/drawingml/2006/spreadsheetDrawing" xmlns:ns11="http://schemas.openxmlformats.org/drawingml/2006/compatibility" xmlns:ns12="http://schemas.openxmlformats.org/drawingml/2006/lockedCanvas" type="obj" preserve="true">
   <p:cSld name="Title and Content">
     <p:spTree>
       <p:nvGrpSpPr>
@@ -682,7 +682,7 @@
 </file>
 
 <file path=ppt/slideLayouts/slideLayout3.xml><?xml version="1.0" encoding="utf-8"?>
-<p:sldLayout xmlns:p="http://schemas.openxmlformats.org/presentationml/2006/main" xmlns:r="http://schemas.openxmlformats.org/officeDocument/2006/relationships" xmlns:a="http://schemas.openxmlformats.org/drawingml/2006/main" xmlns:mc="http://schemas.openxmlformats.org/markup-compatibility/2006" xmlns:c="http://schemas.openxmlformats.org/drawingml/2006/chart" xmlns:ns6="http://schemas.openxmlformats.org/drawingml/2006/chartDrawing" xmlns:dgm="http://schemas.openxmlformats.org/drawingml/2006/diagram" xmlns:pic="http://schemas.openxmlformats.org/drawingml/2006/picture" xmlns:wp="http://schemas.openxmlformats.org/drawingml/2006/wordprocessingDrawing" xmlns:xdr="http://schemas.openxmlformats.org/drawingml/2006/spreadsheetDrawing" xmlns:ns11="http://schemas.openxmlformats.org/drawingml/2006/compatibility" xmlns:ns12="http://schemas.openxmlformats.org/drawingml/2006/lockedCanvas" type="secHead" preserve="true">
+<p:sldLayout xmlns:p="http://schemas.openxmlformats.org/presentationml/2006/main" xmlns:a="http://schemas.openxmlformats.org/drawingml/2006/main" xmlns:r="http://schemas.openxmlformats.org/officeDocument/2006/relationships" xmlns:mc="http://schemas.openxmlformats.org/markup-compatibility/2006" xmlns:c="http://schemas.openxmlformats.org/drawingml/2006/chart" xmlns:ns6="http://schemas.openxmlformats.org/drawingml/2006/chartDrawing" xmlns:dgm="http://schemas.openxmlformats.org/drawingml/2006/diagram" xmlns:pic="http://schemas.openxmlformats.org/drawingml/2006/picture" xmlns:wp="http://schemas.openxmlformats.org/drawingml/2006/wordprocessingDrawing" xmlns:xdr="http://schemas.openxmlformats.org/drawingml/2006/spreadsheetDrawing" xmlns:ns11="http://schemas.openxmlformats.org/drawingml/2006/compatibility" xmlns:ns12="http://schemas.openxmlformats.org/drawingml/2006/lockedCanvas" type="secHead" preserve="true">
   <p:cSld name="Section Header">
     <p:spTree>
       <p:nvGrpSpPr>
@@ -935,7 +935,7 @@
 </file>
 
 <file path=ppt/slideLayouts/slideLayout4.xml><?xml version="1.0" encoding="utf-8"?>
-<p:sldLayout xmlns:p="http://schemas.openxmlformats.org/presentationml/2006/main" xmlns:r="http://schemas.openxmlformats.org/officeDocument/2006/relationships" xmlns:a="http://schemas.openxmlformats.org/drawingml/2006/main" xmlns:mc="http://schemas.openxmlformats.org/markup-compatibility/2006" xmlns:c="http://schemas.openxmlformats.org/drawingml/2006/chart" xmlns:ns6="http://schemas.openxmlformats.org/drawingml/2006/chartDrawing" xmlns:dgm="http://schemas.openxmlformats.org/drawingml/2006/diagram" xmlns:pic="http://schemas.openxmlformats.org/drawingml/2006/picture" xmlns:wp="http://schemas.openxmlformats.org/drawingml/2006/wordprocessingDrawing" xmlns:xdr="http://schemas.openxmlformats.org/drawingml/2006/spreadsheetDrawing" xmlns:ns11="http://schemas.openxmlformats.org/drawingml/2006/compatibility" xmlns:ns12="http://schemas.openxmlformats.org/drawingml/2006/lockedCanvas" type="twoObj" preserve="true">
+<p:sldLayout xmlns:p="http://schemas.openxmlformats.org/presentationml/2006/main" xmlns:a="http://schemas.openxmlformats.org/drawingml/2006/main" xmlns:r="http://schemas.openxmlformats.org/officeDocument/2006/relationships" xmlns:mc="http://schemas.openxmlformats.org/markup-compatibility/2006" xmlns:c="http://schemas.openxmlformats.org/drawingml/2006/chart" xmlns:ns6="http://schemas.openxmlformats.org/drawingml/2006/chartDrawing" xmlns:dgm="http://schemas.openxmlformats.org/drawingml/2006/diagram" xmlns:pic="http://schemas.openxmlformats.org/drawingml/2006/picture" xmlns:wp="http://schemas.openxmlformats.org/drawingml/2006/wordprocessingDrawing" xmlns:xdr="http://schemas.openxmlformats.org/drawingml/2006/spreadsheetDrawing" xmlns:ns11="http://schemas.openxmlformats.org/drawingml/2006/compatibility" xmlns:ns12="http://schemas.openxmlformats.org/drawingml/2006/lockedCanvas" type="twoObj" preserve="true">
   <p:cSld name="Two Content">
     <p:spTree>
       <p:nvGrpSpPr>
@@ -1174,7 +1174,7 @@
 </file>
 
 <file path=ppt/slideLayouts/slideLayout5.xml><?xml version="1.0" encoding="utf-8"?>
-<p:sldLayout xmlns:p="http://schemas.openxmlformats.org/presentationml/2006/main" xmlns:r="http://schemas.openxmlformats.org/officeDocument/2006/relationships" xmlns:a="http://schemas.openxmlformats.org/drawingml/2006/main" xmlns:mc="http://schemas.openxmlformats.org/markup-compatibility/2006" xmlns:c="http://schemas.openxmlformats.org/drawingml/2006/chart" xmlns:ns6="http://schemas.openxmlformats.org/drawingml/2006/chartDrawing" xmlns:dgm="http://schemas.openxmlformats.org/drawingml/2006/diagram" xmlns:pic="http://schemas.openxmlformats.org/drawingml/2006/picture" xmlns:wp="http://schemas.openxmlformats.org/drawingml/2006/wordprocessingDrawing" xmlns:xdr="http://schemas.openxmlformats.org/drawingml/2006/spreadsheetDrawing" xmlns:ns11="http://schemas.openxmlformats.org/drawingml/2006/compatibility" xmlns:ns12="http://schemas.openxmlformats.org/drawingml/2006/lockedCanvas" type="twoTxTwoObj" preserve="true">
+<p:sldLayout xmlns:p="http://schemas.openxmlformats.org/presentationml/2006/main" xmlns:a="http://schemas.openxmlformats.org/drawingml/2006/main" xmlns:r="http://schemas.openxmlformats.org/officeDocument/2006/relationships" xmlns:mc="http://schemas.openxmlformats.org/markup-compatibility/2006" xmlns:c="http://schemas.openxmlformats.org/drawingml/2006/chart" xmlns:ns6="http://schemas.openxmlformats.org/drawingml/2006/chartDrawing" xmlns:dgm="http://schemas.openxmlformats.org/drawingml/2006/diagram" xmlns:pic="http://schemas.openxmlformats.org/drawingml/2006/picture" xmlns:wp="http://schemas.openxmlformats.org/drawingml/2006/wordprocessingDrawing" xmlns:xdr="http://schemas.openxmlformats.org/drawingml/2006/spreadsheetDrawing" xmlns:ns11="http://schemas.openxmlformats.org/drawingml/2006/compatibility" xmlns:ns12="http://schemas.openxmlformats.org/drawingml/2006/lockedCanvas" type="twoTxTwoObj" preserve="true">
   <p:cSld name="Comparison">
     <p:spTree>
       <p:nvGrpSpPr>
@@ -1529,7 +1529,7 @@
 </file>
 
 <file path=ppt/slideLayouts/slideLayout6.xml><?xml version="1.0" encoding="utf-8"?>
-<p:sldLayout xmlns:p="http://schemas.openxmlformats.org/presentationml/2006/main" xmlns:r="http://schemas.openxmlformats.org/officeDocument/2006/relationships" xmlns:a="http://schemas.openxmlformats.org/drawingml/2006/main" xmlns:mc="http://schemas.openxmlformats.org/markup-compatibility/2006" xmlns:c="http://schemas.openxmlformats.org/drawingml/2006/chart" xmlns:ns6="http://schemas.openxmlformats.org/drawingml/2006/chartDrawing" xmlns:dgm="http://schemas.openxmlformats.org/drawingml/2006/diagram" xmlns:pic="http://schemas.openxmlformats.org/drawingml/2006/picture" xmlns:wp="http://schemas.openxmlformats.org/drawingml/2006/wordprocessingDrawing" xmlns:xdr="http://schemas.openxmlformats.org/drawingml/2006/spreadsheetDrawing" xmlns:ns11="http://schemas.openxmlformats.org/drawingml/2006/compatibility" xmlns:ns12="http://schemas.openxmlformats.org/drawingml/2006/lockedCanvas" type="titleOnly" preserve="true">
+<p:sldLayout xmlns:p="http://schemas.openxmlformats.org/presentationml/2006/main" xmlns:a="http://schemas.openxmlformats.org/drawingml/2006/main" xmlns:r="http://schemas.openxmlformats.org/officeDocument/2006/relationships" xmlns:mc="http://schemas.openxmlformats.org/markup-compatibility/2006" xmlns:c="http://schemas.openxmlformats.org/drawingml/2006/chart" xmlns:ns6="http://schemas.openxmlformats.org/drawingml/2006/chartDrawing" xmlns:dgm="http://schemas.openxmlformats.org/drawingml/2006/diagram" xmlns:pic="http://schemas.openxmlformats.org/drawingml/2006/picture" xmlns:wp="http://schemas.openxmlformats.org/drawingml/2006/wordprocessingDrawing" xmlns:xdr="http://schemas.openxmlformats.org/drawingml/2006/spreadsheetDrawing" xmlns:ns11="http://schemas.openxmlformats.org/drawingml/2006/compatibility" xmlns:ns12="http://schemas.openxmlformats.org/drawingml/2006/lockedCanvas" type="titleOnly" preserve="true">
   <p:cSld name="Title Only">
     <p:spTree>
       <p:nvGrpSpPr>
@@ -1654,7 +1654,7 @@
 </file>
 
 <file path=ppt/slideLayouts/slideLayout7.xml><?xml version="1.0" encoding="utf-8"?>
-<p:sldLayout xmlns:p="http://schemas.openxmlformats.org/presentationml/2006/main" xmlns:r="http://schemas.openxmlformats.org/officeDocument/2006/relationships" xmlns:a="http://schemas.openxmlformats.org/drawingml/2006/main" xmlns:mc="http://schemas.openxmlformats.org/markup-compatibility/2006" xmlns:c="http://schemas.openxmlformats.org/drawingml/2006/chart" xmlns:ns6="http://schemas.openxmlformats.org/drawingml/2006/chartDrawing" xmlns:dgm="http://schemas.openxmlformats.org/drawingml/2006/diagram" xmlns:pic="http://schemas.openxmlformats.org/drawingml/2006/picture" xmlns:wp="http://schemas.openxmlformats.org/drawingml/2006/wordprocessingDrawing" xmlns:xdr="http://schemas.openxmlformats.org/drawingml/2006/spreadsheetDrawing" xmlns:ns11="http://schemas.openxmlformats.org/drawingml/2006/compatibility" xmlns:ns12="http://schemas.openxmlformats.org/drawingml/2006/lockedCanvas" type="blank" preserve="true">
+<p:sldLayout xmlns:p="http://schemas.openxmlformats.org/presentationml/2006/main" xmlns:a="http://schemas.openxmlformats.org/drawingml/2006/main" xmlns:r="http://schemas.openxmlformats.org/officeDocument/2006/relationships" xmlns:mc="http://schemas.openxmlformats.org/markup-compatibility/2006" xmlns:c="http://schemas.openxmlformats.org/drawingml/2006/chart" xmlns:ns6="http://schemas.openxmlformats.org/drawingml/2006/chartDrawing" xmlns:dgm="http://schemas.openxmlformats.org/drawingml/2006/diagram" xmlns:pic="http://schemas.openxmlformats.org/drawingml/2006/picture" xmlns:wp="http://schemas.openxmlformats.org/drawingml/2006/wordprocessingDrawing" xmlns:xdr="http://schemas.openxmlformats.org/drawingml/2006/spreadsheetDrawing" xmlns:ns11="http://schemas.openxmlformats.org/drawingml/2006/compatibility" xmlns:ns12="http://schemas.openxmlformats.org/drawingml/2006/lockedCanvas" type="blank" preserve="true">
   <p:cSld name="Blank">
     <p:spTree>
       <p:nvGrpSpPr>
@@ -1756,7 +1756,7 @@
 </file>
 
 <file path=ppt/slideLayouts/slideLayout8.xml><?xml version="1.0" encoding="utf-8"?>
-<p:sldLayout xmlns:p="http://schemas.openxmlformats.org/presentationml/2006/main" xmlns:r="http://schemas.openxmlformats.org/officeDocument/2006/relationships" xmlns:a="http://schemas.openxmlformats.org/drawingml/2006/main" xmlns:mc="http://schemas.openxmlformats.org/markup-compatibility/2006" xmlns:c="http://schemas.openxmlformats.org/drawingml/2006/chart" xmlns:ns6="http://schemas.openxmlformats.org/drawingml/2006/chartDrawing" xmlns:dgm="http://schemas.openxmlformats.org/drawingml/2006/diagram" xmlns:pic="http://schemas.openxmlformats.org/drawingml/2006/picture" xmlns:wp="http://schemas.openxmlformats.org/drawingml/2006/wordprocessingDrawing" xmlns:xdr="http://schemas.openxmlformats.org/drawingml/2006/spreadsheetDrawing" xmlns:ns11="http://schemas.openxmlformats.org/drawingml/2006/compatibility" xmlns:ns12="http://schemas.openxmlformats.org/drawingml/2006/lockedCanvas" type="objTx" preserve="true">
+<p:sldLayout xmlns:p="http://schemas.openxmlformats.org/presentationml/2006/main" xmlns:a="http://schemas.openxmlformats.org/drawingml/2006/main" xmlns:r="http://schemas.openxmlformats.org/officeDocument/2006/relationships" xmlns:mc="http://schemas.openxmlformats.org/markup-compatibility/2006" xmlns:c="http://schemas.openxmlformats.org/drawingml/2006/chart" xmlns:ns6="http://schemas.openxmlformats.org/drawingml/2006/chartDrawing" xmlns:dgm="http://schemas.openxmlformats.org/drawingml/2006/diagram" xmlns:pic="http://schemas.openxmlformats.org/drawingml/2006/picture" xmlns:wp="http://schemas.openxmlformats.org/drawingml/2006/wordprocessingDrawing" xmlns:xdr="http://schemas.openxmlformats.org/drawingml/2006/spreadsheetDrawing" xmlns:ns11="http://schemas.openxmlformats.org/drawingml/2006/compatibility" xmlns:ns12="http://schemas.openxmlformats.org/drawingml/2006/lockedCanvas" type="objTx" preserve="true">
   <p:cSld name="Content with Caption">
     <p:spTree>
       <p:nvGrpSpPr>
@@ -2040,7 +2040,7 @@
 </file>
 
 <file path=ppt/slideLayouts/slideLayout9.xml><?xml version="1.0" encoding="utf-8"?>
-<p:sldLayout xmlns:p="http://schemas.openxmlformats.org/presentationml/2006/main" xmlns:r="http://schemas.openxmlformats.org/officeDocument/2006/relationships" xmlns:a="http://schemas.openxmlformats.org/drawingml/2006/main" xmlns:mc="http://schemas.openxmlformats.org/markup-compatibility/2006" xmlns:c="http://schemas.openxmlformats.org/drawingml/2006/chart" xmlns:ns6="http://schemas.openxmlformats.org/drawingml/2006/chartDrawing" xmlns:dgm="http://schemas.openxmlformats.org/drawingml/2006/diagram" xmlns:pic="http://schemas.openxmlformats.org/drawingml/2006/picture" xmlns:wp="http://schemas.openxmlformats.org/drawingml/2006/wordprocessingDrawing" xmlns:xdr="http://schemas.openxmlformats.org/drawingml/2006/spreadsheetDrawing" xmlns:ns11="http://schemas.openxmlformats.org/drawingml/2006/compatibility" xmlns:ns12="http://schemas.openxmlformats.org/drawingml/2006/lockedCanvas" type="vertTx" preserve="true">
+<p:sldLayout xmlns:p="http://schemas.openxmlformats.org/presentationml/2006/main" xmlns:a="http://schemas.openxmlformats.org/drawingml/2006/main" xmlns:r="http://schemas.openxmlformats.org/officeDocument/2006/relationships" xmlns:mc="http://schemas.openxmlformats.org/markup-compatibility/2006" xmlns:c="http://schemas.openxmlformats.org/drawingml/2006/chart" xmlns:ns6="http://schemas.openxmlformats.org/drawingml/2006/chartDrawing" xmlns:dgm="http://schemas.openxmlformats.org/drawingml/2006/diagram" xmlns:pic="http://schemas.openxmlformats.org/drawingml/2006/picture" xmlns:wp="http://schemas.openxmlformats.org/drawingml/2006/wordprocessingDrawing" xmlns:xdr="http://schemas.openxmlformats.org/drawingml/2006/spreadsheetDrawing" xmlns:ns11="http://schemas.openxmlformats.org/drawingml/2006/compatibility" xmlns:ns12="http://schemas.openxmlformats.org/drawingml/2006/lockedCanvas" type="vertTx" preserve="true">
   <p:cSld name="Title and Vertical Text">
     <p:spTree>
       <p:nvGrpSpPr>
@@ -2217,7 +2217,7 @@
 </file>
 
 <file path=ppt/slideMasters/slideMaster1.xml><?xml version="1.0" encoding="utf-8"?>
-<p:sldMaster xmlns:p="http://schemas.openxmlformats.org/presentationml/2006/main" xmlns:r="http://schemas.openxmlformats.org/officeDocument/2006/relationships" xmlns:a="http://schemas.openxmlformats.org/drawingml/2006/main" xmlns:mc="http://schemas.openxmlformats.org/markup-compatibility/2006" xmlns:c="http://schemas.openxmlformats.org/drawingml/2006/chart" xmlns:ns6="http://schemas.openxmlformats.org/drawingml/2006/chartDrawing" xmlns:dgm="http://schemas.openxmlformats.org/drawingml/2006/diagram" xmlns:pic="http://schemas.openxmlformats.org/drawingml/2006/picture" xmlns:wp="http://schemas.openxmlformats.org/drawingml/2006/wordprocessingDrawing" xmlns:xdr="http://schemas.openxmlformats.org/drawingml/2006/spreadsheetDrawing" xmlns:ns11="http://schemas.openxmlformats.org/drawingml/2006/compatibility" xmlns:ns12="http://schemas.openxmlformats.org/drawingml/2006/lockedCanvas">
+<p:sldMaster xmlns:p="http://schemas.openxmlformats.org/presentationml/2006/main" xmlns:a="http://schemas.openxmlformats.org/drawingml/2006/main" xmlns:r="http://schemas.openxmlformats.org/officeDocument/2006/relationships" xmlns:mc="http://schemas.openxmlformats.org/markup-compatibility/2006" xmlns:c="http://schemas.openxmlformats.org/drawingml/2006/chart" xmlns:ns6="http://schemas.openxmlformats.org/drawingml/2006/chartDrawing" xmlns:dgm="http://schemas.openxmlformats.org/drawingml/2006/diagram" xmlns:pic="http://schemas.openxmlformats.org/drawingml/2006/picture" xmlns:wp="http://schemas.openxmlformats.org/drawingml/2006/wordprocessingDrawing" xmlns:xdr="http://schemas.openxmlformats.org/drawingml/2006/spreadsheetDrawing" xmlns:ns11="http://schemas.openxmlformats.org/drawingml/2006/compatibility" xmlns:ns12="http://schemas.openxmlformats.org/drawingml/2006/lockedCanvas">
   <p:cSld>
     <p:bg>
       <p:bgRef idx="1001">
@@ -2763,7 +2763,7 @@
 </file>
 
 <file path=ppt/slides/slide1.xml><?xml version="1.0" encoding="utf-8"?>
-<p:sld xmlns:p="http://schemas.openxmlformats.org/presentationml/2006/main" xmlns:r="http://schemas.openxmlformats.org/officeDocument/2006/relationships" xmlns:a="http://schemas.openxmlformats.org/drawingml/2006/main" xmlns:mc="http://schemas.openxmlformats.org/markup-compatibility/2006" xmlns:c="http://schemas.openxmlformats.org/drawingml/2006/chart" xmlns:ns6="http://schemas.openxmlformats.org/drawingml/2006/chartDrawing" xmlns:dgm="http://schemas.openxmlformats.org/drawingml/2006/diagram" xmlns:pic="http://schemas.openxmlformats.org/drawingml/2006/picture" xmlns:wp="http://schemas.openxmlformats.org/drawingml/2006/wordprocessingDrawing" xmlns:xdr="http://schemas.openxmlformats.org/drawingml/2006/spreadsheetDrawing" xmlns:ns11="http://schemas.openxmlformats.org/drawingml/2006/compatibility" xmlns:ns12="http://schemas.openxmlformats.org/drawingml/2006/lockedCanvas">
+<p:sld xmlns:p="http://schemas.openxmlformats.org/presentationml/2006/main" xmlns:a="http://schemas.openxmlformats.org/drawingml/2006/main" xmlns:r="http://schemas.openxmlformats.org/officeDocument/2006/relationships" xmlns:mc="http://schemas.openxmlformats.org/markup-compatibility/2006" xmlns:c="http://schemas.openxmlformats.org/drawingml/2006/chart" xmlns:ns6="http://schemas.openxmlformats.org/drawingml/2006/chartDrawing" xmlns:dgm="http://schemas.openxmlformats.org/drawingml/2006/diagram" xmlns:pic="http://schemas.openxmlformats.org/drawingml/2006/picture" xmlns:wp="http://schemas.openxmlformats.org/drawingml/2006/wordprocessingDrawing" xmlns:xdr="http://schemas.openxmlformats.org/drawingml/2006/spreadsheetDrawing" xmlns:ns11="http://schemas.openxmlformats.org/drawingml/2006/compatibility" xmlns:ns12="http://schemas.openxmlformats.org/drawingml/2006/lockedCanvas">
   <p:cSld>
     <p:spTree>
       <p:nvGrpSpPr>
@@ -7949,7 +7949,7 @@
 </file>
 
 <file path=ppt/slides/slide2.xml><?xml version="1.0" encoding="utf-8"?>
-<p:sld xmlns:p="http://schemas.openxmlformats.org/presentationml/2006/main" xmlns:r="http://schemas.openxmlformats.org/officeDocument/2006/relationships" xmlns:a="http://schemas.openxmlformats.org/drawingml/2006/main" xmlns:mc="http://schemas.openxmlformats.org/markup-compatibility/2006" xmlns:c="http://schemas.openxmlformats.org/drawingml/2006/chart" xmlns:ns6="http://schemas.openxmlformats.org/drawingml/2006/chartDrawing" xmlns:dgm="http://schemas.openxmlformats.org/drawingml/2006/diagram" xmlns:pic="http://schemas.openxmlformats.org/drawingml/2006/picture" xmlns:wp="http://schemas.openxmlformats.org/drawingml/2006/wordprocessingDrawing" xmlns:xdr="http://schemas.openxmlformats.org/drawingml/2006/spreadsheetDrawing" xmlns:ns11="http://schemas.openxmlformats.org/drawingml/2006/compatibility" xmlns:ns12="http://schemas.openxmlformats.org/drawingml/2006/lockedCanvas">
+<p:sld xmlns:p="http://schemas.openxmlformats.org/presentationml/2006/main" xmlns:a="http://schemas.openxmlformats.org/drawingml/2006/main" xmlns:r="http://schemas.openxmlformats.org/officeDocument/2006/relationships" xmlns:mc="http://schemas.openxmlformats.org/markup-compatibility/2006" xmlns:c="http://schemas.openxmlformats.org/drawingml/2006/chart" xmlns:ns6="http://schemas.openxmlformats.org/drawingml/2006/chartDrawing" xmlns:dgm="http://schemas.openxmlformats.org/drawingml/2006/diagram" xmlns:pic="http://schemas.openxmlformats.org/drawingml/2006/picture" xmlns:wp="http://schemas.openxmlformats.org/drawingml/2006/wordprocessingDrawing" xmlns:xdr="http://schemas.openxmlformats.org/drawingml/2006/spreadsheetDrawing" xmlns:ns11="http://schemas.openxmlformats.org/drawingml/2006/compatibility" xmlns:ns12="http://schemas.openxmlformats.org/drawingml/2006/lockedCanvas">
   <p:cSld>
     <p:spTree>
       <p:nvGrpSpPr>

--- a/docs/reference/slide_replacement.pptx
+++ b/docs/reference/slide_replacement.pptx
@@ -1,12 +1,12 @@
 
 <file path=ppt/presentation.xml><?xml version="1.0" encoding="utf-8"?>
-<p:presentation xmlns:p="http://schemas.openxmlformats.org/presentationml/2006/main" xmlns:a="http://schemas.openxmlformats.org/drawingml/2006/main" xmlns:r="http://schemas.openxmlformats.org/officeDocument/2006/relationships" xmlns:mc="http://schemas.openxmlformats.org/markup-compatibility/2006" xmlns:c="http://schemas.openxmlformats.org/drawingml/2006/chart" xmlns:ns6="http://schemas.openxmlformats.org/drawingml/2006/chartDrawing" xmlns:dgm="http://schemas.openxmlformats.org/drawingml/2006/diagram" xmlns:pic="http://schemas.openxmlformats.org/drawingml/2006/picture" xmlns:wp="http://schemas.openxmlformats.org/drawingml/2006/wordprocessingDrawing" xmlns:xdr="http://schemas.openxmlformats.org/drawingml/2006/spreadsheetDrawing" xmlns:ns11="http://schemas.openxmlformats.org/drawingml/2006/compatibility" xmlns:ns12="http://schemas.openxmlformats.org/drawingml/2006/lockedCanvas" saveSubsetFonts="true">
+<p:presentation xmlns:r="http://schemas.openxmlformats.org/officeDocument/2006/relationships" xmlns:a="http://schemas.openxmlformats.org/drawingml/2006/main" xmlns:p="http://schemas.openxmlformats.org/presentationml/2006/main" xmlns:mc="http://schemas.openxmlformats.org/markup-compatibility/2006" xmlns:c="http://schemas.openxmlformats.org/drawingml/2006/chart" xmlns:ns6="http://schemas.openxmlformats.org/drawingml/2006/chartDrawing" xmlns:dgm="http://schemas.openxmlformats.org/drawingml/2006/diagram" xmlns:pic="http://schemas.openxmlformats.org/drawingml/2006/picture" xmlns:wp="http://schemas.openxmlformats.org/drawingml/2006/wordprocessingDrawing" xmlns:xdr="http://schemas.openxmlformats.org/drawingml/2006/spreadsheetDrawing" xmlns:ns11="http://schemas.openxmlformats.org/drawingml/2006/compatibility" xmlns:ns12="http://schemas.openxmlformats.org/drawingml/2006/lockedCanvas" saveSubsetFonts="true">
   <p:sldMasterIdLst>
     <p:sldMasterId id="2147483648" r:id="rId1"/>
   </p:sldMasterIdLst>
   <p:sldIdLst>
-    <p:sldId id="1221667404" r:id="rId8"/>
-    <p:sldId id="1043930957" r:id="rId7"/>
+    <p:sldId id="1144026466" r:id="rId8"/>
+    <p:sldId id="862499192" r:id="rId7"/>
   </p:sldIdLst>
   <p:sldSz cx="12192000" cy="6858000"/>
   <p:notesSz cx="6858000" cy="9144000"/>
@@ -114,7 +114,7 @@
 </file>
 
 <file path=ppt/slideLayouts/slideLayout1.xml><?xml version="1.0" encoding="utf-8"?>
-<p:sldLayout xmlns:p="http://schemas.openxmlformats.org/presentationml/2006/main" xmlns:a="http://schemas.openxmlformats.org/drawingml/2006/main" xmlns:r="http://schemas.openxmlformats.org/officeDocument/2006/relationships" xmlns:mc="http://schemas.openxmlformats.org/markup-compatibility/2006" xmlns:c="http://schemas.openxmlformats.org/drawingml/2006/chart" xmlns:ns6="http://schemas.openxmlformats.org/drawingml/2006/chartDrawing" xmlns:dgm="http://schemas.openxmlformats.org/drawingml/2006/diagram" xmlns:pic="http://schemas.openxmlformats.org/drawingml/2006/picture" xmlns:wp="http://schemas.openxmlformats.org/drawingml/2006/wordprocessingDrawing" xmlns:xdr="http://schemas.openxmlformats.org/drawingml/2006/spreadsheetDrawing" xmlns:ns11="http://schemas.openxmlformats.org/drawingml/2006/compatibility" xmlns:ns12="http://schemas.openxmlformats.org/drawingml/2006/lockedCanvas" type="title" preserve="true">
+<p:sldLayout xmlns:r="http://schemas.openxmlformats.org/officeDocument/2006/relationships" xmlns:a="http://schemas.openxmlformats.org/drawingml/2006/main" xmlns:p="http://schemas.openxmlformats.org/presentationml/2006/main" xmlns:mc="http://schemas.openxmlformats.org/markup-compatibility/2006" xmlns:c="http://schemas.openxmlformats.org/drawingml/2006/chart" xmlns:ns6="http://schemas.openxmlformats.org/drawingml/2006/chartDrawing" xmlns:dgm="http://schemas.openxmlformats.org/drawingml/2006/diagram" xmlns:pic="http://schemas.openxmlformats.org/drawingml/2006/picture" xmlns:wp="http://schemas.openxmlformats.org/drawingml/2006/wordprocessingDrawing" xmlns:xdr="http://schemas.openxmlformats.org/drawingml/2006/spreadsheetDrawing" xmlns:ns11="http://schemas.openxmlformats.org/drawingml/2006/compatibility" xmlns:ns12="http://schemas.openxmlformats.org/drawingml/2006/lockedCanvas" type="title" preserve="true">
   <p:cSld name="Title Slide">
     <p:spTree>
       <p:nvGrpSpPr>
@@ -313,7 +313,7 @@
 </file>
 
 <file path=ppt/slideLayouts/slideLayout10.xml><?xml version="1.0" encoding="utf-8"?>
-<p:sldLayout xmlns:p="http://schemas.openxmlformats.org/presentationml/2006/main" xmlns:a="http://schemas.openxmlformats.org/drawingml/2006/main" xmlns:r="http://schemas.openxmlformats.org/officeDocument/2006/relationships" xmlns:mc="http://schemas.openxmlformats.org/markup-compatibility/2006" xmlns:c="http://schemas.openxmlformats.org/drawingml/2006/chart" xmlns:ns6="http://schemas.openxmlformats.org/drawingml/2006/chartDrawing" xmlns:dgm="http://schemas.openxmlformats.org/drawingml/2006/diagram" xmlns:pic="http://schemas.openxmlformats.org/drawingml/2006/picture" xmlns:wp="http://schemas.openxmlformats.org/drawingml/2006/wordprocessingDrawing" xmlns:xdr="http://schemas.openxmlformats.org/drawingml/2006/spreadsheetDrawing" xmlns:ns11="http://schemas.openxmlformats.org/drawingml/2006/compatibility" xmlns:ns12="http://schemas.openxmlformats.org/drawingml/2006/lockedCanvas" type="vertTitleAndTx" preserve="true">
+<p:sldLayout xmlns:r="http://schemas.openxmlformats.org/officeDocument/2006/relationships" xmlns:a="http://schemas.openxmlformats.org/drawingml/2006/main" xmlns:p="http://schemas.openxmlformats.org/presentationml/2006/main" xmlns:mc="http://schemas.openxmlformats.org/markup-compatibility/2006" xmlns:c="http://schemas.openxmlformats.org/drawingml/2006/chart" xmlns:ns6="http://schemas.openxmlformats.org/drawingml/2006/chartDrawing" xmlns:dgm="http://schemas.openxmlformats.org/drawingml/2006/diagram" xmlns:pic="http://schemas.openxmlformats.org/drawingml/2006/picture" xmlns:wp="http://schemas.openxmlformats.org/drawingml/2006/wordprocessingDrawing" xmlns:xdr="http://schemas.openxmlformats.org/drawingml/2006/spreadsheetDrawing" xmlns:ns11="http://schemas.openxmlformats.org/drawingml/2006/compatibility" xmlns:ns12="http://schemas.openxmlformats.org/drawingml/2006/lockedCanvas" type="vertTitleAndTx" preserve="true">
   <p:cSld name="Vertical Title and Text">
     <p:spTree>
       <p:nvGrpSpPr>
@@ -500,7 +500,7 @@
 </file>
 
 <file path=ppt/slideLayouts/slideLayout2.xml><?xml version="1.0" encoding="utf-8"?>
-<p:sldLayout xmlns:p="http://schemas.openxmlformats.org/presentationml/2006/main" xmlns:a="http://schemas.openxmlformats.org/drawingml/2006/main" xmlns:r="http://schemas.openxmlformats.org/officeDocument/2006/relationships" xmlns:mc="http://schemas.openxmlformats.org/markup-compatibility/2006" xmlns:c="http://schemas.openxmlformats.org/drawingml/2006/chart" xmlns:ns6="http://schemas.openxmlformats.org/drawingml/2006/chartDrawing" xmlns:dgm="http://schemas.openxmlformats.org/drawingml/2006/diagram" xmlns:pic="http://schemas.openxmlformats.org/drawingml/2006/picture" xmlns:wp="http://schemas.openxmlformats.org/drawingml/2006/wordprocessingDrawing" xmlns:xdr="http://schemas.openxmlformats.org/drawingml/2006/spreadsheetDrawing" xmlns:ns11="http://schemas.openxmlformats.org/drawingml/2006/compatibility" xmlns:ns12="http://schemas.openxmlformats.org/drawingml/2006/lockedCanvas" type="obj" preserve="true">
+<p:sldLayout xmlns:r="http://schemas.openxmlformats.org/officeDocument/2006/relationships" xmlns:a="http://schemas.openxmlformats.org/drawingml/2006/main" xmlns:p="http://schemas.openxmlformats.org/presentationml/2006/main" xmlns:mc="http://schemas.openxmlformats.org/markup-compatibility/2006" xmlns:c="http://schemas.openxmlformats.org/drawingml/2006/chart" xmlns:ns6="http://schemas.openxmlformats.org/drawingml/2006/chartDrawing" xmlns:dgm="http://schemas.openxmlformats.org/drawingml/2006/diagram" xmlns:pic="http://schemas.openxmlformats.org/drawingml/2006/picture" xmlns:wp="http://schemas.openxmlformats.org/drawingml/2006/wordprocessingDrawing" xmlns:xdr="http://schemas.openxmlformats.org/drawingml/2006/spreadsheetDrawing" xmlns:ns11="http://schemas.openxmlformats.org/drawingml/2006/compatibility" xmlns:ns12="http://schemas.openxmlformats.org/drawingml/2006/lockedCanvas" type="obj" preserve="true">
   <p:cSld name="Title and Content">
     <p:spTree>
       <p:nvGrpSpPr>
@@ -682,7 +682,7 @@
 </file>
 
 <file path=ppt/slideLayouts/slideLayout3.xml><?xml version="1.0" encoding="utf-8"?>
-<p:sldLayout xmlns:p="http://schemas.openxmlformats.org/presentationml/2006/main" xmlns:a="http://schemas.openxmlformats.org/drawingml/2006/main" xmlns:r="http://schemas.openxmlformats.org/officeDocument/2006/relationships" xmlns:mc="http://schemas.openxmlformats.org/markup-compatibility/2006" xmlns:c="http://schemas.openxmlformats.org/drawingml/2006/chart" xmlns:ns6="http://schemas.openxmlformats.org/drawingml/2006/chartDrawing" xmlns:dgm="http://schemas.openxmlformats.org/drawingml/2006/diagram" xmlns:pic="http://schemas.openxmlformats.org/drawingml/2006/picture" xmlns:wp="http://schemas.openxmlformats.org/drawingml/2006/wordprocessingDrawing" xmlns:xdr="http://schemas.openxmlformats.org/drawingml/2006/spreadsheetDrawing" xmlns:ns11="http://schemas.openxmlformats.org/drawingml/2006/compatibility" xmlns:ns12="http://schemas.openxmlformats.org/drawingml/2006/lockedCanvas" type="secHead" preserve="true">
+<p:sldLayout xmlns:r="http://schemas.openxmlformats.org/officeDocument/2006/relationships" xmlns:a="http://schemas.openxmlformats.org/drawingml/2006/main" xmlns:p="http://schemas.openxmlformats.org/presentationml/2006/main" xmlns:mc="http://schemas.openxmlformats.org/markup-compatibility/2006" xmlns:c="http://schemas.openxmlformats.org/drawingml/2006/chart" xmlns:ns6="http://schemas.openxmlformats.org/drawingml/2006/chartDrawing" xmlns:dgm="http://schemas.openxmlformats.org/drawingml/2006/diagram" xmlns:pic="http://schemas.openxmlformats.org/drawingml/2006/picture" xmlns:wp="http://schemas.openxmlformats.org/drawingml/2006/wordprocessingDrawing" xmlns:xdr="http://schemas.openxmlformats.org/drawingml/2006/spreadsheetDrawing" xmlns:ns11="http://schemas.openxmlformats.org/drawingml/2006/compatibility" xmlns:ns12="http://schemas.openxmlformats.org/drawingml/2006/lockedCanvas" type="secHead" preserve="true">
   <p:cSld name="Section Header">
     <p:spTree>
       <p:nvGrpSpPr>
@@ -935,7 +935,7 @@
 </file>
 
 <file path=ppt/slideLayouts/slideLayout4.xml><?xml version="1.0" encoding="utf-8"?>
-<p:sldLayout xmlns:p="http://schemas.openxmlformats.org/presentationml/2006/main" xmlns:a="http://schemas.openxmlformats.org/drawingml/2006/main" xmlns:r="http://schemas.openxmlformats.org/officeDocument/2006/relationships" xmlns:mc="http://schemas.openxmlformats.org/markup-compatibility/2006" xmlns:c="http://schemas.openxmlformats.org/drawingml/2006/chart" xmlns:ns6="http://schemas.openxmlformats.org/drawingml/2006/chartDrawing" xmlns:dgm="http://schemas.openxmlformats.org/drawingml/2006/diagram" xmlns:pic="http://schemas.openxmlformats.org/drawingml/2006/picture" xmlns:wp="http://schemas.openxmlformats.org/drawingml/2006/wordprocessingDrawing" xmlns:xdr="http://schemas.openxmlformats.org/drawingml/2006/spreadsheetDrawing" xmlns:ns11="http://schemas.openxmlformats.org/drawingml/2006/compatibility" xmlns:ns12="http://schemas.openxmlformats.org/drawingml/2006/lockedCanvas" type="twoObj" preserve="true">
+<p:sldLayout xmlns:r="http://schemas.openxmlformats.org/officeDocument/2006/relationships" xmlns:a="http://schemas.openxmlformats.org/drawingml/2006/main" xmlns:p="http://schemas.openxmlformats.org/presentationml/2006/main" xmlns:mc="http://schemas.openxmlformats.org/markup-compatibility/2006" xmlns:c="http://schemas.openxmlformats.org/drawingml/2006/chart" xmlns:ns6="http://schemas.openxmlformats.org/drawingml/2006/chartDrawing" xmlns:dgm="http://schemas.openxmlformats.org/drawingml/2006/diagram" xmlns:pic="http://schemas.openxmlformats.org/drawingml/2006/picture" xmlns:wp="http://schemas.openxmlformats.org/drawingml/2006/wordprocessingDrawing" xmlns:xdr="http://schemas.openxmlformats.org/drawingml/2006/spreadsheetDrawing" xmlns:ns11="http://schemas.openxmlformats.org/drawingml/2006/compatibility" xmlns:ns12="http://schemas.openxmlformats.org/drawingml/2006/lockedCanvas" type="twoObj" preserve="true">
   <p:cSld name="Two Content">
     <p:spTree>
       <p:nvGrpSpPr>
@@ -1174,7 +1174,7 @@
 </file>
 
 <file path=ppt/slideLayouts/slideLayout5.xml><?xml version="1.0" encoding="utf-8"?>
-<p:sldLayout xmlns:p="http://schemas.openxmlformats.org/presentationml/2006/main" xmlns:a="http://schemas.openxmlformats.org/drawingml/2006/main" xmlns:r="http://schemas.openxmlformats.org/officeDocument/2006/relationships" xmlns:mc="http://schemas.openxmlformats.org/markup-compatibility/2006" xmlns:c="http://schemas.openxmlformats.org/drawingml/2006/chart" xmlns:ns6="http://schemas.openxmlformats.org/drawingml/2006/chartDrawing" xmlns:dgm="http://schemas.openxmlformats.org/drawingml/2006/diagram" xmlns:pic="http://schemas.openxmlformats.org/drawingml/2006/picture" xmlns:wp="http://schemas.openxmlformats.org/drawingml/2006/wordprocessingDrawing" xmlns:xdr="http://schemas.openxmlformats.org/drawingml/2006/spreadsheetDrawing" xmlns:ns11="http://schemas.openxmlformats.org/drawingml/2006/compatibility" xmlns:ns12="http://schemas.openxmlformats.org/drawingml/2006/lockedCanvas" type="twoTxTwoObj" preserve="true">
+<p:sldLayout xmlns:r="http://schemas.openxmlformats.org/officeDocument/2006/relationships" xmlns:a="http://schemas.openxmlformats.org/drawingml/2006/main" xmlns:p="http://schemas.openxmlformats.org/presentationml/2006/main" xmlns:mc="http://schemas.openxmlformats.org/markup-compatibility/2006" xmlns:c="http://schemas.openxmlformats.org/drawingml/2006/chart" xmlns:ns6="http://schemas.openxmlformats.org/drawingml/2006/chartDrawing" xmlns:dgm="http://schemas.openxmlformats.org/drawingml/2006/diagram" xmlns:pic="http://schemas.openxmlformats.org/drawingml/2006/picture" xmlns:wp="http://schemas.openxmlformats.org/drawingml/2006/wordprocessingDrawing" xmlns:xdr="http://schemas.openxmlformats.org/drawingml/2006/spreadsheetDrawing" xmlns:ns11="http://schemas.openxmlformats.org/drawingml/2006/compatibility" xmlns:ns12="http://schemas.openxmlformats.org/drawingml/2006/lockedCanvas" type="twoTxTwoObj" preserve="true">
   <p:cSld name="Comparison">
     <p:spTree>
       <p:nvGrpSpPr>
@@ -1529,7 +1529,7 @@
 </file>
 
 <file path=ppt/slideLayouts/slideLayout6.xml><?xml version="1.0" encoding="utf-8"?>
-<p:sldLayout xmlns:p="http://schemas.openxmlformats.org/presentationml/2006/main" xmlns:a="http://schemas.openxmlformats.org/drawingml/2006/main" xmlns:r="http://schemas.openxmlformats.org/officeDocument/2006/relationships" xmlns:mc="http://schemas.openxmlformats.org/markup-compatibility/2006" xmlns:c="http://schemas.openxmlformats.org/drawingml/2006/chart" xmlns:ns6="http://schemas.openxmlformats.org/drawingml/2006/chartDrawing" xmlns:dgm="http://schemas.openxmlformats.org/drawingml/2006/diagram" xmlns:pic="http://schemas.openxmlformats.org/drawingml/2006/picture" xmlns:wp="http://schemas.openxmlformats.org/drawingml/2006/wordprocessingDrawing" xmlns:xdr="http://schemas.openxmlformats.org/drawingml/2006/spreadsheetDrawing" xmlns:ns11="http://schemas.openxmlformats.org/drawingml/2006/compatibility" xmlns:ns12="http://schemas.openxmlformats.org/drawingml/2006/lockedCanvas" type="titleOnly" preserve="true">
+<p:sldLayout xmlns:r="http://schemas.openxmlformats.org/officeDocument/2006/relationships" xmlns:a="http://schemas.openxmlformats.org/drawingml/2006/main" xmlns:p="http://schemas.openxmlformats.org/presentationml/2006/main" xmlns:mc="http://schemas.openxmlformats.org/markup-compatibility/2006" xmlns:c="http://schemas.openxmlformats.org/drawingml/2006/chart" xmlns:ns6="http://schemas.openxmlformats.org/drawingml/2006/chartDrawing" xmlns:dgm="http://schemas.openxmlformats.org/drawingml/2006/diagram" xmlns:pic="http://schemas.openxmlformats.org/drawingml/2006/picture" xmlns:wp="http://schemas.openxmlformats.org/drawingml/2006/wordprocessingDrawing" xmlns:xdr="http://schemas.openxmlformats.org/drawingml/2006/spreadsheetDrawing" xmlns:ns11="http://schemas.openxmlformats.org/drawingml/2006/compatibility" xmlns:ns12="http://schemas.openxmlformats.org/drawingml/2006/lockedCanvas" type="titleOnly" preserve="true">
   <p:cSld name="Title Only">
     <p:spTree>
       <p:nvGrpSpPr>
@@ -1654,7 +1654,7 @@
 </file>
 
 <file path=ppt/slideLayouts/slideLayout7.xml><?xml version="1.0" encoding="utf-8"?>
-<p:sldLayout xmlns:p="http://schemas.openxmlformats.org/presentationml/2006/main" xmlns:a="http://schemas.openxmlformats.org/drawingml/2006/main" xmlns:r="http://schemas.openxmlformats.org/officeDocument/2006/relationships" xmlns:mc="http://schemas.openxmlformats.org/markup-compatibility/2006" xmlns:c="http://schemas.openxmlformats.org/drawingml/2006/chart" xmlns:ns6="http://schemas.openxmlformats.org/drawingml/2006/chartDrawing" xmlns:dgm="http://schemas.openxmlformats.org/drawingml/2006/diagram" xmlns:pic="http://schemas.openxmlformats.org/drawingml/2006/picture" xmlns:wp="http://schemas.openxmlformats.org/drawingml/2006/wordprocessingDrawing" xmlns:xdr="http://schemas.openxmlformats.org/drawingml/2006/spreadsheetDrawing" xmlns:ns11="http://schemas.openxmlformats.org/drawingml/2006/compatibility" xmlns:ns12="http://schemas.openxmlformats.org/drawingml/2006/lockedCanvas" type="blank" preserve="true">
+<p:sldLayout xmlns:r="http://schemas.openxmlformats.org/officeDocument/2006/relationships" xmlns:a="http://schemas.openxmlformats.org/drawingml/2006/main" xmlns:p="http://schemas.openxmlformats.org/presentationml/2006/main" xmlns:mc="http://schemas.openxmlformats.org/markup-compatibility/2006" xmlns:c="http://schemas.openxmlformats.org/drawingml/2006/chart" xmlns:ns6="http://schemas.openxmlformats.org/drawingml/2006/chartDrawing" xmlns:dgm="http://schemas.openxmlformats.org/drawingml/2006/diagram" xmlns:pic="http://schemas.openxmlformats.org/drawingml/2006/picture" xmlns:wp="http://schemas.openxmlformats.org/drawingml/2006/wordprocessingDrawing" xmlns:xdr="http://schemas.openxmlformats.org/drawingml/2006/spreadsheetDrawing" xmlns:ns11="http://schemas.openxmlformats.org/drawingml/2006/compatibility" xmlns:ns12="http://schemas.openxmlformats.org/drawingml/2006/lockedCanvas" type="blank" preserve="true">
   <p:cSld name="Blank">
     <p:spTree>
       <p:nvGrpSpPr>
@@ -1756,7 +1756,7 @@
 </file>
 
 <file path=ppt/slideLayouts/slideLayout8.xml><?xml version="1.0" encoding="utf-8"?>
-<p:sldLayout xmlns:p="http://schemas.openxmlformats.org/presentationml/2006/main" xmlns:a="http://schemas.openxmlformats.org/drawingml/2006/main" xmlns:r="http://schemas.openxmlformats.org/officeDocument/2006/relationships" xmlns:mc="http://schemas.openxmlformats.org/markup-compatibility/2006" xmlns:c="http://schemas.openxmlformats.org/drawingml/2006/chart" xmlns:ns6="http://schemas.openxmlformats.org/drawingml/2006/chartDrawing" xmlns:dgm="http://schemas.openxmlformats.org/drawingml/2006/diagram" xmlns:pic="http://schemas.openxmlformats.org/drawingml/2006/picture" xmlns:wp="http://schemas.openxmlformats.org/drawingml/2006/wordprocessingDrawing" xmlns:xdr="http://schemas.openxmlformats.org/drawingml/2006/spreadsheetDrawing" xmlns:ns11="http://schemas.openxmlformats.org/drawingml/2006/compatibility" xmlns:ns12="http://schemas.openxmlformats.org/drawingml/2006/lockedCanvas" type="objTx" preserve="true">
+<p:sldLayout xmlns:r="http://schemas.openxmlformats.org/officeDocument/2006/relationships" xmlns:a="http://schemas.openxmlformats.org/drawingml/2006/main" xmlns:p="http://schemas.openxmlformats.org/presentationml/2006/main" xmlns:mc="http://schemas.openxmlformats.org/markup-compatibility/2006" xmlns:c="http://schemas.openxmlformats.org/drawingml/2006/chart" xmlns:ns6="http://schemas.openxmlformats.org/drawingml/2006/chartDrawing" xmlns:dgm="http://schemas.openxmlformats.org/drawingml/2006/diagram" xmlns:pic="http://schemas.openxmlformats.org/drawingml/2006/picture" xmlns:wp="http://schemas.openxmlformats.org/drawingml/2006/wordprocessingDrawing" xmlns:xdr="http://schemas.openxmlformats.org/drawingml/2006/spreadsheetDrawing" xmlns:ns11="http://schemas.openxmlformats.org/drawingml/2006/compatibility" xmlns:ns12="http://schemas.openxmlformats.org/drawingml/2006/lockedCanvas" type="objTx" preserve="true">
   <p:cSld name="Content with Caption">
     <p:spTree>
       <p:nvGrpSpPr>
@@ -2040,7 +2040,7 @@
 </file>
 
 <file path=ppt/slideLayouts/slideLayout9.xml><?xml version="1.0" encoding="utf-8"?>
-<p:sldLayout xmlns:p="http://schemas.openxmlformats.org/presentationml/2006/main" xmlns:a="http://schemas.openxmlformats.org/drawingml/2006/main" xmlns:r="http://schemas.openxmlformats.org/officeDocument/2006/relationships" xmlns:mc="http://schemas.openxmlformats.org/markup-compatibility/2006" xmlns:c="http://schemas.openxmlformats.org/drawingml/2006/chart" xmlns:ns6="http://schemas.openxmlformats.org/drawingml/2006/chartDrawing" xmlns:dgm="http://schemas.openxmlformats.org/drawingml/2006/diagram" xmlns:pic="http://schemas.openxmlformats.org/drawingml/2006/picture" xmlns:wp="http://schemas.openxmlformats.org/drawingml/2006/wordprocessingDrawing" xmlns:xdr="http://schemas.openxmlformats.org/drawingml/2006/spreadsheetDrawing" xmlns:ns11="http://schemas.openxmlformats.org/drawingml/2006/compatibility" xmlns:ns12="http://schemas.openxmlformats.org/drawingml/2006/lockedCanvas" type="vertTx" preserve="true">
+<p:sldLayout xmlns:r="http://schemas.openxmlformats.org/officeDocument/2006/relationships" xmlns:a="http://schemas.openxmlformats.org/drawingml/2006/main" xmlns:p="http://schemas.openxmlformats.org/presentationml/2006/main" xmlns:mc="http://schemas.openxmlformats.org/markup-compatibility/2006" xmlns:c="http://schemas.openxmlformats.org/drawingml/2006/chart" xmlns:ns6="http://schemas.openxmlformats.org/drawingml/2006/chartDrawing" xmlns:dgm="http://schemas.openxmlformats.org/drawingml/2006/diagram" xmlns:pic="http://schemas.openxmlformats.org/drawingml/2006/picture" xmlns:wp="http://schemas.openxmlformats.org/drawingml/2006/wordprocessingDrawing" xmlns:xdr="http://schemas.openxmlformats.org/drawingml/2006/spreadsheetDrawing" xmlns:ns11="http://schemas.openxmlformats.org/drawingml/2006/compatibility" xmlns:ns12="http://schemas.openxmlformats.org/drawingml/2006/lockedCanvas" type="vertTx" preserve="true">
   <p:cSld name="Title and Vertical Text">
     <p:spTree>
       <p:nvGrpSpPr>
@@ -2217,7 +2217,7 @@
 </file>
 
 <file path=ppt/slideMasters/slideMaster1.xml><?xml version="1.0" encoding="utf-8"?>
-<p:sldMaster xmlns:p="http://schemas.openxmlformats.org/presentationml/2006/main" xmlns:a="http://schemas.openxmlformats.org/drawingml/2006/main" xmlns:r="http://schemas.openxmlformats.org/officeDocument/2006/relationships" xmlns:mc="http://schemas.openxmlformats.org/markup-compatibility/2006" xmlns:c="http://schemas.openxmlformats.org/drawingml/2006/chart" xmlns:ns6="http://schemas.openxmlformats.org/drawingml/2006/chartDrawing" xmlns:dgm="http://schemas.openxmlformats.org/drawingml/2006/diagram" xmlns:pic="http://schemas.openxmlformats.org/drawingml/2006/picture" xmlns:wp="http://schemas.openxmlformats.org/drawingml/2006/wordprocessingDrawing" xmlns:xdr="http://schemas.openxmlformats.org/drawingml/2006/spreadsheetDrawing" xmlns:ns11="http://schemas.openxmlformats.org/drawingml/2006/compatibility" xmlns:ns12="http://schemas.openxmlformats.org/drawingml/2006/lockedCanvas">
+<p:sldMaster xmlns:r="http://schemas.openxmlformats.org/officeDocument/2006/relationships" xmlns:a="http://schemas.openxmlformats.org/drawingml/2006/main" xmlns:p="http://schemas.openxmlformats.org/presentationml/2006/main" xmlns:mc="http://schemas.openxmlformats.org/markup-compatibility/2006" xmlns:c="http://schemas.openxmlformats.org/drawingml/2006/chart" xmlns:ns6="http://schemas.openxmlformats.org/drawingml/2006/chartDrawing" xmlns:dgm="http://schemas.openxmlformats.org/drawingml/2006/diagram" xmlns:pic="http://schemas.openxmlformats.org/drawingml/2006/picture" xmlns:wp="http://schemas.openxmlformats.org/drawingml/2006/wordprocessingDrawing" xmlns:xdr="http://schemas.openxmlformats.org/drawingml/2006/spreadsheetDrawing" xmlns:ns11="http://schemas.openxmlformats.org/drawingml/2006/compatibility" xmlns:ns12="http://schemas.openxmlformats.org/drawingml/2006/lockedCanvas">
   <p:cSld>
     <p:bg>
       <p:bgRef idx="1001">
@@ -2763,7 +2763,7 @@
 </file>
 
 <file path=ppt/slides/slide1.xml><?xml version="1.0" encoding="utf-8"?>
-<p:sld xmlns:p="http://schemas.openxmlformats.org/presentationml/2006/main" xmlns:a="http://schemas.openxmlformats.org/drawingml/2006/main" xmlns:r="http://schemas.openxmlformats.org/officeDocument/2006/relationships" xmlns:mc="http://schemas.openxmlformats.org/markup-compatibility/2006" xmlns:c="http://schemas.openxmlformats.org/drawingml/2006/chart" xmlns:ns6="http://schemas.openxmlformats.org/drawingml/2006/chartDrawing" xmlns:dgm="http://schemas.openxmlformats.org/drawingml/2006/diagram" xmlns:pic="http://schemas.openxmlformats.org/drawingml/2006/picture" xmlns:wp="http://schemas.openxmlformats.org/drawingml/2006/wordprocessingDrawing" xmlns:xdr="http://schemas.openxmlformats.org/drawingml/2006/spreadsheetDrawing" xmlns:ns11="http://schemas.openxmlformats.org/drawingml/2006/compatibility" xmlns:ns12="http://schemas.openxmlformats.org/drawingml/2006/lockedCanvas">
+<p:sld xmlns:r="http://schemas.openxmlformats.org/officeDocument/2006/relationships" xmlns:a="http://schemas.openxmlformats.org/drawingml/2006/main" xmlns:p="http://schemas.openxmlformats.org/presentationml/2006/main" xmlns:mc="http://schemas.openxmlformats.org/markup-compatibility/2006" xmlns:c="http://schemas.openxmlformats.org/drawingml/2006/chart" xmlns:ns6="http://schemas.openxmlformats.org/drawingml/2006/chartDrawing" xmlns:dgm="http://schemas.openxmlformats.org/drawingml/2006/diagram" xmlns:pic="http://schemas.openxmlformats.org/drawingml/2006/picture" xmlns:wp="http://schemas.openxmlformats.org/drawingml/2006/wordprocessingDrawing" xmlns:xdr="http://schemas.openxmlformats.org/drawingml/2006/spreadsheetDrawing" xmlns:ns11="http://schemas.openxmlformats.org/drawingml/2006/compatibility" xmlns:ns12="http://schemas.openxmlformats.org/drawingml/2006/lockedCanvas">
   <p:cSld>
     <p:spTree>
       <p:nvGrpSpPr>
@@ -7949,7 +7949,7 @@
 </file>
 
 <file path=ppt/slides/slide2.xml><?xml version="1.0" encoding="utf-8"?>
-<p:sld xmlns:p="http://schemas.openxmlformats.org/presentationml/2006/main" xmlns:a="http://schemas.openxmlformats.org/drawingml/2006/main" xmlns:r="http://schemas.openxmlformats.org/officeDocument/2006/relationships" xmlns:mc="http://schemas.openxmlformats.org/markup-compatibility/2006" xmlns:c="http://schemas.openxmlformats.org/drawingml/2006/chart" xmlns:ns6="http://schemas.openxmlformats.org/drawingml/2006/chartDrawing" xmlns:dgm="http://schemas.openxmlformats.org/drawingml/2006/diagram" xmlns:pic="http://schemas.openxmlformats.org/drawingml/2006/picture" xmlns:wp="http://schemas.openxmlformats.org/drawingml/2006/wordprocessingDrawing" xmlns:xdr="http://schemas.openxmlformats.org/drawingml/2006/spreadsheetDrawing" xmlns:ns11="http://schemas.openxmlformats.org/drawingml/2006/compatibility" xmlns:ns12="http://schemas.openxmlformats.org/drawingml/2006/lockedCanvas">
+<p:sld xmlns:r="http://schemas.openxmlformats.org/officeDocument/2006/relationships" xmlns:a="http://schemas.openxmlformats.org/drawingml/2006/main" xmlns:p="http://schemas.openxmlformats.org/presentationml/2006/main" xmlns:mc="http://schemas.openxmlformats.org/markup-compatibility/2006" xmlns:c="http://schemas.openxmlformats.org/drawingml/2006/chart" xmlns:ns6="http://schemas.openxmlformats.org/drawingml/2006/chartDrawing" xmlns:dgm="http://schemas.openxmlformats.org/drawingml/2006/diagram" xmlns:pic="http://schemas.openxmlformats.org/drawingml/2006/picture" xmlns:wp="http://schemas.openxmlformats.org/drawingml/2006/wordprocessingDrawing" xmlns:xdr="http://schemas.openxmlformats.org/drawingml/2006/spreadsheetDrawing" xmlns:ns11="http://schemas.openxmlformats.org/drawingml/2006/compatibility" xmlns:ns12="http://schemas.openxmlformats.org/drawingml/2006/lockedCanvas">
   <p:cSld>
     <p:spTree>
       <p:nvGrpSpPr>

--- a/docs/reference/slide_replacement.pptx
+++ b/docs/reference/slide_replacement.pptx
@@ -1,12 +1,12 @@
 
 <file path=ppt/presentation.xml><?xml version="1.0" encoding="utf-8"?>
-<p:presentation xmlns:r="http://schemas.openxmlformats.org/officeDocument/2006/relationships" xmlns:a="http://schemas.openxmlformats.org/drawingml/2006/main" xmlns:p="http://schemas.openxmlformats.org/presentationml/2006/main" xmlns:mc="http://schemas.openxmlformats.org/markup-compatibility/2006" xmlns:c="http://schemas.openxmlformats.org/drawingml/2006/chart" xmlns:ns6="http://schemas.openxmlformats.org/drawingml/2006/chartDrawing" xmlns:dgm="http://schemas.openxmlformats.org/drawingml/2006/diagram" xmlns:pic="http://schemas.openxmlformats.org/drawingml/2006/picture" xmlns:wp="http://schemas.openxmlformats.org/drawingml/2006/wordprocessingDrawing" xmlns:xdr="http://schemas.openxmlformats.org/drawingml/2006/spreadsheetDrawing" xmlns:ns11="http://schemas.openxmlformats.org/drawingml/2006/compatibility" xmlns:ns12="http://schemas.openxmlformats.org/drawingml/2006/lockedCanvas" saveSubsetFonts="true">
+<p:presentation xmlns:a="http://schemas.openxmlformats.org/drawingml/2006/main" xmlns:r="http://schemas.openxmlformats.org/officeDocument/2006/relationships" xmlns:p="http://schemas.openxmlformats.org/presentationml/2006/main" xmlns:mc="http://schemas.openxmlformats.org/markup-compatibility/2006" xmlns:c="http://schemas.openxmlformats.org/drawingml/2006/chart" xmlns:ns6="http://schemas.openxmlformats.org/drawingml/2006/chartDrawing" xmlns:dgm="http://schemas.openxmlformats.org/drawingml/2006/diagram" xmlns:pic="http://schemas.openxmlformats.org/drawingml/2006/picture" xmlns:wp="http://schemas.openxmlformats.org/drawingml/2006/wordprocessingDrawing" xmlns:xdr="http://schemas.openxmlformats.org/drawingml/2006/spreadsheetDrawing" xmlns:ns11="http://schemas.openxmlformats.org/drawingml/2006/compatibility" xmlns:ns12="http://schemas.openxmlformats.org/drawingml/2006/lockedCanvas" saveSubsetFonts="true">
   <p:sldMasterIdLst>
     <p:sldMasterId id="2147483648" r:id="rId1"/>
   </p:sldMasterIdLst>
   <p:sldIdLst>
-    <p:sldId id="1144026466" r:id="rId8"/>
-    <p:sldId id="862499192" r:id="rId7"/>
+    <p:sldId id="1471780078" r:id="rId8"/>
+    <p:sldId id="449782427" r:id="rId7"/>
   </p:sldIdLst>
   <p:sldSz cx="12192000" cy="6858000"/>
   <p:notesSz cx="6858000" cy="9144000"/>
@@ -114,7 +114,7 @@
 </file>
 
 <file path=ppt/slideLayouts/slideLayout1.xml><?xml version="1.0" encoding="utf-8"?>
-<p:sldLayout xmlns:r="http://schemas.openxmlformats.org/officeDocument/2006/relationships" xmlns:a="http://schemas.openxmlformats.org/drawingml/2006/main" xmlns:p="http://schemas.openxmlformats.org/presentationml/2006/main" xmlns:mc="http://schemas.openxmlformats.org/markup-compatibility/2006" xmlns:c="http://schemas.openxmlformats.org/drawingml/2006/chart" xmlns:ns6="http://schemas.openxmlformats.org/drawingml/2006/chartDrawing" xmlns:dgm="http://schemas.openxmlformats.org/drawingml/2006/diagram" xmlns:pic="http://schemas.openxmlformats.org/drawingml/2006/picture" xmlns:wp="http://schemas.openxmlformats.org/drawingml/2006/wordprocessingDrawing" xmlns:xdr="http://schemas.openxmlformats.org/drawingml/2006/spreadsheetDrawing" xmlns:ns11="http://schemas.openxmlformats.org/drawingml/2006/compatibility" xmlns:ns12="http://schemas.openxmlformats.org/drawingml/2006/lockedCanvas" type="title" preserve="true">
+<p:sldLayout xmlns:a="http://schemas.openxmlformats.org/drawingml/2006/main" xmlns:r="http://schemas.openxmlformats.org/officeDocument/2006/relationships" xmlns:p="http://schemas.openxmlformats.org/presentationml/2006/main" xmlns:mc="http://schemas.openxmlformats.org/markup-compatibility/2006" xmlns:c="http://schemas.openxmlformats.org/drawingml/2006/chart" xmlns:ns6="http://schemas.openxmlformats.org/drawingml/2006/chartDrawing" xmlns:dgm="http://schemas.openxmlformats.org/drawingml/2006/diagram" xmlns:pic="http://schemas.openxmlformats.org/drawingml/2006/picture" xmlns:wp="http://schemas.openxmlformats.org/drawingml/2006/wordprocessingDrawing" xmlns:xdr="http://schemas.openxmlformats.org/drawingml/2006/spreadsheetDrawing" xmlns:ns11="http://schemas.openxmlformats.org/drawingml/2006/compatibility" xmlns:ns12="http://schemas.openxmlformats.org/drawingml/2006/lockedCanvas" type="title" preserve="true">
   <p:cSld name="Title Slide">
     <p:spTree>
       <p:nvGrpSpPr>
@@ -313,7 +313,7 @@
 </file>
 
 <file path=ppt/slideLayouts/slideLayout10.xml><?xml version="1.0" encoding="utf-8"?>
-<p:sldLayout xmlns:r="http://schemas.openxmlformats.org/officeDocument/2006/relationships" xmlns:a="http://schemas.openxmlformats.org/drawingml/2006/main" xmlns:p="http://schemas.openxmlformats.org/presentationml/2006/main" xmlns:mc="http://schemas.openxmlformats.org/markup-compatibility/2006" xmlns:c="http://schemas.openxmlformats.org/drawingml/2006/chart" xmlns:ns6="http://schemas.openxmlformats.org/drawingml/2006/chartDrawing" xmlns:dgm="http://schemas.openxmlformats.org/drawingml/2006/diagram" xmlns:pic="http://schemas.openxmlformats.org/drawingml/2006/picture" xmlns:wp="http://schemas.openxmlformats.org/drawingml/2006/wordprocessingDrawing" xmlns:xdr="http://schemas.openxmlformats.org/drawingml/2006/spreadsheetDrawing" xmlns:ns11="http://schemas.openxmlformats.org/drawingml/2006/compatibility" xmlns:ns12="http://schemas.openxmlformats.org/drawingml/2006/lockedCanvas" type="vertTitleAndTx" preserve="true">
+<p:sldLayout xmlns:a="http://schemas.openxmlformats.org/drawingml/2006/main" xmlns:r="http://schemas.openxmlformats.org/officeDocument/2006/relationships" xmlns:p="http://schemas.openxmlformats.org/presentationml/2006/main" xmlns:mc="http://schemas.openxmlformats.org/markup-compatibility/2006" xmlns:c="http://schemas.openxmlformats.org/drawingml/2006/chart" xmlns:ns6="http://schemas.openxmlformats.org/drawingml/2006/chartDrawing" xmlns:dgm="http://schemas.openxmlformats.org/drawingml/2006/diagram" xmlns:pic="http://schemas.openxmlformats.org/drawingml/2006/picture" xmlns:wp="http://schemas.openxmlformats.org/drawingml/2006/wordprocessingDrawing" xmlns:xdr="http://schemas.openxmlformats.org/drawingml/2006/spreadsheetDrawing" xmlns:ns11="http://schemas.openxmlformats.org/drawingml/2006/compatibility" xmlns:ns12="http://schemas.openxmlformats.org/drawingml/2006/lockedCanvas" type="vertTitleAndTx" preserve="true">
   <p:cSld name="Vertical Title and Text">
     <p:spTree>
       <p:nvGrpSpPr>
@@ -500,7 +500,7 @@
 </file>
 
 <file path=ppt/slideLayouts/slideLayout2.xml><?xml version="1.0" encoding="utf-8"?>
-<p:sldLayout xmlns:r="http://schemas.openxmlformats.org/officeDocument/2006/relationships" xmlns:a="http://schemas.openxmlformats.org/drawingml/2006/main" xmlns:p="http://schemas.openxmlformats.org/presentationml/2006/main" xmlns:mc="http://schemas.openxmlformats.org/markup-compatibility/2006" xmlns:c="http://schemas.openxmlformats.org/drawingml/2006/chart" xmlns:ns6="http://schemas.openxmlformats.org/drawingml/2006/chartDrawing" xmlns:dgm="http://schemas.openxmlformats.org/drawingml/2006/diagram" xmlns:pic="http://schemas.openxmlformats.org/drawingml/2006/picture" xmlns:wp="http://schemas.openxmlformats.org/drawingml/2006/wordprocessingDrawing" xmlns:xdr="http://schemas.openxmlformats.org/drawingml/2006/spreadsheetDrawing" xmlns:ns11="http://schemas.openxmlformats.org/drawingml/2006/compatibility" xmlns:ns12="http://schemas.openxmlformats.org/drawingml/2006/lockedCanvas" type="obj" preserve="true">
+<p:sldLayout xmlns:a="http://schemas.openxmlformats.org/drawingml/2006/main" xmlns:r="http://schemas.openxmlformats.org/officeDocument/2006/relationships" xmlns:p="http://schemas.openxmlformats.org/presentationml/2006/main" xmlns:mc="http://schemas.openxmlformats.org/markup-compatibility/2006" xmlns:c="http://schemas.openxmlformats.org/drawingml/2006/chart" xmlns:ns6="http://schemas.openxmlformats.org/drawingml/2006/chartDrawing" xmlns:dgm="http://schemas.openxmlformats.org/drawingml/2006/diagram" xmlns:pic="http://schemas.openxmlformats.org/drawingml/2006/picture" xmlns:wp="http://schemas.openxmlformats.org/drawingml/2006/wordprocessingDrawing" xmlns:xdr="http://schemas.openxmlformats.org/drawingml/2006/spreadsheetDrawing" xmlns:ns11="http://schemas.openxmlformats.org/drawingml/2006/compatibility" xmlns:ns12="http://schemas.openxmlformats.org/drawingml/2006/lockedCanvas" type="obj" preserve="true">
   <p:cSld name="Title and Content">
     <p:spTree>
       <p:nvGrpSpPr>
@@ -682,7 +682,7 @@
 </file>
 
 <file path=ppt/slideLayouts/slideLayout3.xml><?xml version="1.0" encoding="utf-8"?>
-<p:sldLayout xmlns:r="http://schemas.openxmlformats.org/officeDocument/2006/relationships" xmlns:a="http://schemas.openxmlformats.org/drawingml/2006/main" xmlns:p="http://schemas.openxmlformats.org/presentationml/2006/main" xmlns:mc="http://schemas.openxmlformats.org/markup-compatibility/2006" xmlns:c="http://schemas.openxmlformats.org/drawingml/2006/chart" xmlns:ns6="http://schemas.openxmlformats.org/drawingml/2006/chartDrawing" xmlns:dgm="http://schemas.openxmlformats.org/drawingml/2006/diagram" xmlns:pic="http://schemas.openxmlformats.org/drawingml/2006/picture" xmlns:wp="http://schemas.openxmlformats.org/drawingml/2006/wordprocessingDrawing" xmlns:xdr="http://schemas.openxmlformats.org/drawingml/2006/spreadsheetDrawing" xmlns:ns11="http://schemas.openxmlformats.org/drawingml/2006/compatibility" xmlns:ns12="http://schemas.openxmlformats.org/drawingml/2006/lockedCanvas" type="secHead" preserve="true">
+<p:sldLayout xmlns:a="http://schemas.openxmlformats.org/drawingml/2006/main" xmlns:r="http://schemas.openxmlformats.org/officeDocument/2006/relationships" xmlns:p="http://schemas.openxmlformats.org/presentationml/2006/main" xmlns:mc="http://schemas.openxmlformats.org/markup-compatibility/2006" xmlns:c="http://schemas.openxmlformats.org/drawingml/2006/chart" xmlns:ns6="http://schemas.openxmlformats.org/drawingml/2006/chartDrawing" xmlns:dgm="http://schemas.openxmlformats.org/drawingml/2006/diagram" xmlns:pic="http://schemas.openxmlformats.org/drawingml/2006/picture" xmlns:wp="http://schemas.openxmlformats.org/drawingml/2006/wordprocessingDrawing" xmlns:xdr="http://schemas.openxmlformats.org/drawingml/2006/spreadsheetDrawing" xmlns:ns11="http://schemas.openxmlformats.org/drawingml/2006/compatibility" xmlns:ns12="http://schemas.openxmlformats.org/drawingml/2006/lockedCanvas" type="secHead" preserve="true">
   <p:cSld name="Section Header">
     <p:spTree>
       <p:nvGrpSpPr>
@@ -935,7 +935,7 @@
 </file>
 
 <file path=ppt/slideLayouts/slideLayout4.xml><?xml version="1.0" encoding="utf-8"?>
-<p:sldLayout xmlns:r="http://schemas.openxmlformats.org/officeDocument/2006/relationships" xmlns:a="http://schemas.openxmlformats.org/drawingml/2006/main" xmlns:p="http://schemas.openxmlformats.org/presentationml/2006/main" xmlns:mc="http://schemas.openxmlformats.org/markup-compatibility/2006" xmlns:c="http://schemas.openxmlformats.org/drawingml/2006/chart" xmlns:ns6="http://schemas.openxmlformats.org/drawingml/2006/chartDrawing" xmlns:dgm="http://schemas.openxmlformats.org/drawingml/2006/diagram" xmlns:pic="http://schemas.openxmlformats.org/drawingml/2006/picture" xmlns:wp="http://schemas.openxmlformats.org/drawingml/2006/wordprocessingDrawing" xmlns:xdr="http://schemas.openxmlformats.org/drawingml/2006/spreadsheetDrawing" xmlns:ns11="http://schemas.openxmlformats.org/drawingml/2006/compatibility" xmlns:ns12="http://schemas.openxmlformats.org/drawingml/2006/lockedCanvas" type="twoObj" preserve="true">
+<p:sldLayout xmlns:a="http://schemas.openxmlformats.org/drawingml/2006/main" xmlns:r="http://schemas.openxmlformats.org/officeDocument/2006/relationships" xmlns:p="http://schemas.openxmlformats.org/presentationml/2006/main" xmlns:mc="http://schemas.openxmlformats.org/markup-compatibility/2006" xmlns:c="http://schemas.openxmlformats.org/drawingml/2006/chart" xmlns:ns6="http://schemas.openxmlformats.org/drawingml/2006/chartDrawing" xmlns:dgm="http://schemas.openxmlformats.org/drawingml/2006/diagram" xmlns:pic="http://schemas.openxmlformats.org/drawingml/2006/picture" xmlns:wp="http://schemas.openxmlformats.org/drawingml/2006/wordprocessingDrawing" xmlns:xdr="http://schemas.openxmlformats.org/drawingml/2006/spreadsheetDrawing" xmlns:ns11="http://schemas.openxmlformats.org/drawingml/2006/compatibility" xmlns:ns12="http://schemas.openxmlformats.org/drawingml/2006/lockedCanvas" type="twoObj" preserve="true">
   <p:cSld name="Two Content">
     <p:spTree>
       <p:nvGrpSpPr>
@@ -1174,7 +1174,7 @@
 </file>
 
 <file path=ppt/slideLayouts/slideLayout5.xml><?xml version="1.0" encoding="utf-8"?>
-<p:sldLayout xmlns:r="http://schemas.openxmlformats.org/officeDocument/2006/relationships" xmlns:a="http://schemas.openxmlformats.org/drawingml/2006/main" xmlns:p="http://schemas.openxmlformats.org/presentationml/2006/main" xmlns:mc="http://schemas.openxmlformats.org/markup-compatibility/2006" xmlns:c="http://schemas.openxmlformats.org/drawingml/2006/chart" xmlns:ns6="http://schemas.openxmlformats.org/drawingml/2006/chartDrawing" xmlns:dgm="http://schemas.openxmlformats.org/drawingml/2006/diagram" xmlns:pic="http://schemas.openxmlformats.org/drawingml/2006/picture" xmlns:wp="http://schemas.openxmlformats.org/drawingml/2006/wordprocessingDrawing" xmlns:xdr="http://schemas.openxmlformats.org/drawingml/2006/spreadsheetDrawing" xmlns:ns11="http://schemas.openxmlformats.org/drawingml/2006/compatibility" xmlns:ns12="http://schemas.openxmlformats.org/drawingml/2006/lockedCanvas" type="twoTxTwoObj" preserve="true">
+<p:sldLayout xmlns:a="http://schemas.openxmlformats.org/drawingml/2006/main" xmlns:r="http://schemas.openxmlformats.org/officeDocument/2006/relationships" xmlns:p="http://schemas.openxmlformats.org/presentationml/2006/main" xmlns:mc="http://schemas.openxmlformats.org/markup-compatibility/2006" xmlns:c="http://schemas.openxmlformats.org/drawingml/2006/chart" xmlns:ns6="http://schemas.openxmlformats.org/drawingml/2006/chartDrawing" xmlns:dgm="http://schemas.openxmlformats.org/drawingml/2006/diagram" xmlns:pic="http://schemas.openxmlformats.org/drawingml/2006/picture" xmlns:wp="http://schemas.openxmlformats.org/drawingml/2006/wordprocessingDrawing" xmlns:xdr="http://schemas.openxmlformats.org/drawingml/2006/spreadsheetDrawing" xmlns:ns11="http://schemas.openxmlformats.org/drawingml/2006/compatibility" xmlns:ns12="http://schemas.openxmlformats.org/drawingml/2006/lockedCanvas" type="twoTxTwoObj" preserve="true">
   <p:cSld name="Comparison">
     <p:spTree>
       <p:nvGrpSpPr>
@@ -1529,7 +1529,7 @@
 </file>
 
 <file path=ppt/slideLayouts/slideLayout6.xml><?xml version="1.0" encoding="utf-8"?>
-<p:sldLayout xmlns:r="http://schemas.openxmlformats.org/officeDocument/2006/relationships" xmlns:a="http://schemas.openxmlformats.org/drawingml/2006/main" xmlns:p="http://schemas.openxmlformats.org/presentationml/2006/main" xmlns:mc="http://schemas.openxmlformats.org/markup-compatibility/2006" xmlns:c="http://schemas.openxmlformats.org/drawingml/2006/chart" xmlns:ns6="http://schemas.openxmlformats.org/drawingml/2006/chartDrawing" xmlns:dgm="http://schemas.openxmlformats.org/drawingml/2006/diagram" xmlns:pic="http://schemas.openxmlformats.org/drawingml/2006/picture" xmlns:wp="http://schemas.openxmlformats.org/drawingml/2006/wordprocessingDrawing" xmlns:xdr="http://schemas.openxmlformats.org/drawingml/2006/spreadsheetDrawing" xmlns:ns11="http://schemas.openxmlformats.org/drawingml/2006/compatibility" xmlns:ns12="http://schemas.openxmlformats.org/drawingml/2006/lockedCanvas" type="titleOnly" preserve="true">
+<p:sldLayout xmlns:a="http://schemas.openxmlformats.org/drawingml/2006/main" xmlns:r="http://schemas.openxmlformats.org/officeDocument/2006/relationships" xmlns:p="http://schemas.openxmlformats.org/presentationml/2006/main" xmlns:mc="http://schemas.openxmlformats.org/markup-compatibility/2006" xmlns:c="http://schemas.openxmlformats.org/drawingml/2006/chart" xmlns:ns6="http://schemas.openxmlformats.org/drawingml/2006/chartDrawing" xmlns:dgm="http://schemas.openxmlformats.org/drawingml/2006/diagram" xmlns:pic="http://schemas.openxmlformats.org/drawingml/2006/picture" xmlns:wp="http://schemas.openxmlformats.org/drawingml/2006/wordprocessingDrawing" xmlns:xdr="http://schemas.openxmlformats.org/drawingml/2006/spreadsheetDrawing" xmlns:ns11="http://schemas.openxmlformats.org/drawingml/2006/compatibility" xmlns:ns12="http://schemas.openxmlformats.org/drawingml/2006/lockedCanvas" type="titleOnly" preserve="true">
   <p:cSld name="Title Only">
     <p:spTree>
       <p:nvGrpSpPr>
@@ -1654,7 +1654,7 @@
 </file>
 
 <file path=ppt/slideLayouts/slideLayout7.xml><?xml version="1.0" encoding="utf-8"?>
-<p:sldLayout xmlns:r="http://schemas.openxmlformats.org/officeDocument/2006/relationships" xmlns:a="http://schemas.openxmlformats.org/drawingml/2006/main" xmlns:p="http://schemas.openxmlformats.org/presentationml/2006/main" xmlns:mc="http://schemas.openxmlformats.org/markup-compatibility/2006" xmlns:c="http://schemas.openxmlformats.org/drawingml/2006/chart" xmlns:ns6="http://schemas.openxmlformats.org/drawingml/2006/chartDrawing" xmlns:dgm="http://schemas.openxmlformats.org/drawingml/2006/diagram" xmlns:pic="http://schemas.openxmlformats.org/drawingml/2006/picture" xmlns:wp="http://schemas.openxmlformats.org/drawingml/2006/wordprocessingDrawing" xmlns:xdr="http://schemas.openxmlformats.org/drawingml/2006/spreadsheetDrawing" xmlns:ns11="http://schemas.openxmlformats.org/drawingml/2006/compatibility" xmlns:ns12="http://schemas.openxmlformats.org/drawingml/2006/lockedCanvas" type="blank" preserve="true">
+<p:sldLayout xmlns:a="http://schemas.openxmlformats.org/drawingml/2006/main" xmlns:r="http://schemas.openxmlformats.org/officeDocument/2006/relationships" xmlns:p="http://schemas.openxmlformats.org/presentationml/2006/main" xmlns:mc="http://schemas.openxmlformats.org/markup-compatibility/2006" xmlns:c="http://schemas.openxmlformats.org/drawingml/2006/chart" xmlns:ns6="http://schemas.openxmlformats.org/drawingml/2006/chartDrawing" xmlns:dgm="http://schemas.openxmlformats.org/drawingml/2006/diagram" xmlns:pic="http://schemas.openxmlformats.org/drawingml/2006/picture" xmlns:wp="http://schemas.openxmlformats.org/drawingml/2006/wordprocessingDrawing" xmlns:xdr="http://schemas.openxmlformats.org/drawingml/2006/spreadsheetDrawing" xmlns:ns11="http://schemas.openxmlformats.org/drawingml/2006/compatibility" xmlns:ns12="http://schemas.openxmlformats.org/drawingml/2006/lockedCanvas" type="blank" preserve="true">
   <p:cSld name="Blank">
     <p:spTree>
       <p:nvGrpSpPr>
@@ -1756,7 +1756,7 @@
 </file>
 
 <file path=ppt/slideLayouts/slideLayout8.xml><?xml version="1.0" encoding="utf-8"?>
-<p:sldLayout xmlns:r="http://schemas.openxmlformats.org/officeDocument/2006/relationships" xmlns:a="http://schemas.openxmlformats.org/drawingml/2006/main" xmlns:p="http://schemas.openxmlformats.org/presentationml/2006/main" xmlns:mc="http://schemas.openxmlformats.org/markup-compatibility/2006" xmlns:c="http://schemas.openxmlformats.org/drawingml/2006/chart" xmlns:ns6="http://schemas.openxmlformats.org/drawingml/2006/chartDrawing" xmlns:dgm="http://schemas.openxmlformats.org/drawingml/2006/diagram" xmlns:pic="http://schemas.openxmlformats.org/drawingml/2006/picture" xmlns:wp="http://schemas.openxmlformats.org/drawingml/2006/wordprocessingDrawing" xmlns:xdr="http://schemas.openxmlformats.org/drawingml/2006/spreadsheetDrawing" xmlns:ns11="http://schemas.openxmlformats.org/drawingml/2006/compatibility" xmlns:ns12="http://schemas.openxmlformats.org/drawingml/2006/lockedCanvas" type="objTx" preserve="true">
+<p:sldLayout xmlns:a="http://schemas.openxmlformats.org/drawingml/2006/main" xmlns:r="http://schemas.openxmlformats.org/officeDocument/2006/relationships" xmlns:p="http://schemas.openxmlformats.org/presentationml/2006/main" xmlns:mc="http://schemas.openxmlformats.org/markup-compatibility/2006" xmlns:c="http://schemas.openxmlformats.org/drawingml/2006/chart" xmlns:ns6="http://schemas.openxmlformats.org/drawingml/2006/chartDrawing" xmlns:dgm="http://schemas.openxmlformats.org/drawingml/2006/diagram" xmlns:pic="http://schemas.openxmlformats.org/drawingml/2006/picture" xmlns:wp="http://schemas.openxmlformats.org/drawingml/2006/wordprocessingDrawing" xmlns:xdr="http://schemas.openxmlformats.org/drawingml/2006/spreadsheetDrawing" xmlns:ns11="http://schemas.openxmlformats.org/drawingml/2006/compatibility" xmlns:ns12="http://schemas.openxmlformats.org/drawingml/2006/lockedCanvas" type="objTx" preserve="true">
   <p:cSld name="Content with Caption">
     <p:spTree>
       <p:nvGrpSpPr>
@@ -2040,7 +2040,7 @@
 </file>
 
 <file path=ppt/slideLayouts/slideLayout9.xml><?xml version="1.0" encoding="utf-8"?>
-<p:sldLayout xmlns:r="http://schemas.openxmlformats.org/officeDocument/2006/relationships" xmlns:a="http://schemas.openxmlformats.org/drawingml/2006/main" xmlns:p="http://schemas.openxmlformats.org/presentationml/2006/main" xmlns:mc="http://schemas.openxmlformats.org/markup-compatibility/2006" xmlns:c="http://schemas.openxmlformats.org/drawingml/2006/chart" xmlns:ns6="http://schemas.openxmlformats.org/drawingml/2006/chartDrawing" xmlns:dgm="http://schemas.openxmlformats.org/drawingml/2006/diagram" xmlns:pic="http://schemas.openxmlformats.org/drawingml/2006/picture" xmlns:wp="http://schemas.openxmlformats.org/drawingml/2006/wordprocessingDrawing" xmlns:xdr="http://schemas.openxmlformats.org/drawingml/2006/spreadsheetDrawing" xmlns:ns11="http://schemas.openxmlformats.org/drawingml/2006/compatibility" xmlns:ns12="http://schemas.openxmlformats.org/drawingml/2006/lockedCanvas" type="vertTx" preserve="true">
+<p:sldLayout xmlns:a="http://schemas.openxmlformats.org/drawingml/2006/main" xmlns:r="http://schemas.openxmlformats.org/officeDocument/2006/relationships" xmlns:p="http://schemas.openxmlformats.org/presentationml/2006/main" xmlns:mc="http://schemas.openxmlformats.org/markup-compatibility/2006" xmlns:c="http://schemas.openxmlformats.org/drawingml/2006/chart" xmlns:ns6="http://schemas.openxmlformats.org/drawingml/2006/chartDrawing" xmlns:dgm="http://schemas.openxmlformats.org/drawingml/2006/diagram" xmlns:pic="http://schemas.openxmlformats.org/drawingml/2006/picture" xmlns:wp="http://schemas.openxmlformats.org/drawingml/2006/wordprocessingDrawing" xmlns:xdr="http://schemas.openxmlformats.org/drawingml/2006/spreadsheetDrawing" xmlns:ns11="http://schemas.openxmlformats.org/drawingml/2006/compatibility" xmlns:ns12="http://schemas.openxmlformats.org/drawingml/2006/lockedCanvas" type="vertTx" preserve="true">
   <p:cSld name="Title and Vertical Text">
     <p:spTree>
       <p:nvGrpSpPr>
@@ -2217,7 +2217,7 @@
 </file>
 
 <file path=ppt/slideMasters/slideMaster1.xml><?xml version="1.0" encoding="utf-8"?>
-<p:sldMaster xmlns:r="http://schemas.openxmlformats.org/officeDocument/2006/relationships" xmlns:a="http://schemas.openxmlformats.org/drawingml/2006/main" xmlns:p="http://schemas.openxmlformats.org/presentationml/2006/main" xmlns:mc="http://schemas.openxmlformats.org/markup-compatibility/2006" xmlns:c="http://schemas.openxmlformats.org/drawingml/2006/chart" xmlns:ns6="http://schemas.openxmlformats.org/drawingml/2006/chartDrawing" xmlns:dgm="http://schemas.openxmlformats.org/drawingml/2006/diagram" xmlns:pic="http://schemas.openxmlformats.org/drawingml/2006/picture" xmlns:wp="http://schemas.openxmlformats.org/drawingml/2006/wordprocessingDrawing" xmlns:xdr="http://schemas.openxmlformats.org/drawingml/2006/spreadsheetDrawing" xmlns:ns11="http://schemas.openxmlformats.org/drawingml/2006/compatibility" xmlns:ns12="http://schemas.openxmlformats.org/drawingml/2006/lockedCanvas">
+<p:sldMaster xmlns:a="http://schemas.openxmlformats.org/drawingml/2006/main" xmlns:r="http://schemas.openxmlformats.org/officeDocument/2006/relationships" xmlns:p="http://schemas.openxmlformats.org/presentationml/2006/main" xmlns:mc="http://schemas.openxmlformats.org/markup-compatibility/2006" xmlns:c="http://schemas.openxmlformats.org/drawingml/2006/chart" xmlns:ns6="http://schemas.openxmlformats.org/drawingml/2006/chartDrawing" xmlns:dgm="http://schemas.openxmlformats.org/drawingml/2006/diagram" xmlns:pic="http://schemas.openxmlformats.org/drawingml/2006/picture" xmlns:wp="http://schemas.openxmlformats.org/drawingml/2006/wordprocessingDrawing" xmlns:xdr="http://schemas.openxmlformats.org/drawingml/2006/spreadsheetDrawing" xmlns:ns11="http://schemas.openxmlformats.org/drawingml/2006/compatibility" xmlns:ns12="http://schemas.openxmlformats.org/drawingml/2006/lockedCanvas">
   <p:cSld>
     <p:bg>
       <p:bgRef idx="1001">
@@ -2763,7 +2763,7 @@
 </file>
 
 <file path=ppt/slides/slide1.xml><?xml version="1.0" encoding="utf-8"?>
-<p:sld xmlns:r="http://schemas.openxmlformats.org/officeDocument/2006/relationships" xmlns:a="http://schemas.openxmlformats.org/drawingml/2006/main" xmlns:p="http://schemas.openxmlformats.org/presentationml/2006/main" xmlns:mc="http://schemas.openxmlformats.org/markup-compatibility/2006" xmlns:c="http://schemas.openxmlformats.org/drawingml/2006/chart" xmlns:ns6="http://schemas.openxmlformats.org/drawingml/2006/chartDrawing" xmlns:dgm="http://schemas.openxmlformats.org/drawingml/2006/diagram" xmlns:pic="http://schemas.openxmlformats.org/drawingml/2006/picture" xmlns:wp="http://schemas.openxmlformats.org/drawingml/2006/wordprocessingDrawing" xmlns:xdr="http://schemas.openxmlformats.org/drawingml/2006/spreadsheetDrawing" xmlns:ns11="http://schemas.openxmlformats.org/drawingml/2006/compatibility" xmlns:ns12="http://schemas.openxmlformats.org/drawingml/2006/lockedCanvas">
+<p:sld xmlns:a="http://schemas.openxmlformats.org/drawingml/2006/main" xmlns:r="http://schemas.openxmlformats.org/officeDocument/2006/relationships" xmlns:p="http://schemas.openxmlformats.org/presentationml/2006/main" xmlns:mc="http://schemas.openxmlformats.org/markup-compatibility/2006" xmlns:c="http://schemas.openxmlformats.org/drawingml/2006/chart" xmlns:ns6="http://schemas.openxmlformats.org/drawingml/2006/chartDrawing" xmlns:dgm="http://schemas.openxmlformats.org/drawingml/2006/diagram" xmlns:pic="http://schemas.openxmlformats.org/drawingml/2006/picture" xmlns:wp="http://schemas.openxmlformats.org/drawingml/2006/wordprocessingDrawing" xmlns:xdr="http://schemas.openxmlformats.org/drawingml/2006/spreadsheetDrawing" xmlns:ns11="http://schemas.openxmlformats.org/drawingml/2006/compatibility" xmlns:ns12="http://schemas.openxmlformats.org/drawingml/2006/lockedCanvas">
   <p:cSld>
     <p:spTree>
       <p:nvGrpSpPr>
@@ -7949,7 +7949,7 @@
 </file>
 
 <file path=ppt/slides/slide2.xml><?xml version="1.0" encoding="utf-8"?>
-<p:sld xmlns:r="http://schemas.openxmlformats.org/officeDocument/2006/relationships" xmlns:a="http://schemas.openxmlformats.org/drawingml/2006/main" xmlns:p="http://schemas.openxmlformats.org/presentationml/2006/main" xmlns:mc="http://schemas.openxmlformats.org/markup-compatibility/2006" xmlns:c="http://schemas.openxmlformats.org/drawingml/2006/chart" xmlns:ns6="http://schemas.openxmlformats.org/drawingml/2006/chartDrawing" xmlns:dgm="http://schemas.openxmlformats.org/drawingml/2006/diagram" xmlns:pic="http://schemas.openxmlformats.org/drawingml/2006/picture" xmlns:wp="http://schemas.openxmlformats.org/drawingml/2006/wordprocessingDrawing" xmlns:xdr="http://schemas.openxmlformats.org/drawingml/2006/spreadsheetDrawing" xmlns:ns11="http://schemas.openxmlformats.org/drawingml/2006/compatibility" xmlns:ns12="http://schemas.openxmlformats.org/drawingml/2006/lockedCanvas">
+<p:sld xmlns:a="http://schemas.openxmlformats.org/drawingml/2006/main" xmlns:r="http://schemas.openxmlformats.org/officeDocument/2006/relationships" xmlns:p="http://schemas.openxmlformats.org/presentationml/2006/main" xmlns:mc="http://schemas.openxmlformats.org/markup-compatibility/2006" xmlns:c="http://schemas.openxmlformats.org/drawingml/2006/chart" xmlns:ns6="http://schemas.openxmlformats.org/drawingml/2006/chartDrawing" xmlns:dgm="http://schemas.openxmlformats.org/drawingml/2006/diagram" xmlns:pic="http://schemas.openxmlformats.org/drawingml/2006/picture" xmlns:wp="http://schemas.openxmlformats.org/drawingml/2006/wordprocessingDrawing" xmlns:xdr="http://schemas.openxmlformats.org/drawingml/2006/spreadsheetDrawing" xmlns:ns11="http://schemas.openxmlformats.org/drawingml/2006/compatibility" xmlns:ns12="http://schemas.openxmlformats.org/drawingml/2006/lockedCanvas">
   <p:cSld>
     <p:spTree>
       <p:nvGrpSpPr>

--- a/docs/reference/slide_replacement.pptx
+++ b/docs/reference/slide_replacement.pptx
@@ -1,12 +1,12 @@
 
 <file path=ppt/presentation.xml><?xml version="1.0" encoding="utf-8"?>
-<p:presentation xmlns:a="http://schemas.openxmlformats.org/drawingml/2006/main" xmlns:r="http://schemas.openxmlformats.org/officeDocument/2006/relationships" xmlns:p="http://schemas.openxmlformats.org/presentationml/2006/main" xmlns:mc="http://schemas.openxmlformats.org/markup-compatibility/2006" xmlns:c="http://schemas.openxmlformats.org/drawingml/2006/chart" xmlns:ns6="http://schemas.openxmlformats.org/drawingml/2006/chartDrawing" xmlns:dgm="http://schemas.openxmlformats.org/drawingml/2006/diagram" xmlns:pic="http://schemas.openxmlformats.org/drawingml/2006/picture" xmlns:wp="http://schemas.openxmlformats.org/drawingml/2006/wordprocessingDrawing" xmlns:xdr="http://schemas.openxmlformats.org/drawingml/2006/spreadsheetDrawing" xmlns:ns11="http://schemas.openxmlformats.org/drawingml/2006/compatibility" xmlns:ns12="http://schemas.openxmlformats.org/drawingml/2006/lockedCanvas" saveSubsetFonts="true">
+<p:presentation xmlns:p="http://schemas.openxmlformats.org/presentationml/2006/main" xmlns:r="http://schemas.openxmlformats.org/officeDocument/2006/relationships" xmlns:a="http://schemas.openxmlformats.org/drawingml/2006/main" xmlns:mc="http://schemas.openxmlformats.org/markup-compatibility/2006" xmlns:c="http://schemas.openxmlformats.org/drawingml/2006/chart" xmlns:ns6="http://schemas.openxmlformats.org/drawingml/2006/chartDrawing" xmlns:dgm="http://schemas.openxmlformats.org/drawingml/2006/diagram" xmlns:pic="http://schemas.openxmlformats.org/drawingml/2006/picture" xmlns:wp="http://schemas.openxmlformats.org/drawingml/2006/wordprocessingDrawing" xmlns:xdr="http://schemas.openxmlformats.org/drawingml/2006/spreadsheetDrawing" xmlns:ns11="http://schemas.openxmlformats.org/drawingml/2006/compatibility" xmlns:ns12="http://schemas.openxmlformats.org/drawingml/2006/lockedCanvas" saveSubsetFonts="true">
   <p:sldMasterIdLst>
     <p:sldMasterId id="2147483648" r:id="rId1"/>
   </p:sldMasterIdLst>
   <p:sldIdLst>
-    <p:sldId id="1471780078" r:id="rId8"/>
-    <p:sldId id="449782427" r:id="rId7"/>
+    <p:sldId id="1968161325" r:id="rId8"/>
+    <p:sldId id="1785526752" r:id="rId7"/>
   </p:sldIdLst>
   <p:sldSz cx="12192000" cy="6858000"/>
   <p:notesSz cx="6858000" cy="9144000"/>
@@ -114,7 +114,7 @@
 </file>
 
 <file path=ppt/slideLayouts/slideLayout1.xml><?xml version="1.0" encoding="utf-8"?>
-<p:sldLayout xmlns:a="http://schemas.openxmlformats.org/drawingml/2006/main" xmlns:r="http://schemas.openxmlformats.org/officeDocument/2006/relationships" xmlns:p="http://schemas.openxmlformats.org/presentationml/2006/main" xmlns:mc="http://schemas.openxmlformats.org/markup-compatibility/2006" xmlns:c="http://schemas.openxmlformats.org/drawingml/2006/chart" xmlns:ns6="http://schemas.openxmlformats.org/drawingml/2006/chartDrawing" xmlns:dgm="http://schemas.openxmlformats.org/drawingml/2006/diagram" xmlns:pic="http://schemas.openxmlformats.org/drawingml/2006/picture" xmlns:wp="http://schemas.openxmlformats.org/drawingml/2006/wordprocessingDrawing" xmlns:xdr="http://schemas.openxmlformats.org/drawingml/2006/spreadsheetDrawing" xmlns:ns11="http://schemas.openxmlformats.org/drawingml/2006/compatibility" xmlns:ns12="http://schemas.openxmlformats.org/drawingml/2006/lockedCanvas" type="title" preserve="true">
+<p:sldLayout xmlns:p="http://schemas.openxmlformats.org/presentationml/2006/main" xmlns:r="http://schemas.openxmlformats.org/officeDocument/2006/relationships" xmlns:a="http://schemas.openxmlformats.org/drawingml/2006/main" xmlns:mc="http://schemas.openxmlformats.org/markup-compatibility/2006" xmlns:c="http://schemas.openxmlformats.org/drawingml/2006/chart" xmlns:ns6="http://schemas.openxmlformats.org/drawingml/2006/chartDrawing" xmlns:dgm="http://schemas.openxmlformats.org/drawingml/2006/diagram" xmlns:pic="http://schemas.openxmlformats.org/drawingml/2006/picture" xmlns:wp="http://schemas.openxmlformats.org/drawingml/2006/wordprocessingDrawing" xmlns:xdr="http://schemas.openxmlformats.org/drawingml/2006/spreadsheetDrawing" xmlns:ns11="http://schemas.openxmlformats.org/drawingml/2006/compatibility" xmlns:ns12="http://schemas.openxmlformats.org/drawingml/2006/lockedCanvas" type="title" preserve="true">
   <p:cSld name="Title Slide">
     <p:spTree>
       <p:nvGrpSpPr>
@@ -313,7 +313,7 @@
 </file>
 
 <file path=ppt/slideLayouts/slideLayout10.xml><?xml version="1.0" encoding="utf-8"?>
-<p:sldLayout xmlns:a="http://schemas.openxmlformats.org/drawingml/2006/main" xmlns:r="http://schemas.openxmlformats.org/officeDocument/2006/relationships" xmlns:p="http://schemas.openxmlformats.org/presentationml/2006/main" xmlns:mc="http://schemas.openxmlformats.org/markup-compatibility/2006" xmlns:c="http://schemas.openxmlformats.org/drawingml/2006/chart" xmlns:ns6="http://schemas.openxmlformats.org/drawingml/2006/chartDrawing" xmlns:dgm="http://schemas.openxmlformats.org/drawingml/2006/diagram" xmlns:pic="http://schemas.openxmlformats.org/drawingml/2006/picture" xmlns:wp="http://schemas.openxmlformats.org/drawingml/2006/wordprocessingDrawing" xmlns:xdr="http://schemas.openxmlformats.org/drawingml/2006/spreadsheetDrawing" xmlns:ns11="http://schemas.openxmlformats.org/drawingml/2006/compatibility" xmlns:ns12="http://schemas.openxmlformats.org/drawingml/2006/lockedCanvas" type="vertTitleAndTx" preserve="true">
+<p:sldLayout xmlns:p="http://schemas.openxmlformats.org/presentationml/2006/main" xmlns:r="http://schemas.openxmlformats.org/officeDocument/2006/relationships" xmlns:a="http://schemas.openxmlformats.org/drawingml/2006/main" xmlns:mc="http://schemas.openxmlformats.org/markup-compatibility/2006" xmlns:c="http://schemas.openxmlformats.org/drawingml/2006/chart" xmlns:ns6="http://schemas.openxmlformats.org/drawingml/2006/chartDrawing" xmlns:dgm="http://schemas.openxmlformats.org/drawingml/2006/diagram" xmlns:pic="http://schemas.openxmlformats.org/drawingml/2006/picture" xmlns:wp="http://schemas.openxmlformats.org/drawingml/2006/wordprocessingDrawing" xmlns:xdr="http://schemas.openxmlformats.org/drawingml/2006/spreadsheetDrawing" xmlns:ns11="http://schemas.openxmlformats.org/drawingml/2006/compatibility" xmlns:ns12="http://schemas.openxmlformats.org/drawingml/2006/lockedCanvas" type="vertTitleAndTx" preserve="true">
   <p:cSld name="Vertical Title and Text">
     <p:spTree>
       <p:nvGrpSpPr>
@@ -500,7 +500,7 @@
 </file>
 
 <file path=ppt/slideLayouts/slideLayout2.xml><?xml version="1.0" encoding="utf-8"?>
-<p:sldLayout xmlns:a="http://schemas.openxmlformats.org/drawingml/2006/main" xmlns:r="http://schemas.openxmlformats.org/officeDocument/2006/relationships" xmlns:p="http://schemas.openxmlformats.org/presentationml/2006/main" xmlns:mc="http://schemas.openxmlformats.org/markup-compatibility/2006" xmlns:c="http://schemas.openxmlformats.org/drawingml/2006/chart" xmlns:ns6="http://schemas.openxmlformats.org/drawingml/2006/chartDrawing" xmlns:dgm="http://schemas.openxmlformats.org/drawingml/2006/diagram" xmlns:pic="http://schemas.openxmlformats.org/drawingml/2006/picture" xmlns:wp="http://schemas.openxmlformats.org/drawingml/2006/wordprocessingDrawing" xmlns:xdr="http://schemas.openxmlformats.org/drawingml/2006/spreadsheetDrawing" xmlns:ns11="http://schemas.openxmlformats.org/drawingml/2006/compatibility" xmlns:ns12="http://schemas.openxmlformats.org/drawingml/2006/lockedCanvas" type="obj" preserve="true">
+<p:sldLayout xmlns:p="http://schemas.openxmlformats.org/presentationml/2006/main" xmlns:r="http://schemas.openxmlformats.org/officeDocument/2006/relationships" xmlns:a="http://schemas.openxmlformats.org/drawingml/2006/main" xmlns:mc="http://schemas.openxmlformats.org/markup-compatibility/2006" xmlns:c="http://schemas.openxmlformats.org/drawingml/2006/chart" xmlns:ns6="http://schemas.openxmlformats.org/drawingml/2006/chartDrawing" xmlns:dgm="http://schemas.openxmlformats.org/drawingml/2006/diagram" xmlns:pic="http://schemas.openxmlformats.org/drawingml/2006/picture" xmlns:wp="http://schemas.openxmlformats.org/drawingml/2006/wordprocessingDrawing" xmlns:xdr="http://schemas.openxmlformats.org/drawingml/2006/spreadsheetDrawing" xmlns:ns11="http://schemas.openxmlformats.org/drawingml/2006/compatibility" xmlns:ns12="http://schemas.openxmlformats.org/drawingml/2006/lockedCanvas" type="obj" preserve="true">
   <p:cSld name="Title and Content">
     <p:spTree>
       <p:nvGrpSpPr>
@@ -682,7 +682,7 @@
 </file>
 
 <file path=ppt/slideLayouts/slideLayout3.xml><?xml version="1.0" encoding="utf-8"?>
-<p:sldLayout xmlns:a="http://schemas.openxmlformats.org/drawingml/2006/main" xmlns:r="http://schemas.openxmlformats.org/officeDocument/2006/relationships" xmlns:p="http://schemas.openxmlformats.org/presentationml/2006/main" xmlns:mc="http://schemas.openxmlformats.org/markup-compatibility/2006" xmlns:c="http://schemas.openxmlformats.org/drawingml/2006/chart" xmlns:ns6="http://schemas.openxmlformats.org/drawingml/2006/chartDrawing" xmlns:dgm="http://schemas.openxmlformats.org/drawingml/2006/diagram" xmlns:pic="http://schemas.openxmlformats.org/drawingml/2006/picture" xmlns:wp="http://schemas.openxmlformats.org/drawingml/2006/wordprocessingDrawing" xmlns:xdr="http://schemas.openxmlformats.org/drawingml/2006/spreadsheetDrawing" xmlns:ns11="http://schemas.openxmlformats.org/drawingml/2006/compatibility" xmlns:ns12="http://schemas.openxmlformats.org/drawingml/2006/lockedCanvas" type="secHead" preserve="true">
+<p:sldLayout xmlns:p="http://schemas.openxmlformats.org/presentationml/2006/main" xmlns:r="http://schemas.openxmlformats.org/officeDocument/2006/relationships" xmlns:a="http://schemas.openxmlformats.org/drawingml/2006/main" xmlns:mc="http://schemas.openxmlformats.org/markup-compatibility/2006" xmlns:c="http://schemas.openxmlformats.org/drawingml/2006/chart" xmlns:ns6="http://schemas.openxmlformats.org/drawingml/2006/chartDrawing" xmlns:dgm="http://schemas.openxmlformats.org/drawingml/2006/diagram" xmlns:pic="http://schemas.openxmlformats.org/drawingml/2006/picture" xmlns:wp="http://schemas.openxmlformats.org/drawingml/2006/wordprocessingDrawing" xmlns:xdr="http://schemas.openxmlformats.org/drawingml/2006/spreadsheetDrawing" xmlns:ns11="http://schemas.openxmlformats.org/drawingml/2006/compatibility" xmlns:ns12="http://schemas.openxmlformats.org/drawingml/2006/lockedCanvas" type="secHead" preserve="true">
   <p:cSld name="Section Header">
     <p:spTree>
       <p:nvGrpSpPr>
@@ -935,7 +935,7 @@
 </file>
 
 <file path=ppt/slideLayouts/slideLayout4.xml><?xml version="1.0" encoding="utf-8"?>
-<p:sldLayout xmlns:a="http://schemas.openxmlformats.org/drawingml/2006/main" xmlns:r="http://schemas.openxmlformats.org/officeDocument/2006/relationships" xmlns:p="http://schemas.openxmlformats.org/presentationml/2006/main" xmlns:mc="http://schemas.openxmlformats.org/markup-compatibility/2006" xmlns:c="http://schemas.openxmlformats.org/drawingml/2006/chart" xmlns:ns6="http://schemas.openxmlformats.org/drawingml/2006/chartDrawing" xmlns:dgm="http://schemas.openxmlformats.org/drawingml/2006/diagram" xmlns:pic="http://schemas.openxmlformats.org/drawingml/2006/picture" xmlns:wp="http://schemas.openxmlformats.org/drawingml/2006/wordprocessingDrawing" xmlns:xdr="http://schemas.openxmlformats.org/drawingml/2006/spreadsheetDrawing" xmlns:ns11="http://schemas.openxmlformats.org/drawingml/2006/compatibility" xmlns:ns12="http://schemas.openxmlformats.org/drawingml/2006/lockedCanvas" type="twoObj" preserve="true">
+<p:sldLayout xmlns:p="http://schemas.openxmlformats.org/presentationml/2006/main" xmlns:r="http://schemas.openxmlformats.org/officeDocument/2006/relationships" xmlns:a="http://schemas.openxmlformats.org/drawingml/2006/main" xmlns:mc="http://schemas.openxmlformats.org/markup-compatibility/2006" xmlns:c="http://schemas.openxmlformats.org/drawingml/2006/chart" xmlns:ns6="http://schemas.openxmlformats.org/drawingml/2006/chartDrawing" xmlns:dgm="http://schemas.openxmlformats.org/drawingml/2006/diagram" xmlns:pic="http://schemas.openxmlformats.org/drawingml/2006/picture" xmlns:wp="http://schemas.openxmlformats.org/drawingml/2006/wordprocessingDrawing" xmlns:xdr="http://schemas.openxmlformats.org/drawingml/2006/spreadsheetDrawing" xmlns:ns11="http://schemas.openxmlformats.org/drawingml/2006/compatibility" xmlns:ns12="http://schemas.openxmlformats.org/drawingml/2006/lockedCanvas" type="twoObj" preserve="true">
   <p:cSld name="Two Content">
     <p:spTree>
       <p:nvGrpSpPr>
@@ -1174,7 +1174,7 @@
 </file>
 
 <file path=ppt/slideLayouts/slideLayout5.xml><?xml version="1.0" encoding="utf-8"?>
-<p:sldLayout xmlns:a="http://schemas.openxmlformats.org/drawingml/2006/main" xmlns:r="http://schemas.openxmlformats.org/officeDocument/2006/relationships" xmlns:p="http://schemas.openxmlformats.org/presentationml/2006/main" xmlns:mc="http://schemas.openxmlformats.org/markup-compatibility/2006" xmlns:c="http://schemas.openxmlformats.org/drawingml/2006/chart" xmlns:ns6="http://schemas.openxmlformats.org/drawingml/2006/chartDrawing" xmlns:dgm="http://schemas.openxmlformats.org/drawingml/2006/diagram" xmlns:pic="http://schemas.openxmlformats.org/drawingml/2006/picture" xmlns:wp="http://schemas.openxmlformats.org/drawingml/2006/wordprocessingDrawing" xmlns:xdr="http://schemas.openxmlformats.org/drawingml/2006/spreadsheetDrawing" xmlns:ns11="http://schemas.openxmlformats.org/drawingml/2006/compatibility" xmlns:ns12="http://schemas.openxmlformats.org/drawingml/2006/lockedCanvas" type="twoTxTwoObj" preserve="true">
+<p:sldLayout xmlns:p="http://schemas.openxmlformats.org/presentationml/2006/main" xmlns:r="http://schemas.openxmlformats.org/officeDocument/2006/relationships" xmlns:a="http://schemas.openxmlformats.org/drawingml/2006/main" xmlns:mc="http://schemas.openxmlformats.org/markup-compatibility/2006" xmlns:c="http://schemas.openxmlformats.org/drawingml/2006/chart" xmlns:ns6="http://schemas.openxmlformats.org/drawingml/2006/chartDrawing" xmlns:dgm="http://schemas.openxmlformats.org/drawingml/2006/diagram" xmlns:pic="http://schemas.openxmlformats.org/drawingml/2006/picture" xmlns:wp="http://schemas.openxmlformats.org/drawingml/2006/wordprocessingDrawing" xmlns:xdr="http://schemas.openxmlformats.org/drawingml/2006/spreadsheetDrawing" xmlns:ns11="http://schemas.openxmlformats.org/drawingml/2006/compatibility" xmlns:ns12="http://schemas.openxmlformats.org/drawingml/2006/lockedCanvas" type="twoTxTwoObj" preserve="true">
   <p:cSld name="Comparison">
     <p:spTree>
       <p:nvGrpSpPr>
@@ -1529,7 +1529,7 @@
 </file>
 
 <file path=ppt/slideLayouts/slideLayout6.xml><?xml version="1.0" encoding="utf-8"?>
-<p:sldLayout xmlns:a="http://schemas.openxmlformats.org/drawingml/2006/main" xmlns:r="http://schemas.openxmlformats.org/officeDocument/2006/relationships" xmlns:p="http://schemas.openxmlformats.org/presentationml/2006/main" xmlns:mc="http://schemas.openxmlformats.org/markup-compatibility/2006" xmlns:c="http://schemas.openxmlformats.org/drawingml/2006/chart" xmlns:ns6="http://schemas.openxmlformats.org/drawingml/2006/chartDrawing" xmlns:dgm="http://schemas.openxmlformats.org/drawingml/2006/diagram" xmlns:pic="http://schemas.openxmlformats.org/drawingml/2006/picture" xmlns:wp="http://schemas.openxmlformats.org/drawingml/2006/wordprocessingDrawing" xmlns:xdr="http://schemas.openxmlformats.org/drawingml/2006/spreadsheetDrawing" xmlns:ns11="http://schemas.openxmlformats.org/drawingml/2006/compatibility" xmlns:ns12="http://schemas.openxmlformats.org/drawingml/2006/lockedCanvas" type="titleOnly" preserve="true">
+<p:sldLayout xmlns:p="http://schemas.openxmlformats.org/presentationml/2006/main" xmlns:r="http://schemas.openxmlformats.org/officeDocument/2006/relationships" xmlns:a="http://schemas.openxmlformats.org/drawingml/2006/main" xmlns:mc="http://schemas.openxmlformats.org/markup-compatibility/2006" xmlns:c="http://schemas.openxmlformats.org/drawingml/2006/chart" xmlns:ns6="http://schemas.openxmlformats.org/drawingml/2006/chartDrawing" xmlns:dgm="http://schemas.openxmlformats.org/drawingml/2006/diagram" xmlns:pic="http://schemas.openxmlformats.org/drawingml/2006/picture" xmlns:wp="http://schemas.openxmlformats.org/drawingml/2006/wordprocessingDrawing" xmlns:xdr="http://schemas.openxmlformats.org/drawingml/2006/spreadsheetDrawing" xmlns:ns11="http://schemas.openxmlformats.org/drawingml/2006/compatibility" xmlns:ns12="http://schemas.openxmlformats.org/drawingml/2006/lockedCanvas" type="titleOnly" preserve="true">
   <p:cSld name="Title Only">
     <p:spTree>
       <p:nvGrpSpPr>
@@ -1654,7 +1654,7 @@
 </file>
 
 <file path=ppt/slideLayouts/slideLayout7.xml><?xml version="1.0" encoding="utf-8"?>
-<p:sldLayout xmlns:a="http://schemas.openxmlformats.org/drawingml/2006/main" xmlns:r="http://schemas.openxmlformats.org/officeDocument/2006/relationships" xmlns:p="http://schemas.openxmlformats.org/presentationml/2006/main" xmlns:mc="http://schemas.openxmlformats.org/markup-compatibility/2006" xmlns:c="http://schemas.openxmlformats.org/drawingml/2006/chart" xmlns:ns6="http://schemas.openxmlformats.org/drawingml/2006/chartDrawing" xmlns:dgm="http://schemas.openxmlformats.org/drawingml/2006/diagram" xmlns:pic="http://schemas.openxmlformats.org/drawingml/2006/picture" xmlns:wp="http://schemas.openxmlformats.org/drawingml/2006/wordprocessingDrawing" xmlns:xdr="http://schemas.openxmlformats.org/drawingml/2006/spreadsheetDrawing" xmlns:ns11="http://schemas.openxmlformats.org/drawingml/2006/compatibility" xmlns:ns12="http://schemas.openxmlformats.org/drawingml/2006/lockedCanvas" type="blank" preserve="true">
+<p:sldLayout xmlns:p="http://schemas.openxmlformats.org/presentationml/2006/main" xmlns:r="http://schemas.openxmlformats.org/officeDocument/2006/relationships" xmlns:a="http://schemas.openxmlformats.org/drawingml/2006/main" xmlns:mc="http://schemas.openxmlformats.org/markup-compatibility/2006" xmlns:c="http://schemas.openxmlformats.org/drawingml/2006/chart" xmlns:ns6="http://schemas.openxmlformats.org/drawingml/2006/chartDrawing" xmlns:dgm="http://schemas.openxmlformats.org/drawingml/2006/diagram" xmlns:pic="http://schemas.openxmlformats.org/drawingml/2006/picture" xmlns:wp="http://schemas.openxmlformats.org/drawingml/2006/wordprocessingDrawing" xmlns:xdr="http://schemas.openxmlformats.org/drawingml/2006/spreadsheetDrawing" xmlns:ns11="http://schemas.openxmlformats.org/drawingml/2006/compatibility" xmlns:ns12="http://schemas.openxmlformats.org/drawingml/2006/lockedCanvas" type="blank" preserve="true">
   <p:cSld name="Blank">
     <p:spTree>
       <p:nvGrpSpPr>
@@ -1756,7 +1756,7 @@
 </file>
 
 <file path=ppt/slideLayouts/slideLayout8.xml><?xml version="1.0" encoding="utf-8"?>
-<p:sldLayout xmlns:a="http://schemas.openxmlformats.org/drawingml/2006/main" xmlns:r="http://schemas.openxmlformats.org/officeDocument/2006/relationships" xmlns:p="http://schemas.openxmlformats.org/presentationml/2006/main" xmlns:mc="http://schemas.openxmlformats.org/markup-compatibility/2006" xmlns:c="http://schemas.openxmlformats.org/drawingml/2006/chart" xmlns:ns6="http://schemas.openxmlformats.org/drawingml/2006/chartDrawing" xmlns:dgm="http://schemas.openxmlformats.org/drawingml/2006/diagram" xmlns:pic="http://schemas.openxmlformats.org/drawingml/2006/picture" xmlns:wp="http://schemas.openxmlformats.org/drawingml/2006/wordprocessingDrawing" xmlns:xdr="http://schemas.openxmlformats.org/drawingml/2006/spreadsheetDrawing" xmlns:ns11="http://schemas.openxmlformats.org/drawingml/2006/compatibility" xmlns:ns12="http://schemas.openxmlformats.org/drawingml/2006/lockedCanvas" type="objTx" preserve="true">
+<p:sldLayout xmlns:p="http://schemas.openxmlformats.org/presentationml/2006/main" xmlns:r="http://schemas.openxmlformats.org/officeDocument/2006/relationships" xmlns:a="http://schemas.openxmlformats.org/drawingml/2006/main" xmlns:mc="http://schemas.openxmlformats.org/markup-compatibility/2006" xmlns:c="http://schemas.openxmlformats.org/drawingml/2006/chart" xmlns:ns6="http://schemas.openxmlformats.org/drawingml/2006/chartDrawing" xmlns:dgm="http://schemas.openxmlformats.org/drawingml/2006/diagram" xmlns:pic="http://schemas.openxmlformats.org/drawingml/2006/picture" xmlns:wp="http://schemas.openxmlformats.org/drawingml/2006/wordprocessingDrawing" xmlns:xdr="http://schemas.openxmlformats.org/drawingml/2006/spreadsheetDrawing" xmlns:ns11="http://schemas.openxmlformats.org/drawingml/2006/compatibility" xmlns:ns12="http://schemas.openxmlformats.org/drawingml/2006/lockedCanvas" type="objTx" preserve="true">
   <p:cSld name="Content with Caption">
     <p:spTree>
       <p:nvGrpSpPr>
@@ -2040,7 +2040,7 @@
 </file>
 
 <file path=ppt/slideLayouts/slideLayout9.xml><?xml version="1.0" encoding="utf-8"?>
-<p:sldLayout xmlns:a="http://schemas.openxmlformats.org/drawingml/2006/main" xmlns:r="http://schemas.openxmlformats.org/officeDocument/2006/relationships" xmlns:p="http://schemas.openxmlformats.org/presentationml/2006/main" xmlns:mc="http://schemas.openxmlformats.org/markup-compatibility/2006" xmlns:c="http://schemas.openxmlformats.org/drawingml/2006/chart" xmlns:ns6="http://schemas.openxmlformats.org/drawingml/2006/chartDrawing" xmlns:dgm="http://schemas.openxmlformats.org/drawingml/2006/diagram" xmlns:pic="http://schemas.openxmlformats.org/drawingml/2006/picture" xmlns:wp="http://schemas.openxmlformats.org/drawingml/2006/wordprocessingDrawing" xmlns:xdr="http://schemas.openxmlformats.org/drawingml/2006/spreadsheetDrawing" xmlns:ns11="http://schemas.openxmlformats.org/drawingml/2006/compatibility" xmlns:ns12="http://schemas.openxmlformats.org/drawingml/2006/lockedCanvas" type="vertTx" preserve="true">
+<p:sldLayout xmlns:p="http://schemas.openxmlformats.org/presentationml/2006/main" xmlns:r="http://schemas.openxmlformats.org/officeDocument/2006/relationships" xmlns:a="http://schemas.openxmlformats.org/drawingml/2006/main" xmlns:mc="http://schemas.openxmlformats.org/markup-compatibility/2006" xmlns:c="http://schemas.openxmlformats.org/drawingml/2006/chart" xmlns:ns6="http://schemas.openxmlformats.org/drawingml/2006/chartDrawing" xmlns:dgm="http://schemas.openxmlformats.org/drawingml/2006/diagram" xmlns:pic="http://schemas.openxmlformats.org/drawingml/2006/picture" xmlns:wp="http://schemas.openxmlformats.org/drawingml/2006/wordprocessingDrawing" xmlns:xdr="http://schemas.openxmlformats.org/drawingml/2006/spreadsheetDrawing" xmlns:ns11="http://schemas.openxmlformats.org/drawingml/2006/compatibility" xmlns:ns12="http://schemas.openxmlformats.org/drawingml/2006/lockedCanvas" type="vertTx" preserve="true">
   <p:cSld name="Title and Vertical Text">
     <p:spTree>
       <p:nvGrpSpPr>
@@ -2217,7 +2217,7 @@
 </file>
 
 <file path=ppt/slideMasters/slideMaster1.xml><?xml version="1.0" encoding="utf-8"?>
-<p:sldMaster xmlns:a="http://schemas.openxmlformats.org/drawingml/2006/main" xmlns:r="http://schemas.openxmlformats.org/officeDocument/2006/relationships" xmlns:p="http://schemas.openxmlformats.org/presentationml/2006/main" xmlns:mc="http://schemas.openxmlformats.org/markup-compatibility/2006" xmlns:c="http://schemas.openxmlformats.org/drawingml/2006/chart" xmlns:ns6="http://schemas.openxmlformats.org/drawingml/2006/chartDrawing" xmlns:dgm="http://schemas.openxmlformats.org/drawingml/2006/diagram" xmlns:pic="http://schemas.openxmlformats.org/drawingml/2006/picture" xmlns:wp="http://schemas.openxmlformats.org/drawingml/2006/wordprocessingDrawing" xmlns:xdr="http://schemas.openxmlformats.org/drawingml/2006/spreadsheetDrawing" xmlns:ns11="http://schemas.openxmlformats.org/drawingml/2006/compatibility" xmlns:ns12="http://schemas.openxmlformats.org/drawingml/2006/lockedCanvas">
+<p:sldMaster xmlns:p="http://schemas.openxmlformats.org/presentationml/2006/main" xmlns:r="http://schemas.openxmlformats.org/officeDocument/2006/relationships" xmlns:a="http://schemas.openxmlformats.org/drawingml/2006/main" xmlns:mc="http://schemas.openxmlformats.org/markup-compatibility/2006" xmlns:c="http://schemas.openxmlformats.org/drawingml/2006/chart" xmlns:ns6="http://schemas.openxmlformats.org/drawingml/2006/chartDrawing" xmlns:dgm="http://schemas.openxmlformats.org/drawingml/2006/diagram" xmlns:pic="http://schemas.openxmlformats.org/drawingml/2006/picture" xmlns:wp="http://schemas.openxmlformats.org/drawingml/2006/wordprocessingDrawing" xmlns:xdr="http://schemas.openxmlformats.org/drawingml/2006/spreadsheetDrawing" xmlns:ns11="http://schemas.openxmlformats.org/drawingml/2006/compatibility" xmlns:ns12="http://schemas.openxmlformats.org/drawingml/2006/lockedCanvas">
   <p:cSld>
     <p:bg>
       <p:bgRef idx="1001">
@@ -2763,7 +2763,7 @@
 </file>
 
 <file path=ppt/slides/slide1.xml><?xml version="1.0" encoding="utf-8"?>
-<p:sld xmlns:a="http://schemas.openxmlformats.org/drawingml/2006/main" xmlns:r="http://schemas.openxmlformats.org/officeDocument/2006/relationships" xmlns:p="http://schemas.openxmlformats.org/presentationml/2006/main" xmlns:mc="http://schemas.openxmlformats.org/markup-compatibility/2006" xmlns:c="http://schemas.openxmlformats.org/drawingml/2006/chart" xmlns:ns6="http://schemas.openxmlformats.org/drawingml/2006/chartDrawing" xmlns:dgm="http://schemas.openxmlformats.org/drawingml/2006/diagram" xmlns:pic="http://schemas.openxmlformats.org/drawingml/2006/picture" xmlns:wp="http://schemas.openxmlformats.org/drawingml/2006/wordprocessingDrawing" xmlns:xdr="http://schemas.openxmlformats.org/drawingml/2006/spreadsheetDrawing" xmlns:ns11="http://schemas.openxmlformats.org/drawingml/2006/compatibility" xmlns:ns12="http://schemas.openxmlformats.org/drawingml/2006/lockedCanvas">
+<p:sld xmlns:p="http://schemas.openxmlformats.org/presentationml/2006/main" xmlns:r="http://schemas.openxmlformats.org/officeDocument/2006/relationships" xmlns:a="http://schemas.openxmlformats.org/drawingml/2006/main" xmlns:mc="http://schemas.openxmlformats.org/markup-compatibility/2006" xmlns:c="http://schemas.openxmlformats.org/drawingml/2006/chart" xmlns:ns6="http://schemas.openxmlformats.org/drawingml/2006/chartDrawing" xmlns:dgm="http://schemas.openxmlformats.org/drawingml/2006/diagram" xmlns:pic="http://schemas.openxmlformats.org/drawingml/2006/picture" xmlns:wp="http://schemas.openxmlformats.org/drawingml/2006/wordprocessingDrawing" xmlns:xdr="http://schemas.openxmlformats.org/drawingml/2006/spreadsheetDrawing" xmlns:ns11="http://schemas.openxmlformats.org/drawingml/2006/compatibility" xmlns:ns12="http://schemas.openxmlformats.org/drawingml/2006/lockedCanvas">
   <p:cSld>
     <p:spTree>
       <p:nvGrpSpPr>
@@ -7949,7 +7949,7 @@
 </file>
 
 <file path=ppt/slides/slide2.xml><?xml version="1.0" encoding="utf-8"?>
-<p:sld xmlns:a="http://schemas.openxmlformats.org/drawingml/2006/main" xmlns:r="http://schemas.openxmlformats.org/officeDocument/2006/relationships" xmlns:p="http://schemas.openxmlformats.org/presentationml/2006/main" xmlns:mc="http://schemas.openxmlformats.org/markup-compatibility/2006" xmlns:c="http://schemas.openxmlformats.org/drawingml/2006/chart" xmlns:ns6="http://schemas.openxmlformats.org/drawingml/2006/chartDrawing" xmlns:dgm="http://schemas.openxmlformats.org/drawingml/2006/diagram" xmlns:pic="http://schemas.openxmlformats.org/drawingml/2006/picture" xmlns:wp="http://schemas.openxmlformats.org/drawingml/2006/wordprocessingDrawing" xmlns:xdr="http://schemas.openxmlformats.org/drawingml/2006/spreadsheetDrawing" xmlns:ns11="http://schemas.openxmlformats.org/drawingml/2006/compatibility" xmlns:ns12="http://schemas.openxmlformats.org/drawingml/2006/lockedCanvas">
+<p:sld xmlns:p="http://schemas.openxmlformats.org/presentationml/2006/main" xmlns:r="http://schemas.openxmlformats.org/officeDocument/2006/relationships" xmlns:a="http://schemas.openxmlformats.org/drawingml/2006/main" xmlns:mc="http://schemas.openxmlformats.org/markup-compatibility/2006" xmlns:c="http://schemas.openxmlformats.org/drawingml/2006/chart" xmlns:ns6="http://schemas.openxmlformats.org/drawingml/2006/chartDrawing" xmlns:dgm="http://schemas.openxmlformats.org/drawingml/2006/diagram" xmlns:pic="http://schemas.openxmlformats.org/drawingml/2006/picture" xmlns:wp="http://schemas.openxmlformats.org/drawingml/2006/wordprocessingDrawing" xmlns:xdr="http://schemas.openxmlformats.org/drawingml/2006/spreadsheetDrawing" xmlns:ns11="http://schemas.openxmlformats.org/drawingml/2006/compatibility" xmlns:ns12="http://schemas.openxmlformats.org/drawingml/2006/lockedCanvas">
   <p:cSld>
     <p:spTree>
       <p:nvGrpSpPr>

--- a/docs/reference/slide_replacement.pptx
+++ b/docs/reference/slide_replacement.pptx
@@ -1,12 +1,12 @@
 
 <file path=ppt/presentation.xml><?xml version="1.0" encoding="utf-8"?>
-<p:presentation xmlns:p="http://schemas.openxmlformats.org/presentationml/2006/main" xmlns:r="http://schemas.openxmlformats.org/officeDocument/2006/relationships" xmlns:a="http://schemas.openxmlformats.org/drawingml/2006/main" xmlns:mc="http://schemas.openxmlformats.org/markup-compatibility/2006" xmlns:c="http://schemas.openxmlformats.org/drawingml/2006/chart" xmlns:ns6="http://schemas.openxmlformats.org/drawingml/2006/chartDrawing" xmlns:dgm="http://schemas.openxmlformats.org/drawingml/2006/diagram" xmlns:pic="http://schemas.openxmlformats.org/drawingml/2006/picture" xmlns:wp="http://schemas.openxmlformats.org/drawingml/2006/wordprocessingDrawing" xmlns:xdr="http://schemas.openxmlformats.org/drawingml/2006/spreadsheetDrawing" xmlns:ns11="http://schemas.openxmlformats.org/drawingml/2006/compatibility" xmlns:ns12="http://schemas.openxmlformats.org/drawingml/2006/lockedCanvas" saveSubsetFonts="true">
+<p:presentation xmlns:a="http://schemas.openxmlformats.org/drawingml/2006/main" xmlns:r="http://schemas.openxmlformats.org/officeDocument/2006/relationships" xmlns:p="http://schemas.openxmlformats.org/presentationml/2006/main" xmlns:mc="http://schemas.openxmlformats.org/markup-compatibility/2006" xmlns:c="http://schemas.openxmlformats.org/drawingml/2006/chart" xmlns:ns6="http://schemas.openxmlformats.org/drawingml/2006/chartDrawing" xmlns:dgm="http://schemas.openxmlformats.org/drawingml/2006/diagram" xmlns:pic="http://schemas.openxmlformats.org/drawingml/2006/picture" xmlns:wp="http://schemas.openxmlformats.org/drawingml/2006/wordprocessingDrawing" xmlns:xdr="http://schemas.openxmlformats.org/drawingml/2006/spreadsheetDrawing" xmlns:ns11="http://schemas.openxmlformats.org/drawingml/2006/compatibility" xmlns:ns12="http://schemas.openxmlformats.org/drawingml/2006/lockedCanvas" saveSubsetFonts="true">
   <p:sldMasterIdLst>
     <p:sldMasterId id="2147483648" r:id="rId1"/>
   </p:sldMasterIdLst>
   <p:sldIdLst>
-    <p:sldId id="1968161325" r:id="rId8"/>
-    <p:sldId id="1785526752" r:id="rId7"/>
+    <p:sldId id="1085274410" r:id="rId8"/>
+    <p:sldId id="1080072404" r:id="rId7"/>
   </p:sldIdLst>
   <p:sldSz cx="12192000" cy="6858000"/>
   <p:notesSz cx="6858000" cy="9144000"/>
@@ -114,7 +114,7 @@
 </file>
 
 <file path=ppt/slideLayouts/slideLayout1.xml><?xml version="1.0" encoding="utf-8"?>
-<p:sldLayout xmlns:p="http://schemas.openxmlformats.org/presentationml/2006/main" xmlns:r="http://schemas.openxmlformats.org/officeDocument/2006/relationships" xmlns:a="http://schemas.openxmlformats.org/drawingml/2006/main" xmlns:mc="http://schemas.openxmlformats.org/markup-compatibility/2006" xmlns:c="http://schemas.openxmlformats.org/drawingml/2006/chart" xmlns:ns6="http://schemas.openxmlformats.org/drawingml/2006/chartDrawing" xmlns:dgm="http://schemas.openxmlformats.org/drawingml/2006/diagram" xmlns:pic="http://schemas.openxmlformats.org/drawingml/2006/picture" xmlns:wp="http://schemas.openxmlformats.org/drawingml/2006/wordprocessingDrawing" xmlns:xdr="http://schemas.openxmlformats.org/drawingml/2006/spreadsheetDrawing" xmlns:ns11="http://schemas.openxmlformats.org/drawingml/2006/compatibility" xmlns:ns12="http://schemas.openxmlformats.org/drawingml/2006/lockedCanvas" type="title" preserve="true">
+<p:sldLayout xmlns:a="http://schemas.openxmlformats.org/drawingml/2006/main" xmlns:r="http://schemas.openxmlformats.org/officeDocument/2006/relationships" xmlns:p="http://schemas.openxmlformats.org/presentationml/2006/main" xmlns:mc="http://schemas.openxmlformats.org/markup-compatibility/2006" xmlns:c="http://schemas.openxmlformats.org/drawingml/2006/chart" xmlns:ns6="http://schemas.openxmlformats.org/drawingml/2006/chartDrawing" xmlns:dgm="http://schemas.openxmlformats.org/drawingml/2006/diagram" xmlns:pic="http://schemas.openxmlformats.org/drawingml/2006/picture" xmlns:wp="http://schemas.openxmlformats.org/drawingml/2006/wordprocessingDrawing" xmlns:xdr="http://schemas.openxmlformats.org/drawingml/2006/spreadsheetDrawing" xmlns:ns11="http://schemas.openxmlformats.org/drawingml/2006/compatibility" xmlns:ns12="http://schemas.openxmlformats.org/drawingml/2006/lockedCanvas" type="title" preserve="true">
   <p:cSld name="Title Slide">
     <p:spTree>
       <p:nvGrpSpPr>
@@ -313,7 +313,7 @@
 </file>
 
 <file path=ppt/slideLayouts/slideLayout10.xml><?xml version="1.0" encoding="utf-8"?>
-<p:sldLayout xmlns:p="http://schemas.openxmlformats.org/presentationml/2006/main" xmlns:r="http://schemas.openxmlformats.org/officeDocument/2006/relationships" xmlns:a="http://schemas.openxmlformats.org/drawingml/2006/main" xmlns:mc="http://schemas.openxmlformats.org/markup-compatibility/2006" xmlns:c="http://schemas.openxmlformats.org/drawingml/2006/chart" xmlns:ns6="http://schemas.openxmlformats.org/drawingml/2006/chartDrawing" xmlns:dgm="http://schemas.openxmlformats.org/drawingml/2006/diagram" xmlns:pic="http://schemas.openxmlformats.org/drawingml/2006/picture" xmlns:wp="http://schemas.openxmlformats.org/drawingml/2006/wordprocessingDrawing" xmlns:xdr="http://schemas.openxmlformats.org/drawingml/2006/spreadsheetDrawing" xmlns:ns11="http://schemas.openxmlformats.org/drawingml/2006/compatibility" xmlns:ns12="http://schemas.openxmlformats.org/drawingml/2006/lockedCanvas" type="vertTitleAndTx" preserve="true">
+<p:sldLayout xmlns:a="http://schemas.openxmlformats.org/drawingml/2006/main" xmlns:r="http://schemas.openxmlformats.org/officeDocument/2006/relationships" xmlns:p="http://schemas.openxmlformats.org/presentationml/2006/main" xmlns:mc="http://schemas.openxmlformats.org/markup-compatibility/2006" xmlns:c="http://schemas.openxmlformats.org/drawingml/2006/chart" xmlns:ns6="http://schemas.openxmlformats.org/drawingml/2006/chartDrawing" xmlns:dgm="http://schemas.openxmlformats.org/drawingml/2006/diagram" xmlns:pic="http://schemas.openxmlformats.org/drawingml/2006/picture" xmlns:wp="http://schemas.openxmlformats.org/drawingml/2006/wordprocessingDrawing" xmlns:xdr="http://schemas.openxmlformats.org/drawingml/2006/spreadsheetDrawing" xmlns:ns11="http://schemas.openxmlformats.org/drawingml/2006/compatibility" xmlns:ns12="http://schemas.openxmlformats.org/drawingml/2006/lockedCanvas" type="vertTitleAndTx" preserve="true">
   <p:cSld name="Vertical Title and Text">
     <p:spTree>
       <p:nvGrpSpPr>
@@ -500,7 +500,7 @@
 </file>
 
 <file path=ppt/slideLayouts/slideLayout2.xml><?xml version="1.0" encoding="utf-8"?>
-<p:sldLayout xmlns:p="http://schemas.openxmlformats.org/presentationml/2006/main" xmlns:r="http://schemas.openxmlformats.org/officeDocument/2006/relationships" xmlns:a="http://schemas.openxmlformats.org/drawingml/2006/main" xmlns:mc="http://schemas.openxmlformats.org/markup-compatibility/2006" xmlns:c="http://schemas.openxmlformats.org/drawingml/2006/chart" xmlns:ns6="http://schemas.openxmlformats.org/drawingml/2006/chartDrawing" xmlns:dgm="http://schemas.openxmlformats.org/drawingml/2006/diagram" xmlns:pic="http://schemas.openxmlformats.org/drawingml/2006/picture" xmlns:wp="http://schemas.openxmlformats.org/drawingml/2006/wordprocessingDrawing" xmlns:xdr="http://schemas.openxmlformats.org/drawingml/2006/spreadsheetDrawing" xmlns:ns11="http://schemas.openxmlformats.org/drawingml/2006/compatibility" xmlns:ns12="http://schemas.openxmlformats.org/drawingml/2006/lockedCanvas" type="obj" preserve="true">
+<p:sldLayout xmlns:a="http://schemas.openxmlformats.org/drawingml/2006/main" xmlns:r="http://schemas.openxmlformats.org/officeDocument/2006/relationships" xmlns:p="http://schemas.openxmlformats.org/presentationml/2006/main" xmlns:mc="http://schemas.openxmlformats.org/markup-compatibility/2006" xmlns:c="http://schemas.openxmlformats.org/drawingml/2006/chart" xmlns:ns6="http://schemas.openxmlformats.org/drawingml/2006/chartDrawing" xmlns:dgm="http://schemas.openxmlformats.org/drawingml/2006/diagram" xmlns:pic="http://schemas.openxmlformats.org/drawingml/2006/picture" xmlns:wp="http://schemas.openxmlformats.org/drawingml/2006/wordprocessingDrawing" xmlns:xdr="http://schemas.openxmlformats.org/drawingml/2006/spreadsheetDrawing" xmlns:ns11="http://schemas.openxmlformats.org/drawingml/2006/compatibility" xmlns:ns12="http://schemas.openxmlformats.org/drawingml/2006/lockedCanvas" type="obj" preserve="true">
   <p:cSld name="Title and Content">
     <p:spTree>
       <p:nvGrpSpPr>
@@ -682,7 +682,7 @@
 </file>
 
 <file path=ppt/slideLayouts/slideLayout3.xml><?xml version="1.0" encoding="utf-8"?>
-<p:sldLayout xmlns:p="http://schemas.openxmlformats.org/presentationml/2006/main" xmlns:r="http://schemas.openxmlformats.org/officeDocument/2006/relationships" xmlns:a="http://schemas.openxmlformats.org/drawingml/2006/main" xmlns:mc="http://schemas.openxmlformats.org/markup-compatibility/2006" xmlns:c="http://schemas.openxmlformats.org/drawingml/2006/chart" xmlns:ns6="http://schemas.openxmlformats.org/drawingml/2006/chartDrawing" xmlns:dgm="http://schemas.openxmlformats.org/drawingml/2006/diagram" xmlns:pic="http://schemas.openxmlformats.org/drawingml/2006/picture" xmlns:wp="http://schemas.openxmlformats.org/drawingml/2006/wordprocessingDrawing" xmlns:xdr="http://schemas.openxmlformats.org/drawingml/2006/spreadsheetDrawing" xmlns:ns11="http://schemas.openxmlformats.org/drawingml/2006/compatibility" xmlns:ns12="http://schemas.openxmlformats.org/drawingml/2006/lockedCanvas" type="secHead" preserve="true">
+<p:sldLayout xmlns:a="http://schemas.openxmlformats.org/drawingml/2006/main" xmlns:r="http://schemas.openxmlformats.org/officeDocument/2006/relationships" xmlns:p="http://schemas.openxmlformats.org/presentationml/2006/main" xmlns:mc="http://schemas.openxmlformats.org/markup-compatibility/2006" xmlns:c="http://schemas.openxmlformats.org/drawingml/2006/chart" xmlns:ns6="http://schemas.openxmlformats.org/drawingml/2006/chartDrawing" xmlns:dgm="http://schemas.openxmlformats.org/drawingml/2006/diagram" xmlns:pic="http://schemas.openxmlformats.org/drawingml/2006/picture" xmlns:wp="http://schemas.openxmlformats.org/drawingml/2006/wordprocessingDrawing" xmlns:xdr="http://schemas.openxmlformats.org/drawingml/2006/spreadsheetDrawing" xmlns:ns11="http://schemas.openxmlformats.org/drawingml/2006/compatibility" xmlns:ns12="http://schemas.openxmlformats.org/drawingml/2006/lockedCanvas" type="secHead" preserve="true">
   <p:cSld name="Section Header">
     <p:spTree>
       <p:nvGrpSpPr>
@@ -935,7 +935,7 @@
 </file>
 
 <file path=ppt/slideLayouts/slideLayout4.xml><?xml version="1.0" encoding="utf-8"?>
-<p:sldLayout xmlns:p="http://schemas.openxmlformats.org/presentationml/2006/main" xmlns:r="http://schemas.openxmlformats.org/officeDocument/2006/relationships" xmlns:a="http://schemas.openxmlformats.org/drawingml/2006/main" xmlns:mc="http://schemas.openxmlformats.org/markup-compatibility/2006" xmlns:c="http://schemas.openxmlformats.org/drawingml/2006/chart" xmlns:ns6="http://schemas.openxmlformats.org/drawingml/2006/chartDrawing" xmlns:dgm="http://schemas.openxmlformats.org/drawingml/2006/diagram" xmlns:pic="http://schemas.openxmlformats.org/drawingml/2006/picture" xmlns:wp="http://schemas.openxmlformats.org/drawingml/2006/wordprocessingDrawing" xmlns:xdr="http://schemas.openxmlformats.org/drawingml/2006/spreadsheetDrawing" xmlns:ns11="http://schemas.openxmlformats.org/drawingml/2006/compatibility" xmlns:ns12="http://schemas.openxmlformats.org/drawingml/2006/lockedCanvas" type="twoObj" preserve="true">
+<p:sldLayout xmlns:a="http://schemas.openxmlformats.org/drawingml/2006/main" xmlns:r="http://schemas.openxmlformats.org/officeDocument/2006/relationships" xmlns:p="http://schemas.openxmlformats.org/presentationml/2006/main" xmlns:mc="http://schemas.openxmlformats.org/markup-compatibility/2006" xmlns:c="http://schemas.openxmlformats.org/drawingml/2006/chart" xmlns:ns6="http://schemas.openxmlformats.org/drawingml/2006/chartDrawing" xmlns:dgm="http://schemas.openxmlformats.org/drawingml/2006/diagram" xmlns:pic="http://schemas.openxmlformats.org/drawingml/2006/picture" xmlns:wp="http://schemas.openxmlformats.org/drawingml/2006/wordprocessingDrawing" xmlns:xdr="http://schemas.openxmlformats.org/drawingml/2006/spreadsheetDrawing" xmlns:ns11="http://schemas.openxmlformats.org/drawingml/2006/compatibility" xmlns:ns12="http://schemas.openxmlformats.org/drawingml/2006/lockedCanvas" type="twoObj" preserve="true">
   <p:cSld name="Two Content">
     <p:spTree>
       <p:nvGrpSpPr>
@@ -1174,7 +1174,7 @@
 </file>
 
 <file path=ppt/slideLayouts/slideLayout5.xml><?xml version="1.0" encoding="utf-8"?>
-<p:sldLayout xmlns:p="http://schemas.openxmlformats.org/presentationml/2006/main" xmlns:r="http://schemas.openxmlformats.org/officeDocument/2006/relationships" xmlns:a="http://schemas.openxmlformats.org/drawingml/2006/main" xmlns:mc="http://schemas.openxmlformats.org/markup-compatibility/2006" xmlns:c="http://schemas.openxmlformats.org/drawingml/2006/chart" xmlns:ns6="http://schemas.openxmlformats.org/drawingml/2006/chartDrawing" xmlns:dgm="http://schemas.openxmlformats.org/drawingml/2006/diagram" xmlns:pic="http://schemas.openxmlformats.org/drawingml/2006/picture" xmlns:wp="http://schemas.openxmlformats.org/drawingml/2006/wordprocessingDrawing" xmlns:xdr="http://schemas.openxmlformats.org/drawingml/2006/spreadsheetDrawing" xmlns:ns11="http://schemas.openxmlformats.org/drawingml/2006/compatibility" xmlns:ns12="http://schemas.openxmlformats.org/drawingml/2006/lockedCanvas" type="twoTxTwoObj" preserve="true">
+<p:sldLayout xmlns:a="http://schemas.openxmlformats.org/drawingml/2006/main" xmlns:r="http://schemas.openxmlformats.org/officeDocument/2006/relationships" xmlns:p="http://schemas.openxmlformats.org/presentationml/2006/main" xmlns:mc="http://schemas.openxmlformats.org/markup-compatibility/2006" xmlns:c="http://schemas.openxmlformats.org/drawingml/2006/chart" xmlns:ns6="http://schemas.openxmlformats.org/drawingml/2006/chartDrawing" xmlns:dgm="http://schemas.openxmlformats.org/drawingml/2006/diagram" xmlns:pic="http://schemas.openxmlformats.org/drawingml/2006/picture" xmlns:wp="http://schemas.openxmlformats.org/drawingml/2006/wordprocessingDrawing" xmlns:xdr="http://schemas.openxmlformats.org/drawingml/2006/spreadsheetDrawing" xmlns:ns11="http://schemas.openxmlformats.org/drawingml/2006/compatibility" xmlns:ns12="http://schemas.openxmlformats.org/drawingml/2006/lockedCanvas" type="twoTxTwoObj" preserve="true">
   <p:cSld name="Comparison">
     <p:spTree>
       <p:nvGrpSpPr>
@@ -1529,7 +1529,7 @@
 </file>
 
 <file path=ppt/slideLayouts/slideLayout6.xml><?xml version="1.0" encoding="utf-8"?>
-<p:sldLayout xmlns:p="http://schemas.openxmlformats.org/presentationml/2006/main" xmlns:r="http://schemas.openxmlformats.org/officeDocument/2006/relationships" xmlns:a="http://schemas.openxmlformats.org/drawingml/2006/main" xmlns:mc="http://schemas.openxmlformats.org/markup-compatibility/2006" xmlns:c="http://schemas.openxmlformats.org/drawingml/2006/chart" xmlns:ns6="http://schemas.openxmlformats.org/drawingml/2006/chartDrawing" xmlns:dgm="http://schemas.openxmlformats.org/drawingml/2006/diagram" xmlns:pic="http://schemas.openxmlformats.org/drawingml/2006/picture" xmlns:wp="http://schemas.openxmlformats.org/drawingml/2006/wordprocessingDrawing" xmlns:xdr="http://schemas.openxmlformats.org/drawingml/2006/spreadsheetDrawing" xmlns:ns11="http://schemas.openxmlformats.org/drawingml/2006/compatibility" xmlns:ns12="http://schemas.openxmlformats.org/drawingml/2006/lockedCanvas" type="titleOnly" preserve="true">
+<p:sldLayout xmlns:a="http://schemas.openxmlformats.org/drawingml/2006/main" xmlns:r="http://schemas.openxmlformats.org/officeDocument/2006/relationships" xmlns:p="http://schemas.openxmlformats.org/presentationml/2006/main" xmlns:mc="http://schemas.openxmlformats.org/markup-compatibility/2006" xmlns:c="http://schemas.openxmlformats.org/drawingml/2006/chart" xmlns:ns6="http://schemas.openxmlformats.org/drawingml/2006/chartDrawing" xmlns:dgm="http://schemas.openxmlformats.org/drawingml/2006/diagram" xmlns:pic="http://schemas.openxmlformats.org/drawingml/2006/picture" xmlns:wp="http://schemas.openxmlformats.org/drawingml/2006/wordprocessingDrawing" xmlns:xdr="http://schemas.openxmlformats.org/drawingml/2006/spreadsheetDrawing" xmlns:ns11="http://schemas.openxmlformats.org/drawingml/2006/compatibility" xmlns:ns12="http://schemas.openxmlformats.org/drawingml/2006/lockedCanvas" type="titleOnly" preserve="true">
   <p:cSld name="Title Only">
     <p:spTree>
       <p:nvGrpSpPr>
@@ -1654,7 +1654,7 @@
 </file>
 
 <file path=ppt/slideLayouts/slideLayout7.xml><?xml version="1.0" encoding="utf-8"?>
-<p:sldLayout xmlns:p="http://schemas.openxmlformats.org/presentationml/2006/main" xmlns:r="http://schemas.openxmlformats.org/officeDocument/2006/relationships" xmlns:a="http://schemas.openxmlformats.org/drawingml/2006/main" xmlns:mc="http://schemas.openxmlformats.org/markup-compatibility/2006" xmlns:c="http://schemas.openxmlformats.org/drawingml/2006/chart" xmlns:ns6="http://schemas.openxmlformats.org/drawingml/2006/chartDrawing" xmlns:dgm="http://schemas.openxmlformats.org/drawingml/2006/diagram" xmlns:pic="http://schemas.openxmlformats.org/drawingml/2006/picture" xmlns:wp="http://schemas.openxmlformats.org/drawingml/2006/wordprocessingDrawing" xmlns:xdr="http://schemas.openxmlformats.org/drawingml/2006/spreadsheetDrawing" xmlns:ns11="http://schemas.openxmlformats.org/drawingml/2006/compatibility" xmlns:ns12="http://schemas.openxmlformats.org/drawingml/2006/lockedCanvas" type="blank" preserve="true">
+<p:sldLayout xmlns:a="http://schemas.openxmlformats.org/drawingml/2006/main" xmlns:r="http://schemas.openxmlformats.org/officeDocument/2006/relationships" xmlns:p="http://schemas.openxmlformats.org/presentationml/2006/main" xmlns:mc="http://schemas.openxmlformats.org/markup-compatibility/2006" xmlns:c="http://schemas.openxmlformats.org/drawingml/2006/chart" xmlns:ns6="http://schemas.openxmlformats.org/drawingml/2006/chartDrawing" xmlns:dgm="http://schemas.openxmlformats.org/drawingml/2006/diagram" xmlns:pic="http://schemas.openxmlformats.org/drawingml/2006/picture" xmlns:wp="http://schemas.openxmlformats.org/drawingml/2006/wordprocessingDrawing" xmlns:xdr="http://schemas.openxmlformats.org/drawingml/2006/spreadsheetDrawing" xmlns:ns11="http://schemas.openxmlformats.org/drawingml/2006/compatibility" xmlns:ns12="http://schemas.openxmlformats.org/drawingml/2006/lockedCanvas" type="blank" preserve="true">
   <p:cSld name="Blank">
     <p:spTree>
       <p:nvGrpSpPr>
@@ -1756,7 +1756,7 @@
 </file>
 
 <file path=ppt/slideLayouts/slideLayout8.xml><?xml version="1.0" encoding="utf-8"?>
-<p:sldLayout xmlns:p="http://schemas.openxmlformats.org/presentationml/2006/main" xmlns:r="http://schemas.openxmlformats.org/officeDocument/2006/relationships" xmlns:a="http://schemas.openxmlformats.org/drawingml/2006/main" xmlns:mc="http://schemas.openxmlformats.org/markup-compatibility/2006" xmlns:c="http://schemas.openxmlformats.org/drawingml/2006/chart" xmlns:ns6="http://schemas.openxmlformats.org/drawingml/2006/chartDrawing" xmlns:dgm="http://schemas.openxmlformats.org/drawingml/2006/diagram" xmlns:pic="http://schemas.openxmlformats.org/drawingml/2006/picture" xmlns:wp="http://schemas.openxmlformats.org/drawingml/2006/wordprocessingDrawing" xmlns:xdr="http://schemas.openxmlformats.org/drawingml/2006/spreadsheetDrawing" xmlns:ns11="http://schemas.openxmlformats.org/drawingml/2006/compatibility" xmlns:ns12="http://schemas.openxmlformats.org/drawingml/2006/lockedCanvas" type="objTx" preserve="true">
+<p:sldLayout xmlns:a="http://schemas.openxmlformats.org/drawingml/2006/main" xmlns:r="http://schemas.openxmlformats.org/officeDocument/2006/relationships" xmlns:p="http://schemas.openxmlformats.org/presentationml/2006/main" xmlns:mc="http://schemas.openxmlformats.org/markup-compatibility/2006" xmlns:c="http://schemas.openxmlformats.org/drawingml/2006/chart" xmlns:ns6="http://schemas.openxmlformats.org/drawingml/2006/chartDrawing" xmlns:dgm="http://schemas.openxmlformats.org/drawingml/2006/diagram" xmlns:pic="http://schemas.openxmlformats.org/drawingml/2006/picture" xmlns:wp="http://schemas.openxmlformats.org/drawingml/2006/wordprocessingDrawing" xmlns:xdr="http://schemas.openxmlformats.org/drawingml/2006/spreadsheetDrawing" xmlns:ns11="http://schemas.openxmlformats.org/drawingml/2006/compatibility" xmlns:ns12="http://schemas.openxmlformats.org/drawingml/2006/lockedCanvas" type="objTx" preserve="true">
   <p:cSld name="Content with Caption">
     <p:spTree>
       <p:nvGrpSpPr>
@@ -2040,7 +2040,7 @@
 </file>
 
 <file path=ppt/slideLayouts/slideLayout9.xml><?xml version="1.0" encoding="utf-8"?>
-<p:sldLayout xmlns:p="http://schemas.openxmlformats.org/presentationml/2006/main" xmlns:r="http://schemas.openxmlformats.org/officeDocument/2006/relationships" xmlns:a="http://schemas.openxmlformats.org/drawingml/2006/main" xmlns:mc="http://schemas.openxmlformats.org/markup-compatibility/2006" xmlns:c="http://schemas.openxmlformats.org/drawingml/2006/chart" xmlns:ns6="http://schemas.openxmlformats.org/drawingml/2006/chartDrawing" xmlns:dgm="http://schemas.openxmlformats.org/drawingml/2006/diagram" xmlns:pic="http://schemas.openxmlformats.org/drawingml/2006/picture" xmlns:wp="http://schemas.openxmlformats.org/drawingml/2006/wordprocessingDrawing" xmlns:xdr="http://schemas.openxmlformats.org/drawingml/2006/spreadsheetDrawing" xmlns:ns11="http://schemas.openxmlformats.org/drawingml/2006/compatibility" xmlns:ns12="http://schemas.openxmlformats.org/drawingml/2006/lockedCanvas" type="vertTx" preserve="true">
+<p:sldLayout xmlns:a="http://schemas.openxmlformats.org/drawingml/2006/main" xmlns:r="http://schemas.openxmlformats.org/officeDocument/2006/relationships" xmlns:p="http://schemas.openxmlformats.org/presentationml/2006/main" xmlns:mc="http://schemas.openxmlformats.org/markup-compatibility/2006" xmlns:c="http://schemas.openxmlformats.org/drawingml/2006/chart" xmlns:ns6="http://schemas.openxmlformats.org/drawingml/2006/chartDrawing" xmlns:dgm="http://schemas.openxmlformats.org/drawingml/2006/diagram" xmlns:pic="http://schemas.openxmlformats.org/drawingml/2006/picture" xmlns:wp="http://schemas.openxmlformats.org/drawingml/2006/wordprocessingDrawing" xmlns:xdr="http://schemas.openxmlformats.org/drawingml/2006/spreadsheetDrawing" xmlns:ns11="http://schemas.openxmlformats.org/drawingml/2006/compatibility" xmlns:ns12="http://schemas.openxmlformats.org/drawingml/2006/lockedCanvas" type="vertTx" preserve="true">
   <p:cSld name="Title and Vertical Text">
     <p:spTree>
       <p:nvGrpSpPr>
@@ -2217,7 +2217,7 @@
 </file>
 
 <file path=ppt/slideMasters/slideMaster1.xml><?xml version="1.0" encoding="utf-8"?>
-<p:sldMaster xmlns:p="http://schemas.openxmlformats.org/presentationml/2006/main" xmlns:r="http://schemas.openxmlformats.org/officeDocument/2006/relationships" xmlns:a="http://schemas.openxmlformats.org/drawingml/2006/main" xmlns:mc="http://schemas.openxmlformats.org/markup-compatibility/2006" xmlns:c="http://schemas.openxmlformats.org/drawingml/2006/chart" xmlns:ns6="http://schemas.openxmlformats.org/drawingml/2006/chartDrawing" xmlns:dgm="http://schemas.openxmlformats.org/drawingml/2006/diagram" xmlns:pic="http://schemas.openxmlformats.org/drawingml/2006/picture" xmlns:wp="http://schemas.openxmlformats.org/drawingml/2006/wordprocessingDrawing" xmlns:xdr="http://schemas.openxmlformats.org/drawingml/2006/spreadsheetDrawing" xmlns:ns11="http://schemas.openxmlformats.org/drawingml/2006/compatibility" xmlns:ns12="http://schemas.openxmlformats.org/drawingml/2006/lockedCanvas">
+<p:sldMaster xmlns:a="http://schemas.openxmlformats.org/drawingml/2006/main" xmlns:r="http://schemas.openxmlformats.org/officeDocument/2006/relationships" xmlns:p="http://schemas.openxmlformats.org/presentationml/2006/main" xmlns:mc="http://schemas.openxmlformats.org/markup-compatibility/2006" xmlns:c="http://schemas.openxmlformats.org/drawingml/2006/chart" xmlns:ns6="http://schemas.openxmlformats.org/drawingml/2006/chartDrawing" xmlns:dgm="http://schemas.openxmlformats.org/drawingml/2006/diagram" xmlns:pic="http://schemas.openxmlformats.org/drawingml/2006/picture" xmlns:wp="http://schemas.openxmlformats.org/drawingml/2006/wordprocessingDrawing" xmlns:xdr="http://schemas.openxmlformats.org/drawingml/2006/spreadsheetDrawing" xmlns:ns11="http://schemas.openxmlformats.org/drawingml/2006/compatibility" xmlns:ns12="http://schemas.openxmlformats.org/drawingml/2006/lockedCanvas">
   <p:cSld>
     <p:bg>
       <p:bgRef idx="1001">
@@ -2763,7 +2763,7 @@
 </file>
 
 <file path=ppt/slides/slide1.xml><?xml version="1.0" encoding="utf-8"?>
-<p:sld xmlns:p="http://schemas.openxmlformats.org/presentationml/2006/main" xmlns:r="http://schemas.openxmlformats.org/officeDocument/2006/relationships" xmlns:a="http://schemas.openxmlformats.org/drawingml/2006/main" xmlns:mc="http://schemas.openxmlformats.org/markup-compatibility/2006" xmlns:c="http://schemas.openxmlformats.org/drawingml/2006/chart" xmlns:ns6="http://schemas.openxmlformats.org/drawingml/2006/chartDrawing" xmlns:dgm="http://schemas.openxmlformats.org/drawingml/2006/diagram" xmlns:pic="http://schemas.openxmlformats.org/drawingml/2006/picture" xmlns:wp="http://schemas.openxmlformats.org/drawingml/2006/wordprocessingDrawing" xmlns:xdr="http://schemas.openxmlformats.org/drawingml/2006/spreadsheetDrawing" xmlns:ns11="http://schemas.openxmlformats.org/drawingml/2006/compatibility" xmlns:ns12="http://schemas.openxmlformats.org/drawingml/2006/lockedCanvas">
+<p:sld xmlns:a="http://schemas.openxmlformats.org/drawingml/2006/main" xmlns:r="http://schemas.openxmlformats.org/officeDocument/2006/relationships" xmlns:p="http://schemas.openxmlformats.org/presentationml/2006/main" xmlns:mc="http://schemas.openxmlformats.org/markup-compatibility/2006" xmlns:c="http://schemas.openxmlformats.org/drawingml/2006/chart" xmlns:ns6="http://schemas.openxmlformats.org/drawingml/2006/chartDrawing" xmlns:dgm="http://schemas.openxmlformats.org/drawingml/2006/diagram" xmlns:pic="http://schemas.openxmlformats.org/drawingml/2006/picture" xmlns:wp="http://schemas.openxmlformats.org/drawingml/2006/wordprocessingDrawing" xmlns:xdr="http://schemas.openxmlformats.org/drawingml/2006/spreadsheetDrawing" xmlns:ns11="http://schemas.openxmlformats.org/drawingml/2006/compatibility" xmlns:ns12="http://schemas.openxmlformats.org/drawingml/2006/lockedCanvas">
   <p:cSld>
     <p:spTree>
       <p:nvGrpSpPr>
@@ -7949,7 +7949,7 @@
 </file>
 
 <file path=ppt/slides/slide2.xml><?xml version="1.0" encoding="utf-8"?>
-<p:sld xmlns:p="http://schemas.openxmlformats.org/presentationml/2006/main" xmlns:r="http://schemas.openxmlformats.org/officeDocument/2006/relationships" xmlns:a="http://schemas.openxmlformats.org/drawingml/2006/main" xmlns:mc="http://schemas.openxmlformats.org/markup-compatibility/2006" xmlns:c="http://schemas.openxmlformats.org/drawingml/2006/chart" xmlns:ns6="http://schemas.openxmlformats.org/drawingml/2006/chartDrawing" xmlns:dgm="http://schemas.openxmlformats.org/drawingml/2006/diagram" xmlns:pic="http://schemas.openxmlformats.org/drawingml/2006/picture" xmlns:wp="http://schemas.openxmlformats.org/drawingml/2006/wordprocessingDrawing" xmlns:xdr="http://schemas.openxmlformats.org/drawingml/2006/spreadsheetDrawing" xmlns:ns11="http://schemas.openxmlformats.org/drawingml/2006/compatibility" xmlns:ns12="http://schemas.openxmlformats.org/drawingml/2006/lockedCanvas">
+<p:sld xmlns:a="http://schemas.openxmlformats.org/drawingml/2006/main" xmlns:r="http://schemas.openxmlformats.org/officeDocument/2006/relationships" xmlns:p="http://schemas.openxmlformats.org/presentationml/2006/main" xmlns:mc="http://schemas.openxmlformats.org/markup-compatibility/2006" xmlns:c="http://schemas.openxmlformats.org/drawingml/2006/chart" xmlns:ns6="http://schemas.openxmlformats.org/drawingml/2006/chartDrawing" xmlns:dgm="http://schemas.openxmlformats.org/drawingml/2006/diagram" xmlns:pic="http://schemas.openxmlformats.org/drawingml/2006/picture" xmlns:wp="http://schemas.openxmlformats.org/drawingml/2006/wordprocessingDrawing" xmlns:xdr="http://schemas.openxmlformats.org/drawingml/2006/spreadsheetDrawing" xmlns:ns11="http://schemas.openxmlformats.org/drawingml/2006/compatibility" xmlns:ns12="http://schemas.openxmlformats.org/drawingml/2006/lockedCanvas">
   <p:cSld>
     <p:spTree>
       <p:nvGrpSpPr>
